--- a/doc/个人汇报-焦点.pptx
+++ b/doc/个人汇报-焦点.pptx
@@ -5,7 +5,7 @@
     <p:sldMasterId id="2147483648" r:id="rId1"/>
   </p:sldMasterIdLst>
   <p:notesMasterIdLst>
-    <p:notesMasterId r:id="rId14"/>
+    <p:notesMasterId r:id="rId23"/>
   </p:notesMasterIdLst>
   <p:sldIdLst>
     <p:sldId id="258" r:id="rId2"/>
@@ -16,10 +16,19 @@
     <p:sldId id="342" r:id="rId7"/>
     <p:sldId id="322" r:id="rId8"/>
     <p:sldId id="286" r:id="rId9"/>
-    <p:sldId id="323" r:id="rId10"/>
-    <p:sldId id="319" r:id="rId11"/>
-    <p:sldId id="324" r:id="rId12"/>
-    <p:sldId id="282" r:id="rId13"/>
+    <p:sldId id="346" r:id="rId10"/>
+    <p:sldId id="347" r:id="rId11"/>
+    <p:sldId id="348" r:id="rId12"/>
+    <p:sldId id="351" r:id="rId13"/>
+    <p:sldId id="323" r:id="rId14"/>
+    <p:sldId id="319" r:id="rId15"/>
+    <p:sldId id="349" r:id="rId16"/>
+    <p:sldId id="350" r:id="rId17"/>
+    <p:sldId id="352" r:id="rId18"/>
+    <p:sldId id="324" r:id="rId19"/>
+    <p:sldId id="282" r:id="rId20"/>
+    <p:sldId id="343" r:id="rId21"/>
+    <p:sldId id="344" r:id="rId22"/>
   </p:sldIdLst>
   <p:sldSz cx="12192000" cy="6858000"/>
   <p:notesSz cx="6858000" cy="9144000"/>
@@ -203,7 +212,7 @@
           <a:p>
             <a:fld id="{F90BB0E1-7F69-4134-8E88-6081C868F3BA}" type="datetimeFigureOut">
               <a:rPr lang="zh-CN" altLang="en-US" smtClean="0"/>
-              <a:t>2017/7/18</a:t>
+              <a:t>2017/7/19</a:t>
             </a:fld>
             <a:endParaRPr lang="zh-CN" altLang="en-US"/>
           </a:p>
@@ -614,7 +623,7 @@
           <a:p>
             <a:fld id="{E2E824D4-8AB1-4098-9EF6-0DCB69238AFF}" type="slidenum">
               <a:rPr lang="zh-CN" altLang="en-US" smtClean="0"/>
-              <a:t>12</a:t>
+              <a:t>19</a:t>
             </a:fld>
             <a:endParaRPr lang="zh-CN" altLang="en-US"/>
           </a:p>
@@ -757,7 +766,7 @@
           <a:p>
             <a:fld id="{76BC55AE-27AD-4EE9-8728-F9A7F2ABE9FE}" type="datetimeFigureOut">
               <a:rPr lang="zh-CN" altLang="en-US" smtClean="0"/>
-              <a:t>2017/7/18</a:t>
+              <a:t>2017/7/19</a:t>
             </a:fld>
             <a:endParaRPr lang="zh-CN" altLang="en-US"/>
           </a:p>
@@ -920,7 +929,7 @@
           <a:p>
             <a:fld id="{76BC55AE-27AD-4EE9-8728-F9A7F2ABE9FE}" type="datetimeFigureOut">
               <a:rPr lang="zh-CN" altLang="en-US" smtClean="0"/>
-              <a:t>2017/7/18</a:t>
+              <a:t>2017/7/19</a:t>
             </a:fld>
             <a:endParaRPr lang="zh-CN" altLang="en-US"/>
           </a:p>
@@ -1093,7 +1102,7 @@
           <a:p>
             <a:fld id="{76BC55AE-27AD-4EE9-8728-F9A7F2ABE9FE}" type="datetimeFigureOut">
               <a:rPr lang="zh-CN" altLang="en-US" smtClean="0"/>
-              <a:t>2017/7/18</a:t>
+              <a:t>2017/7/19</a:t>
             </a:fld>
             <a:endParaRPr lang="zh-CN" altLang="en-US"/>
           </a:p>
@@ -1256,7 +1265,7 @@
           <a:p>
             <a:fld id="{76BC55AE-27AD-4EE9-8728-F9A7F2ABE9FE}" type="datetimeFigureOut">
               <a:rPr lang="zh-CN" altLang="en-US" smtClean="0"/>
-              <a:t>2017/7/18</a:t>
+              <a:t>2017/7/19</a:t>
             </a:fld>
             <a:endParaRPr lang="zh-CN" altLang="en-US"/>
           </a:p>
@@ -1496,7 +1505,7 @@
           <a:p>
             <a:fld id="{76BC55AE-27AD-4EE9-8728-F9A7F2ABE9FE}" type="datetimeFigureOut">
               <a:rPr lang="zh-CN" altLang="en-US" smtClean="0"/>
-              <a:t>2017/7/18</a:t>
+              <a:t>2017/7/19</a:t>
             </a:fld>
             <a:endParaRPr lang="zh-CN" altLang="en-US"/>
           </a:p>
@@ -1720,7 +1729,7 @@
           <a:p>
             <a:fld id="{76BC55AE-27AD-4EE9-8728-F9A7F2ABE9FE}" type="datetimeFigureOut">
               <a:rPr lang="zh-CN" altLang="en-US" smtClean="0"/>
-              <a:t>2017/7/18</a:t>
+              <a:t>2017/7/19</a:t>
             </a:fld>
             <a:endParaRPr lang="zh-CN" altLang="en-US"/>
           </a:p>
@@ -2079,7 +2088,7 @@
           <a:p>
             <a:fld id="{76BC55AE-27AD-4EE9-8728-F9A7F2ABE9FE}" type="datetimeFigureOut">
               <a:rPr lang="zh-CN" altLang="en-US" smtClean="0"/>
-              <a:t>2017/7/18</a:t>
+              <a:t>2017/7/19</a:t>
             </a:fld>
             <a:endParaRPr lang="zh-CN" altLang="en-US"/>
           </a:p>
@@ -2191,7 +2200,7 @@
           <a:p>
             <a:fld id="{76BC55AE-27AD-4EE9-8728-F9A7F2ABE9FE}" type="datetimeFigureOut">
               <a:rPr lang="zh-CN" altLang="en-US" smtClean="0"/>
-              <a:t>2017/7/18</a:t>
+              <a:t>2017/7/19</a:t>
             </a:fld>
             <a:endParaRPr lang="zh-CN" altLang="en-US"/>
           </a:p>
@@ -2281,7 +2290,7 @@
           <a:p>
             <a:fld id="{76BC55AE-27AD-4EE9-8728-F9A7F2ABE9FE}" type="datetimeFigureOut">
               <a:rPr lang="zh-CN" altLang="en-US" smtClean="0"/>
-              <a:t>2017/7/18</a:t>
+              <a:t>2017/7/19</a:t>
             </a:fld>
             <a:endParaRPr lang="zh-CN" altLang="en-US"/>
           </a:p>
@@ -2551,7 +2560,7 @@
           <a:p>
             <a:fld id="{76BC55AE-27AD-4EE9-8728-F9A7F2ABE9FE}" type="datetimeFigureOut">
               <a:rPr lang="zh-CN" altLang="en-US" smtClean="0"/>
-              <a:t>2017/7/18</a:t>
+              <a:t>2017/7/19</a:t>
             </a:fld>
             <a:endParaRPr lang="zh-CN" altLang="en-US"/>
           </a:p>
@@ -2798,7 +2807,7 @@
           <a:p>
             <a:fld id="{76BC55AE-27AD-4EE9-8728-F9A7F2ABE9FE}" type="datetimeFigureOut">
               <a:rPr lang="zh-CN" altLang="en-US" smtClean="0"/>
-              <a:t>2017/7/18</a:t>
+              <a:t>2017/7/19</a:t>
             </a:fld>
             <a:endParaRPr lang="zh-CN" altLang="en-US"/>
           </a:p>
@@ -3013,7 +3022,7 @@
           <a:p>
             <a:fld id="{76BC55AE-27AD-4EE9-8728-F9A7F2ABE9FE}" type="datetimeFigureOut">
               <a:rPr lang="zh-CN" altLang="en-US" smtClean="0"/>
-              <a:t>2017/7/18</a:t>
+              <a:t>2017/7/19</a:t>
             </a:fld>
             <a:endParaRPr lang="zh-CN" altLang="en-US"/>
           </a:p>
@@ -4434,79 +4443,14 @@
       </p:grpSpPr>
       <p:sp>
         <p:nvSpPr>
-          <p:cNvPr id="11" name="Rounded Rectangle 61" descr="e7d195523061f1c0205959036996ad55c215b892a7aac5c0B9ADEF7896FB48F2EF97163A2DE1401E1875DEDC438B7864AD24CA23553DBBBD975DAF4CAD4A2592689FFB6CEE59FFA55B2702D0E5EE29CDFC0DD98BC7D6A39AC4E055256EE11BBEDCDB7C9722D66262996B68DE860BD3C77EBCAECB599909EC0E07B61811075331ABCDE6990254B8C8"/>
-          <p:cNvSpPr>
-            <a:spLocks noChangeArrowheads="1"/>
-          </p:cNvSpPr>
-          <p:nvPr/>
-        </p:nvSpPr>
-        <p:spPr bwMode="auto">
-          <a:xfrm rot="21584148">
-            <a:off x="1979295" y="1644650"/>
-            <a:ext cx="1230630" cy="974725"/>
-          </a:xfrm>
-          <a:prstGeom prst="roundRect">
-            <a:avLst>
-              <a:gd name="adj" fmla="val 9375"/>
-            </a:avLst>
-          </a:prstGeom>
-          <a:solidFill>
-            <a:srgbClr val="EE534F"/>
-          </a:solidFill>
-          <a:ln>
-            <a:noFill/>
-          </a:ln>
-          <a:effectLst>
-            <a:outerShdw blurRad="152400" sx="103000" sy="103000" algn="ctr" rotWithShape="0">
-              <a:prstClr val="black">
-                <a:alpha val="30000"/>
-              </a:prstClr>
-            </a:outerShdw>
-          </a:effectLst>
-        </p:spPr>
-        <p:style>
-          <a:lnRef idx="2">
-            <a:schemeClr val="accent1">
-              <a:shade val="50000"/>
-            </a:schemeClr>
-          </a:lnRef>
-          <a:fillRef idx="1">
-            <a:schemeClr val="accent1"/>
-          </a:fillRef>
-          <a:effectRef idx="0">
-            <a:schemeClr val="accent1"/>
-          </a:effectRef>
-          <a:fontRef idx="minor">
-            <a:schemeClr val="lt1"/>
-          </a:fontRef>
-        </p:style>
-        <p:txBody>
-          <a:bodyPr rtlCol="0" anchor="ctr"/>
-          <a:lstStyle/>
-          <a:p>
-            <a:pPr algn="ctr"/>
-            <a:r>
-              <a:rPr lang="x-none" altLang="en-US" sz="2400" b="1" dirty="0" smtClean="0"/>
-              <a:t>Wh</a:t>
-            </a:r>
-            <a:r>
-              <a:rPr lang="en-US" altLang="zh-CN" sz="2400" b="1" dirty="0" smtClean="0"/>
-              <a:t>at</a:t>
-            </a:r>
-            <a:endParaRPr lang="x-none" altLang="en-US" sz="2400" b="1" dirty="0"/>
-          </a:p>
-        </p:txBody>
-      </p:sp>
-      <p:sp>
-        <p:nvSpPr>
           <p:cNvPr id="43" name="Rectangle 89" descr="e7d195523061f1c0205959036996ad55c215b892a7aac5c0B9ADEF7896FB48F2EF97163A2DE1401E1875DEDC438B7864AD24CA23553DBBBD975DAF4CAD4A2592689FFB6CEE59FFA55B2702D0E5EE29CDFC0DD98BC7D6A39AC4E055256EE11BBEDCDB7C9722D66262996B68DE860BD3C77EBCAECB599909EC0E07B61811075331ABCDE6990254B8C8"/>
           <p:cNvSpPr/>
           <p:nvPr/>
         </p:nvSpPr>
         <p:spPr>
           <a:xfrm>
-            <a:off x="3578606" y="1641817"/>
-            <a:ext cx="7766685" cy="1137106"/>
+            <a:off x="8349365" y="1572732"/>
+            <a:ext cx="3842635" cy="3785652"/>
           </a:xfrm>
           <a:prstGeom prst="rect">
             <a:avLst/>
@@ -4518,13 +4462,13 @@
           </a:bodyPr>
           <a:lstStyle/>
           <a:p>
-            <a:pPr fontAlgn="auto">
+            <a:pPr>
               <a:lnSpc>
-                <a:spcPct val="150000"/>
+                <a:spcPct val="200000"/>
               </a:lnSpc>
             </a:pPr>
             <a:r>
-              <a:rPr lang="x-none" sz="2400" b="1" dirty="0" smtClean="0">
+              <a:rPr lang="zh-CN" altLang="en-US" sz="2400" b="1" dirty="0" smtClean="0">
                 <a:solidFill>
                   <a:schemeClr val="tx1">
                     <a:lumMod val="65000"/>
@@ -4534,7 +4478,7 @@
                 <a:ea typeface="Open Sans" panose="020B0606030504020204" pitchFamily="34" charset="0"/>
                 <a:cs typeface="Open Sans" panose="020B0606030504020204" pitchFamily="34" charset="0"/>
               </a:rPr>
-              <a:t>采用Angular</a:t>
+              <a:t>打开软件，</a:t>
             </a:r>
             <a:r>
               <a:rPr lang="en-US" altLang="zh-CN" sz="2400" b="1" dirty="0" smtClean="0">
@@ -4547,10 +4491,10 @@
                 <a:ea typeface="Open Sans" panose="020B0606030504020204" pitchFamily="34" charset="0"/>
                 <a:cs typeface="Open Sans" panose="020B0606030504020204" pitchFamily="34" charset="0"/>
               </a:rPr>
-              <a:t>JS</a:t>
-            </a:r>
-            <a:r>
-              <a:rPr lang="x-none" sz="2400" b="1" dirty="0" smtClean="0">
+              <a:t>clone</a:t>
+            </a:r>
+            <a:r>
+              <a:rPr lang="zh-CN" altLang="en-US" sz="2400" b="1" dirty="0" smtClean="0">
                 <a:solidFill>
                   <a:schemeClr val="tx1">
                     <a:lumMod val="65000"/>
@@ -4560,10 +4504,27 @@
                 <a:ea typeface="Open Sans" panose="020B0606030504020204" pitchFamily="34" charset="0"/>
                 <a:cs typeface="Open Sans" panose="020B0606030504020204" pitchFamily="34" charset="0"/>
               </a:rPr>
-              <a:t>作为开发框架</a:t>
-            </a:r>
-            <a:r>
-              <a:rPr lang="x-none" sz="2400" b="1" dirty="0" smtClean="0">
+              <a:t>项目后，列表出现项目名称。</a:t>
+            </a:r>
+            <a:endParaRPr lang="en-US" altLang="zh-CN" sz="2400" b="1" dirty="0" smtClean="0">
+              <a:solidFill>
+                <a:schemeClr val="tx1">
+                  <a:lumMod val="65000"/>
+                  <a:lumOff val="35000"/>
+                </a:schemeClr>
+              </a:solidFill>
+              <a:ea typeface="Open Sans" panose="020B0606030504020204" pitchFamily="34" charset="0"/>
+              <a:cs typeface="Open Sans" panose="020B0606030504020204" pitchFamily="34" charset="0"/>
+            </a:endParaRPr>
+          </a:p>
+          <a:p>
+            <a:pPr>
+              <a:lnSpc>
+                <a:spcPct val="200000"/>
+              </a:lnSpc>
+            </a:pPr>
+            <a:r>
+              <a:rPr lang="zh-CN" altLang="en-US" sz="2400" b="1" dirty="0" smtClean="0">
                 <a:solidFill>
                   <a:schemeClr val="tx1">
                     <a:lumMod val="65000"/>
@@ -4573,25 +4534,8 @@
                 <a:ea typeface="Open Sans" panose="020B0606030504020204" pitchFamily="34" charset="0"/>
                 <a:cs typeface="Open Sans" panose="020B0606030504020204" pitchFamily="34" charset="0"/>
               </a:rPr>
-              <a:t>，</a:t>
-            </a:r>
-            <a:endParaRPr lang="en-US" sz="2400" b="1" dirty="0" smtClean="0">
-              <a:solidFill>
-                <a:schemeClr val="tx1">
-                  <a:lumMod val="65000"/>
-                  <a:lumOff val="35000"/>
-                </a:schemeClr>
-              </a:solidFill>
-              <a:ea typeface="Open Sans" panose="020B0606030504020204" pitchFamily="34" charset="0"/>
-              <a:cs typeface="Open Sans" panose="020B0606030504020204" pitchFamily="34" charset="0"/>
-            </a:endParaRPr>
-          </a:p>
-          <a:p>
-            <a:pPr fontAlgn="auto">
-              <a:lnSpc>
-                <a:spcPct val="150000"/>
-              </a:lnSpc>
-            </a:pPr>
+              <a:t>点击项目名，右侧的</a:t>
+            </a:r>
             <a:r>
               <a:rPr lang="en-US" altLang="zh-CN" sz="2400" b="1" dirty="0" smtClean="0">
                 <a:solidFill>
@@ -4603,7 +4547,7 @@
                 <a:ea typeface="Open Sans" panose="020B0606030504020204" pitchFamily="34" charset="0"/>
                 <a:cs typeface="Open Sans" panose="020B0606030504020204" pitchFamily="34" charset="0"/>
               </a:rPr>
-              <a:t>bootstrap</a:t>
+              <a:t>history</a:t>
             </a:r>
             <a:r>
               <a:rPr lang="zh-CN" altLang="en-US" sz="2400" b="1" dirty="0" smtClean="0">
@@ -4616,9 +4560,35 @@
                 <a:ea typeface="Open Sans" panose="020B0606030504020204" pitchFamily="34" charset="0"/>
                 <a:cs typeface="Open Sans" panose="020B0606030504020204" pitchFamily="34" charset="0"/>
               </a:rPr>
-              <a:t>作为页面样式框架</a:t>
-            </a:r>
-            <a:endParaRPr lang="x-none" sz="2400" b="1" dirty="0" smtClean="0">
+              <a:t>可显示项目</a:t>
+            </a:r>
+            <a:r>
+              <a:rPr lang="en-US" altLang="zh-CN" sz="2400" b="1" dirty="0" smtClean="0">
+                <a:solidFill>
+                  <a:schemeClr val="tx1">
+                    <a:lumMod val="65000"/>
+                    <a:lumOff val="35000"/>
+                  </a:schemeClr>
+                </a:solidFill>
+                <a:ea typeface="Open Sans" panose="020B0606030504020204" pitchFamily="34" charset="0"/>
+                <a:cs typeface="Open Sans" panose="020B0606030504020204" pitchFamily="34" charset="0"/>
+              </a:rPr>
+              <a:t>commit</a:t>
+            </a:r>
+            <a:r>
+              <a:rPr lang="zh-CN" altLang="en-US" sz="2400" b="1" dirty="0" smtClean="0">
+                <a:solidFill>
+                  <a:schemeClr val="tx1">
+                    <a:lumMod val="65000"/>
+                    <a:lumOff val="35000"/>
+                  </a:schemeClr>
+                </a:solidFill>
+                <a:ea typeface="Open Sans" panose="020B0606030504020204" pitchFamily="34" charset="0"/>
+                <a:cs typeface="Open Sans" panose="020B0606030504020204" pitchFamily="34" charset="0"/>
+              </a:rPr>
+              <a:t>记录及具体内容。</a:t>
+            </a:r>
+            <a:endParaRPr lang="x-none" altLang="en-US" sz="2400" b="1" dirty="0" smtClean="0">
               <a:solidFill>
                 <a:schemeClr val="tx1">
                   <a:lumMod val="65000"/>
@@ -4713,13 +4683,10 @@
           <a:p>
             <a:pPr algn="ctr"/>
             <a:r>
-              <a:rPr lang="en-US" altLang="zh-CN" sz="2400" b="1" dirty="0"/>
-              <a:t>0</a:t>
-            </a:r>
-            <a:r>
-              <a:rPr lang="x-none" sz="2400" b="1" dirty="0"/>
-              <a:t>4</a:t>
-            </a:r>
+              <a:rPr lang="en-US" altLang="zh-CN" sz="2400" b="1" dirty="0" smtClean="0"/>
+              <a:t>01</a:t>
+            </a:r>
+            <a:endParaRPr lang="zh-CN" altLang="en-US" sz="2400" b="1" dirty="0"/>
           </a:p>
         </p:txBody>
       </p:sp>
@@ -4731,8 +4698,8 @@
         </p:nvSpPr>
         <p:spPr>
           <a:xfrm>
-            <a:off x="1303655" y="321945"/>
-            <a:ext cx="5391150" cy="640080"/>
+            <a:off x="1270635" y="305435"/>
+            <a:ext cx="3717925" cy="640080"/>
           </a:xfrm>
           <a:prstGeom prst="rect">
             <a:avLst/>
@@ -4763,24 +4730,24 @@
           <a:lstStyle/>
           <a:p>
             <a:r>
-              <a:rPr lang="x-none" sz="3200" dirty="0" smtClean="0">
+              <a:rPr lang="en-US" altLang="zh-CN" sz="3200" dirty="0" smtClean="0">
                 <a:solidFill>
                   <a:srgbClr val="EE534F"/>
                 </a:solidFill>
                 <a:ea typeface="Microsoft YaHei UI" panose="020B0503020204020204" pitchFamily="34" charset="-122"/>
               </a:rPr>
-              <a:t>Angular</a:t>
-            </a:r>
-            <a:r>
-              <a:rPr lang="en-US" altLang="zh-CN" sz="3200" dirty="0" err="1" smtClean="0">
+              <a:t>GitHub</a:t>
+            </a:r>
+            <a:r>
+              <a:rPr lang="zh-CN" altLang="en-US" sz="3200" dirty="0" smtClean="0">
                 <a:solidFill>
                   <a:srgbClr val="EE534F"/>
                 </a:solidFill>
                 <a:ea typeface="Microsoft YaHei UI" panose="020B0503020204020204" pitchFamily="34" charset="-122"/>
               </a:rPr>
-              <a:t>JS+bootstrap</a:t>
-            </a:r>
-            <a:endParaRPr lang="x-none" sz="3200" dirty="0">
+              <a:t>桌面版</a:t>
+            </a:r>
+            <a:endParaRPr lang="x-none" altLang="en-US" sz="3200" dirty="0">
               <a:solidFill>
                 <a:schemeClr val="tx1">
                   <a:lumMod val="75000"/>
@@ -4792,7 +4759,72 @@
           </a:p>
         </p:txBody>
       </p:sp>
+      <p:pic>
+        <p:nvPicPr>
+          <p:cNvPr id="4" name="图片 3" descr="屏幕剪辑"/>
+          <p:cNvPicPr>
+            <a:picLocks noChangeAspect="1"/>
+          </p:cNvPicPr>
+          <p:nvPr/>
+        </p:nvPicPr>
+        <p:blipFill>
+          <a:blip r:embed="rId2">
+            <a:extLst>
+              <a:ext uri="{28A0092B-C50C-407E-A947-70E740481C1C}">
+                <a14:useLocalDpi xmlns:a14="http://schemas.microsoft.com/office/drawing/2010/main" val="0"/>
+              </a:ext>
+            </a:extLst>
+          </a:blip>
+          <a:stretch>
+            <a:fillRect/>
+          </a:stretch>
+        </p:blipFill>
+        <p:spPr>
+          <a:xfrm>
+            <a:off x="313519" y="1233424"/>
+            <a:ext cx="7566454" cy="4124960"/>
+          </a:xfrm>
+          <a:prstGeom prst="rect">
+            <a:avLst/>
+          </a:prstGeom>
+        </p:spPr>
+      </p:pic>
+      <p:pic>
+        <p:nvPicPr>
+          <p:cNvPr id="3" name="图片 2" descr="屏幕剪辑"/>
+          <p:cNvPicPr>
+            <a:picLocks noChangeAspect="1"/>
+          </p:cNvPicPr>
+          <p:nvPr/>
+        </p:nvPicPr>
+        <p:blipFill>
+          <a:blip r:embed="rId3">
+            <a:extLst>
+              <a:ext uri="{28A0092B-C50C-407E-A947-70E740481C1C}">
+                <a14:useLocalDpi xmlns:a14="http://schemas.microsoft.com/office/drawing/2010/main" val="0"/>
+              </a:ext>
+            </a:extLst>
+          </a:blip>
+          <a:stretch>
+            <a:fillRect/>
+          </a:stretch>
+        </p:blipFill>
+        <p:spPr>
+          <a:xfrm>
+            <a:off x="4289708" y="360913"/>
+            <a:ext cx="704948" cy="743054"/>
+          </a:xfrm>
+          <a:prstGeom prst="rect">
+            <a:avLst/>
+          </a:prstGeom>
+        </p:spPr>
+      </p:pic>
     </p:spTree>
+    <p:extLst>
+      <p:ext uri="{BB962C8B-B14F-4D97-AF65-F5344CB8AC3E}">
+        <p14:creationId xmlns:p14="http://schemas.microsoft.com/office/powerpoint/2010/main" val="1126795093"/>
+      </p:ext>
+    </p:extLst>
   </p:cSld>
   <p:clrMapOvr>
     <a:masterClrMapping/>
@@ -4833,9 +4865,9 @@
                             </p:stCondLst>
                             <p:childTnLst>
                               <p:par>
-                                <p:cTn id="5" presetID="53" presetClass="entr" presetSubtype="16" fill="hold" grpId="0" nodeType="withEffect">
+                                <p:cTn id="5" presetID="22" presetClass="entr" presetSubtype="8" fill="hold" grpId="0" nodeType="withEffect">
                                   <p:stCondLst>
-                                    <p:cond delay="2500"/>
+                                    <p:cond delay="3000"/>
                                   </p:stCondLst>
                                   <p:childTnLst>
                                     <p:set>
@@ -4846,7 +4878,7 @@
                                           </p:stCondLst>
                                         </p:cTn>
                                         <p:tgtEl>
-                                          <p:spTgt spid="11"/>
+                                          <p:spTgt spid="43"/>
                                         </p:tgtEl>
                                         <p:attrNameLst>
                                           <p:attrName>style.visibility</p:attrName>
@@ -4856,57 +4888,11 @@
                                         <p:strVal val="visible"/>
                                       </p:to>
                                     </p:set>
-                                    <p:anim calcmode="lin" valueType="num">
-                                      <p:cBhvr>
-                                        <p:cTn id="7" dur="1000" fill="hold"/>
-                                        <p:tgtEl>
-                                          <p:spTgt spid="11"/>
-                                        </p:tgtEl>
-                                        <p:attrNameLst>
-                                          <p:attrName>ppt_w</p:attrName>
-                                        </p:attrNameLst>
-                                      </p:cBhvr>
-                                      <p:tavLst>
-                                        <p:tav tm="0">
-                                          <p:val>
-                                            <p:fltVal val="0"/>
-                                          </p:val>
-                                        </p:tav>
-                                        <p:tav tm="100000">
-                                          <p:val>
-                                            <p:strVal val="#ppt_w"/>
-                                          </p:val>
-                                        </p:tav>
-                                      </p:tavLst>
-                                    </p:anim>
-                                    <p:anim calcmode="lin" valueType="num">
-                                      <p:cBhvr>
-                                        <p:cTn id="8" dur="1000" fill="hold"/>
-                                        <p:tgtEl>
-                                          <p:spTgt spid="11"/>
-                                        </p:tgtEl>
-                                        <p:attrNameLst>
-                                          <p:attrName>ppt_h</p:attrName>
-                                        </p:attrNameLst>
-                                      </p:cBhvr>
-                                      <p:tavLst>
-                                        <p:tav tm="0">
-                                          <p:val>
-                                            <p:fltVal val="0"/>
-                                          </p:val>
-                                        </p:tav>
-                                        <p:tav tm="100000">
-                                          <p:val>
-                                            <p:strVal val="#ppt_h"/>
-                                          </p:val>
-                                        </p:tav>
-                                      </p:tavLst>
-                                    </p:anim>
-                                    <p:animEffect transition="in" filter="fade">
-                                      <p:cBhvr>
-                                        <p:cTn id="9" dur="1000"/>
-                                        <p:tgtEl>
-                                          <p:spTgt spid="11"/>
+                                    <p:animEffect transition="in" filter="wipe(left)">
+                                      <p:cBhvr>
+                                        <p:cTn id="7" dur="500"/>
+                                        <p:tgtEl>
+                                          <p:spTgt spid="43"/>
                                         </p:tgtEl>
                                       </p:cBhvr>
                                     </p:animEffect>
@@ -4914,20 +4900,20 @@
                                 </p:cTn>
                               </p:par>
                               <p:par>
-                                <p:cTn id="10" presetID="49" presetClass="entr" presetSubtype="0" decel="100000" fill="hold" grpId="1" nodeType="withEffect">
+                                <p:cTn id="8" presetID="10" presetClass="entr" presetSubtype="0" fill="hold" grpId="0" nodeType="withEffect">
                                   <p:stCondLst>
-                                    <p:cond delay="2500"/>
+                                    <p:cond delay="0"/>
                                   </p:stCondLst>
                                   <p:childTnLst>
                                     <p:set>
                                       <p:cBhvr>
-                                        <p:cTn id="11" dur="1" fill="hold">
+                                        <p:cTn id="9" dur="1" fill="hold">
                                           <p:stCondLst>
                                             <p:cond delay="0"/>
                                           </p:stCondLst>
                                         </p:cTn>
                                         <p:tgtEl>
-                                          <p:spTgt spid="11"/>
+                                          <p:spTgt spid="18"/>
                                         </p:tgtEl>
                                         <p:attrNameLst>
                                           <p:attrName>style.visibility</p:attrName>
@@ -4937,80 +4923,11 @@
                                         <p:strVal val="visible"/>
                                       </p:to>
                                     </p:set>
-                                    <p:anim calcmode="lin" valueType="num">
-                                      <p:cBhvr>
-                                        <p:cTn id="12" dur="1000" fill="hold"/>
-                                        <p:tgtEl>
-                                          <p:spTgt spid="11"/>
-                                        </p:tgtEl>
-                                        <p:attrNameLst>
-                                          <p:attrName>ppt_w</p:attrName>
-                                        </p:attrNameLst>
-                                      </p:cBhvr>
-                                      <p:tavLst>
-                                        <p:tav tm="0">
-                                          <p:val>
-                                            <p:fltVal val="0"/>
-                                          </p:val>
-                                        </p:tav>
-                                        <p:tav tm="100000">
-                                          <p:val>
-                                            <p:strVal val="#ppt_w"/>
-                                          </p:val>
-                                        </p:tav>
-                                      </p:tavLst>
-                                    </p:anim>
-                                    <p:anim calcmode="lin" valueType="num">
-                                      <p:cBhvr>
-                                        <p:cTn id="13" dur="1000" fill="hold"/>
-                                        <p:tgtEl>
-                                          <p:spTgt spid="11"/>
-                                        </p:tgtEl>
-                                        <p:attrNameLst>
-                                          <p:attrName>ppt_h</p:attrName>
-                                        </p:attrNameLst>
-                                      </p:cBhvr>
-                                      <p:tavLst>
-                                        <p:tav tm="0">
-                                          <p:val>
-                                            <p:fltVal val="0"/>
-                                          </p:val>
-                                        </p:tav>
-                                        <p:tav tm="100000">
-                                          <p:val>
-                                            <p:strVal val="#ppt_h"/>
-                                          </p:val>
-                                        </p:tav>
-                                      </p:tavLst>
-                                    </p:anim>
-                                    <p:anim calcmode="lin" valueType="num">
-                                      <p:cBhvr>
-                                        <p:cTn id="14" dur="1000" fill="hold"/>
-                                        <p:tgtEl>
-                                          <p:spTgt spid="11"/>
-                                        </p:tgtEl>
-                                        <p:attrNameLst>
-                                          <p:attrName>style.rotation</p:attrName>
-                                        </p:attrNameLst>
-                                      </p:cBhvr>
-                                      <p:tavLst>
-                                        <p:tav tm="0">
-                                          <p:val>
-                                            <p:fltVal val="360"/>
-                                          </p:val>
-                                        </p:tav>
-                                        <p:tav tm="100000">
-                                          <p:val>
-                                            <p:fltVal val="0"/>
-                                          </p:val>
-                                        </p:tav>
-                                      </p:tavLst>
-                                    </p:anim>
                                     <p:animEffect transition="in" filter="fade">
                                       <p:cBhvr>
-                                        <p:cTn id="15" dur="1000"/>
-                                        <p:tgtEl>
-                                          <p:spTgt spid="11"/>
+                                        <p:cTn id="10" dur="1000"/>
+                                        <p:tgtEl>
+                                          <p:spTgt spid="18"/>
                                         </p:tgtEl>
                                       </p:cBhvr>
                                     </p:animEffect>
@@ -5018,106 +4935,14 @@
                                 </p:cTn>
                               </p:par>
                               <p:par>
-                                <p:cTn id="16" presetID="42" presetClass="path" presetSubtype="0" accel="50000" decel="50000" fill="hold" grpId="2" nodeType="withEffect">
-                                  <p:stCondLst>
-                                    <p:cond delay="2500"/>
-                                  </p:stCondLst>
-                                  <p:childTnLst>
-                                    <p:animMotion origin="layout" path="M 0.09492 0.03426 L 3.75E-6 -2.59259E-6 " pathEditMode="relative" rAng="0" ptsTypes="AA">
-                                      <p:cBhvr>
-                                        <p:cTn id="17" dur="1000" fill="hold"/>
-                                        <p:tgtEl>
-                                          <p:spTgt spid="11"/>
-                                        </p:tgtEl>
-                                        <p:attrNameLst>
-                                          <p:attrName>ppt_x</p:attrName>
-                                          <p:attrName>ppt_y</p:attrName>
-                                        </p:attrNameLst>
-                                      </p:cBhvr>
-                                      <p:rCtr x="-4753" y="-1713"/>
-                                    </p:animMotion>
-                                  </p:childTnLst>
-                                </p:cTn>
-                              </p:par>
-                              <p:par>
-                                <p:cTn id="18" presetID="22" presetClass="entr" presetSubtype="8" fill="hold" grpId="0" nodeType="withEffect">
-                                  <p:stCondLst>
-                                    <p:cond delay="3000"/>
-                                  </p:stCondLst>
-                                  <p:childTnLst>
-                                    <p:set>
-                                      <p:cBhvr>
-                                        <p:cTn id="19" dur="1" fill="hold">
-                                          <p:stCondLst>
-                                            <p:cond delay="0"/>
-                                          </p:stCondLst>
-                                        </p:cTn>
-                                        <p:tgtEl>
-                                          <p:spTgt spid="43"/>
-                                        </p:tgtEl>
-                                        <p:attrNameLst>
-                                          <p:attrName>style.visibility</p:attrName>
-                                        </p:attrNameLst>
-                                      </p:cBhvr>
-                                      <p:to>
-                                        <p:strVal val="visible"/>
-                                      </p:to>
-                                    </p:set>
-                                    <p:animEffect transition="in" filter="wipe(left)">
-                                      <p:cBhvr>
-                                        <p:cTn id="20" dur="500"/>
-                                        <p:tgtEl>
-                                          <p:spTgt spid="43"/>
-                                        </p:tgtEl>
-                                      </p:cBhvr>
-                                    </p:animEffect>
-                                  </p:childTnLst>
-                                </p:cTn>
-                              </p:par>
-                              <p:par>
-                                <p:cTn id="21" presetID="10" presetClass="entr" presetSubtype="0" fill="hold" grpId="0" nodeType="withEffect">
-                                  <p:stCondLst>
-                                    <p:cond delay="0"/>
-                                  </p:stCondLst>
-                                  <p:childTnLst>
-                                    <p:set>
-                                      <p:cBhvr>
-                                        <p:cTn id="22" dur="1" fill="hold">
-                                          <p:stCondLst>
-                                            <p:cond delay="0"/>
-                                          </p:stCondLst>
-                                        </p:cTn>
-                                        <p:tgtEl>
-                                          <p:spTgt spid="18"/>
-                                        </p:tgtEl>
-                                        <p:attrNameLst>
-                                          <p:attrName>style.visibility</p:attrName>
-                                        </p:attrNameLst>
-                                      </p:cBhvr>
-                                      <p:to>
-                                        <p:strVal val="visible"/>
-                                      </p:to>
-                                    </p:set>
-                                    <p:animEffect transition="in" filter="fade">
-                                      <p:cBhvr>
-                                        <p:cTn id="23" dur="1000"/>
-                                        <p:tgtEl>
-                                          <p:spTgt spid="18"/>
-                                        </p:tgtEl>
-                                      </p:cBhvr>
-                                    </p:animEffect>
-                                  </p:childTnLst>
-                                </p:cTn>
-                              </p:par>
-                              <p:par>
-                                <p:cTn id="24" presetID="42" presetClass="path" presetSubtype="0" accel="50000" decel="50000" autoRev="1" fill="hold" grpId="1" nodeType="withEffect">
+                                <p:cTn id="11" presetID="42" presetClass="path" presetSubtype="0" accel="50000" decel="50000" autoRev="1" fill="hold" grpId="1" nodeType="withEffect">
                                   <p:stCondLst>
                                     <p:cond delay="0"/>
                                   </p:stCondLst>
                                   <p:childTnLst>
                                     <p:animMotion origin="layout" path="M -1.25E-6 2.22222E-6 L 0.02409 2.22222E-6 " pathEditMode="relative" rAng="0" ptsTypes="AA">
                                       <p:cBhvr>
-                                        <p:cTn id="25" dur="1000" fill="hold"/>
+                                        <p:cTn id="12" dur="1000" fill="hold"/>
                                         <p:tgtEl>
                                           <p:spTgt spid="18"/>
                                         </p:tgtEl>
@@ -5159,9 +4984,6 @@
       </p:par>
     </p:tnLst>
     <p:bldLst>
-      <p:bldP spid="11" grpId="0" bldLvl="0" animBg="1"/>
-      <p:bldP spid="11" grpId="1" bldLvl="0" animBg="1"/>
-      <p:bldP spid="11" grpId="2" bldLvl="0" animBg="1"/>
       <p:bldP spid="43" grpId="0"/>
       <p:bldP spid="18" grpId="0" animBg="1"/>
       <p:bldP spid="18" grpId="1" animBg="1"/>
@@ -5171,6 +4993,1162 @@
 </file>
 
 <file path=ppt/slides/slide11.xml><?xml version="1.0" encoding="utf-8"?>
+<p:sld xmlns:a="http://schemas.openxmlformats.org/drawingml/2006/main" xmlns:r="http://schemas.openxmlformats.org/officeDocument/2006/relationships" xmlns:p="http://schemas.openxmlformats.org/presentationml/2006/main">
+  <p:cSld>
+    <p:spTree>
+      <p:nvGrpSpPr>
+        <p:cNvPr id="1" name=""/>
+        <p:cNvGrpSpPr/>
+        <p:nvPr/>
+      </p:nvGrpSpPr>
+      <p:grpSpPr>
+        <a:xfrm>
+          <a:off x="0" y="0"/>
+          <a:ext cx="0" cy="0"/>
+          <a:chOff x="0" y="0"/>
+          <a:chExt cx="0" cy="0"/>
+        </a:xfrm>
+      </p:grpSpPr>
+      <p:sp>
+        <p:nvSpPr>
+          <p:cNvPr id="43" name="Rectangle 89" descr="e7d195523061f1c0205959036996ad55c215b892a7aac5c0B9ADEF7896FB48F2EF97163A2DE1401E1875DEDC438B7864AD24CA23553DBBBD975DAF4CAD4A2592689FFB6CEE59FFA55B2702D0E5EE29CDFC0DD98BC7D6A39AC4E055256EE11BBEDCDB7C9722D66262996B68DE860BD3C77EBCAECB599909EC0E07B61811075331ABCDE6990254B8C8"/>
+          <p:cNvSpPr/>
+          <p:nvPr/>
+        </p:nvSpPr>
+        <p:spPr>
+          <a:xfrm>
+            <a:off x="8117716" y="945515"/>
+            <a:ext cx="3842635" cy="5262979"/>
+          </a:xfrm>
+          <a:prstGeom prst="rect">
+            <a:avLst/>
+          </a:prstGeom>
+        </p:spPr>
+        <p:txBody>
+          <a:bodyPr wrap="square">
+            <a:spAutoFit/>
+          </a:bodyPr>
+          <a:lstStyle/>
+          <a:p>
+            <a:pPr>
+              <a:lnSpc>
+                <a:spcPct val="200000"/>
+              </a:lnSpc>
+            </a:pPr>
+            <a:r>
+              <a:rPr lang="zh-CN" altLang="en-US" sz="2400" b="1" dirty="0" smtClean="0">
+                <a:solidFill>
+                  <a:schemeClr val="tx1">
+                    <a:lumMod val="65000"/>
+                    <a:lumOff val="35000"/>
+                  </a:schemeClr>
+                </a:solidFill>
+                <a:ea typeface="Open Sans" panose="020B0606030504020204" pitchFamily="34" charset="0"/>
+                <a:cs typeface="Open Sans" panose="020B0606030504020204" pitchFamily="34" charset="0"/>
+              </a:rPr>
+              <a:t>另外相比于</a:t>
+            </a:r>
+            <a:r>
+              <a:rPr lang="en-US" altLang="zh-CN" sz="2400" b="1" dirty="0" err="1" smtClean="0">
+                <a:solidFill>
+                  <a:schemeClr val="tx1">
+                    <a:lumMod val="65000"/>
+                    <a:lumOff val="35000"/>
+                  </a:schemeClr>
+                </a:solidFill>
+                <a:ea typeface="Open Sans" panose="020B0606030504020204" pitchFamily="34" charset="0"/>
+                <a:cs typeface="Open Sans" panose="020B0606030504020204" pitchFamily="34" charset="0"/>
+              </a:rPr>
+              <a:t>git</a:t>
+            </a:r>
+            <a:r>
+              <a:rPr lang="en-US" altLang="zh-CN" sz="2400" b="1" dirty="0" smtClean="0">
+                <a:solidFill>
+                  <a:schemeClr val="tx1">
+                    <a:lumMod val="65000"/>
+                    <a:lumOff val="35000"/>
+                  </a:schemeClr>
+                </a:solidFill>
+                <a:ea typeface="Open Sans" panose="020B0606030504020204" pitchFamily="34" charset="0"/>
+                <a:cs typeface="Open Sans" panose="020B0606030504020204" pitchFamily="34" charset="0"/>
+              </a:rPr>
+              <a:t> </a:t>
+            </a:r>
+            <a:r>
+              <a:rPr lang="zh-CN" altLang="en-US" sz="2400" b="1" dirty="0" smtClean="0">
+                <a:solidFill>
+                  <a:schemeClr val="tx1">
+                    <a:lumMod val="65000"/>
+                    <a:lumOff val="35000"/>
+                  </a:schemeClr>
+                </a:solidFill>
+                <a:ea typeface="Open Sans" panose="020B0606030504020204" pitchFamily="34" charset="0"/>
+                <a:cs typeface="Open Sans" panose="020B0606030504020204" pitchFamily="34" charset="0"/>
+              </a:rPr>
+              <a:t>命令行操作，</a:t>
+            </a:r>
+            <a:endParaRPr lang="en-US" altLang="zh-CN" sz="2400" b="1" dirty="0" smtClean="0">
+              <a:solidFill>
+                <a:schemeClr val="tx1">
+                  <a:lumMod val="65000"/>
+                  <a:lumOff val="35000"/>
+                </a:schemeClr>
+              </a:solidFill>
+              <a:ea typeface="Open Sans" panose="020B0606030504020204" pitchFamily="34" charset="0"/>
+              <a:cs typeface="Open Sans" panose="020B0606030504020204" pitchFamily="34" charset="0"/>
+            </a:endParaRPr>
+          </a:p>
+          <a:p>
+            <a:pPr>
+              <a:lnSpc>
+                <a:spcPct val="200000"/>
+              </a:lnSpc>
+            </a:pPr>
+            <a:r>
+              <a:rPr lang="zh-CN" altLang="en-US" sz="2400" b="1" dirty="0" smtClean="0">
+                <a:solidFill>
+                  <a:schemeClr val="tx1">
+                    <a:lumMod val="65000"/>
+                    <a:lumOff val="35000"/>
+                  </a:schemeClr>
+                </a:solidFill>
+                <a:ea typeface="Open Sans" panose="020B0606030504020204" pitchFamily="34" charset="0"/>
+                <a:cs typeface="Open Sans" panose="020B0606030504020204" pitchFamily="34" charset="0"/>
+              </a:rPr>
+              <a:t>可以直接在文件夹下进行</a:t>
+            </a:r>
+            <a:endParaRPr lang="en-US" altLang="zh-CN" sz="2400" b="1" dirty="0" smtClean="0">
+              <a:solidFill>
+                <a:schemeClr val="tx1">
+                  <a:lumMod val="65000"/>
+                  <a:lumOff val="35000"/>
+                </a:schemeClr>
+              </a:solidFill>
+              <a:ea typeface="Open Sans" panose="020B0606030504020204" pitchFamily="34" charset="0"/>
+              <a:cs typeface="Open Sans" panose="020B0606030504020204" pitchFamily="34" charset="0"/>
+            </a:endParaRPr>
+          </a:p>
+          <a:p>
+            <a:pPr>
+              <a:lnSpc>
+                <a:spcPct val="200000"/>
+              </a:lnSpc>
+            </a:pPr>
+            <a:r>
+              <a:rPr lang="zh-CN" altLang="en-US" sz="2400" b="1" dirty="0" smtClean="0">
+                <a:solidFill>
+                  <a:schemeClr val="tx1">
+                    <a:lumMod val="65000"/>
+                    <a:lumOff val="35000"/>
+                  </a:schemeClr>
+                </a:solidFill>
+                <a:ea typeface="Open Sans" panose="020B0606030504020204" pitchFamily="34" charset="0"/>
+                <a:cs typeface="Open Sans" panose="020B0606030504020204" pitchFamily="34" charset="0"/>
+              </a:rPr>
+              <a:t>增删改操作，软件会显示最新的更改，选择需要同步的更改并点击下方的</a:t>
+            </a:r>
+            <a:r>
+              <a:rPr lang="en-US" altLang="zh-CN" sz="2400" b="1" dirty="0" smtClean="0">
+                <a:solidFill>
+                  <a:schemeClr val="tx1">
+                    <a:lumMod val="65000"/>
+                    <a:lumOff val="35000"/>
+                  </a:schemeClr>
+                </a:solidFill>
+                <a:ea typeface="Open Sans" panose="020B0606030504020204" pitchFamily="34" charset="0"/>
+                <a:cs typeface="Open Sans" panose="020B0606030504020204" pitchFamily="34" charset="0"/>
+              </a:rPr>
+              <a:t>commit</a:t>
+            </a:r>
+            <a:r>
+              <a:rPr lang="zh-CN" altLang="en-US" sz="2400" b="1" dirty="0" smtClean="0">
+                <a:solidFill>
+                  <a:schemeClr val="tx1">
+                    <a:lumMod val="65000"/>
+                    <a:lumOff val="35000"/>
+                  </a:schemeClr>
+                </a:solidFill>
+                <a:ea typeface="Open Sans" panose="020B0606030504020204" pitchFamily="34" charset="0"/>
+                <a:cs typeface="Open Sans" panose="020B0606030504020204" pitchFamily="34" charset="0"/>
+              </a:rPr>
+              <a:t>，再点击右侧</a:t>
+            </a:r>
+            <a:r>
+              <a:rPr lang="en-US" altLang="zh-CN" sz="2400" b="1" dirty="0">
+                <a:solidFill>
+                  <a:schemeClr val="tx1">
+                    <a:lumMod val="65000"/>
+                    <a:lumOff val="35000"/>
+                  </a:schemeClr>
+                </a:solidFill>
+                <a:ea typeface="Open Sans" panose="020B0606030504020204" pitchFamily="34" charset="0"/>
+                <a:cs typeface="Open Sans" panose="020B0606030504020204" pitchFamily="34" charset="0"/>
+              </a:rPr>
+              <a:t>S</a:t>
+            </a:r>
+            <a:r>
+              <a:rPr lang="en-US" altLang="zh-CN" sz="2400" b="1" dirty="0" smtClean="0">
+                <a:solidFill>
+                  <a:schemeClr val="tx1">
+                    <a:lumMod val="65000"/>
+                    <a:lumOff val="35000"/>
+                  </a:schemeClr>
+                </a:solidFill>
+                <a:ea typeface="Open Sans" panose="020B0606030504020204" pitchFamily="34" charset="0"/>
+                <a:cs typeface="Open Sans" panose="020B0606030504020204" pitchFamily="34" charset="0"/>
+              </a:rPr>
+              <a:t>ync</a:t>
+            </a:r>
+            <a:r>
+              <a:rPr lang="zh-CN" altLang="en-US" sz="2400" b="1" dirty="0" smtClean="0">
+                <a:solidFill>
+                  <a:schemeClr val="tx1">
+                    <a:lumMod val="65000"/>
+                    <a:lumOff val="35000"/>
+                  </a:schemeClr>
+                </a:solidFill>
+                <a:ea typeface="Open Sans" panose="020B0606030504020204" pitchFamily="34" charset="0"/>
+                <a:cs typeface="Open Sans" panose="020B0606030504020204" pitchFamily="34" charset="0"/>
+              </a:rPr>
+              <a:t>则使本地与远程仓库同步</a:t>
+            </a:r>
+            <a:endParaRPr lang="x-none" altLang="en-US" sz="2400" b="1" dirty="0" smtClean="0">
+              <a:solidFill>
+                <a:schemeClr val="tx1">
+                  <a:lumMod val="65000"/>
+                  <a:lumOff val="35000"/>
+                </a:schemeClr>
+              </a:solidFill>
+              <a:ea typeface="Open Sans" panose="020B0606030504020204" pitchFamily="34" charset="0"/>
+              <a:cs typeface="Open Sans" panose="020B0606030504020204" pitchFamily="34" charset="0"/>
+            </a:endParaRPr>
+          </a:p>
+        </p:txBody>
+      </p:sp>
+      <p:sp>
+        <p:nvSpPr>
+          <p:cNvPr id="2" name="e7d195523061f1c0" descr="e7d195523061f1c0205959036996ad55c215b892a7aac5c0B9ADEF7896FB48F2EF97163A2DE1401E1875DEDC438B7864AD24CA23553DBBBD975DAF4CAD4A2592689FFB6CEE59FFA55B2702D0E5EE29CDFC0DD98BC7D6A39AC4E055256EE11BBEDCDB7C9722D66262996B68DE860BD3C77EBCAECB599909EC0E07B61811075331ABCDE6990254B8C8" hidden="1"/>
+          <p:cNvSpPr txBox="1"/>
+          <p:nvPr/>
+        </p:nvSpPr>
+        <p:spPr>
+          <a:xfrm>
+            <a:off x="-355600" y="1803400"/>
+            <a:ext cx="293927" cy="1016000"/>
+          </a:xfrm>
+          <a:prstGeom prst="rect">
+            <a:avLst/>
+          </a:prstGeom>
+          <a:noFill/>
+        </p:spPr>
+        <p:txBody>
+          <a:bodyPr vert="wordArtVert" rtlCol="0">
+            <a:spAutoFit/>
+          </a:bodyPr>
+          <a:lstStyle/>
+          <a:p>
+            <a:r>
+              <a:rPr lang="en-US" altLang="zh-CN" sz="100"/>
+              <a:t>e7d195523061f1c0205959036996ad55c215b892a7aac5c0B9ADEF7896FB48F2EF97163A2DE1401E1875DEDC438B7864AD24CA23553DBBBD975DAF4CAD4A2592689FFB6CEE59FFA55B2702D0E5EE29CDFC0DD98BC7D6A39AC4E055256EE11BBEDCDB7C9722D66262996B68DE860BD3C77EBCAECB599909EC0E07B61811075331ABCDE6990254B8C8</a:t>
+            </a:r>
+            <a:endParaRPr lang="zh-CN" altLang="en-US" sz="100"/>
+          </a:p>
+        </p:txBody>
+      </p:sp>
+      <p:sp>
+        <p:nvSpPr>
+          <p:cNvPr id="18" name="圆角矩形 17" descr="e7d195523061f1c0205959036996ad55c215b892a7aac5c0B9ADEF7896FB48F2EF97163A2DE1401E1875DEDC438B7864AD24CA23553DBBBD975DAF4CAD4A2592689FFB6CEE59FFA55B2702D0E5EE29CDFC0DD98BC7D6A39AC4E055256EE11BBEDCDB7C9722D66262996B68DE860BD3C77EBCAECB599909EC0E07B61811075331ABCDE6990254B8C8"/>
+          <p:cNvSpPr/>
+          <p:nvPr/>
+        </p:nvSpPr>
+        <p:spPr>
+          <a:xfrm>
+            <a:off x="559854" y="360913"/>
+            <a:ext cx="576816" cy="604892"/>
+          </a:xfrm>
+          <a:prstGeom prst="roundRect">
+            <a:avLst>
+              <a:gd name="adj" fmla="val 22417"/>
+            </a:avLst>
+          </a:prstGeom>
+          <a:solidFill>
+            <a:srgbClr val="EE534F"/>
+          </a:solidFill>
+          <a:ln>
+            <a:noFill/>
+          </a:ln>
+          <a:effectLst>
+            <a:outerShdw blurRad="152400" sx="103000" sy="103000" algn="ctr" rotWithShape="0">
+              <a:prstClr val="black">
+                <a:alpha val="30000"/>
+              </a:prstClr>
+            </a:outerShdw>
+          </a:effectLst>
+        </p:spPr>
+        <p:style>
+          <a:lnRef idx="2">
+            <a:schemeClr val="accent1">
+              <a:shade val="50000"/>
+            </a:schemeClr>
+          </a:lnRef>
+          <a:fillRef idx="1">
+            <a:schemeClr val="accent1"/>
+          </a:fillRef>
+          <a:effectRef idx="0">
+            <a:schemeClr val="accent1"/>
+          </a:effectRef>
+          <a:fontRef idx="minor">
+            <a:schemeClr val="lt1"/>
+          </a:fontRef>
+        </p:style>
+        <p:txBody>
+          <a:bodyPr rtlCol="0" anchor="ctr"/>
+          <a:lstStyle/>
+          <a:p>
+            <a:pPr algn="ctr"/>
+            <a:r>
+              <a:rPr lang="en-US" altLang="zh-CN" sz="2400" b="1" dirty="0" smtClean="0"/>
+              <a:t>01</a:t>
+            </a:r>
+            <a:endParaRPr lang="zh-CN" altLang="en-US" sz="2400" b="1" dirty="0"/>
+          </a:p>
+        </p:txBody>
+      </p:sp>
+      <p:sp>
+        <p:nvSpPr>
+          <p:cNvPr id="21" name="矩形 20"/>
+          <p:cNvSpPr/>
+          <p:nvPr/>
+        </p:nvSpPr>
+        <p:spPr>
+          <a:xfrm>
+            <a:off x="1270635" y="305435"/>
+            <a:ext cx="3717925" cy="640080"/>
+          </a:xfrm>
+          <a:prstGeom prst="rect">
+            <a:avLst/>
+          </a:prstGeom>
+          <a:noFill/>
+          <a:ln>
+            <a:noFill/>
+          </a:ln>
+        </p:spPr>
+        <p:style>
+          <a:lnRef idx="2">
+            <a:schemeClr val="accent1">
+              <a:shade val="50000"/>
+            </a:schemeClr>
+          </a:lnRef>
+          <a:fillRef idx="1">
+            <a:schemeClr val="accent1"/>
+          </a:fillRef>
+          <a:effectRef idx="0">
+            <a:schemeClr val="accent1"/>
+          </a:effectRef>
+          <a:fontRef idx="minor">
+            <a:schemeClr val="lt1"/>
+          </a:fontRef>
+        </p:style>
+        <p:txBody>
+          <a:bodyPr rtlCol="0" anchor="ctr"/>
+          <a:lstStyle/>
+          <a:p>
+            <a:r>
+              <a:rPr lang="en-US" altLang="zh-CN" sz="3200" dirty="0" smtClean="0">
+                <a:solidFill>
+                  <a:srgbClr val="EE534F"/>
+                </a:solidFill>
+                <a:ea typeface="Microsoft YaHei UI" panose="020B0503020204020204" pitchFamily="34" charset="-122"/>
+              </a:rPr>
+              <a:t>GitHub</a:t>
+            </a:r>
+            <a:r>
+              <a:rPr lang="zh-CN" altLang="en-US" sz="3200" dirty="0" smtClean="0">
+                <a:solidFill>
+                  <a:srgbClr val="EE534F"/>
+                </a:solidFill>
+                <a:ea typeface="Microsoft YaHei UI" panose="020B0503020204020204" pitchFamily="34" charset="-122"/>
+              </a:rPr>
+              <a:t>桌面版</a:t>
+            </a:r>
+            <a:endParaRPr lang="x-none" altLang="en-US" sz="3200" dirty="0">
+              <a:solidFill>
+                <a:schemeClr val="tx1">
+                  <a:lumMod val="75000"/>
+                  <a:lumOff val="25000"/>
+                </a:schemeClr>
+              </a:solidFill>
+              <a:ea typeface="Microsoft YaHei UI" panose="020B0503020204020204" pitchFamily="34" charset="-122"/>
+            </a:endParaRPr>
+          </a:p>
+        </p:txBody>
+      </p:sp>
+      <p:pic>
+        <p:nvPicPr>
+          <p:cNvPr id="10" name="图片 9" descr="屏幕剪辑"/>
+          <p:cNvPicPr>
+            <a:picLocks noChangeAspect="1"/>
+          </p:cNvPicPr>
+          <p:nvPr/>
+        </p:nvPicPr>
+        <p:blipFill>
+          <a:blip r:embed="rId2">
+            <a:extLst>
+              <a:ext uri="{28A0092B-C50C-407E-A947-70E740481C1C}">
+                <a14:useLocalDpi xmlns:a14="http://schemas.microsoft.com/office/drawing/2010/main" val="0"/>
+              </a:ext>
+            </a:extLst>
+          </a:blip>
+          <a:stretch>
+            <a:fillRect/>
+          </a:stretch>
+        </p:blipFill>
+        <p:spPr>
+          <a:xfrm>
+            <a:off x="-20958" y="965805"/>
+            <a:ext cx="7900931" cy="4904643"/>
+          </a:xfrm>
+          <a:prstGeom prst="rect">
+            <a:avLst/>
+          </a:prstGeom>
+        </p:spPr>
+      </p:pic>
+    </p:spTree>
+    <p:extLst>
+      <p:ext uri="{BB962C8B-B14F-4D97-AF65-F5344CB8AC3E}">
+        <p14:creationId xmlns:p14="http://schemas.microsoft.com/office/powerpoint/2010/main" val="1126795093"/>
+      </p:ext>
+    </p:extLst>
+  </p:cSld>
+  <p:clrMapOvr>
+    <a:masterClrMapping/>
+  </p:clrMapOvr>
+  <mc:AlternateContent xmlns:mc="http://schemas.openxmlformats.org/markup-compatibility/2006" xmlns:p14="http://schemas.microsoft.com/office/powerpoint/2010/main">
+    <mc:Choice Requires="p14">
+      <p:transition spd="slow" p14:dur="1400" advClick="0" advTm="0">
+        <p14:doors dir="vert"/>
+      </p:transition>
+    </mc:Choice>
+    <mc:Fallback xmlns="">
+      <p:transition spd="slow" advClick="0" advTm="0">
+        <p:fade/>
+      </p:transition>
+    </mc:Fallback>
+  </mc:AlternateContent>
+  <p:timing>
+    <p:tnLst>
+      <p:par>
+        <p:cTn id="1" dur="indefinite" restart="never" nodeType="tmRoot">
+          <p:childTnLst>
+            <p:seq concurrent="1" nextAc="seek">
+              <p:cTn id="2" dur="indefinite" nodeType="mainSeq">
+                <p:childTnLst>
+                  <p:par>
+                    <p:cTn id="3" fill="hold">
+                      <p:stCondLst>
+                        <p:cond delay="indefinite"/>
+                        <p:cond evt="onBegin" delay="0">
+                          <p:tn val="2"/>
+                        </p:cond>
+                      </p:stCondLst>
+                      <p:childTnLst>
+                        <p:par>
+                          <p:cTn id="4" fill="hold">
+                            <p:stCondLst>
+                              <p:cond delay="0"/>
+                            </p:stCondLst>
+                            <p:childTnLst>
+                              <p:par>
+                                <p:cTn id="5" presetID="22" presetClass="entr" presetSubtype="8" fill="hold" grpId="0" nodeType="withEffect">
+                                  <p:stCondLst>
+                                    <p:cond delay="3000"/>
+                                  </p:stCondLst>
+                                  <p:childTnLst>
+                                    <p:set>
+                                      <p:cBhvr>
+                                        <p:cTn id="6" dur="1" fill="hold">
+                                          <p:stCondLst>
+                                            <p:cond delay="0"/>
+                                          </p:stCondLst>
+                                        </p:cTn>
+                                        <p:tgtEl>
+                                          <p:spTgt spid="43"/>
+                                        </p:tgtEl>
+                                        <p:attrNameLst>
+                                          <p:attrName>style.visibility</p:attrName>
+                                        </p:attrNameLst>
+                                      </p:cBhvr>
+                                      <p:to>
+                                        <p:strVal val="visible"/>
+                                      </p:to>
+                                    </p:set>
+                                    <p:animEffect transition="in" filter="wipe(left)">
+                                      <p:cBhvr>
+                                        <p:cTn id="7" dur="500"/>
+                                        <p:tgtEl>
+                                          <p:spTgt spid="43"/>
+                                        </p:tgtEl>
+                                      </p:cBhvr>
+                                    </p:animEffect>
+                                  </p:childTnLst>
+                                </p:cTn>
+                              </p:par>
+                              <p:par>
+                                <p:cTn id="8" presetID="10" presetClass="entr" presetSubtype="0" fill="hold" grpId="0" nodeType="withEffect">
+                                  <p:stCondLst>
+                                    <p:cond delay="0"/>
+                                  </p:stCondLst>
+                                  <p:childTnLst>
+                                    <p:set>
+                                      <p:cBhvr>
+                                        <p:cTn id="9" dur="1" fill="hold">
+                                          <p:stCondLst>
+                                            <p:cond delay="0"/>
+                                          </p:stCondLst>
+                                        </p:cTn>
+                                        <p:tgtEl>
+                                          <p:spTgt spid="18"/>
+                                        </p:tgtEl>
+                                        <p:attrNameLst>
+                                          <p:attrName>style.visibility</p:attrName>
+                                        </p:attrNameLst>
+                                      </p:cBhvr>
+                                      <p:to>
+                                        <p:strVal val="visible"/>
+                                      </p:to>
+                                    </p:set>
+                                    <p:animEffect transition="in" filter="fade">
+                                      <p:cBhvr>
+                                        <p:cTn id="10" dur="1000"/>
+                                        <p:tgtEl>
+                                          <p:spTgt spid="18"/>
+                                        </p:tgtEl>
+                                      </p:cBhvr>
+                                    </p:animEffect>
+                                  </p:childTnLst>
+                                </p:cTn>
+                              </p:par>
+                              <p:par>
+                                <p:cTn id="11" presetID="42" presetClass="path" presetSubtype="0" accel="50000" decel="50000" autoRev="1" fill="hold" grpId="1" nodeType="withEffect">
+                                  <p:stCondLst>
+                                    <p:cond delay="0"/>
+                                  </p:stCondLst>
+                                  <p:childTnLst>
+                                    <p:animMotion origin="layout" path="M -1.25E-6 2.22222E-6 L 0.02409 2.22222E-6 " pathEditMode="relative" rAng="0" ptsTypes="AA">
+                                      <p:cBhvr>
+                                        <p:cTn id="12" dur="1000" fill="hold"/>
+                                        <p:tgtEl>
+                                          <p:spTgt spid="18"/>
+                                        </p:tgtEl>
+                                        <p:attrNameLst>
+                                          <p:attrName>ppt_x</p:attrName>
+                                          <p:attrName>ppt_y</p:attrName>
+                                        </p:attrNameLst>
+                                      </p:cBhvr>
+                                      <p:rCtr x="1198" y="0"/>
+                                    </p:animMotion>
+                                  </p:childTnLst>
+                                </p:cTn>
+                              </p:par>
+                            </p:childTnLst>
+                          </p:cTn>
+                        </p:par>
+                      </p:childTnLst>
+                    </p:cTn>
+                  </p:par>
+                </p:childTnLst>
+              </p:cTn>
+              <p:prevCondLst>
+                <p:cond evt="onPrev" delay="0">
+                  <p:tgtEl>
+                    <p:sldTgt/>
+                  </p:tgtEl>
+                </p:cond>
+              </p:prevCondLst>
+              <p:nextCondLst>
+                <p:cond evt="onNext" delay="0">
+                  <p:tgtEl>
+                    <p:sldTgt/>
+                  </p:tgtEl>
+                </p:cond>
+              </p:nextCondLst>
+            </p:seq>
+          </p:childTnLst>
+        </p:cTn>
+      </p:par>
+    </p:tnLst>
+    <p:bldLst>
+      <p:bldP spid="43" grpId="0"/>
+      <p:bldP spid="18" grpId="0" animBg="1"/>
+      <p:bldP spid="18" grpId="1" animBg="1"/>
+    </p:bldLst>
+  </p:timing>
+</p:sld>
+</file>
+
+<file path=ppt/slides/slide12.xml><?xml version="1.0" encoding="utf-8"?>
+<p:sld xmlns:a="http://schemas.openxmlformats.org/drawingml/2006/main" xmlns:r="http://schemas.openxmlformats.org/officeDocument/2006/relationships" xmlns:p="http://schemas.openxmlformats.org/presentationml/2006/main">
+  <p:cSld>
+    <p:spTree>
+      <p:nvGrpSpPr>
+        <p:cNvPr id="1" name=""/>
+        <p:cNvGrpSpPr/>
+        <p:nvPr/>
+      </p:nvGrpSpPr>
+      <p:grpSpPr>
+        <a:xfrm>
+          <a:off x="0" y="0"/>
+          <a:ext cx="0" cy="0"/>
+          <a:chOff x="0" y="0"/>
+          <a:chExt cx="0" cy="0"/>
+        </a:xfrm>
+      </p:grpSpPr>
+      <p:sp>
+        <p:nvSpPr>
+          <p:cNvPr id="43" name="Rectangle 89" descr="e7d195523061f1c0205959036996ad55c215b892a7aac5c0B9ADEF7896FB48F2EF97163A2DE1401E1875DEDC438B7864AD24CA23553DBBBD975DAF4CAD4A2592689FFB6CEE59FFA55B2702D0E5EE29CDFC0DD98BC7D6A39AC4E055256EE11BBEDCDB7C9722D66262996B68DE860BD3C77EBCAECB599909EC0E07B61811075331ABCDE6990254B8C8"/>
+          <p:cNvSpPr/>
+          <p:nvPr/>
+        </p:nvSpPr>
+        <p:spPr>
+          <a:xfrm>
+            <a:off x="7075301" y="716191"/>
+            <a:ext cx="4409563" cy="6001643"/>
+          </a:xfrm>
+          <a:prstGeom prst="rect">
+            <a:avLst/>
+          </a:prstGeom>
+        </p:spPr>
+        <p:txBody>
+          <a:bodyPr wrap="square">
+            <a:spAutoFit/>
+          </a:bodyPr>
+          <a:lstStyle/>
+          <a:p>
+            <a:pPr>
+              <a:lnSpc>
+                <a:spcPct val="200000"/>
+              </a:lnSpc>
+            </a:pPr>
+            <a:r>
+              <a:rPr lang="zh-CN" altLang="en-US" sz="2400" b="1" dirty="0" smtClean="0">
+                <a:solidFill>
+                  <a:schemeClr val="tx1">
+                    <a:lumMod val="65000"/>
+                    <a:lumOff val="35000"/>
+                  </a:schemeClr>
+                </a:solidFill>
+                <a:ea typeface="Open Sans" panose="020B0606030504020204" pitchFamily="34" charset="0"/>
+                <a:cs typeface="Open Sans" panose="020B0606030504020204" pitchFamily="34" charset="0"/>
+              </a:rPr>
+              <a:t>在</a:t>
+            </a:r>
+            <a:r>
+              <a:rPr lang="en-US" altLang="zh-CN" sz="2400" b="1" dirty="0" smtClean="0">
+                <a:solidFill>
+                  <a:schemeClr val="tx1">
+                    <a:lumMod val="65000"/>
+                    <a:lumOff val="35000"/>
+                  </a:schemeClr>
+                </a:solidFill>
+                <a:ea typeface="Open Sans" panose="020B0606030504020204" pitchFamily="34" charset="0"/>
+                <a:cs typeface="Open Sans" panose="020B0606030504020204" pitchFamily="34" charset="0"/>
+              </a:rPr>
+              <a:t>web</a:t>
+            </a:r>
+            <a:r>
+              <a:rPr lang="zh-CN" altLang="en-US" sz="2400" b="1" dirty="0" smtClean="0">
+                <a:solidFill>
+                  <a:schemeClr val="tx1">
+                    <a:lumMod val="65000"/>
+                    <a:lumOff val="35000"/>
+                  </a:schemeClr>
+                </a:solidFill>
+                <a:ea typeface="Open Sans" panose="020B0606030504020204" pitchFamily="34" charset="0"/>
+                <a:cs typeface="Open Sans" panose="020B0606030504020204" pitchFamily="34" charset="0"/>
+              </a:rPr>
+              <a:t>端开发过程中，</a:t>
+            </a:r>
+            <a:r>
+              <a:rPr lang="en-US" altLang="zh-CN" sz="2400" b="1" dirty="0" smtClean="0">
+                <a:solidFill>
+                  <a:schemeClr val="tx1">
+                    <a:lumMod val="65000"/>
+                    <a:lumOff val="35000"/>
+                  </a:schemeClr>
+                </a:solidFill>
+                <a:ea typeface="Open Sans" panose="020B0606030504020204" pitchFamily="34" charset="0"/>
+                <a:cs typeface="Open Sans" panose="020B0606030504020204" pitchFamily="34" charset="0"/>
+              </a:rPr>
+              <a:t>Web</a:t>
+            </a:r>
+            <a:r>
+              <a:rPr lang="zh-CN" altLang="en-US" sz="2400" b="1" dirty="0" smtClean="0">
+                <a:solidFill>
+                  <a:schemeClr val="tx1">
+                    <a:lumMod val="65000"/>
+                    <a:lumOff val="35000"/>
+                  </a:schemeClr>
+                </a:solidFill>
+                <a:ea typeface="Open Sans" panose="020B0606030504020204" pitchFamily="34" charset="0"/>
+                <a:cs typeface="Open Sans" panose="020B0606030504020204" pitchFamily="34" charset="0"/>
+              </a:rPr>
+              <a:t>端项目的启动，需要用到</a:t>
+            </a:r>
+            <a:r>
+              <a:rPr lang="en-US" altLang="zh-CN" sz="2400" b="1" dirty="0" smtClean="0">
+                <a:solidFill>
+                  <a:schemeClr val="tx1">
+                    <a:lumMod val="65000"/>
+                    <a:lumOff val="35000"/>
+                  </a:schemeClr>
+                </a:solidFill>
+                <a:ea typeface="Open Sans" panose="020B0606030504020204" pitchFamily="34" charset="0"/>
+                <a:cs typeface="Open Sans" panose="020B0606030504020204" pitchFamily="34" charset="0"/>
+              </a:rPr>
+              <a:t>node</a:t>
+            </a:r>
+            <a:r>
+              <a:rPr lang="zh-CN" altLang="en-US" sz="2400" b="1" dirty="0" smtClean="0">
+                <a:solidFill>
+                  <a:schemeClr val="tx1">
+                    <a:lumMod val="65000"/>
+                    <a:lumOff val="35000"/>
+                  </a:schemeClr>
+                </a:solidFill>
+                <a:ea typeface="Open Sans" panose="020B0606030504020204" pitchFamily="34" charset="0"/>
+                <a:cs typeface="Open Sans" panose="020B0606030504020204" pitchFamily="34" charset="0"/>
+              </a:rPr>
+              <a:t>进行操作。</a:t>
+            </a:r>
+            <a:endParaRPr lang="en-US" altLang="zh-CN" sz="2400" b="1" dirty="0" smtClean="0">
+              <a:solidFill>
+                <a:schemeClr val="tx1">
+                  <a:lumMod val="65000"/>
+                  <a:lumOff val="35000"/>
+                </a:schemeClr>
+              </a:solidFill>
+              <a:ea typeface="Open Sans" panose="020B0606030504020204" pitchFamily="34" charset="0"/>
+              <a:cs typeface="Open Sans" panose="020B0606030504020204" pitchFamily="34" charset="0"/>
+            </a:endParaRPr>
+          </a:p>
+          <a:p>
+            <a:pPr>
+              <a:lnSpc>
+                <a:spcPct val="200000"/>
+              </a:lnSpc>
+            </a:pPr>
+            <a:r>
+              <a:rPr lang="zh-CN" altLang="en-US" sz="2400" b="1" dirty="0" smtClean="0">
+                <a:solidFill>
+                  <a:schemeClr val="tx1">
+                    <a:lumMod val="65000"/>
+                    <a:lumOff val="35000"/>
+                  </a:schemeClr>
+                </a:solidFill>
+                <a:ea typeface="Open Sans" panose="020B0606030504020204" pitchFamily="34" charset="0"/>
+                <a:cs typeface="Open Sans" panose="020B0606030504020204" pitchFamily="34" charset="0"/>
+              </a:rPr>
+              <a:t>输入命令后，打开浏览器</a:t>
+            </a:r>
+            <a:endParaRPr lang="en-US" altLang="zh-CN" sz="2400" b="1" dirty="0" smtClean="0">
+              <a:solidFill>
+                <a:schemeClr val="tx1">
+                  <a:lumMod val="65000"/>
+                  <a:lumOff val="35000"/>
+                </a:schemeClr>
+              </a:solidFill>
+              <a:ea typeface="Open Sans" panose="020B0606030504020204" pitchFamily="34" charset="0"/>
+              <a:cs typeface="Open Sans" panose="020B0606030504020204" pitchFamily="34" charset="0"/>
+            </a:endParaRPr>
+          </a:p>
+          <a:p>
+            <a:pPr>
+              <a:lnSpc>
+                <a:spcPct val="200000"/>
+              </a:lnSpc>
+            </a:pPr>
+            <a:r>
+              <a:rPr lang="zh-CN" altLang="en-US" sz="2400" dirty="0" smtClean="0"/>
+              <a:t>输入</a:t>
+            </a:r>
+            <a:r>
+              <a:rPr lang="zh-CN" altLang="en-US" sz="2400" dirty="0"/>
+              <a:t>地址：</a:t>
+            </a:r>
+            <a:r>
+              <a:rPr lang="en-US" altLang="zh-CN" sz="2400" dirty="0"/>
+              <a:t>http://localhost:8000/app/index.html</a:t>
+            </a:r>
+            <a:r>
+              <a:rPr lang="zh-CN" altLang="en-US" sz="2400" dirty="0" smtClean="0"/>
+              <a:t>，就可以设计网页的运行效果。</a:t>
+            </a:r>
+            <a:endParaRPr lang="x-none" altLang="en-US" sz="2400" b="1" dirty="0" smtClean="0">
+              <a:solidFill>
+                <a:schemeClr val="tx1">
+                  <a:lumMod val="65000"/>
+                  <a:lumOff val="35000"/>
+                </a:schemeClr>
+              </a:solidFill>
+              <a:ea typeface="Open Sans" panose="020B0606030504020204" pitchFamily="34" charset="0"/>
+              <a:cs typeface="Open Sans" panose="020B0606030504020204" pitchFamily="34" charset="0"/>
+            </a:endParaRPr>
+          </a:p>
+        </p:txBody>
+      </p:sp>
+      <p:sp>
+        <p:nvSpPr>
+          <p:cNvPr id="2" name="e7d195523061f1c0" descr="e7d195523061f1c0205959036996ad55c215b892a7aac5c0B9ADEF7896FB48F2EF97163A2DE1401E1875DEDC438B7864AD24CA23553DBBBD975DAF4CAD4A2592689FFB6CEE59FFA55B2702D0E5EE29CDFC0DD98BC7D6A39AC4E055256EE11BBEDCDB7C9722D66262996B68DE860BD3C77EBCAECB599909EC0E07B61811075331ABCDE6990254B8C8" hidden="1"/>
+          <p:cNvSpPr txBox="1"/>
+          <p:nvPr/>
+        </p:nvSpPr>
+        <p:spPr>
+          <a:xfrm>
+            <a:off x="-355600" y="1803400"/>
+            <a:ext cx="293927" cy="1016000"/>
+          </a:xfrm>
+          <a:prstGeom prst="rect">
+            <a:avLst/>
+          </a:prstGeom>
+          <a:noFill/>
+        </p:spPr>
+        <p:txBody>
+          <a:bodyPr vert="wordArtVert" rtlCol="0">
+            <a:spAutoFit/>
+          </a:bodyPr>
+          <a:lstStyle/>
+          <a:p>
+            <a:r>
+              <a:rPr lang="en-US" altLang="zh-CN" sz="100"/>
+              <a:t>e7d195523061f1c0205959036996ad55c215b892a7aac5c0B9ADEF7896FB48F2EF97163A2DE1401E1875DEDC438B7864AD24CA23553DBBBD975DAF4CAD4A2592689FFB6CEE59FFA55B2702D0E5EE29CDFC0DD98BC7D6A39AC4E055256EE11BBEDCDB7C9722D66262996B68DE860BD3C77EBCAECB599909EC0E07B61811075331ABCDE6990254B8C8</a:t>
+            </a:r>
+            <a:endParaRPr lang="zh-CN" altLang="en-US" sz="100"/>
+          </a:p>
+        </p:txBody>
+      </p:sp>
+      <p:sp>
+        <p:nvSpPr>
+          <p:cNvPr id="18" name="圆角矩形 17" descr="e7d195523061f1c0205959036996ad55c215b892a7aac5c0B9ADEF7896FB48F2EF97163A2DE1401E1875DEDC438B7864AD24CA23553DBBBD975DAF4CAD4A2592689FFB6CEE59FFA55B2702D0E5EE29CDFC0DD98BC7D6A39AC4E055256EE11BBEDCDB7C9722D66262996B68DE860BD3C77EBCAECB599909EC0E07B61811075331ABCDE6990254B8C8"/>
+          <p:cNvSpPr/>
+          <p:nvPr/>
+        </p:nvSpPr>
+        <p:spPr>
+          <a:xfrm>
+            <a:off x="559854" y="360913"/>
+            <a:ext cx="576816" cy="604892"/>
+          </a:xfrm>
+          <a:prstGeom prst="roundRect">
+            <a:avLst>
+              <a:gd name="adj" fmla="val 22417"/>
+            </a:avLst>
+          </a:prstGeom>
+          <a:solidFill>
+            <a:srgbClr val="EE534F"/>
+          </a:solidFill>
+          <a:ln>
+            <a:noFill/>
+          </a:ln>
+          <a:effectLst>
+            <a:outerShdw blurRad="152400" sx="103000" sy="103000" algn="ctr" rotWithShape="0">
+              <a:prstClr val="black">
+                <a:alpha val="30000"/>
+              </a:prstClr>
+            </a:outerShdw>
+          </a:effectLst>
+        </p:spPr>
+        <p:style>
+          <a:lnRef idx="2">
+            <a:schemeClr val="accent1">
+              <a:shade val="50000"/>
+            </a:schemeClr>
+          </a:lnRef>
+          <a:fillRef idx="1">
+            <a:schemeClr val="accent1"/>
+          </a:fillRef>
+          <a:effectRef idx="0">
+            <a:schemeClr val="accent1"/>
+          </a:effectRef>
+          <a:fontRef idx="minor">
+            <a:schemeClr val="lt1"/>
+          </a:fontRef>
+        </p:style>
+        <p:txBody>
+          <a:bodyPr rtlCol="0" anchor="ctr"/>
+          <a:lstStyle/>
+          <a:p>
+            <a:pPr algn="ctr"/>
+            <a:r>
+              <a:rPr lang="en-US" altLang="zh-CN" sz="2400" b="1" dirty="0" smtClean="0"/>
+              <a:t>01</a:t>
+            </a:r>
+            <a:endParaRPr lang="zh-CN" altLang="en-US" sz="2400" b="1" dirty="0"/>
+          </a:p>
+        </p:txBody>
+      </p:sp>
+      <p:sp>
+        <p:nvSpPr>
+          <p:cNvPr id="21" name="矩形 20"/>
+          <p:cNvSpPr/>
+          <p:nvPr/>
+        </p:nvSpPr>
+        <p:spPr>
+          <a:xfrm>
+            <a:off x="1270635" y="305435"/>
+            <a:ext cx="3717925" cy="640080"/>
+          </a:xfrm>
+          <a:prstGeom prst="rect">
+            <a:avLst/>
+          </a:prstGeom>
+          <a:noFill/>
+          <a:ln>
+            <a:noFill/>
+          </a:ln>
+        </p:spPr>
+        <p:style>
+          <a:lnRef idx="2">
+            <a:schemeClr val="accent1">
+              <a:shade val="50000"/>
+            </a:schemeClr>
+          </a:lnRef>
+          <a:fillRef idx="1">
+            <a:schemeClr val="accent1"/>
+          </a:fillRef>
+          <a:effectRef idx="0">
+            <a:schemeClr val="accent1"/>
+          </a:effectRef>
+          <a:fontRef idx="minor">
+            <a:schemeClr val="lt1"/>
+          </a:fontRef>
+        </p:style>
+        <p:txBody>
+          <a:bodyPr rtlCol="0" anchor="ctr"/>
+          <a:lstStyle/>
+          <a:p>
+            <a:r>
+              <a:rPr lang="en-US" altLang="zh-CN" sz="3200" dirty="0" err="1" smtClean="0">
+                <a:solidFill>
+                  <a:srgbClr val="EE534F"/>
+                </a:solidFill>
+                <a:ea typeface="Microsoft YaHei UI" panose="020B0503020204020204" pitchFamily="34" charset="-122"/>
+              </a:rPr>
+              <a:t>nodeJS</a:t>
+            </a:r>
+            <a:endParaRPr lang="x-none" altLang="en-US" sz="3200" dirty="0">
+              <a:solidFill>
+                <a:schemeClr val="tx1">
+                  <a:lumMod val="75000"/>
+                  <a:lumOff val="25000"/>
+                </a:schemeClr>
+              </a:solidFill>
+              <a:ea typeface="Microsoft YaHei UI" panose="020B0503020204020204" pitchFamily="34" charset="-122"/>
+            </a:endParaRPr>
+          </a:p>
+        </p:txBody>
+      </p:sp>
+      <p:pic>
+        <p:nvPicPr>
+          <p:cNvPr id="3" name="图片 2" descr="屏幕剪辑"/>
+          <p:cNvPicPr>
+            <a:picLocks noChangeAspect="1"/>
+          </p:cNvPicPr>
+          <p:nvPr/>
+        </p:nvPicPr>
+        <p:blipFill>
+          <a:blip r:embed="rId2">
+            <a:extLst>
+              <a:ext uri="{28A0092B-C50C-407E-A947-70E740481C1C}">
+                <a14:useLocalDpi xmlns:a14="http://schemas.microsoft.com/office/drawing/2010/main" val="0"/>
+              </a:ext>
+            </a:extLst>
+          </a:blip>
+          <a:stretch>
+            <a:fillRect/>
+          </a:stretch>
+        </p:blipFill>
+        <p:spPr>
+          <a:xfrm>
+            <a:off x="196701" y="1333038"/>
+            <a:ext cx="6677957" cy="3943900"/>
+          </a:xfrm>
+          <a:prstGeom prst="rect">
+            <a:avLst/>
+          </a:prstGeom>
+        </p:spPr>
+      </p:pic>
+    </p:spTree>
+    <p:extLst>
+      <p:ext uri="{BB962C8B-B14F-4D97-AF65-F5344CB8AC3E}">
+        <p14:creationId xmlns:p14="http://schemas.microsoft.com/office/powerpoint/2010/main" val="3208569022"/>
+      </p:ext>
+    </p:extLst>
+  </p:cSld>
+  <p:clrMapOvr>
+    <a:masterClrMapping/>
+  </p:clrMapOvr>
+  <mc:AlternateContent xmlns:mc="http://schemas.openxmlformats.org/markup-compatibility/2006" xmlns:p14="http://schemas.microsoft.com/office/powerpoint/2010/main">
+    <mc:Choice Requires="p14">
+      <p:transition spd="slow" p14:dur="1400" advClick="0" advTm="0">
+        <p14:doors dir="vert"/>
+      </p:transition>
+    </mc:Choice>
+    <mc:Fallback xmlns="">
+      <p:transition spd="slow" advClick="0" advTm="0">
+        <p:fade/>
+      </p:transition>
+    </mc:Fallback>
+  </mc:AlternateContent>
+  <p:timing>
+    <p:tnLst>
+      <p:par>
+        <p:cTn id="1" dur="indefinite" restart="never" nodeType="tmRoot">
+          <p:childTnLst>
+            <p:seq concurrent="1" nextAc="seek">
+              <p:cTn id="2" dur="indefinite" nodeType="mainSeq">
+                <p:childTnLst>
+                  <p:par>
+                    <p:cTn id="3" fill="hold">
+                      <p:stCondLst>
+                        <p:cond delay="indefinite"/>
+                        <p:cond evt="onBegin" delay="0">
+                          <p:tn val="2"/>
+                        </p:cond>
+                      </p:stCondLst>
+                      <p:childTnLst>
+                        <p:par>
+                          <p:cTn id="4" fill="hold">
+                            <p:stCondLst>
+                              <p:cond delay="0"/>
+                            </p:stCondLst>
+                            <p:childTnLst>
+                              <p:par>
+                                <p:cTn id="5" presetID="22" presetClass="entr" presetSubtype="8" fill="hold" grpId="0" nodeType="withEffect">
+                                  <p:stCondLst>
+                                    <p:cond delay="3000"/>
+                                  </p:stCondLst>
+                                  <p:childTnLst>
+                                    <p:set>
+                                      <p:cBhvr>
+                                        <p:cTn id="6" dur="1" fill="hold">
+                                          <p:stCondLst>
+                                            <p:cond delay="0"/>
+                                          </p:stCondLst>
+                                        </p:cTn>
+                                        <p:tgtEl>
+                                          <p:spTgt spid="43"/>
+                                        </p:tgtEl>
+                                        <p:attrNameLst>
+                                          <p:attrName>style.visibility</p:attrName>
+                                        </p:attrNameLst>
+                                      </p:cBhvr>
+                                      <p:to>
+                                        <p:strVal val="visible"/>
+                                      </p:to>
+                                    </p:set>
+                                    <p:animEffect transition="in" filter="wipe(left)">
+                                      <p:cBhvr>
+                                        <p:cTn id="7" dur="500"/>
+                                        <p:tgtEl>
+                                          <p:spTgt spid="43"/>
+                                        </p:tgtEl>
+                                      </p:cBhvr>
+                                    </p:animEffect>
+                                  </p:childTnLst>
+                                </p:cTn>
+                              </p:par>
+                              <p:par>
+                                <p:cTn id="8" presetID="10" presetClass="entr" presetSubtype="0" fill="hold" grpId="0" nodeType="withEffect">
+                                  <p:stCondLst>
+                                    <p:cond delay="0"/>
+                                  </p:stCondLst>
+                                  <p:childTnLst>
+                                    <p:set>
+                                      <p:cBhvr>
+                                        <p:cTn id="9" dur="1" fill="hold">
+                                          <p:stCondLst>
+                                            <p:cond delay="0"/>
+                                          </p:stCondLst>
+                                        </p:cTn>
+                                        <p:tgtEl>
+                                          <p:spTgt spid="18"/>
+                                        </p:tgtEl>
+                                        <p:attrNameLst>
+                                          <p:attrName>style.visibility</p:attrName>
+                                        </p:attrNameLst>
+                                      </p:cBhvr>
+                                      <p:to>
+                                        <p:strVal val="visible"/>
+                                      </p:to>
+                                    </p:set>
+                                    <p:animEffect transition="in" filter="fade">
+                                      <p:cBhvr>
+                                        <p:cTn id="10" dur="1000"/>
+                                        <p:tgtEl>
+                                          <p:spTgt spid="18"/>
+                                        </p:tgtEl>
+                                      </p:cBhvr>
+                                    </p:animEffect>
+                                  </p:childTnLst>
+                                </p:cTn>
+                              </p:par>
+                              <p:par>
+                                <p:cTn id="11" presetID="42" presetClass="path" presetSubtype="0" accel="50000" decel="50000" autoRev="1" fill="hold" grpId="1" nodeType="withEffect">
+                                  <p:stCondLst>
+                                    <p:cond delay="0"/>
+                                  </p:stCondLst>
+                                  <p:childTnLst>
+                                    <p:animMotion origin="layout" path="M -1.25E-6 2.22222E-6 L 0.02409 2.22222E-6 " pathEditMode="relative" rAng="0" ptsTypes="AA">
+                                      <p:cBhvr>
+                                        <p:cTn id="12" dur="1000" fill="hold"/>
+                                        <p:tgtEl>
+                                          <p:spTgt spid="18"/>
+                                        </p:tgtEl>
+                                        <p:attrNameLst>
+                                          <p:attrName>ppt_x</p:attrName>
+                                          <p:attrName>ppt_y</p:attrName>
+                                        </p:attrNameLst>
+                                      </p:cBhvr>
+                                      <p:rCtr x="1198" y="0"/>
+                                    </p:animMotion>
+                                  </p:childTnLst>
+                                </p:cTn>
+                              </p:par>
+                            </p:childTnLst>
+                          </p:cTn>
+                        </p:par>
+                      </p:childTnLst>
+                    </p:cTn>
+                  </p:par>
+                </p:childTnLst>
+              </p:cTn>
+              <p:prevCondLst>
+                <p:cond evt="onPrev" delay="0">
+                  <p:tgtEl>
+                    <p:sldTgt/>
+                  </p:tgtEl>
+                </p:cond>
+              </p:prevCondLst>
+              <p:nextCondLst>
+                <p:cond evt="onNext" delay="0">
+                  <p:tgtEl>
+                    <p:sldTgt/>
+                  </p:tgtEl>
+                </p:cond>
+              </p:nextCondLst>
+            </p:seq>
+          </p:childTnLst>
+        </p:cTn>
+      </p:par>
+    </p:tnLst>
+    <p:bldLst>
+      <p:bldP spid="43" grpId="0"/>
+      <p:bldP spid="18" grpId="0" animBg="1"/>
+      <p:bldP spid="18" grpId="1" animBg="1"/>
+    </p:bldLst>
+  </p:timing>
+</p:sld>
+</file>
+
+<file path=ppt/slides/slide13.xml><?xml version="1.0" encoding="utf-8"?>
 <p:sld xmlns:a="http://schemas.openxmlformats.org/drawingml/2006/main" xmlns:r="http://schemas.openxmlformats.org/officeDocument/2006/relationships" xmlns:p="http://schemas.openxmlformats.org/presentationml/2006/main">
   <p:cSld>
     <p:spTree>
@@ -5290,7 +6268,7 @@
             <a:pPr algn="ctr"/>
             <a:r>
               <a:rPr lang="en-US" altLang="zh-CN" sz="11500" dirty="0" smtClean="0"/>
-              <a:t>05</a:t>
+              <a:t>04</a:t>
             </a:r>
             <a:endParaRPr lang="en-US" altLang="zh-CN" sz="11500" dirty="0"/>
           </a:p>
@@ -5337,6 +6315,3646 @@
           <a:p>
             <a:pPr algn="ctr"/>
             <a:r>
+              <a:rPr lang="x-none" altLang="zh-CN" sz="4800" dirty="0">
+                <a:solidFill>
+                  <a:schemeClr val="bg1"/>
+                </a:solidFill>
+                <a:ea typeface="Microsoft YaHei UI" panose="020B0503020204020204" pitchFamily="34" charset="-122"/>
+              </a:rPr>
+              <a:t>项目运用到的技术</a:t>
+            </a:r>
+          </a:p>
+        </p:txBody>
+      </p:sp>
+      <p:sp>
+        <p:nvSpPr>
+          <p:cNvPr id="2" name="e7d195523061f1c0" descr="e7d195523061f1c0205959036996ad55c215b892a7aac5c0B9ADEF7896FB48F2EF97163A2DE1401E1875DEDC438B7864AD24CA23553DBBBD975DAF4CAD4A2592689FFB6CEE59FFA55B2702D0E5EE29CDFC0DD98BC7D6A39AC4E055256EE11BBEDCDB7C9722D66262996B68DE860BD3C77EBCAECB599909EC0E07B61811075331ABCDE6990254B8C8" hidden="1"/>
+          <p:cNvSpPr txBox="1"/>
+          <p:nvPr/>
+        </p:nvSpPr>
+        <p:spPr>
+          <a:xfrm>
+            <a:off x="-355600" y="1803400"/>
+            <a:ext cx="293927" cy="1016000"/>
+          </a:xfrm>
+          <a:prstGeom prst="rect">
+            <a:avLst/>
+          </a:prstGeom>
+          <a:noFill/>
+        </p:spPr>
+        <p:txBody>
+          <a:bodyPr vert="wordArtVert" rtlCol="0">
+            <a:spAutoFit/>
+          </a:bodyPr>
+          <a:lstStyle/>
+          <a:p>
+            <a:r>
+              <a:rPr lang="en-US" altLang="zh-CN" sz="100"/>
+              <a:t>e7d195523061f1c0205959036996ad55c215b892a7aac5c0B9ADEF7896FB48F2EF97163A2DE1401E1875DEDC438B7864AD24CA23553DBBBD975DAF4CAD4A2592689FFB6CEE59FFA55B2702D0E5EE29CDFC0DD98BC7D6A39AC4E055256EE11BBEDCDB7C9722D66262996B68DE860BD3C77EBCAECB599909EC0E07B61811075331ABCDE6990254B8C8</a:t>
+            </a:r>
+            <a:endParaRPr lang="zh-CN" altLang="en-US" sz="100"/>
+          </a:p>
+        </p:txBody>
+      </p:sp>
+    </p:spTree>
+  </p:cSld>
+  <p:clrMapOvr>
+    <a:masterClrMapping/>
+  </p:clrMapOvr>
+  <mc:AlternateContent xmlns:mc="http://schemas.openxmlformats.org/markup-compatibility/2006">
+    <mc:Choice xmlns:p15="http://schemas.microsoft.com/office/powerpoint/2012/main" xmlns="" Requires="p15">
+      <p:transition xmlns:p14="http://schemas.microsoft.com/office/powerpoint/2010/main" spd="slow" Requires="p14" p14:dur="1250" advClick="0" advTm="0">
+        <p15:prstTrans prst="airplane"/>
+      </p:transition>
+    </mc:Choice>
+    <mc:Fallback>
+      <p:transition spd="slow" advClick="0" advTm="0">
+        <p:fade/>
+      </p:transition>
+    </mc:Fallback>
+  </mc:AlternateContent>
+  <p:timing>
+    <p:tnLst>
+      <p:par>
+        <p:cTn id="1" dur="indefinite" restart="never" nodeType="tmRoot">
+          <p:childTnLst>
+            <p:seq concurrent="1" nextAc="seek">
+              <p:cTn id="2" dur="indefinite" nodeType="mainSeq">
+                <p:childTnLst>
+                  <p:par>
+                    <p:cTn id="3" fill="hold">
+                      <p:stCondLst>
+                        <p:cond delay="indefinite"/>
+                        <p:cond evt="onBegin" delay="0">
+                          <p:tn val="2"/>
+                        </p:cond>
+                      </p:stCondLst>
+                      <p:childTnLst>
+                        <p:par>
+                          <p:cTn id="4" fill="hold">
+                            <p:stCondLst>
+                              <p:cond delay="0"/>
+                            </p:stCondLst>
+                            <p:childTnLst>
+                              <p:par>
+                                <p:cTn id="5" presetID="10" presetClass="entr" presetSubtype="0" fill="hold" nodeType="withEffect">
+                                  <p:stCondLst>
+                                    <p:cond delay="1000"/>
+                                  </p:stCondLst>
+                                  <p:childTnLst>
+                                    <p:set>
+                                      <p:cBhvr>
+                                        <p:cTn id="6" dur="1" fill="hold">
+                                          <p:stCondLst>
+                                            <p:cond delay="0"/>
+                                          </p:stCondLst>
+                                        </p:cTn>
+                                        <p:tgtEl>
+                                          <p:spTgt spid="9"/>
+                                        </p:tgtEl>
+                                        <p:attrNameLst>
+                                          <p:attrName>style.visibility</p:attrName>
+                                        </p:attrNameLst>
+                                      </p:cBhvr>
+                                      <p:to>
+                                        <p:strVal val="visible"/>
+                                      </p:to>
+                                    </p:set>
+                                    <p:animEffect transition="in" filter="fade">
+                                      <p:cBhvr>
+                                        <p:cTn id="7" dur="1000"/>
+                                        <p:tgtEl>
+                                          <p:spTgt spid="9"/>
+                                        </p:tgtEl>
+                                      </p:cBhvr>
+                                    </p:animEffect>
+                                  </p:childTnLst>
+                                </p:cTn>
+                              </p:par>
+                              <p:par>
+                                <p:cTn id="8" presetID="42" presetClass="path" presetSubtype="0" accel="50000" decel="50000" autoRev="1" fill="hold" nodeType="withEffect">
+                                  <p:stCondLst>
+                                    <p:cond delay="1000"/>
+                                  </p:stCondLst>
+                                  <p:childTnLst>
+                                    <p:animMotion origin="layout" path="M -2.08333E-6 1.85185E-6 L -2.08333E-6 -0.07292 " pathEditMode="relative" rAng="0" ptsTypes="AA">
+                                      <p:cBhvr>
+                                        <p:cTn id="9" dur="1000" fill="hold"/>
+                                        <p:tgtEl>
+                                          <p:spTgt spid="9"/>
+                                        </p:tgtEl>
+                                        <p:attrNameLst>
+                                          <p:attrName>ppt_x</p:attrName>
+                                          <p:attrName>ppt_y</p:attrName>
+                                        </p:attrNameLst>
+                                      </p:cBhvr>
+                                      <p:rCtr x="0" y="-3657"/>
+                                    </p:animMotion>
+                                  </p:childTnLst>
+                                </p:cTn>
+                              </p:par>
+                              <p:par>
+                                <p:cTn id="10" presetID="10" presetClass="entr" presetSubtype="0" fill="hold" grpId="0" nodeType="withEffect">
+                                  <p:stCondLst>
+                                    <p:cond delay="1000"/>
+                                  </p:stCondLst>
+                                  <p:childTnLst>
+                                    <p:set>
+                                      <p:cBhvr>
+                                        <p:cTn id="11" dur="1" fill="hold">
+                                          <p:stCondLst>
+                                            <p:cond delay="0"/>
+                                          </p:stCondLst>
+                                        </p:cTn>
+                                        <p:tgtEl>
+                                          <p:spTgt spid="10"/>
+                                        </p:tgtEl>
+                                        <p:attrNameLst>
+                                          <p:attrName>style.visibility</p:attrName>
+                                        </p:attrNameLst>
+                                      </p:cBhvr>
+                                      <p:to>
+                                        <p:strVal val="visible"/>
+                                      </p:to>
+                                    </p:set>
+                                    <p:animEffect transition="in" filter="fade">
+                                      <p:cBhvr>
+                                        <p:cTn id="12" dur="1000"/>
+                                        <p:tgtEl>
+                                          <p:spTgt spid="10"/>
+                                        </p:tgtEl>
+                                      </p:cBhvr>
+                                    </p:animEffect>
+                                  </p:childTnLst>
+                                </p:cTn>
+                              </p:par>
+                              <p:par>
+                                <p:cTn id="13" presetID="42" presetClass="path" presetSubtype="0" accel="50000" decel="50000" autoRev="1" fill="hold" grpId="1" nodeType="withEffect">
+                                  <p:stCondLst>
+                                    <p:cond delay="1000"/>
+                                  </p:stCondLst>
+                                  <p:childTnLst>
+                                    <p:animMotion origin="layout" path="M -3.95833E-6 4.07407E-6 L -3.95833E-6 0.07222 " pathEditMode="relative" rAng="0" ptsTypes="AA">
+                                      <p:cBhvr>
+                                        <p:cTn id="14" dur="1000" fill="hold"/>
+                                        <p:tgtEl>
+                                          <p:spTgt spid="10"/>
+                                        </p:tgtEl>
+                                        <p:attrNameLst>
+                                          <p:attrName>ppt_x</p:attrName>
+                                          <p:attrName>ppt_y</p:attrName>
+                                        </p:attrNameLst>
+                                      </p:cBhvr>
+                                      <p:rCtr x="0" y="3611"/>
+                                    </p:animMotion>
+                                  </p:childTnLst>
+                                </p:cTn>
+                              </p:par>
+                              <p:par>
+                                <p:cTn id="15" presetID="53" presetClass="entr" presetSubtype="16" fill="hold" grpId="0" nodeType="withEffect">
+                                  <p:stCondLst>
+                                    <p:cond delay="2500"/>
+                                  </p:stCondLst>
+                                  <p:childTnLst>
+                                    <p:set>
+                                      <p:cBhvr>
+                                        <p:cTn id="16" dur="1" fill="hold">
+                                          <p:stCondLst>
+                                            <p:cond delay="0"/>
+                                          </p:stCondLst>
+                                        </p:cTn>
+                                        <p:tgtEl>
+                                          <p:spTgt spid="11"/>
+                                        </p:tgtEl>
+                                        <p:attrNameLst>
+                                          <p:attrName>style.visibility</p:attrName>
+                                        </p:attrNameLst>
+                                      </p:cBhvr>
+                                      <p:to>
+                                        <p:strVal val="visible"/>
+                                      </p:to>
+                                    </p:set>
+                                    <p:anim calcmode="lin" valueType="num">
+                                      <p:cBhvr>
+                                        <p:cTn id="17" dur="500" fill="hold"/>
+                                        <p:tgtEl>
+                                          <p:spTgt spid="11"/>
+                                        </p:tgtEl>
+                                        <p:attrNameLst>
+                                          <p:attrName>ppt_w</p:attrName>
+                                        </p:attrNameLst>
+                                      </p:cBhvr>
+                                      <p:tavLst>
+                                        <p:tav tm="0">
+                                          <p:val>
+                                            <p:fltVal val="0"/>
+                                          </p:val>
+                                        </p:tav>
+                                        <p:tav tm="100000">
+                                          <p:val>
+                                            <p:strVal val="#ppt_w"/>
+                                          </p:val>
+                                        </p:tav>
+                                      </p:tavLst>
+                                    </p:anim>
+                                    <p:anim calcmode="lin" valueType="num">
+                                      <p:cBhvr>
+                                        <p:cTn id="18" dur="500" fill="hold"/>
+                                        <p:tgtEl>
+                                          <p:spTgt spid="11"/>
+                                        </p:tgtEl>
+                                        <p:attrNameLst>
+                                          <p:attrName>ppt_h</p:attrName>
+                                        </p:attrNameLst>
+                                      </p:cBhvr>
+                                      <p:tavLst>
+                                        <p:tav tm="0">
+                                          <p:val>
+                                            <p:fltVal val="0"/>
+                                          </p:val>
+                                        </p:tav>
+                                        <p:tav tm="100000">
+                                          <p:val>
+                                            <p:strVal val="#ppt_h"/>
+                                          </p:val>
+                                        </p:tav>
+                                      </p:tavLst>
+                                    </p:anim>
+                                    <p:animEffect transition="in" filter="fade">
+                                      <p:cBhvr>
+                                        <p:cTn id="19" dur="500"/>
+                                        <p:tgtEl>
+                                          <p:spTgt spid="11"/>
+                                        </p:tgtEl>
+                                      </p:cBhvr>
+                                    </p:animEffect>
+                                  </p:childTnLst>
+                                </p:cTn>
+                              </p:par>
+                              <p:par>
+                                <p:cTn id="20" presetID="64" presetClass="path" presetSubtype="0" accel="50000" decel="50000" fill="hold" grpId="1" nodeType="withEffect">
+                                  <p:stCondLst>
+                                    <p:cond delay="2500"/>
+                                  </p:stCondLst>
+                                  <p:childTnLst>
+                                    <p:animMotion origin="layout" path="M 1.25E-6 0.04675 L 1.25E-6 4.81481E-6 " pathEditMode="relative" rAng="0" ptsTypes="AA">
+                                      <p:cBhvr>
+                                        <p:cTn id="21" dur="2000" fill="hold"/>
+                                        <p:tgtEl>
+                                          <p:spTgt spid="11"/>
+                                        </p:tgtEl>
+                                        <p:attrNameLst>
+                                          <p:attrName>ppt_x</p:attrName>
+                                          <p:attrName>ppt_y</p:attrName>
+                                        </p:attrNameLst>
+                                      </p:cBhvr>
+                                      <p:rCtr x="0" y="-2338"/>
+                                    </p:animMotion>
+                                  </p:childTnLst>
+                                </p:cTn>
+                              </p:par>
+                            </p:childTnLst>
+                          </p:cTn>
+                        </p:par>
+                      </p:childTnLst>
+                    </p:cTn>
+                  </p:par>
+                </p:childTnLst>
+              </p:cTn>
+              <p:prevCondLst>
+                <p:cond evt="onPrev" delay="0">
+                  <p:tgtEl>
+                    <p:sldTgt/>
+                  </p:tgtEl>
+                </p:cond>
+              </p:prevCondLst>
+              <p:nextCondLst>
+                <p:cond evt="onNext" delay="0">
+                  <p:tgtEl>
+                    <p:sldTgt/>
+                  </p:tgtEl>
+                </p:cond>
+              </p:nextCondLst>
+            </p:seq>
+          </p:childTnLst>
+        </p:cTn>
+      </p:par>
+    </p:tnLst>
+    <p:bldLst>
+      <p:bldP spid="10" grpId="0" animBg="1"/>
+      <p:bldP spid="10" grpId="1" animBg="1"/>
+      <p:bldP spid="11" grpId="0"/>
+      <p:bldP spid="11" grpId="1"/>
+    </p:bldLst>
+  </p:timing>
+</p:sld>
+</file>
+
+<file path=ppt/slides/slide14.xml><?xml version="1.0" encoding="utf-8"?>
+<p:sld xmlns:a="http://schemas.openxmlformats.org/drawingml/2006/main" xmlns:r="http://schemas.openxmlformats.org/officeDocument/2006/relationships" xmlns:p="http://schemas.openxmlformats.org/presentationml/2006/main">
+  <p:cSld>
+    <p:spTree>
+      <p:nvGrpSpPr>
+        <p:cNvPr id="1" name=""/>
+        <p:cNvGrpSpPr/>
+        <p:nvPr/>
+      </p:nvGrpSpPr>
+      <p:grpSpPr>
+        <a:xfrm>
+          <a:off x="0" y="0"/>
+          <a:ext cx="0" cy="0"/>
+          <a:chOff x="0" y="0"/>
+          <a:chExt cx="0" cy="0"/>
+        </a:xfrm>
+      </p:grpSpPr>
+      <p:sp>
+        <p:nvSpPr>
+          <p:cNvPr id="11" name="Rounded Rectangle 61" descr="e7d195523061f1c0205959036996ad55c215b892a7aac5c0B9ADEF7896FB48F2EF97163A2DE1401E1875DEDC438B7864AD24CA23553DBBBD975DAF4CAD4A2592689FFB6CEE59FFA55B2702D0E5EE29CDFC0DD98BC7D6A39AC4E055256EE11BBEDCDB7C9722D66262996B68DE860BD3C77EBCAECB599909EC0E07B61811075331ABCDE6990254B8C8"/>
+          <p:cNvSpPr>
+            <a:spLocks noChangeArrowheads="1"/>
+          </p:cNvSpPr>
+          <p:nvPr/>
+        </p:nvSpPr>
+        <p:spPr bwMode="auto">
+          <a:xfrm rot="21584148">
+            <a:off x="1979294" y="2396196"/>
+            <a:ext cx="1230630" cy="974725"/>
+          </a:xfrm>
+          <a:prstGeom prst="roundRect">
+            <a:avLst>
+              <a:gd name="adj" fmla="val 9375"/>
+            </a:avLst>
+          </a:prstGeom>
+          <a:solidFill>
+            <a:srgbClr val="EE534F"/>
+          </a:solidFill>
+          <a:ln>
+            <a:noFill/>
+          </a:ln>
+          <a:effectLst>
+            <a:outerShdw blurRad="152400" sx="103000" sy="103000" algn="ctr" rotWithShape="0">
+              <a:prstClr val="black">
+                <a:alpha val="30000"/>
+              </a:prstClr>
+            </a:outerShdw>
+          </a:effectLst>
+        </p:spPr>
+        <p:style>
+          <a:lnRef idx="2">
+            <a:schemeClr val="accent1">
+              <a:shade val="50000"/>
+            </a:schemeClr>
+          </a:lnRef>
+          <a:fillRef idx="1">
+            <a:schemeClr val="accent1"/>
+          </a:fillRef>
+          <a:effectRef idx="0">
+            <a:schemeClr val="accent1"/>
+          </a:effectRef>
+          <a:fontRef idx="minor">
+            <a:schemeClr val="lt1"/>
+          </a:fontRef>
+        </p:style>
+        <p:txBody>
+          <a:bodyPr rtlCol="0" anchor="ctr"/>
+          <a:lstStyle/>
+          <a:p>
+            <a:pPr algn="ctr"/>
+            <a:r>
+              <a:rPr lang="x-none" altLang="en-US" sz="2400" b="1" dirty="0" smtClean="0"/>
+              <a:t>Wh</a:t>
+            </a:r>
+            <a:r>
+              <a:rPr lang="en-US" altLang="zh-CN" sz="2400" b="1" dirty="0" smtClean="0"/>
+              <a:t>at</a:t>
+            </a:r>
+            <a:endParaRPr lang="x-none" altLang="en-US" sz="2400" b="1" dirty="0"/>
+          </a:p>
+        </p:txBody>
+      </p:sp>
+      <p:sp>
+        <p:nvSpPr>
+          <p:cNvPr id="43" name="Rectangle 89" descr="e7d195523061f1c0205959036996ad55c215b892a7aac5c0B9ADEF7896FB48F2EF97163A2DE1401E1875DEDC438B7864AD24CA23553DBBBD975DAF4CAD4A2592689FFB6CEE59FFA55B2702D0E5EE29CDFC0DD98BC7D6A39AC4E055256EE11BBEDCDB7C9722D66262996B68DE860BD3C77EBCAECB599909EC0E07B61811075331ABCDE6990254B8C8"/>
+          <p:cNvSpPr/>
+          <p:nvPr/>
+        </p:nvSpPr>
+        <p:spPr>
+          <a:xfrm>
+            <a:off x="3578607" y="2006395"/>
+            <a:ext cx="7229602" cy="1754326"/>
+          </a:xfrm>
+          <a:prstGeom prst="rect">
+            <a:avLst/>
+          </a:prstGeom>
+        </p:spPr>
+        <p:txBody>
+          <a:bodyPr wrap="square">
+            <a:spAutoFit/>
+          </a:bodyPr>
+          <a:lstStyle/>
+          <a:p>
+            <a:pPr fontAlgn="auto">
+              <a:lnSpc>
+                <a:spcPct val="150000"/>
+              </a:lnSpc>
+            </a:pPr>
+            <a:r>
+              <a:rPr lang="x-none" sz="2400" b="1" dirty="0" smtClean="0">
+                <a:solidFill>
+                  <a:schemeClr val="tx1">
+                    <a:lumMod val="65000"/>
+                    <a:lumOff val="35000"/>
+                  </a:schemeClr>
+                </a:solidFill>
+                <a:ea typeface="Open Sans" panose="020B0606030504020204" pitchFamily="34" charset="0"/>
+                <a:cs typeface="Open Sans" panose="020B0606030504020204" pitchFamily="34" charset="0"/>
+              </a:rPr>
+              <a:t>采用Angular</a:t>
+            </a:r>
+            <a:r>
+              <a:rPr lang="en-US" altLang="zh-CN" sz="2400" b="1" dirty="0" smtClean="0">
+                <a:solidFill>
+                  <a:schemeClr val="tx1">
+                    <a:lumMod val="65000"/>
+                    <a:lumOff val="35000"/>
+                  </a:schemeClr>
+                </a:solidFill>
+                <a:ea typeface="Open Sans" panose="020B0606030504020204" pitchFamily="34" charset="0"/>
+                <a:cs typeface="Open Sans" panose="020B0606030504020204" pitchFamily="34" charset="0"/>
+              </a:rPr>
+              <a:t>JS</a:t>
+            </a:r>
+            <a:r>
+              <a:rPr lang="x-none" sz="2400" b="1" dirty="0" smtClean="0">
+                <a:solidFill>
+                  <a:schemeClr val="tx1">
+                    <a:lumMod val="65000"/>
+                    <a:lumOff val="35000"/>
+                  </a:schemeClr>
+                </a:solidFill>
+                <a:ea typeface="Open Sans" panose="020B0606030504020204" pitchFamily="34" charset="0"/>
+                <a:cs typeface="Open Sans" panose="020B0606030504020204" pitchFamily="34" charset="0"/>
+              </a:rPr>
+              <a:t>作为开发框架，</a:t>
+            </a:r>
+            <a:endParaRPr lang="en-US" sz="2400" b="1" dirty="0" smtClean="0">
+              <a:solidFill>
+                <a:schemeClr val="tx1">
+                  <a:lumMod val="65000"/>
+                  <a:lumOff val="35000"/>
+                </a:schemeClr>
+              </a:solidFill>
+              <a:ea typeface="Open Sans" panose="020B0606030504020204" pitchFamily="34" charset="0"/>
+              <a:cs typeface="Open Sans" panose="020B0606030504020204" pitchFamily="34" charset="0"/>
+            </a:endParaRPr>
+          </a:p>
+          <a:p>
+            <a:pPr fontAlgn="auto">
+              <a:lnSpc>
+                <a:spcPct val="150000"/>
+              </a:lnSpc>
+            </a:pPr>
+            <a:r>
+              <a:rPr lang="en-US" altLang="zh-CN" sz="2400" b="1" dirty="0" smtClean="0">
+                <a:solidFill>
+                  <a:schemeClr val="tx1">
+                    <a:lumMod val="65000"/>
+                    <a:lumOff val="35000"/>
+                  </a:schemeClr>
+                </a:solidFill>
+                <a:ea typeface="Open Sans" panose="020B0606030504020204" pitchFamily="34" charset="0"/>
+                <a:cs typeface="Open Sans" panose="020B0606030504020204" pitchFamily="34" charset="0"/>
+              </a:rPr>
+              <a:t>bootstrap</a:t>
+            </a:r>
+            <a:r>
+              <a:rPr lang="zh-CN" altLang="en-US" sz="2400" b="1" dirty="0" smtClean="0">
+                <a:solidFill>
+                  <a:schemeClr val="tx1">
+                    <a:lumMod val="65000"/>
+                    <a:lumOff val="35000"/>
+                  </a:schemeClr>
+                </a:solidFill>
+                <a:ea typeface="Open Sans" panose="020B0606030504020204" pitchFamily="34" charset="0"/>
+                <a:cs typeface="Open Sans" panose="020B0606030504020204" pitchFamily="34" charset="0"/>
+              </a:rPr>
+              <a:t>作为页面样式框架</a:t>
+            </a:r>
+            <a:endParaRPr lang="en-US" altLang="zh-CN" sz="2400" b="1" dirty="0" smtClean="0">
+              <a:solidFill>
+                <a:schemeClr val="tx1">
+                  <a:lumMod val="65000"/>
+                  <a:lumOff val="35000"/>
+                </a:schemeClr>
+              </a:solidFill>
+              <a:ea typeface="Open Sans" panose="020B0606030504020204" pitchFamily="34" charset="0"/>
+              <a:cs typeface="Open Sans" panose="020B0606030504020204" pitchFamily="34" charset="0"/>
+            </a:endParaRPr>
+          </a:p>
+          <a:p>
+            <a:pPr fontAlgn="auto">
+              <a:lnSpc>
+                <a:spcPct val="150000"/>
+              </a:lnSpc>
+            </a:pPr>
+            <a:r>
+              <a:rPr lang="zh-CN" altLang="en-US" sz="2400" b="1" dirty="0" smtClean="0">
+                <a:solidFill>
+                  <a:schemeClr val="tx1">
+                    <a:lumMod val="65000"/>
+                    <a:lumOff val="35000"/>
+                  </a:schemeClr>
+                </a:solidFill>
+                <a:ea typeface="Open Sans" panose="020B0606030504020204" pitchFamily="34" charset="0"/>
+                <a:cs typeface="Open Sans" panose="020B0606030504020204" pitchFamily="34" charset="0"/>
+              </a:rPr>
+              <a:t>学习使用及编写</a:t>
+            </a:r>
+            <a:r>
+              <a:rPr lang="en-US" altLang="zh-CN" sz="2400" b="1" dirty="0" smtClean="0">
+                <a:solidFill>
+                  <a:schemeClr val="tx1">
+                    <a:lumMod val="65000"/>
+                    <a:lumOff val="35000"/>
+                  </a:schemeClr>
+                </a:solidFill>
+                <a:ea typeface="Open Sans" panose="020B0606030504020204" pitchFamily="34" charset="0"/>
+                <a:cs typeface="Open Sans" panose="020B0606030504020204" pitchFamily="34" charset="0"/>
+              </a:rPr>
+              <a:t>HTML</a:t>
+            </a:r>
+            <a:r>
+              <a:rPr lang="zh-CN" altLang="en-US" sz="2400" b="1" dirty="0">
+                <a:solidFill>
+                  <a:schemeClr val="tx1">
+                    <a:lumMod val="65000"/>
+                    <a:lumOff val="35000"/>
+                  </a:schemeClr>
+                </a:solidFill>
+                <a:ea typeface="Open Sans" panose="020B0606030504020204" pitchFamily="34" charset="0"/>
+                <a:cs typeface="Open Sans" panose="020B0606030504020204" pitchFamily="34" charset="0"/>
+              </a:rPr>
+              <a:t>、</a:t>
+            </a:r>
+            <a:r>
+              <a:rPr lang="en-US" altLang="zh-CN" sz="2400" b="1" dirty="0" smtClean="0">
+                <a:solidFill>
+                  <a:schemeClr val="tx1">
+                    <a:lumMod val="65000"/>
+                    <a:lumOff val="35000"/>
+                  </a:schemeClr>
+                </a:solidFill>
+                <a:ea typeface="Open Sans" panose="020B0606030504020204" pitchFamily="34" charset="0"/>
+                <a:cs typeface="Open Sans" panose="020B0606030504020204" pitchFamily="34" charset="0"/>
+              </a:rPr>
+              <a:t>CSS</a:t>
+            </a:r>
+            <a:r>
+              <a:rPr lang="zh-CN" altLang="en-US" sz="2400" b="1" dirty="0">
+                <a:solidFill>
+                  <a:schemeClr val="tx1">
+                    <a:lumMod val="65000"/>
+                    <a:lumOff val="35000"/>
+                  </a:schemeClr>
+                </a:solidFill>
+                <a:ea typeface="Open Sans" panose="020B0606030504020204" pitchFamily="34" charset="0"/>
+                <a:cs typeface="Open Sans" panose="020B0606030504020204" pitchFamily="34" charset="0"/>
+              </a:rPr>
+              <a:t>、</a:t>
+            </a:r>
+            <a:r>
+              <a:rPr lang="en-US" altLang="zh-CN" sz="2400" b="1" dirty="0" smtClean="0">
+                <a:solidFill>
+                  <a:schemeClr val="tx1">
+                    <a:lumMod val="65000"/>
+                    <a:lumOff val="35000"/>
+                  </a:schemeClr>
+                </a:solidFill>
+                <a:ea typeface="Open Sans" panose="020B0606030504020204" pitchFamily="34" charset="0"/>
+                <a:cs typeface="Open Sans" panose="020B0606030504020204" pitchFamily="34" charset="0"/>
+              </a:rPr>
+              <a:t>JavaScript</a:t>
+            </a:r>
+            <a:r>
+              <a:rPr lang="zh-CN" altLang="en-US" sz="2400" b="1" dirty="0" smtClean="0">
+                <a:solidFill>
+                  <a:schemeClr val="tx1">
+                    <a:lumMod val="65000"/>
+                    <a:lumOff val="35000"/>
+                  </a:schemeClr>
+                </a:solidFill>
+                <a:ea typeface="Open Sans" panose="020B0606030504020204" pitchFamily="34" charset="0"/>
+                <a:cs typeface="Open Sans" panose="020B0606030504020204" pitchFamily="34" charset="0"/>
+              </a:rPr>
+              <a:t>及</a:t>
+            </a:r>
+            <a:r>
+              <a:rPr lang="en-US" altLang="zh-CN" sz="2400" b="1" dirty="0" smtClean="0">
+                <a:solidFill>
+                  <a:schemeClr val="tx1">
+                    <a:lumMod val="65000"/>
+                    <a:lumOff val="35000"/>
+                  </a:schemeClr>
+                </a:solidFill>
+                <a:ea typeface="Open Sans" panose="020B0606030504020204" pitchFamily="34" charset="0"/>
+                <a:cs typeface="Open Sans" panose="020B0606030504020204" pitchFamily="34" charset="0"/>
+              </a:rPr>
+              <a:t>Jason</a:t>
+            </a:r>
+            <a:r>
+              <a:rPr lang="zh-CN" altLang="en-US" sz="2400" b="1" dirty="0" smtClean="0">
+                <a:solidFill>
+                  <a:schemeClr val="tx1">
+                    <a:lumMod val="65000"/>
+                    <a:lumOff val="35000"/>
+                  </a:schemeClr>
+                </a:solidFill>
+                <a:ea typeface="Open Sans" panose="020B0606030504020204" pitchFamily="34" charset="0"/>
+                <a:cs typeface="Open Sans" panose="020B0606030504020204" pitchFamily="34" charset="0"/>
+              </a:rPr>
+              <a:t>代码</a:t>
+            </a:r>
+            <a:endParaRPr lang="x-none" sz="2400" b="1" dirty="0" smtClean="0">
+              <a:solidFill>
+                <a:schemeClr val="tx1">
+                  <a:lumMod val="65000"/>
+                  <a:lumOff val="35000"/>
+                </a:schemeClr>
+              </a:solidFill>
+              <a:ea typeface="Open Sans" panose="020B0606030504020204" pitchFamily="34" charset="0"/>
+              <a:cs typeface="Open Sans" panose="020B0606030504020204" pitchFamily="34" charset="0"/>
+            </a:endParaRPr>
+          </a:p>
+        </p:txBody>
+      </p:sp>
+      <p:sp>
+        <p:nvSpPr>
+          <p:cNvPr id="2" name="e7d195523061f1c0" descr="e7d195523061f1c0205959036996ad55c215b892a7aac5c0B9ADEF7896FB48F2EF97163A2DE1401E1875DEDC438B7864AD24CA23553DBBBD975DAF4CAD4A2592689FFB6CEE59FFA55B2702D0E5EE29CDFC0DD98BC7D6A39AC4E055256EE11BBEDCDB7C9722D66262996B68DE860BD3C77EBCAECB599909EC0E07B61811075331ABCDE6990254B8C8" hidden="1"/>
+          <p:cNvSpPr txBox="1"/>
+          <p:nvPr/>
+        </p:nvSpPr>
+        <p:spPr>
+          <a:xfrm>
+            <a:off x="-355600" y="1803400"/>
+            <a:ext cx="293927" cy="1016000"/>
+          </a:xfrm>
+          <a:prstGeom prst="rect">
+            <a:avLst/>
+          </a:prstGeom>
+          <a:noFill/>
+        </p:spPr>
+        <p:txBody>
+          <a:bodyPr vert="wordArtVert" rtlCol="0">
+            <a:spAutoFit/>
+          </a:bodyPr>
+          <a:lstStyle/>
+          <a:p>
+            <a:r>
+              <a:rPr lang="en-US" altLang="zh-CN" sz="100"/>
+              <a:t>e7d195523061f1c0205959036996ad55c215b892a7aac5c0B9ADEF7896FB48F2EF97163A2DE1401E1875DEDC438B7864AD24CA23553DBBBD975DAF4CAD4A2592689FFB6CEE59FFA55B2702D0E5EE29CDFC0DD98BC7D6A39AC4E055256EE11BBEDCDB7C9722D66262996B68DE860BD3C77EBCAECB599909EC0E07B61811075331ABCDE6990254B8C8</a:t>
+            </a:r>
+            <a:endParaRPr lang="zh-CN" altLang="en-US" sz="100"/>
+          </a:p>
+        </p:txBody>
+      </p:sp>
+      <p:sp>
+        <p:nvSpPr>
+          <p:cNvPr id="18" name="圆角矩形 17" descr="e7d195523061f1c0205959036996ad55c215b892a7aac5c0B9ADEF7896FB48F2EF97163A2DE1401E1875DEDC438B7864AD24CA23553DBBBD975DAF4CAD4A2592689FFB6CEE59FFA55B2702D0E5EE29CDFC0DD98BC7D6A39AC4E055256EE11BBEDCDB7C9722D66262996B68DE860BD3C77EBCAECB599909EC0E07B61811075331ABCDE6990254B8C8"/>
+          <p:cNvSpPr/>
+          <p:nvPr/>
+        </p:nvSpPr>
+        <p:spPr>
+          <a:xfrm>
+            <a:off x="559854" y="360913"/>
+            <a:ext cx="576816" cy="604892"/>
+          </a:xfrm>
+          <a:prstGeom prst="roundRect">
+            <a:avLst>
+              <a:gd name="adj" fmla="val 22417"/>
+            </a:avLst>
+          </a:prstGeom>
+          <a:solidFill>
+            <a:srgbClr val="EE534F"/>
+          </a:solidFill>
+          <a:ln>
+            <a:noFill/>
+          </a:ln>
+          <a:effectLst>
+            <a:outerShdw blurRad="152400" sx="103000" sy="103000" algn="ctr" rotWithShape="0">
+              <a:prstClr val="black">
+                <a:alpha val="30000"/>
+              </a:prstClr>
+            </a:outerShdw>
+          </a:effectLst>
+        </p:spPr>
+        <p:style>
+          <a:lnRef idx="2">
+            <a:schemeClr val="accent1">
+              <a:shade val="50000"/>
+            </a:schemeClr>
+          </a:lnRef>
+          <a:fillRef idx="1">
+            <a:schemeClr val="accent1"/>
+          </a:fillRef>
+          <a:effectRef idx="0">
+            <a:schemeClr val="accent1"/>
+          </a:effectRef>
+          <a:fontRef idx="minor">
+            <a:schemeClr val="lt1"/>
+          </a:fontRef>
+        </p:style>
+        <p:txBody>
+          <a:bodyPr rtlCol="0" anchor="ctr"/>
+          <a:lstStyle/>
+          <a:p>
+            <a:pPr algn="ctr"/>
+            <a:r>
+              <a:rPr lang="en-US" altLang="zh-CN" sz="2400" b="1" dirty="0"/>
+              <a:t>0</a:t>
+            </a:r>
+            <a:r>
+              <a:rPr lang="x-none" sz="2400" b="1" dirty="0"/>
+              <a:t>4</a:t>
+            </a:r>
+          </a:p>
+        </p:txBody>
+      </p:sp>
+      <p:sp>
+        <p:nvSpPr>
+          <p:cNvPr id="21" name="矩形 20"/>
+          <p:cNvSpPr/>
+          <p:nvPr/>
+        </p:nvSpPr>
+        <p:spPr>
+          <a:xfrm>
+            <a:off x="1303655" y="321945"/>
+            <a:ext cx="5391150" cy="640080"/>
+          </a:xfrm>
+          <a:prstGeom prst="rect">
+            <a:avLst/>
+          </a:prstGeom>
+          <a:noFill/>
+          <a:ln>
+            <a:noFill/>
+          </a:ln>
+        </p:spPr>
+        <p:style>
+          <a:lnRef idx="2">
+            <a:schemeClr val="accent1">
+              <a:shade val="50000"/>
+            </a:schemeClr>
+          </a:lnRef>
+          <a:fillRef idx="1">
+            <a:schemeClr val="accent1"/>
+          </a:fillRef>
+          <a:effectRef idx="0">
+            <a:schemeClr val="accent1"/>
+          </a:effectRef>
+          <a:fontRef idx="minor">
+            <a:schemeClr val="lt1"/>
+          </a:fontRef>
+        </p:style>
+        <p:txBody>
+          <a:bodyPr rtlCol="0" anchor="ctr"/>
+          <a:lstStyle/>
+          <a:p>
+            <a:r>
+              <a:rPr lang="x-none" sz="3200" dirty="0" smtClean="0">
+                <a:solidFill>
+                  <a:srgbClr val="EE534F"/>
+                </a:solidFill>
+                <a:ea typeface="Microsoft YaHei UI" panose="020B0503020204020204" pitchFamily="34" charset="-122"/>
+              </a:rPr>
+              <a:t>Angular</a:t>
+            </a:r>
+            <a:r>
+              <a:rPr lang="en-US" altLang="zh-CN" sz="3200" dirty="0" err="1" smtClean="0">
+                <a:solidFill>
+                  <a:srgbClr val="EE534F"/>
+                </a:solidFill>
+                <a:ea typeface="Microsoft YaHei UI" panose="020B0503020204020204" pitchFamily="34" charset="-122"/>
+              </a:rPr>
+              <a:t>JS+bootstrap</a:t>
+            </a:r>
+            <a:endParaRPr lang="x-none" sz="3200" dirty="0">
+              <a:solidFill>
+                <a:schemeClr val="tx1">
+                  <a:lumMod val="75000"/>
+                  <a:lumOff val="25000"/>
+                </a:schemeClr>
+              </a:solidFill>
+              <a:ea typeface="Microsoft YaHei UI" panose="020B0503020204020204" pitchFamily="34" charset="-122"/>
+            </a:endParaRPr>
+          </a:p>
+        </p:txBody>
+      </p:sp>
+    </p:spTree>
+  </p:cSld>
+  <p:clrMapOvr>
+    <a:masterClrMapping/>
+  </p:clrMapOvr>
+  <mc:AlternateContent xmlns:mc="http://schemas.openxmlformats.org/markup-compatibility/2006" xmlns:p14="http://schemas.microsoft.com/office/powerpoint/2010/main">
+    <mc:Choice Requires="p14">
+      <p:transition spd="slow" p14:dur="1400" advClick="0" advTm="0">
+        <p14:doors dir="vert"/>
+      </p:transition>
+    </mc:Choice>
+    <mc:Fallback xmlns="">
+      <p:transition spd="slow" advClick="0" advTm="0">
+        <p:fade/>
+      </p:transition>
+    </mc:Fallback>
+  </mc:AlternateContent>
+  <p:timing>
+    <p:tnLst>
+      <p:par>
+        <p:cTn id="1" dur="indefinite" restart="never" nodeType="tmRoot">
+          <p:childTnLst>
+            <p:seq concurrent="1" nextAc="seek">
+              <p:cTn id="2" dur="indefinite" nodeType="mainSeq">
+                <p:childTnLst>
+                  <p:par>
+                    <p:cTn id="3" fill="hold">
+                      <p:stCondLst>
+                        <p:cond delay="indefinite"/>
+                        <p:cond evt="onBegin" delay="0">
+                          <p:tn val="2"/>
+                        </p:cond>
+                      </p:stCondLst>
+                      <p:childTnLst>
+                        <p:par>
+                          <p:cTn id="4" fill="hold">
+                            <p:stCondLst>
+                              <p:cond delay="0"/>
+                            </p:stCondLst>
+                            <p:childTnLst>
+                              <p:par>
+                                <p:cTn id="5" presetID="53" presetClass="entr" presetSubtype="16" fill="hold" grpId="0" nodeType="withEffect">
+                                  <p:stCondLst>
+                                    <p:cond delay="2500"/>
+                                  </p:stCondLst>
+                                  <p:childTnLst>
+                                    <p:set>
+                                      <p:cBhvr>
+                                        <p:cTn id="6" dur="1" fill="hold">
+                                          <p:stCondLst>
+                                            <p:cond delay="0"/>
+                                          </p:stCondLst>
+                                        </p:cTn>
+                                        <p:tgtEl>
+                                          <p:spTgt spid="11"/>
+                                        </p:tgtEl>
+                                        <p:attrNameLst>
+                                          <p:attrName>style.visibility</p:attrName>
+                                        </p:attrNameLst>
+                                      </p:cBhvr>
+                                      <p:to>
+                                        <p:strVal val="visible"/>
+                                      </p:to>
+                                    </p:set>
+                                    <p:anim calcmode="lin" valueType="num">
+                                      <p:cBhvr>
+                                        <p:cTn id="7" dur="1000" fill="hold"/>
+                                        <p:tgtEl>
+                                          <p:spTgt spid="11"/>
+                                        </p:tgtEl>
+                                        <p:attrNameLst>
+                                          <p:attrName>ppt_w</p:attrName>
+                                        </p:attrNameLst>
+                                      </p:cBhvr>
+                                      <p:tavLst>
+                                        <p:tav tm="0">
+                                          <p:val>
+                                            <p:fltVal val="0"/>
+                                          </p:val>
+                                        </p:tav>
+                                        <p:tav tm="100000">
+                                          <p:val>
+                                            <p:strVal val="#ppt_w"/>
+                                          </p:val>
+                                        </p:tav>
+                                      </p:tavLst>
+                                    </p:anim>
+                                    <p:anim calcmode="lin" valueType="num">
+                                      <p:cBhvr>
+                                        <p:cTn id="8" dur="1000" fill="hold"/>
+                                        <p:tgtEl>
+                                          <p:spTgt spid="11"/>
+                                        </p:tgtEl>
+                                        <p:attrNameLst>
+                                          <p:attrName>ppt_h</p:attrName>
+                                        </p:attrNameLst>
+                                      </p:cBhvr>
+                                      <p:tavLst>
+                                        <p:tav tm="0">
+                                          <p:val>
+                                            <p:fltVal val="0"/>
+                                          </p:val>
+                                        </p:tav>
+                                        <p:tav tm="100000">
+                                          <p:val>
+                                            <p:strVal val="#ppt_h"/>
+                                          </p:val>
+                                        </p:tav>
+                                      </p:tavLst>
+                                    </p:anim>
+                                    <p:animEffect transition="in" filter="fade">
+                                      <p:cBhvr>
+                                        <p:cTn id="9" dur="1000"/>
+                                        <p:tgtEl>
+                                          <p:spTgt spid="11"/>
+                                        </p:tgtEl>
+                                      </p:cBhvr>
+                                    </p:animEffect>
+                                  </p:childTnLst>
+                                </p:cTn>
+                              </p:par>
+                              <p:par>
+                                <p:cTn id="10" presetID="49" presetClass="entr" presetSubtype="0" decel="100000" fill="hold" grpId="1" nodeType="withEffect">
+                                  <p:stCondLst>
+                                    <p:cond delay="2500"/>
+                                  </p:stCondLst>
+                                  <p:childTnLst>
+                                    <p:set>
+                                      <p:cBhvr>
+                                        <p:cTn id="11" dur="1" fill="hold">
+                                          <p:stCondLst>
+                                            <p:cond delay="0"/>
+                                          </p:stCondLst>
+                                        </p:cTn>
+                                        <p:tgtEl>
+                                          <p:spTgt spid="11"/>
+                                        </p:tgtEl>
+                                        <p:attrNameLst>
+                                          <p:attrName>style.visibility</p:attrName>
+                                        </p:attrNameLst>
+                                      </p:cBhvr>
+                                      <p:to>
+                                        <p:strVal val="visible"/>
+                                      </p:to>
+                                    </p:set>
+                                    <p:anim calcmode="lin" valueType="num">
+                                      <p:cBhvr>
+                                        <p:cTn id="12" dur="1000" fill="hold"/>
+                                        <p:tgtEl>
+                                          <p:spTgt spid="11"/>
+                                        </p:tgtEl>
+                                        <p:attrNameLst>
+                                          <p:attrName>ppt_w</p:attrName>
+                                        </p:attrNameLst>
+                                      </p:cBhvr>
+                                      <p:tavLst>
+                                        <p:tav tm="0">
+                                          <p:val>
+                                            <p:fltVal val="0"/>
+                                          </p:val>
+                                        </p:tav>
+                                        <p:tav tm="100000">
+                                          <p:val>
+                                            <p:strVal val="#ppt_w"/>
+                                          </p:val>
+                                        </p:tav>
+                                      </p:tavLst>
+                                    </p:anim>
+                                    <p:anim calcmode="lin" valueType="num">
+                                      <p:cBhvr>
+                                        <p:cTn id="13" dur="1000" fill="hold"/>
+                                        <p:tgtEl>
+                                          <p:spTgt spid="11"/>
+                                        </p:tgtEl>
+                                        <p:attrNameLst>
+                                          <p:attrName>ppt_h</p:attrName>
+                                        </p:attrNameLst>
+                                      </p:cBhvr>
+                                      <p:tavLst>
+                                        <p:tav tm="0">
+                                          <p:val>
+                                            <p:fltVal val="0"/>
+                                          </p:val>
+                                        </p:tav>
+                                        <p:tav tm="100000">
+                                          <p:val>
+                                            <p:strVal val="#ppt_h"/>
+                                          </p:val>
+                                        </p:tav>
+                                      </p:tavLst>
+                                    </p:anim>
+                                    <p:anim calcmode="lin" valueType="num">
+                                      <p:cBhvr>
+                                        <p:cTn id="14" dur="1000" fill="hold"/>
+                                        <p:tgtEl>
+                                          <p:spTgt spid="11"/>
+                                        </p:tgtEl>
+                                        <p:attrNameLst>
+                                          <p:attrName>style.rotation</p:attrName>
+                                        </p:attrNameLst>
+                                      </p:cBhvr>
+                                      <p:tavLst>
+                                        <p:tav tm="0">
+                                          <p:val>
+                                            <p:fltVal val="360"/>
+                                          </p:val>
+                                        </p:tav>
+                                        <p:tav tm="100000">
+                                          <p:val>
+                                            <p:fltVal val="0"/>
+                                          </p:val>
+                                        </p:tav>
+                                      </p:tavLst>
+                                    </p:anim>
+                                    <p:animEffect transition="in" filter="fade">
+                                      <p:cBhvr>
+                                        <p:cTn id="15" dur="1000"/>
+                                        <p:tgtEl>
+                                          <p:spTgt spid="11"/>
+                                        </p:tgtEl>
+                                      </p:cBhvr>
+                                    </p:animEffect>
+                                  </p:childTnLst>
+                                </p:cTn>
+                              </p:par>
+                              <p:par>
+                                <p:cTn id="16" presetID="42" presetClass="path" presetSubtype="0" accel="50000" decel="50000" fill="hold" grpId="2" nodeType="withEffect">
+                                  <p:stCondLst>
+                                    <p:cond delay="2500"/>
+                                  </p:stCondLst>
+                                  <p:childTnLst>
+                                    <p:animMotion origin="layout" path="M 0.09492 0.03426 L 3.75E-6 -2.59259E-6 " pathEditMode="relative" rAng="0" ptsTypes="AA">
+                                      <p:cBhvr>
+                                        <p:cTn id="17" dur="1000" fill="hold"/>
+                                        <p:tgtEl>
+                                          <p:spTgt spid="11"/>
+                                        </p:tgtEl>
+                                        <p:attrNameLst>
+                                          <p:attrName>ppt_x</p:attrName>
+                                          <p:attrName>ppt_y</p:attrName>
+                                        </p:attrNameLst>
+                                      </p:cBhvr>
+                                      <p:rCtr x="-4753" y="-1713"/>
+                                    </p:animMotion>
+                                  </p:childTnLst>
+                                </p:cTn>
+                              </p:par>
+                              <p:par>
+                                <p:cTn id="18" presetID="22" presetClass="entr" presetSubtype="8" fill="hold" grpId="0" nodeType="withEffect">
+                                  <p:stCondLst>
+                                    <p:cond delay="3000"/>
+                                  </p:stCondLst>
+                                  <p:childTnLst>
+                                    <p:set>
+                                      <p:cBhvr>
+                                        <p:cTn id="19" dur="1" fill="hold">
+                                          <p:stCondLst>
+                                            <p:cond delay="0"/>
+                                          </p:stCondLst>
+                                        </p:cTn>
+                                        <p:tgtEl>
+                                          <p:spTgt spid="43"/>
+                                        </p:tgtEl>
+                                        <p:attrNameLst>
+                                          <p:attrName>style.visibility</p:attrName>
+                                        </p:attrNameLst>
+                                      </p:cBhvr>
+                                      <p:to>
+                                        <p:strVal val="visible"/>
+                                      </p:to>
+                                    </p:set>
+                                    <p:animEffect transition="in" filter="wipe(left)">
+                                      <p:cBhvr>
+                                        <p:cTn id="20" dur="500"/>
+                                        <p:tgtEl>
+                                          <p:spTgt spid="43"/>
+                                        </p:tgtEl>
+                                      </p:cBhvr>
+                                    </p:animEffect>
+                                  </p:childTnLst>
+                                </p:cTn>
+                              </p:par>
+                              <p:par>
+                                <p:cTn id="21" presetID="10" presetClass="entr" presetSubtype="0" fill="hold" grpId="0" nodeType="withEffect">
+                                  <p:stCondLst>
+                                    <p:cond delay="0"/>
+                                  </p:stCondLst>
+                                  <p:childTnLst>
+                                    <p:set>
+                                      <p:cBhvr>
+                                        <p:cTn id="22" dur="1" fill="hold">
+                                          <p:stCondLst>
+                                            <p:cond delay="0"/>
+                                          </p:stCondLst>
+                                        </p:cTn>
+                                        <p:tgtEl>
+                                          <p:spTgt spid="18"/>
+                                        </p:tgtEl>
+                                        <p:attrNameLst>
+                                          <p:attrName>style.visibility</p:attrName>
+                                        </p:attrNameLst>
+                                      </p:cBhvr>
+                                      <p:to>
+                                        <p:strVal val="visible"/>
+                                      </p:to>
+                                    </p:set>
+                                    <p:animEffect transition="in" filter="fade">
+                                      <p:cBhvr>
+                                        <p:cTn id="23" dur="1000"/>
+                                        <p:tgtEl>
+                                          <p:spTgt spid="18"/>
+                                        </p:tgtEl>
+                                      </p:cBhvr>
+                                    </p:animEffect>
+                                  </p:childTnLst>
+                                </p:cTn>
+                              </p:par>
+                              <p:par>
+                                <p:cTn id="24" presetID="42" presetClass="path" presetSubtype="0" accel="50000" decel="50000" autoRev="1" fill="hold" grpId="1" nodeType="withEffect">
+                                  <p:stCondLst>
+                                    <p:cond delay="0"/>
+                                  </p:stCondLst>
+                                  <p:childTnLst>
+                                    <p:animMotion origin="layout" path="M -1.25E-6 2.22222E-6 L 0.02409 2.22222E-6 " pathEditMode="relative" rAng="0" ptsTypes="AA">
+                                      <p:cBhvr>
+                                        <p:cTn id="25" dur="1000" fill="hold"/>
+                                        <p:tgtEl>
+                                          <p:spTgt spid="18"/>
+                                        </p:tgtEl>
+                                        <p:attrNameLst>
+                                          <p:attrName>ppt_x</p:attrName>
+                                          <p:attrName>ppt_y</p:attrName>
+                                        </p:attrNameLst>
+                                      </p:cBhvr>
+                                      <p:rCtr x="1198" y="0"/>
+                                    </p:animMotion>
+                                  </p:childTnLst>
+                                </p:cTn>
+                              </p:par>
+                            </p:childTnLst>
+                          </p:cTn>
+                        </p:par>
+                      </p:childTnLst>
+                    </p:cTn>
+                  </p:par>
+                </p:childTnLst>
+              </p:cTn>
+              <p:prevCondLst>
+                <p:cond evt="onPrev" delay="0">
+                  <p:tgtEl>
+                    <p:sldTgt/>
+                  </p:tgtEl>
+                </p:cond>
+              </p:prevCondLst>
+              <p:nextCondLst>
+                <p:cond evt="onNext" delay="0">
+                  <p:tgtEl>
+                    <p:sldTgt/>
+                  </p:tgtEl>
+                </p:cond>
+              </p:nextCondLst>
+            </p:seq>
+          </p:childTnLst>
+        </p:cTn>
+      </p:par>
+    </p:tnLst>
+    <p:bldLst>
+      <p:bldP spid="11" grpId="0" bldLvl="0" animBg="1"/>
+      <p:bldP spid="11" grpId="1" bldLvl="0" animBg="1"/>
+      <p:bldP spid="11" grpId="2" bldLvl="0" animBg="1"/>
+      <p:bldP spid="43" grpId="0"/>
+      <p:bldP spid="18" grpId="0" animBg="1"/>
+      <p:bldP spid="18" grpId="1" animBg="1"/>
+    </p:bldLst>
+  </p:timing>
+</p:sld>
+</file>
+
+<file path=ppt/slides/slide15.xml><?xml version="1.0" encoding="utf-8"?>
+<p:sld xmlns:a="http://schemas.openxmlformats.org/drawingml/2006/main" xmlns:r="http://schemas.openxmlformats.org/officeDocument/2006/relationships" xmlns:p="http://schemas.openxmlformats.org/presentationml/2006/main">
+  <p:cSld>
+    <p:spTree>
+      <p:nvGrpSpPr>
+        <p:cNvPr id="1" name=""/>
+        <p:cNvGrpSpPr/>
+        <p:nvPr/>
+      </p:nvGrpSpPr>
+      <p:grpSpPr>
+        <a:xfrm>
+          <a:off x="0" y="0"/>
+          <a:ext cx="0" cy="0"/>
+          <a:chOff x="0" y="0"/>
+          <a:chExt cx="0" cy="0"/>
+        </a:xfrm>
+      </p:grpSpPr>
+      <p:sp>
+        <p:nvSpPr>
+          <p:cNvPr id="43" name="Rectangle 89" descr="e7d195523061f1c0205959036996ad55c215b892a7aac5c0B9ADEF7896FB48F2EF97163A2DE1401E1875DEDC438B7864AD24CA23553DBBBD975DAF4CAD4A2592689FFB6CEE59FFA55B2702D0E5EE29CDFC0DD98BC7D6A39AC4E055256EE11BBEDCDB7C9722D66262996B68DE860BD3C77EBCAECB599909EC0E07B61811075331ABCDE6990254B8C8"/>
+          <p:cNvSpPr/>
+          <p:nvPr/>
+        </p:nvSpPr>
+        <p:spPr>
+          <a:xfrm>
+            <a:off x="6845173" y="976854"/>
+            <a:ext cx="5346827" cy="2862322"/>
+          </a:xfrm>
+          <a:prstGeom prst="rect">
+            <a:avLst/>
+          </a:prstGeom>
+        </p:spPr>
+        <p:txBody>
+          <a:bodyPr wrap="square">
+            <a:spAutoFit/>
+          </a:bodyPr>
+          <a:lstStyle/>
+          <a:p>
+            <a:pPr fontAlgn="auto">
+              <a:lnSpc>
+                <a:spcPct val="150000"/>
+              </a:lnSpc>
+            </a:pPr>
+            <a:r>
+              <a:rPr lang="x-none" sz="2400" b="1" dirty="0" smtClean="0">
+                <a:solidFill>
+                  <a:schemeClr val="tx1">
+                    <a:lumMod val="65000"/>
+                    <a:lumOff val="35000"/>
+                  </a:schemeClr>
+                </a:solidFill>
+                <a:ea typeface="Open Sans" panose="020B0606030504020204" pitchFamily="34" charset="0"/>
+                <a:cs typeface="Open Sans" panose="020B0606030504020204" pitchFamily="34" charset="0"/>
+              </a:rPr>
+              <a:t>Angular</a:t>
+            </a:r>
+            <a:r>
+              <a:rPr lang="en-US" altLang="zh-CN" sz="2400" b="1" dirty="0" smtClean="0">
+                <a:solidFill>
+                  <a:schemeClr val="tx1">
+                    <a:lumMod val="65000"/>
+                    <a:lumOff val="35000"/>
+                  </a:schemeClr>
+                </a:solidFill>
+                <a:ea typeface="Open Sans" panose="020B0606030504020204" pitchFamily="34" charset="0"/>
+                <a:cs typeface="Open Sans" panose="020B0606030504020204" pitchFamily="34" charset="0"/>
+              </a:rPr>
+              <a:t>JS</a:t>
+            </a:r>
+            <a:r>
+              <a:rPr lang="x-none" sz="2400" b="1" dirty="0" smtClean="0">
+                <a:solidFill>
+                  <a:schemeClr val="tx1">
+                    <a:lumMod val="65000"/>
+                    <a:lumOff val="35000"/>
+                  </a:schemeClr>
+                </a:solidFill>
+                <a:ea typeface="Open Sans" panose="020B0606030504020204" pitchFamily="34" charset="0"/>
+                <a:cs typeface="Open Sans" panose="020B0606030504020204" pitchFamily="34" charset="0"/>
+              </a:rPr>
+              <a:t>作为开发框架</a:t>
+            </a:r>
+            <a:r>
+              <a:rPr lang="x-none" sz="2400" b="1" dirty="0" smtClean="0">
+                <a:solidFill>
+                  <a:schemeClr val="tx1">
+                    <a:lumMod val="65000"/>
+                    <a:lumOff val="35000"/>
+                  </a:schemeClr>
+                </a:solidFill>
+                <a:ea typeface="Open Sans" panose="020B0606030504020204" pitchFamily="34" charset="0"/>
+                <a:cs typeface="Open Sans" panose="020B0606030504020204" pitchFamily="34" charset="0"/>
+              </a:rPr>
+              <a:t>，</a:t>
+            </a:r>
+            <a:r>
+              <a:rPr lang="zh-CN" altLang="en-US" sz="2400" b="1" dirty="0">
+                <a:solidFill>
+                  <a:schemeClr val="tx1">
+                    <a:lumMod val="65000"/>
+                    <a:lumOff val="35000"/>
+                  </a:schemeClr>
+                </a:solidFill>
+                <a:ea typeface="Open Sans" panose="020B0606030504020204" pitchFamily="34" charset="0"/>
+                <a:cs typeface="Open Sans" panose="020B0606030504020204" pitchFamily="34" charset="0"/>
+              </a:rPr>
+              <a:t>侧重页面</a:t>
+            </a:r>
+            <a:r>
+              <a:rPr lang="zh-CN" altLang="en-US" sz="2400" b="1" dirty="0" smtClean="0">
+                <a:solidFill>
+                  <a:schemeClr val="tx1">
+                    <a:lumMod val="65000"/>
+                    <a:lumOff val="35000"/>
+                  </a:schemeClr>
+                </a:solidFill>
+                <a:ea typeface="Open Sans" panose="020B0606030504020204" pitchFamily="34" charset="0"/>
+                <a:cs typeface="Open Sans" panose="020B0606030504020204" pitchFamily="34" charset="0"/>
+              </a:rPr>
+              <a:t>逻辑控制。</a:t>
+            </a:r>
+            <a:endParaRPr lang="en-US" altLang="zh-CN" sz="2400" b="1" dirty="0" smtClean="0">
+              <a:solidFill>
+                <a:schemeClr val="tx1">
+                  <a:lumMod val="65000"/>
+                  <a:lumOff val="35000"/>
+                </a:schemeClr>
+              </a:solidFill>
+              <a:ea typeface="Open Sans" panose="020B0606030504020204" pitchFamily="34" charset="0"/>
+              <a:cs typeface="Open Sans" panose="020B0606030504020204" pitchFamily="34" charset="0"/>
+            </a:endParaRPr>
+          </a:p>
+          <a:p>
+            <a:pPr fontAlgn="auto">
+              <a:lnSpc>
+                <a:spcPct val="150000"/>
+              </a:lnSpc>
+            </a:pPr>
+            <a:r>
+              <a:rPr lang="zh-CN" altLang="en-US" sz="2400" b="1" dirty="0" smtClean="0">
+                <a:solidFill>
+                  <a:schemeClr val="tx1">
+                    <a:lumMod val="65000"/>
+                    <a:lumOff val="35000"/>
+                  </a:schemeClr>
+                </a:solidFill>
+                <a:ea typeface="Open Sans" panose="020B0606030504020204" pitchFamily="34" charset="0"/>
+                <a:cs typeface="Open Sans" panose="020B0606030504020204" pitchFamily="34" charset="0"/>
+              </a:rPr>
+              <a:t>使用</a:t>
+            </a:r>
+            <a:r>
+              <a:rPr lang="en-US" altLang="zh-CN" sz="2400" b="1" dirty="0" err="1" smtClean="0">
+                <a:solidFill>
+                  <a:schemeClr val="tx1">
+                    <a:lumMod val="65000"/>
+                    <a:lumOff val="35000"/>
+                  </a:schemeClr>
+                </a:solidFill>
+                <a:ea typeface="Open Sans" panose="020B0606030504020204" pitchFamily="34" charset="0"/>
+                <a:cs typeface="Open Sans" panose="020B0606030504020204" pitchFamily="34" charset="0"/>
+              </a:rPr>
+              <a:t>angularJS</a:t>
+            </a:r>
+            <a:r>
+              <a:rPr lang="en-US" altLang="zh-CN" sz="2400" b="1" dirty="0" smtClean="0">
+                <a:solidFill>
+                  <a:schemeClr val="tx1">
+                    <a:lumMod val="65000"/>
+                    <a:lumOff val="35000"/>
+                  </a:schemeClr>
+                </a:solidFill>
+                <a:ea typeface="Open Sans" panose="020B0606030504020204" pitchFamily="34" charset="0"/>
+                <a:cs typeface="Open Sans" panose="020B0606030504020204" pitchFamily="34" charset="0"/>
+              </a:rPr>
+              <a:t> </a:t>
+            </a:r>
+            <a:r>
+              <a:rPr lang="zh-CN" altLang="en-US" sz="2400" b="1" dirty="0" smtClean="0">
+                <a:solidFill>
+                  <a:schemeClr val="tx1">
+                    <a:lumMod val="65000"/>
+                    <a:lumOff val="35000"/>
+                  </a:schemeClr>
+                </a:solidFill>
+                <a:ea typeface="Open Sans" panose="020B0606030504020204" pitchFamily="34" charset="0"/>
+                <a:cs typeface="Open Sans" panose="020B0606030504020204" pitchFamily="34" charset="0"/>
+              </a:rPr>
+              <a:t>对于</a:t>
+            </a:r>
+            <a:r>
+              <a:rPr lang="en-US" altLang="zh-CN" sz="2400" b="1" dirty="0" smtClean="0">
+                <a:solidFill>
+                  <a:schemeClr val="tx1">
+                    <a:lumMod val="65000"/>
+                    <a:lumOff val="35000"/>
+                  </a:schemeClr>
+                </a:solidFill>
+                <a:ea typeface="Open Sans" panose="020B0606030504020204" pitchFamily="34" charset="0"/>
+                <a:cs typeface="Open Sans" panose="020B0606030504020204" pitchFamily="34" charset="0"/>
+              </a:rPr>
+              <a:t>web</a:t>
+            </a:r>
+            <a:r>
+              <a:rPr lang="zh-CN" altLang="en-US" sz="2400" b="1" dirty="0" smtClean="0">
+                <a:solidFill>
+                  <a:schemeClr val="tx1">
+                    <a:lumMod val="65000"/>
+                    <a:lumOff val="35000"/>
+                  </a:schemeClr>
+                </a:solidFill>
+                <a:ea typeface="Open Sans" panose="020B0606030504020204" pitchFamily="34" charset="0"/>
+                <a:cs typeface="Open Sans" panose="020B0606030504020204" pitchFamily="34" charset="0"/>
+              </a:rPr>
+              <a:t>前端端与后端进行</a:t>
+            </a:r>
+            <a:r>
+              <a:rPr lang="zh-CN" altLang="en-US" sz="2400" b="1" dirty="0" smtClean="0">
+                <a:solidFill>
+                  <a:schemeClr val="tx1">
+                    <a:lumMod val="65000"/>
+                    <a:lumOff val="35000"/>
+                  </a:schemeClr>
+                </a:solidFill>
+                <a:ea typeface="Open Sans" panose="020B0606030504020204" pitchFamily="34" charset="0"/>
+                <a:cs typeface="Open Sans" panose="020B0606030504020204" pitchFamily="34" charset="0"/>
+              </a:rPr>
+              <a:t>完整</a:t>
+            </a:r>
+            <a:r>
+              <a:rPr lang="zh-CN" altLang="en-US" sz="2400" b="1" dirty="0">
+                <a:solidFill>
+                  <a:schemeClr val="tx1">
+                    <a:lumMod val="65000"/>
+                    <a:lumOff val="35000"/>
+                  </a:schemeClr>
+                </a:solidFill>
+                <a:ea typeface="Open Sans" panose="020B0606030504020204" pitchFamily="34" charset="0"/>
+                <a:cs typeface="Open Sans" panose="020B0606030504020204" pitchFamily="34" charset="0"/>
+              </a:rPr>
+              <a:t>的端对</a:t>
+            </a:r>
+            <a:r>
+              <a:rPr lang="zh-CN" altLang="en-US" sz="2400" b="1" dirty="0" smtClean="0">
+                <a:solidFill>
+                  <a:schemeClr val="tx1">
+                    <a:lumMod val="65000"/>
+                    <a:lumOff val="35000"/>
+                  </a:schemeClr>
+                </a:solidFill>
+                <a:ea typeface="Open Sans" panose="020B0606030504020204" pitchFamily="34" charset="0"/>
+                <a:cs typeface="Open Sans" panose="020B0606030504020204" pitchFamily="34" charset="0"/>
+              </a:rPr>
+              <a:t>端的交互有着重要作用。</a:t>
+            </a:r>
+            <a:endParaRPr lang="en-US" sz="2400" b="1" dirty="0" smtClean="0">
+              <a:solidFill>
+                <a:schemeClr val="tx1">
+                  <a:lumMod val="65000"/>
+                  <a:lumOff val="35000"/>
+                </a:schemeClr>
+              </a:solidFill>
+              <a:ea typeface="Open Sans" panose="020B0606030504020204" pitchFamily="34" charset="0"/>
+              <a:cs typeface="Open Sans" panose="020B0606030504020204" pitchFamily="34" charset="0"/>
+            </a:endParaRPr>
+          </a:p>
+        </p:txBody>
+      </p:sp>
+      <p:sp>
+        <p:nvSpPr>
+          <p:cNvPr id="2" name="e7d195523061f1c0" descr="e7d195523061f1c0205959036996ad55c215b892a7aac5c0B9ADEF7896FB48F2EF97163A2DE1401E1875DEDC438B7864AD24CA23553DBBBD975DAF4CAD4A2592689FFB6CEE59FFA55B2702D0E5EE29CDFC0DD98BC7D6A39AC4E055256EE11BBEDCDB7C9722D66262996B68DE860BD3C77EBCAECB599909EC0E07B61811075331ABCDE6990254B8C8" hidden="1"/>
+          <p:cNvSpPr txBox="1"/>
+          <p:nvPr/>
+        </p:nvSpPr>
+        <p:spPr>
+          <a:xfrm>
+            <a:off x="-355600" y="1803400"/>
+            <a:ext cx="293927" cy="1016000"/>
+          </a:xfrm>
+          <a:prstGeom prst="rect">
+            <a:avLst/>
+          </a:prstGeom>
+          <a:noFill/>
+        </p:spPr>
+        <p:txBody>
+          <a:bodyPr vert="wordArtVert" rtlCol="0">
+            <a:spAutoFit/>
+          </a:bodyPr>
+          <a:lstStyle/>
+          <a:p>
+            <a:r>
+              <a:rPr lang="en-US" altLang="zh-CN" sz="100"/>
+              <a:t>e7d195523061f1c0205959036996ad55c215b892a7aac5c0B9ADEF7896FB48F2EF97163A2DE1401E1875DEDC438B7864AD24CA23553DBBBD975DAF4CAD4A2592689FFB6CEE59FFA55B2702D0E5EE29CDFC0DD98BC7D6A39AC4E055256EE11BBEDCDB7C9722D66262996B68DE860BD3C77EBCAECB599909EC0E07B61811075331ABCDE6990254B8C8</a:t>
+            </a:r>
+            <a:endParaRPr lang="zh-CN" altLang="en-US" sz="100"/>
+          </a:p>
+        </p:txBody>
+      </p:sp>
+      <p:sp>
+        <p:nvSpPr>
+          <p:cNvPr id="18" name="圆角矩形 17" descr="e7d195523061f1c0205959036996ad55c215b892a7aac5c0B9ADEF7896FB48F2EF97163A2DE1401E1875DEDC438B7864AD24CA23553DBBBD975DAF4CAD4A2592689FFB6CEE59FFA55B2702D0E5EE29CDFC0DD98BC7D6A39AC4E055256EE11BBEDCDB7C9722D66262996B68DE860BD3C77EBCAECB599909EC0E07B61811075331ABCDE6990254B8C8"/>
+          <p:cNvSpPr/>
+          <p:nvPr/>
+        </p:nvSpPr>
+        <p:spPr>
+          <a:xfrm>
+            <a:off x="559854" y="360913"/>
+            <a:ext cx="576816" cy="604892"/>
+          </a:xfrm>
+          <a:prstGeom prst="roundRect">
+            <a:avLst>
+              <a:gd name="adj" fmla="val 22417"/>
+            </a:avLst>
+          </a:prstGeom>
+          <a:solidFill>
+            <a:srgbClr val="EE534F"/>
+          </a:solidFill>
+          <a:ln>
+            <a:noFill/>
+          </a:ln>
+          <a:effectLst>
+            <a:outerShdw blurRad="152400" sx="103000" sy="103000" algn="ctr" rotWithShape="0">
+              <a:prstClr val="black">
+                <a:alpha val="30000"/>
+              </a:prstClr>
+            </a:outerShdw>
+          </a:effectLst>
+        </p:spPr>
+        <p:style>
+          <a:lnRef idx="2">
+            <a:schemeClr val="accent1">
+              <a:shade val="50000"/>
+            </a:schemeClr>
+          </a:lnRef>
+          <a:fillRef idx="1">
+            <a:schemeClr val="accent1"/>
+          </a:fillRef>
+          <a:effectRef idx="0">
+            <a:schemeClr val="accent1"/>
+          </a:effectRef>
+          <a:fontRef idx="minor">
+            <a:schemeClr val="lt1"/>
+          </a:fontRef>
+        </p:style>
+        <p:txBody>
+          <a:bodyPr rtlCol="0" anchor="ctr"/>
+          <a:lstStyle/>
+          <a:p>
+            <a:pPr algn="ctr"/>
+            <a:r>
+              <a:rPr lang="en-US" altLang="zh-CN" sz="2400" b="1" dirty="0"/>
+              <a:t>0</a:t>
+            </a:r>
+            <a:r>
+              <a:rPr lang="x-none" sz="2400" b="1" dirty="0"/>
+              <a:t>4</a:t>
+            </a:r>
+          </a:p>
+        </p:txBody>
+      </p:sp>
+      <p:sp>
+        <p:nvSpPr>
+          <p:cNvPr id="21" name="矩形 20"/>
+          <p:cNvSpPr/>
+          <p:nvPr/>
+        </p:nvSpPr>
+        <p:spPr>
+          <a:xfrm>
+            <a:off x="1303655" y="321945"/>
+            <a:ext cx="5391150" cy="640080"/>
+          </a:xfrm>
+          <a:prstGeom prst="rect">
+            <a:avLst/>
+          </a:prstGeom>
+          <a:noFill/>
+          <a:ln>
+            <a:noFill/>
+          </a:ln>
+        </p:spPr>
+        <p:style>
+          <a:lnRef idx="2">
+            <a:schemeClr val="accent1">
+              <a:shade val="50000"/>
+            </a:schemeClr>
+          </a:lnRef>
+          <a:fillRef idx="1">
+            <a:schemeClr val="accent1"/>
+          </a:fillRef>
+          <a:effectRef idx="0">
+            <a:schemeClr val="accent1"/>
+          </a:effectRef>
+          <a:fontRef idx="minor">
+            <a:schemeClr val="lt1"/>
+          </a:fontRef>
+        </p:style>
+        <p:txBody>
+          <a:bodyPr rtlCol="0" anchor="ctr"/>
+          <a:lstStyle/>
+          <a:p>
+            <a:r>
+              <a:rPr lang="x-none" sz="3200" dirty="0" smtClean="0">
+                <a:solidFill>
+                  <a:srgbClr val="EE534F"/>
+                </a:solidFill>
+                <a:ea typeface="Microsoft YaHei UI" panose="020B0503020204020204" pitchFamily="34" charset="-122"/>
+              </a:rPr>
+              <a:t>Angular</a:t>
+            </a:r>
+            <a:r>
+              <a:rPr lang="en-US" altLang="zh-CN" sz="3200" dirty="0" smtClean="0">
+                <a:solidFill>
+                  <a:srgbClr val="EE534F"/>
+                </a:solidFill>
+                <a:ea typeface="Microsoft YaHei UI" panose="020B0503020204020204" pitchFamily="34" charset="-122"/>
+              </a:rPr>
+              <a:t>JS</a:t>
+            </a:r>
+            <a:endParaRPr lang="x-none" sz="3200" dirty="0">
+              <a:solidFill>
+                <a:schemeClr val="tx1">
+                  <a:lumMod val="75000"/>
+                  <a:lumOff val="25000"/>
+                </a:schemeClr>
+              </a:solidFill>
+              <a:ea typeface="Microsoft YaHei UI" panose="020B0503020204020204" pitchFamily="34" charset="-122"/>
+            </a:endParaRPr>
+          </a:p>
+        </p:txBody>
+      </p:sp>
+      <p:sp>
+        <p:nvSpPr>
+          <p:cNvPr id="9" name="Rectangle 89" descr="e7d195523061f1c0205959036996ad55c215b892a7aac5c0B9ADEF7896FB48F2EF97163A2DE1401E1875DEDC438B7864AD24CA23553DBBBD975DAF4CAD4A2592689FFB6CEE59FFA55B2702D0E5EE29CDFC0DD98BC7D6A39AC4E055256EE11BBEDCDB7C9722D66262996B68DE860BD3C77EBCAECB599909EC0E07B61811075331ABCDE6990254B8C8"/>
+          <p:cNvSpPr/>
+          <p:nvPr/>
+        </p:nvSpPr>
+        <p:spPr>
+          <a:xfrm>
+            <a:off x="6845173" y="4313354"/>
+            <a:ext cx="4860544" cy="2308324"/>
+          </a:xfrm>
+          <a:prstGeom prst="rect">
+            <a:avLst/>
+          </a:prstGeom>
+        </p:spPr>
+        <p:txBody>
+          <a:bodyPr wrap="square">
+            <a:spAutoFit/>
+          </a:bodyPr>
+          <a:lstStyle/>
+          <a:p>
+            <a:pPr fontAlgn="auto">
+              <a:lnSpc>
+                <a:spcPct val="150000"/>
+              </a:lnSpc>
+            </a:pPr>
+            <a:r>
+              <a:rPr lang="en-US" altLang="zh-CN" sz="2400" b="1" dirty="0">
+                <a:solidFill>
+                  <a:schemeClr val="tx1">
+                    <a:lumMod val="65000"/>
+                    <a:lumOff val="35000"/>
+                  </a:schemeClr>
+                </a:solidFill>
+                <a:ea typeface="Open Sans" panose="020B0606030504020204" pitchFamily="34" charset="0"/>
+                <a:cs typeface="Open Sans" panose="020B0606030504020204" pitchFamily="34" charset="0"/>
+              </a:rPr>
+              <a:t>AngularJS </a:t>
+            </a:r>
+            <a:r>
+              <a:rPr lang="zh-CN" altLang="en-US" sz="2400" b="1" dirty="0">
+                <a:solidFill>
+                  <a:schemeClr val="tx1">
+                    <a:lumMod val="65000"/>
+                    <a:lumOff val="35000"/>
+                  </a:schemeClr>
+                </a:solidFill>
+                <a:ea typeface="Open Sans" panose="020B0606030504020204" pitchFamily="34" charset="0"/>
+                <a:cs typeface="Open Sans" panose="020B0606030504020204" pitchFamily="34" charset="0"/>
+              </a:rPr>
+              <a:t>是一个 </a:t>
+            </a:r>
+            <a:r>
+              <a:rPr lang="en-US" altLang="zh-CN" sz="2400" b="1" dirty="0">
+                <a:solidFill>
+                  <a:schemeClr val="tx1">
+                    <a:lumMod val="65000"/>
+                    <a:lumOff val="35000"/>
+                  </a:schemeClr>
+                </a:solidFill>
+                <a:ea typeface="Open Sans" panose="020B0606030504020204" pitchFamily="34" charset="0"/>
+                <a:cs typeface="Open Sans" panose="020B0606030504020204" pitchFamily="34" charset="0"/>
+              </a:rPr>
+              <a:t>JavaScript </a:t>
+            </a:r>
+            <a:r>
+              <a:rPr lang="zh-CN" altLang="en-US" sz="2400" b="1" dirty="0">
+                <a:solidFill>
+                  <a:schemeClr val="tx1">
+                    <a:lumMod val="65000"/>
+                    <a:lumOff val="35000"/>
+                  </a:schemeClr>
+                </a:solidFill>
+                <a:ea typeface="Open Sans" panose="020B0606030504020204" pitchFamily="34" charset="0"/>
+                <a:cs typeface="Open Sans" panose="020B0606030504020204" pitchFamily="34" charset="0"/>
+              </a:rPr>
+              <a:t>框架</a:t>
+            </a:r>
+            <a:r>
+              <a:rPr lang="zh-CN" altLang="en-US" sz="2400" b="1" dirty="0" smtClean="0">
+                <a:solidFill>
+                  <a:schemeClr val="tx1">
+                    <a:lumMod val="65000"/>
+                    <a:lumOff val="35000"/>
+                  </a:schemeClr>
+                </a:solidFill>
+                <a:ea typeface="Open Sans" panose="020B0606030504020204" pitchFamily="34" charset="0"/>
+                <a:cs typeface="Open Sans" panose="020B0606030504020204" pitchFamily="34" charset="0"/>
+              </a:rPr>
+              <a:t>。</a:t>
+            </a:r>
+            <a:endParaRPr lang="en-US" altLang="zh-CN" sz="2400" b="1" dirty="0" smtClean="0">
+              <a:solidFill>
+                <a:schemeClr val="tx1">
+                  <a:lumMod val="65000"/>
+                  <a:lumOff val="35000"/>
+                </a:schemeClr>
+              </a:solidFill>
+              <a:ea typeface="Open Sans" panose="020B0606030504020204" pitchFamily="34" charset="0"/>
+              <a:cs typeface="Open Sans" panose="020B0606030504020204" pitchFamily="34" charset="0"/>
+            </a:endParaRPr>
+          </a:p>
+          <a:p>
+            <a:pPr fontAlgn="auto">
+              <a:lnSpc>
+                <a:spcPct val="150000"/>
+              </a:lnSpc>
+            </a:pPr>
+            <a:r>
+              <a:rPr lang="en-US" altLang="zh-CN" sz="2400" b="1" dirty="0" smtClean="0">
+                <a:solidFill>
+                  <a:schemeClr val="tx1">
+                    <a:lumMod val="65000"/>
+                    <a:lumOff val="35000"/>
+                  </a:schemeClr>
+                </a:solidFill>
+                <a:ea typeface="Open Sans" panose="020B0606030504020204" pitchFamily="34" charset="0"/>
+                <a:cs typeface="Open Sans" panose="020B0606030504020204" pitchFamily="34" charset="0"/>
+              </a:rPr>
+              <a:t>AngularJS </a:t>
+            </a:r>
+            <a:r>
+              <a:rPr lang="zh-CN" altLang="en-US" sz="2400" b="1" dirty="0">
+                <a:solidFill>
+                  <a:schemeClr val="tx1">
+                    <a:lumMod val="65000"/>
+                    <a:lumOff val="35000"/>
+                  </a:schemeClr>
+                </a:solidFill>
+                <a:ea typeface="Open Sans" panose="020B0606030504020204" pitchFamily="34" charset="0"/>
+                <a:cs typeface="Open Sans" panose="020B0606030504020204" pitchFamily="34" charset="0"/>
+              </a:rPr>
+              <a:t>通过 指令 扩展了 </a:t>
+            </a:r>
+            <a:r>
+              <a:rPr lang="en-US" altLang="zh-CN" sz="2400" b="1" dirty="0">
+                <a:solidFill>
+                  <a:schemeClr val="tx1">
+                    <a:lumMod val="65000"/>
+                    <a:lumOff val="35000"/>
+                  </a:schemeClr>
+                </a:solidFill>
+                <a:ea typeface="Open Sans" panose="020B0606030504020204" pitchFamily="34" charset="0"/>
+                <a:cs typeface="Open Sans" panose="020B0606030504020204" pitchFamily="34" charset="0"/>
+              </a:rPr>
+              <a:t>HTML</a:t>
+            </a:r>
+            <a:r>
+              <a:rPr lang="zh-CN" altLang="en-US" sz="2400" b="1" dirty="0">
+                <a:solidFill>
+                  <a:schemeClr val="tx1">
+                    <a:lumMod val="65000"/>
+                    <a:lumOff val="35000"/>
+                  </a:schemeClr>
+                </a:solidFill>
+                <a:ea typeface="Open Sans" panose="020B0606030504020204" pitchFamily="34" charset="0"/>
+                <a:cs typeface="Open Sans" panose="020B0606030504020204" pitchFamily="34" charset="0"/>
+              </a:rPr>
+              <a:t>，且通过 表达式 绑定数据到 </a:t>
+            </a:r>
+            <a:r>
+              <a:rPr lang="en-US" altLang="zh-CN" sz="2400" b="1" dirty="0">
+                <a:solidFill>
+                  <a:schemeClr val="tx1">
+                    <a:lumMod val="65000"/>
+                    <a:lumOff val="35000"/>
+                  </a:schemeClr>
+                </a:solidFill>
+                <a:ea typeface="Open Sans" panose="020B0606030504020204" pitchFamily="34" charset="0"/>
+                <a:cs typeface="Open Sans" panose="020B0606030504020204" pitchFamily="34" charset="0"/>
+              </a:rPr>
+              <a:t>HTML</a:t>
+            </a:r>
+            <a:r>
+              <a:rPr lang="zh-CN" altLang="en-US" sz="2400" b="1" dirty="0" smtClean="0">
+                <a:solidFill>
+                  <a:schemeClr val="tx1">
+                    <a:lumMod val="65000"/>
+                    <a:lumOff val="35000"/>
+                  </a:schemeClr>
+                </a:solidFill>
+                <a:ea typeface="Open Sans" panose="020B0606030504020204" pitchFamily="34" charset="0"/>
+                <a:cs typeface="Open Sans" panose="020B0606030504020204" pitchFamily="34" charset="0"/>
+              </a:rPr>
+              <a:t>。</a:t>
+            </a:r>
+            <a:endParaRPr lang="en-US" altLang="zh-CN" sz="2400" b="1" dirty="0" smtClean="0">
+              <a:solidFill>
+                <a:schemeClr val="tx1">
+                  <a:lumMod val="65000"/>
+                  <a:lumOff val="35000"/>
+                </a:schemeClr>
+              </a:solidFill>
+              <a:ea typeface="Open Sans" panose="020B0606030504020204" pitchFamily="34" charset="0"/>
+              <a:cs typeface="Open Sans" panose="020B0606030504020204" pitchFamily="34" charset="0"/>
+            </a:endParaRPr>
+          </a:p>
+          <a:p>
+            <a:pPr fontAlgn="auto">
+              <a:lnSpc>
+                <a:spcPct val="150000"/>
+              </a:lnSpc>
+            </a:pPr>
+            <a:endParaRPr lang="en-US" sz="2400" b="1" dirty="0" smtClean="0">
+              <a:solidFill>
+                <a:schemeClr val="tx1">
+                  <a:lumMod val="65000"/>
+                  <a:lumOff val="35000"/>
+                </a:schemeClr>
+              </a:solidFill>
+              <a:ea typeface="Open Sans" panose="020B0606030504020204" pitchFamily="34" charset="0"/>
+              <a:cs typeface="Open Sans" panose="020B0606030504020204" pitchFamily="34" charset="0"/>
+            </a:endParaRPr>
+          </a:p>
+        </p:txBody>
+      </p:sp>
+      <p:pic>
+        <p:nvPicPr>
+          <p:cNvPr id="3" name="图片 2" descr="屏幕剪辑"/>
+          <p:cNvPicPr>
+            <a:picLocks noChangeAspect="1"/>
+          </p:cNvPicPr>
+          <p:nvPr/>
+        </p:nvPicPr>
+        <p:blipFill>
+          <a:blip r:embed="rId2">
+            <a:extLst>
+              <a:ext uri="{28A0092B-C50C-407E-A947-70E740481C1C}">
+                <a14:useLocalDpi xmlns:a14="http://schemas.microsoft.com/office/drawing/2010/main" val="0"/>
+              </a:ext>
+            </a:extLst>
+          </a:blip>
+          <a:stretch>
+            <a:fillRect/>
+          </a:stretch>
+        </p:blipFill>
+        <p:spPr>
+          <a:xfrm>
+            <a:off x="559854" y="1452830"/>
+            <a:ext cx="6011114" cy="4772691"/>
+          </a:xfrm>
+          <a:prstGeom prst="rect">
+            <a:avLst/>
+          </a:prstGeom>
+        </p:spPr>
+      </p:pic>
+    </p:spTree>
+    <p:extLst>
+      <p:ext uri="{BB962C8B-B14F-4D97-AF65-F5344CB8AC3E}">
+        <p14:creationId xmlns:p14="http://schemas.microsoft.com/office/powerpoint/2010/main" val="2583667498"/>
+      </p:ext>
+    </p:extLst>
+  </p:cSld>
+  <p:clrMapOvr>
+    <a:masterClrMapping/>
+  </p:clrMapOvr>
+  <mc:AlternateContent xmlns:mc="http://schemas.openxmlformats.org/markup-compatibility/2006" xmlns:p14="http://schemas.microsoft.com/office/powerpoint/2010/main">
+    <mc:Choice Requires="p14">
+      <p:transition spd="slow" p14:dur="1400" advClick="0" advTm="0">
+        <p14:doors dir="vert"/>
+      </p:transition>
+    </mc:Choice>
+    <mc:Fallback xmlns="">
+      <p:transition spd="slow" advClick="0" advTm="0">
+        <p:fade/>
+      </p:transition>
+    </mc:Fallback>
+  </mc:AlternateContent>
+  <p:timing>
+    <p:tnLst>
+      <p:par>
+        <p:cTn id="1" dur="indefinite" restart="never" nodeType="tmRoot">
+          <p:childTnLst>
+            <p:seq concurrent="1" nextAc="seek">
+              <p:cTn id="2" dur="indefinite" nodeType="mainSeq">
+                <p:childTnLst>
+                  <p:par>
+                    <p:cTn id="3" fill="hold">
+                      <p:stCondLst>
+                        <p:cond delay="indefinite"/>
+                        <p:cond evt="onBegin" delay="0">
+                          <p:tn val="2"/>
+                        </p:cond>
+                      </p:stCondLst>
+                      <p:childTnLst>
+                        <p:par>
+                          <p:cTn id="4" fill="hold">
+                            <p:stCondLst>
+                              <p:cond delay="0"/>
+                            </p:stCondLst>
+                            <p:childTnLst>
+                              <p:par>
+                                <p:cTn id="5" presetID="22" presetClass="entr" presetSubtype="8" fill="hold" grpId="0" nodeType="withEffect">
+                                  <p:stCondLst>
+                                    <p:cond delay="3000"/>
+                                  </p:stCondLst>
+                                  <p:childTnLst>
+                                    <p:set>
+                                      <p:cBhvr>
+                                        <p:cTn id="6" dur="1" fill="hold">
+                                          <p:stCondLst>
+                                            <p:cond delay="0"/>
+                                          </p:stCondLst>
+                                        </p:cTn>
+                                        <p:tgtEl>
+                                          <p:spTgt spid="43"/>
+                                        </p:tgtEl>
+                                        <p:attrNameLst>
+                                          <p:attrName>style.visibility</p:attrName>
+                                        </p:attrNameLst>
+                                      </p:cBhvr>
+                                      <p:to>
+                                        <p:strVal val="visible"/>
+                                      </p:to>
+                                    </p:set>
+                                    <p:animEffect transition="in" filter="wipe(left)">
+                                      <p:cBhvr>
+                                        <p:cTn id="7" dur="500"/>
+                                        <p:tgtEl>
+                                          <p:spTgt spid="43"/>
+                                        </p:tgtEl>
+                                      </p:cBhvr>
+                                    </p:animEffect>
+                                  </p:childTnLst>
+                                </p:cTn>
+                              </p:par>
+                              <p:par>
+                                <p:cTn id="8" presetID="10" presetClass="entr" presetSubtype="0" fill="hold" grpId="0" nodeType="withEffect">
+                                  <p:stCondLst>
+                                    <p:cond delay="0"/>
+                                  </p:stCondLst>
+                                  <p:childTnLst>
+                                    <p:set>
+                                      <p:cBhvr>
+                                        <p:cTn id="9" dur="1" fill="hold">
+                                          <p:stCondLst>
+                                            <p:cond delay="0"/>
+                                          </p:stCondLst>
+                                        </p:cTn>
+                                        <p:tgtEl>
+                                          <p:spTgt spid="18"/>
+                                        </p:tgtEl>
+                                        <p:attrNameLst>
+                                          <p:attrName>style.visibility</p:attrName>
+                                        </p:attrNameLst>
+                                      </p:cBhvr>
+                                      <p:to>
+                                        <p:strVal val="visible"/>
+                                      </p:to>
+                                    </p:set>
+                                    <p:animEffect transition="in" filter="fade">
+                                      <p:cBhvr>
+                                        <p:cTn id="10" dur="1000"/>
+                                        <p:tgtEl>
+                                          <p:spTgt spid="18"/>
+                                        </p:tgtEl>
+                                      </p:cBhvr>
+                                    </p:animEffect>
+                                  </p:childTnLst>
+                                </p:cTn>
+                              </p:par>
+                              <p:par>
+                                <p:cTn id="11" presetID="42" presetClass="path" presetSubtype="0" accel="50000" decel="50000" autoRev="1" fill="hold" grpId="1" nodeType="withEffect">
+                                  <p:stCondLst>
+                                    <p:cond delay="0"/>
+                                  </p:stCondLst>
+                                  <p:childTnLst>
+                                    <p:animMotion origin="layout" path="M -1.25E-6 2.22222E-6 L 0.02409 2.22222E-6 " pathEditMode="relative" rAng="0" ptsTypes="AA">
+                                      <p:cBhvr>
+                                        <p:cTn id="12" dur="1000" fill="hold"/>
+                                        <p:tgtEl>
+                                          <p:spTgt spid="18"/>
+                                        </p:tgtEl>
+                                        <p:attrNameLst>
+                                          <p:attrName>ppt_x</p:attrName>
+                                          <p:attrName>ppt_y</p:attrName>
+                                        </p:attrNameLst>
+                                      </p:cBhvr>
+                                      <p:rCtr x="1198" y="0"/>
+                                    </p:animMotion>
+                                  </p:childTnLst>
+                                </p:cTn>
+                              </p:par>
+                              <p:par>
+                                <p:cTn id="13" presetID="22" presetClass="entr" presetSubtype="8" fill="hold" grpId="0" nodeType="withEffect">
+                                  <p:stCondLst>
+                                    <p:cond delay="3000"/>
+                                  </p:stCondLst>
+                                  <p:childTnLst>
+                                    <p:set>
+                                      <p:cBhvr>
+                                        <p:cTn id="14" dur="1" fill="hold">
+                                          <p:stCondLst>
+                                            <p:cond delay="0"/>
+                                          </p:stCondLst>
+                                        </p:cTn>
+                                        <p:tgtEl>
+                                          <p:spTgt spid="9"/>
+                                        </p:tgtEl>
+                                        <p:attrNameLst>
+                                          <p:attrName>style.visibility</p:attrName>
+                                        </p:attrNameLst>
+                                      </p:cBhvr>
+                                      <p:to>
+                                        <p:strVal val="visible"/>
+                                      </p:to>
+                                    </p:set>
+                                    <p:animEffect transition="in" filter="wipe(left)">
+                                      <p:cBhvr>
+                                        <p:cTn id="15" dur="500"/>
+                                        <p:tgtEl>
+                                          <p:spTgt spid="9"/>
+                                        </p:tgtEl>
+                                      </p:cBhvr>
+                                    </p:animEffect>
+                                  </p:childTnLst>
+                                </p:cTn>
+                              </p:par>
+                            </p:childTnLst>
+                          </p:cTn>
+                        </p:par>
+                      </p:childTnLst>
+                    </p:cTn>
+                  </p:par>
+                </p:childTnLst>
+              </p:cTn>
+              <p:prevCondLst>
+                <p:cond evt="onPrev" delay="0">
+                  <p:tgtEl>
+                    <p:sldTgt/>
+                  </p:tgtEl>
+                </p:cond>
+              </p:prevCondLst>
+              <p:nextCondLst>
+                <p:cond evt="onNext" delay="0">
+                  <p:tgtEl>
+                    <p:sldTgt/>
+                  </p:tgtEl>
+                </p:cond>
+              </p:nextCondLst>
+            </p:seq>
+          </p:childTnLst>
+        </p:cTn>
+      </p:par>
+    </p:tnLst>
+    <p:bldLst>
+      <p:bldP spid="43" grpId="0"/>
+      <p:bldP spid="18" grpId="0" animBg="1"/>
+      <p:bldP spid="18" grpId="1" animBg="1"/>
+      <p:bldP spid="9" grpId="0"/>
+    </p:bldLst>
+  </p:timing>
+</p:sld>
+</file>
+
+<file path=ppt/slides/slide16.xml><?xml version="1.0" encoding="utf-8"?>
+<p:sld xmlns:a="http://schemas.openxmlformats.org/drawingml/2006/main" xmlns:r="http://schemas.openxmlformats.org/officeDocument/2006/relationships" xmlns:p="http://schemas.openxmlformats.org/presentationml/2006/main">
+  <p:cSld>
+    <p:spTree>
+      <p:nvGrpSpPr>
+        <p:cNvPr id="1" name=""/>
+        <p:cNvGrpSpPr/>
+        <p:nvPr/>
+      </p:nvGrpSpPr>
+      <p:grpSpPr>
+        <a:xfrm>
+          <a:off x="0" y="0"/>
+          <a:ext cx="0" cy="0"/>
+          <a:chOff x="0" y="0"/>
+          <a:chExt cx="0" cy="0"/>
+        </a:xfrm>
+      </p:grpSpPr>
+      <p:sp>
+        <p:nvSpPr>
+          <p:cNvPr id="43" name="Rectangle 89" descr="e7d195523061f1c0205959036996ad55c215b892a7aac5c0B9ADEF7896FB48F2EF97163A2DE1401E1875DEDC438B7864AD24CA23553DBBBD975DAF4CAD4A2592689FFB6CEE59FFA55B2702D0E5EE29CDFC0DD98BC7D6A39AC4E055256EE11BBEDCDB7C9722D66262996B68DE860BD3C77EBCAECB599909EC0E07B61811075331ABCDE6990254B8C8"/>
+          <p:cNvSpPr/>
+          <p:nvPr/>
+        </p:nvSpPr>
+        <p:spPr>
+          <a:xfrm>
+            <a:off x="5974333" y="1507987"/>
+            <a:ext cx="5986019" cy="3970318"/>
+          </a:xfrm>
+          <a:prstGeom prst="rect">
+            <a:avLst/>
+          </a:prstGeom>
+        </p:spPr>
+        <p:txBody>
+          <a:bodyPr wrap="square">
+            <a:spAutoFit/>
+          </a:bodyPr>
+          <a:lstStyle/>
+          <a:p>
+            <a:pPr fontAlgn="auto">
+              <a:lnSpc>
+                <a:spcPct val="150000"/>
+              </a:lnSpc>
+            </a:pPr>
+            <a:r>
+              <a:rPr lang="x-none" sz="2400" b="1" dirty="0" smtClean="0">
+                <a:solidFill>
+                  <a:schemeClr val="tx1">
+                    <a:lumMod val="65000"/>
+                    <a:lumOff val="35000"/>
+                  </a:schemeClr>
+                </a:solidFill>
+                <a:ea typeface="Open Sans" panose="020B0606030504020204" pitchFamily="34" charset="0"/>
+                <a:cs typeface="Open Sans" panose="020B0606030504020204" pitchFamily="34" charset="0"/>
+              </a:rPr>
+              <a:t>采用</a:t>
+            </a:r>
+            <a:r>
+              <a:rPr lang="en-US" altLang="zh-CN" sz="2400" b="1" dirty="0" smtClean="0">
+                <a:solidFill>
+                  <a:schemeClr val="tx1">
+                    <a:lumMod val="65000"/>
+                    <a:lumOff val="35000"/>
+                  </a:schemeClr>
+                </a:solidFill>
+                <a:ea typeface="Open Sans" panose="020B0606030504020204" pitchFamily="34" charset="0"/>
+                <a:cs typeface="Open Sans" panose="020B0606030504020204" pitchFamily="34" charset="0"/>
+              </a:rPr>
+              <a:t>bootstrap</a:t>
+            </a:r>
+            <a:r>
+              <a:rPr lang="zh-CN" altLang="en-US" sz="2400" b="1" dirty="0" smtClean="0">
+                <a:solidFill>
+                  <a:schemeClr val="tx1">
+                    <a:lumMod val="65000"/>
+                    <a:lumOff val="35000"/>
+                  </a:schemeClr>
+                </a:solidFill>
+                <a:ea typeface="Open Sans" panose="020B0606030504020204" pitchFamily="34" charset="0"/>
+                <a:cs typeface="Open Sans" panose="020B0606030504020204" pitchFamily="34" charset="0"/>
+              </a:rPr>
+              <a:t>作为页面样式</a:t>
+            </a:r>
+            <a:r>
+              <a:rPr lang="zh-CN" altLang="en-US" sz="2400" b="1" dirty="0">
+                <a:solidFill>
+                  <a:schemeClr val="tx1">
+                    <a:lumMod val="65000"/>
+                    <a:lumOff val="35000"/>
+                  </a:schemeClr>
+                </a:solidFill>
+                <a:ea typeface="Open Sans" panose="020B0606030504020204" pitchFamily="34" charset="0"/>
+                <a:cs typeface="Open Sans" panose="020B0606030504020204" pitchFamily="34" charset="0"/>
+              </a:rPr>
+              <a:t>框架，侧重页面美化</a:t>
+            </a:r>
+            <a:r>
+              <a:rPr lang="zh-CN" altLang="en-US" sz="2400" b="1" dirty="0" smtClean="0">
+                <a:solidFill>
+                  <a:schemeClr val="tx1">
+                    <a:lumMod val="65000"/>
+                    <a:lumOff val="35000"/>
+                  </a:schemeClr>
+                </a:solidFill>
+                <a:ea typeface="Open Sans" panose="020B0606030504020204" pitchFamily="34" charset="0"/>
+                <a:cs typeface="Open Sans" panose="020B0606030504020204" pitchFamily="34" charset="0"/>
+              </a:rPr>
+              <a:t>展现。</a:t>
+            </a:r>
+            <a:endParaRPr lang="en-US" altLang="zh-CN" sz="2400" b="1" dirty="0" smtClean="0">
+              <a:solidFill>
+                <a:schemeClr val="tx1">
+                  <a:lumMod val="65000"/>
+                  <a:lumOff val="35000"/>
+                </a:schemeClr>
+              </a:solidFill>
+              <a:ea typeface="Open Sans" panose="020B0606030504020204" pitchFamily="34" charset="0"/>
+              <a:cs typeface="Open Sans" panose="020B0606030504020204" pitchFamily="34" charset="0"/>
+            </a:endParaRPr>
+          </a:p>
+          <a:p>
+            <a:pPr fontAlgn="auto">
+              <a:lnSpc>
+                <a:spcPct val="150000"/>
+              </a:lnSpc>
+            </a:pPr>
+            <a:r>
+              <a:rPr lang="en-US" altLang="zh-CN" sz="2400" b="1" dirty="0" smtClean="0">
+                <a:solidFill>
+                  <a:schemeClr val="tx1">
+                    <a:lumMod val="65000"/>
+                    <a:lumOff val="35000"/>
+                  </a:schemeClr>
+                </a:solidFill>
+                <a:ea typeface="Open Sans" panose="020B0606030504020204" pitchFamily="34" charset="0"/>
+                <a:cs typeface="Open Sans" panose="020B0606030504020204" pitchFamily="34" charset="0"/>
+              </a:rPr>
+              <a:t>Bootstrap</a:t>
+            </a:r>
+            <a:r>
+              <a:rPr lang="zh-CN" altLang="en-US" sz="2400" b="1" dirty="0" smtClean="0">
+                <a:solidFill>
+                  <a:schemeClr val="tx1">
+                    <a:lumMod val="65000"/>
+                    <a:lumOff val="35000"/>
+                  </a:schemeClr>
+                </a:solidFill>
+                <a:ea typeface="Open Sans" panose="020B0606030504020204" pitchFamily="34" charset="0"/>
+                <a:cs typeface="Open Sans" panose="020B0606030504020204" pitchFamily="34" charset="0"/>
+              </a:rPr>
+              <a:t>是中响应式设计，对</a:t>
+            </a:r>
+            <a:r>
+              <a:rPr lang="en-US" altLang="zh-CN" sz="2400" b="1" dirty="0" smtClean="0">
+                <a:solidFill>
+                  <a:schemeClr val="tx1">
+                    <a:lumMod val="65000"/>
+                    <a:lumOff val="35000"/>
+                  </a:schemeClr>
+                </a:solidFill>
+                <a:ea typeface="Open Sans" panose="020B0606030504020204" pitchFamily="34" charset="0"/>
+                <a:cs typeface="Open Sans" panose="020B0606030504020204" pitchFamily="34" charset="0"/>
+              </a:rPr>
+              <a:t>PC </a:t>
+            </a:r>
+            <a:r>
+              <a:rPr lang="zh-CN" altLang="en-US" sz="2400" b="1" dirty="0" smtClean="0">
+                <a:solidFill>
+                  <a:schemeClr val="tx1">
+                    <a:lumMod val="65000"/>
+                    <a:lumOff val="35000"/>
+                  </a:schemeClr>
+                </a:solidFill>
+                <a:ea typeface="Open Sans" panose="020B0606030504020204" pitchFamily="34" charset="0"/>
+                <a:cs typeface="Open Sans" panose="020B0606030504020204" pitchFamily="34" charset="0"/>
+              </a:rPr>
+              <a:t>和手机都有很高的自适应性。另外，参考</a:t>
+            </a:r>
+            <a:r>
+              <a:rPr lang="en-US" altLang="zh-CN" sz="2400" b="1" dirty="0" smtClean="0">
+                <a:solidFill>
+                  <a:schemeClr val="tx1">
+                    <a:lumMod val="65000"/>
+                    <a:lumOff val="35000"/>
+                  </a:schemeClr>
+                </a:solidFill>
+                <a:ea typeface="Open Sans" panose="020B0606030504020204" pitchFamily="34" charset="0"/>
+                <a:cs typeface="Open Sans" panose="020B0606030504020204" pitchFamily="34" charset="0"/>
+              </a:rPr>
+              <a:t>bootstrap</a:t>
+            </a:r>
+            <a:r>
+              <a:rPr lang="zh-CN" altLang="en-US" sz="2400" b="1" dirty="0" smtClean="0">
+                <a:solidFill>
+                  <a:schemeClr val="tx1">
+                    <a:lumMod val="65000"/>
+                    <a:lumOff val="35000"/>
+                  </a:schemeClr>
+                </a:solidFill>
+                <a:ea typeface="Open Sans" panose="020B0606030504020204" pitchFamily="34" charset="0"/>
+                <a:cs typeface="Open Sans" panose="020B0606030504020204" pitchFamily="34" charset="0"/>
+              </a:rPr>
+              <a:t>中文网的</a:t>
+            </a:r>
+            <a:r>
+              <a:rPr lang="en-US" altLang="zh-CN" sz="2400" b="1" dirty="0" smtClean="0">
+                <a:solidFill>
+                  <a:schemeClr val="tx1">
+                    <a:lumMod val="65000"/>
+                    <a:lumOff val="35000"/>
+                  </a:schemeClr>
+                </a:solidFill>
+                <a:ea typeface="Open Sans" panose="020B0606030504020204" pitchFamily="34" charset="0"/>
+                <a:cs typeface="Open Sans" panose="020B0606030504020204" pitchFamily="34" charset="0"/>
+              </a:rPr>
+              <a:t>CSS</a:t>
+            </a:r>
+            <a:r>
+              <a:rPr lang="zh-CN" altLang="en-US" sz="2400" b="1" dirty="0" smtClean="0">
+                <a:solidFill>
+                  <a:schemeClr val="tx1">
+                    <a:lumMod val="65000"/>
+                    <a:lumOff val="35000"/>
+                  </a:schemeClr>
+                </a:solidFill>
+                <a:ea typeface="Open Sans" panose="020B0606030504020204" pitchFamily="34" charset="0"/>
+                <a:cs typeface="Open Sans" panose="020B0606030504020204" pitchFamily="34" charset="0"/>
+              </a:rPr>
+              <a:t>样式等文档，对进行</a:t>
+            </a:r>
+            <a:r>
+              <a:rPr lang="en-US" altLang="zh-CN" sz="2400" b="1" dirty="0" smtClean="0">
+                <a:solidFill>
+                  <a:schemeClr val="tx1">
+                    <a:lumMod val="65000"/>
+                    <a:lumOff val="35000"/>
+                  </a:schemeClr>
+                </a:solidFill>
+                <a:ea typeface="Open Sans" panose="020B0606030504020204" pitchFamily="34" charset="0"/>
+                <a:cs typeface="Open Sans" panose="020B0606030504020204" pitchFamily="34" charset="0"/>
+              </a:rPr>
+              <a:t>HTML</a:t>
+            </a:r>
+            <a:r>
+              <a:rPr lang="zh-CN" altLang="en-US" sz="2400" b="1" dirty="0" smtClean="0">
+                <a:solidFill>
+                  <a:schemeClr val="tx1">
+                    <a:lumMod val="65000"/>
+                    <a:lumOff val="35000"/>
+                  </a:schemeClr>
+                </a:solidFill>
+                <a:ea typeface="Open Sans" panose="020B0606030504020204" pitchFamily="34" charset="0"/>
+                <a:cs typeface="Open Sans" panose="020B0606030504020204" pitchFamily="34" charset="0"/>
+              </a:rPr>
+              <a:t>网页设计很方便。</a:t>
+            </a:r>
+            <a:endParaRPr lang="en-US" altLang="zh-CN" sz="2400" b="1" dirty="0" smtClean="0">
+              <a:solidFill>
+                <a:schemeClr val="tx1">
+                  <a:lumMod val="65000"/>
+                  <a:lumOff val="35000"/>
+                </a:schemeClr>
+              </a:solidFill>
+              <a:ea typeface="Open Sans" panose="020B0606030504020204" pitchFamily="34" charset="0"/>
+              <a:cs typeface="Open Sans" panose="020B0606030504020204" pitchFamily="34" charset="0"/>
+            </a:endParaRPr>
+          </a:p>
+          <a:p>
+            <a:pPr fontAlgn="auto">
+              <a:lnSpc>
+                <a:spcPct val="150000"/>
+              </a:lnSpc>
+            </a:pPr>
+            <a:endParaRPr lang="en-US" altLang="zh-CN" sz="2400" b="1" dirty="0" smtClean="0">
+              <a:solidFill>
+                <a:schemeClr val="tx1">
+                  <a:lumMod val="65000"/>
+                  <a:lumOff val="35000"/>
+                </a:schemeClr>
+              </a:solidFill>
+              <a:ea typeface="Open Sans" panose="020B0606030504020204" pitchFamily="34" charset="0"/>
+              <a:cs typeface="Open Sans" panose="020B0606030504020204" pitchFamily="34" charset="0"/>
+            </a:endParaRPr>
+          </a:p>
+        </p:txBody>
+      </p:sp>
+      <p:sp>
+        <p:nvSpPr>
+          <p:cNvPr id="2" name="e7d195523061f1c0" descr="e7d195523061f1c0205959036996ad55c215b892a7aac5c0B9ADEF7896FB48F2EF97163A2DE1401E1875DEDC438B7864AD24CA23553DBBBD975DAF4CAD4A2592689FFB6CEE59FFA55B2702D0E5EE29CDFC0DD98BC7D6A39AC4E055256EE11BBEDCDB7C9722D66262996B68DE860BD3C77EBCAECB599909EC0E07B61811075331ABCDE6990254B8C8" hidden="1"/>
+          <p:cNvSpPr txBox="1"/>
+          <p:nvPr/>
+        </p:nvSpPr>
+        <p:spPr>
+          <a:xfrm>
+            <a:off x="-355600" y="1803400"/>
+            <a:ext cx="293927" cy="1016000"/>
+          </a:xfrm>
+          <a:prstGeom prst="rect">
+            <a:avLst/>
+          </a:prstGeom>
+          <a:noFill/>
+        </p:spPr>
+        <p:txBody>
+          <a:bodyPr vert="wordArtVert" rtlCol="0">
+            <a:spAutoFit/>
+          </a:bodyPr>
+          <a:lstStyle/>
+          <a:p>
+            <a:r>
+              <a:rPr lang="en-US" altLang="zh-CN" sz="100"/>
+              <a:t>e7d195523061f1c0205959036996ad55c215b892a7aac5c0B9ADEF7896FB48F2EF97163A2DE1401E1875DEDC438B7864AD24CA23553DBBBD975DAF4CAD4A2592689FFB6CEE59FFA55B2702D0E5EE29CDFC0DD98BC7D6A39AC4E055256EE11BBEDCDB7C9722D66262996B68DE860BD3C77EBCAECB599909EC0E07B61811075331ABCDE6990254B8C8</a:t>
+            </a:r>
+            <a:endParaRPr lang="zh-CN" altLang="en-US" sz="100"/>
+          </a:p>
+        </p:txBody>
+      </p:sp>
+      <p:sp>
+        <p:nvSpPr>
+          <p:cNvPr id="18" name="圆角矩形 17" descr="e7d195523061f1c0205959036996ad55c215b892a7aac5c0B9ADEF7896FB48F2EF97163A2DE1401E1875DEDC438B7864AD24CA23553DBBBD975DAF4CAD4A2592689FFB6CEE59FFA55B2702D0E5EE29CDFC0DD98BC7D6A39AC4E055256EE11BBEDCDB7C9722D66262996B68DE860BD3C77EBCAECB599909EC0E07B61811075331ABCDE6990254B8C8"/>
+          <p:cNvSpPr/>
+          <p:nvPr/>
+        </p:nvSpPr>
+        <p:spPr>
+          <a:xfrm>
+            <a:off x="559854" y="360913"/>
+            <a:ext cx="576816" cy="604892"/>
+          </a:xfrm>
+          <a:prstGeom prst="roundRect">
+            <a:avLst>
+              <a:gd name="adj" fmla="val 22417"/>
+            </a:avLst>
+          </a:prstGeom>
+          <a:solidFill>
+            <a:srgbClr val="EE534F"/>
+          </a:solidFill>
+          <a:ln>
+            <a:noFill/>
+          </a:ln>
+          <a:effectLst>
+            <a:outerShdw blurRad="152400" sx="103000" sy="103000" algn="ctr" rotWithShape="0">
+              <a:prstClr val="black">
+                <a:alpha val="30000"/>
+              </a:prstClr>
+            </a:outerShdw>
+          </a:effectLst>
+        </p:spPr>
+        <p:style>
+          <a:lnRef idx="2">
+            <a:schemeClr val="accent1">
+              <a:shade val="50000"/>
+            </a:schemeClr>
+          </a:lnRef>
+          <a:fillRef idx="1">
+            <a:schemeClr val="accent1"/>
+          </a:fillRef>
+          <a:effectRef idx="0">
+            <a:schemeClr val="accent1"/>
+          </a:effectRef>
+          <a:fontRef idx="minor">
+            <a:schemeClr val="lt1"/>
+          </a:fontRef>
+        </p:style>
+        <p:txBody>
+          <a:bodyPr rtlCol="0" anchor="ctr"/>
+          <a:lstStyle/>
+          <a:p>
+            <a:pPr algn="ctr"/>
+            <a:r>
+              <a:rPr lang="en-US" altLang="zh-CN" sz="2400" b="1" dirty="0"/>
+              <a:t>0</a:t>
+            </a:r>
+            <a:r>
+              <a:rPr lang="x-none" sz="2400" b="1" dirty="0"/>
+              <a:t>4</a:t>
+            </a:r>
+          </a:p>
+        </p:txBody>
+      </p:sp>
+      <p:sp>
+        <p:nvSpPr>
+          <p:cNvPr id="21" name="矩形 20"/>
+          <p:cNvSpPr/>
+          <p:nvPr/>
+        </p:nvSpPr>
+        <p:spPr>
+          <a:xfrm>
+            <a:off x="1303655" y="321945"/>
+            <a:ext cx="5391150" cy="640080"/>
+          </a:xfrm>
+          <a:prstGeom prst="rect">
+            <a:avLst/>
+          </a:prstGeom>
+          <a:noFill/>
+          <a:ln>
+            <a:noFill/>
+          </a:ln>
+        </p:spPr>
+        <p:style>
+          <a:lnRef idx="2">
+            <a:schemeClr val="accent1">
+              <a:shade val="50000"/>
+            </a:schemeClr>
+          </a:lnRef>
+          <a:fillRef idx="1">
+            <a:schemeClr val="accent1"/>
+          </a:fillRef>
+          <a:effectRef idx="0">
+            <a:schemeClr val="accent1"/>
+          </a:effectRef>
+          <a:fontRef idx="minor">
+            <a:schemeClr val="lt1"/>
+          </a:fontRef>
+        </p:style>
+        <p:txBody>
+          <a:bodyPr rtlCol="0" anchor="ctr"/>
+          <a:lstStyle/>
+          <a:p>
+            <a:r>
+              <a:rPr lang="en-US" altLang="zh-CN" sz="3200" dirty="0" smtClean="0">
+                <a:solidFill>
+                  <a:srgbClr val="EE534F"/>
+                </a:solidFill>
+                <a:ea typeface="Microsoft YaHei UI" panose="020B0503020204020204" pitchFamily="34" charset="-122"/>
+              </a:rPr>
+              <a:t>bootstrap</a:t>
+            </a:r>
+            <a:endParaRPr lang="x-none" sz="3200" dirty="0">
+              <a:solidFill>
+                <a:schemeClr val="tx1">
+                  <a:lumMod val="75000"/>
+                  <a:lumOff val="25000"/>
+                </a:schemeClr>
+              </a:solidFill>
+              <a:ea typeface="Microsoft YaHei UI" panose="020B0503020204020204" pitchFamily="34" charset="-122"/>
+            </a:endParaRPr>
+          </a:p>
+        </p:txBody>
+      </p:sp>
+      <p:pic>
+        <p:nvPicPr>
+          <p:cNvPr id="4" name="图片 3" descr="屏幕剪辑"/>
+          <p:cNvPicPr>
+            <a:picLocks noChangeAspect="1"/>
+          </p:cNvPicPr>
+          <p:nvPr/>
+        </p:nvPicPr>
+        <p:blipFill>
+          <a:blip r:embed="rId2">
+            <a:extLst>
+              <a:ext uri="{28A0092B-C50C-407E-A947-70E740481C1C}">
+                <a14:useLocalDpi xmlns:a14="http://schemas.microsoft.com/office/drawing/2010/main" val="0"/>
+              </a:ext>
+            </a:extLst>
+          </a:blip>
+          <a:stretch>
+            <a:fillRect/>
+          </a:stretch>
+        </p:blipFill>
+        <p:spPr>
+          <a:xfrm>
+            <a:off x="194245" y="1452220"/>
+            <a:ext cx="5780088" cy="3851285"/>
+          </a:xfrm>
+          <a:prstGeom prst="rect">
+            <a:avLst/>
+          </a:prstGeom>
+        </p:spPr>
+      </p:pic>
+    </p:spTree>
+    <p:extLst>
+      <p:ext uri="{BB962C8B-B14F-4D97-AF65-F5344CB8AC3E}">
+        <p14:creationId xmlns:p14="http://schemas.microsoft.com/office/powerpoint/2010/main" val="2583667498"/>
+      </p:ext>
+    </p:extLst>
+  </p:cSld>
+  <p:clrMapOvr>
+    <a:masterClrMapping/>
+  </p:clrMapOvr>
+  <mc:AlternateContent xmlns:mc="http://schemas.openxmlformats.org/markup-compatibility/2006" xmlns:p14="http://schemas.microsoft.com/office/powerpoint/2010/main">
+    <mc:Choice Requires="p14">
+      <p:transition spd="slow" p14:dur="1400" advClick="0" advTm="0">
+        <p14:doors dir="vert"/>
+      </p:transition>
+    </mc:Choice>
+    <mc:Fallback xmlns="">
+      <p:transition spd="slow" advClick="0" advTm="0">
+        <p:fade/>
+      </p:transition>
+    </mc:Fallback>
+  </mc:AlternateContent>
+  <p:timing>
+    <p:tnLst>
+      <p:par>
+        <p:cTn id="1" dur="indefinite" restart="never" nodeType="tmRoot">
+          <p:childTnLst>
+            <p:seq concurrent="1" nextAc="seek">
+              <p:cTn id="2" dur="indefinite" nodeType="mainSeq">
+                <p:childTnLst>
+                  <p:par>
+                    <p:cTn id="3" fill="hold">
+                      <p:stCondLst>
+                        <p:cond delay="indefinite"/>
+                        <p:cond evt="onBegin" delay="0">
+                          <p:tn val="2"/>
+                        </p:cond>
+                      </p:stCondLst>
+                      <p:childTnLst>
+                        <p:par>
+                          <p:cTn id="4" fill="hold">
+                            <p:stCondLst>
+                              <p:cond delay="0"/>
+                            </p:stCondLst>
+                            <p:childTnLst>
+                              <p:par>
+                                <p:cTn id="5" presetID="22" presetClass="entr" presetSubtype="8" fill="hold" grpId="0" nodeType="withEffect">
+                                  <p:stCondLst>
+                                    <p:cond delay="3000"/>
+                                  </p:stCondLst>
+                                  <p:childTnLst>
+                                    <p:set>
+                                      <p:cBhvr>
+                                        <p:cTn id="6" dur="1" fill="hold">
+                                          <p:stCondLst>
+                                            <p:cond delay="0"/>
+                                          </p:stCondLst>
+                                        </p:cTn>
+                                        <p:tgtEl>
+                                          <p:spTgt spid="43"/>
+                                        </p:tgtEl>
+                                        <p:attrNameLst>
+                                          <p:attrName>style.visibility</p:attrName>
+                                        </p:attrNameLst>
+                                      </p:cBhvr>
+                                      <p:to>
+                                        <p:strVal val="visible"/>
+                                      </p:to>
+                                    </p:set>
+                                    <p:animEffect transition="in" filter="wipe(left)">
+                                      <p:cBhvr>
+                                        <p:cTn id="7" dur="500"/>
+                                        <p:tgtEl>
+                                          <p:spTgt spid="43"/>
+                                        </p:tgtEl>
+                                      </p:cBhvr>
+                                    </p:animEffect>
+                                  </p:childTnLst>
+                                </p:cTn>
+                              </p:par>
+                              <p:par>
+                                <p:cTn id="8" presetID="10" presetClass="entr" presetSubtype="0" fill="hold" grpId="0" nodeType="withEffect">
+                                  <p:stCondLst>
+                                    <p:cond delay="0"/>
+                                  </p:stCondLst>
+                                  <p:childTnLst>
+                                    <p:set>
+                                      <p:cBhvr>
+                                        <p:cTn id="9" dur="1" fill="hold">
+                                          <p:stCondLst>
+                                            <p:cond delay="0"/>
+                                          </p:stCondLst>
+                                        </p:cTn>
+                                        <p:tgtEl>
+                                          <p:spTgt spid="18"/>
+                                        </p:tgtEl>
+                                        <p:attrNameLst>
+                                          <p:attrName>style.visibility</p:attrName>
+                                        </p:attrNameLst>
+                                      </p:cBhvr>
+                                      <p:to>
+                                        <p:strVal val="visible"/>
+                                      </p:to>
+                                    </p:set>
+                                    <p:animEffect transition="in" filter="fade">
+                                      <p:cBhvr>
+                                        <p:cTn id="10" dur="1000"/>
+                                        <p:tgtEl>
+                                          <p:spTgt spid="18"/>
+                                        </p:tgtEl>
+                                      </p:cBhvr>
+                                    </p:animEffect>
+                                  </p:childTnLst>
+                                </p:cTn>
+                              </p:par>
+                              <p:par>
+                                <p:cTn id="11" presetID="42" presetClass="path" presetSubtype="0" accel="50000" decel="50000" autoRev="1" fill="hold" grpId="1" nodeType="withEffect">
+                                  <p:stCondLst>
+                                    <p:cond delay="0"/>
+                                  </p:stCondLst>
+                                  <p:childTnLst>
+                                    <p:animMotion origin="layout" path="M -1.25E-6 2.22222E-6 L 0.02409 2.22222E-6 " pathEditMode="relative" rAng="0" ptsTypes="AA">
+                                      <p:cBhvr>
+                                        <p:cTn id="12" dur="1000" fill="hold"/>
+                                        <p:tgtEl>
+                                          <p:spTgt spid="18"/>
+                                        </p:tgtEl>
+                                        <p:attrNameLst>
+                                          <p:attrName>ppt_x</p:attrName>
+                                          <p:attrName>ppt_y</p:attrName>
+                                        </p:attrNameLst>
+                                      </p:cBhvr>
+                                      <p:rCtr x="1198" y="0"/>
+                                    </p:animMotion>
+                                  </p:childTnLst>
+                                </p:cTn>
+                              </p:par>
+                            </p:childTnLst>
+                          </p:cTn>
+                        </p:par>
+                      </p:childTnLst>
+                    </p:cTn>
+                  </p:par>
+                </p:childTnLst>
+              </p:cTn>
+              <p:prevCondLst>
+                <p:cond evt="onPrev" delay="0">
+                  <p:tgtEl>
+                    <p:sldTgt/>
+                  </p:tgtEl>
+                </p:cond>
+              </p:prevCondLst>
+              <p:nextCondLst>
+                <p:cond evt="onNext" delay="0">
+                  <p:tgtEl>
+                    <p:sldTgt/>
+                  </p:tgtEl>
+                </p:cond>
+              </p:nextCondLst>
+            </p:seq>
+          </p:childTnLst>
+        </p:cTn>
+      </p:par>
+    </p:tnLst>
+    <p:bldLst>
+      <p:bldP spid="43" grpId="0"/>
+      <p:bldP spid="18" grpId="0" animBg="1"/>
+      <p:bldP spid="18" grpId="1" animBg="1"/>
+    </p:bldLst>
+  </p:timing>
+</p:sld>
+</file>
+
+<file path=ppt/slides/slide17.xml><?xml version="1.0" encoding="utf-8"?>
+<p:sld xmlns:a="http://schemas.openxmlformats.org/drawingml/2006/main" xmlns:r="http://schemas.openxmlformats.org/officeDocument/2006/relationships" xmlns:p="http://schemas.openxmlformats.org/presentationml/2006/main">
+  <p:cSld>
+    <p:spTree>
+      <p:nvGrpSpPr>
+        <p:cNvPr id="1" name=""/>
+        <p:cNvGrpSpPr/>
+        <p:nvPr/>
+      </p:nvGrpSpPr>
+      <p:grpSpPr>
+        <a:xfrm>
+          <a:off x="0" y="0"/>
+          <a:ext cx="0" cy="0"/>
+          <a:chOff x="0" y="0"/>
+          <a:chExt cx="0" cy="0"/>
+        </a:xfrm>
+      </p:grpSpPr>
+      <p:sp>
+        <p:nvSpPr>
+          <p:cNvPr id="11" name="Rounded Rectangle 61" descr="e7d195523061f1c0205959036996ad55c215b892a7aac5c0B9ADEF7896FB48F2EF97163A2DE1401E1875DEDC438B7864AD24CA23553DBBBD975DAF4CAD4A2592689FFB6CEE59FFA55B2702D0E5EE29CDFC0DD98BC7D6A39AC4E055256EE11BBEDCDB7C9722D66262996B68DE860BD3C77EBCAECB599909EC0E07B61811075331ABCDE6990254B8C8"/>
+          <p:cNvSpPr>
+            <a:spLocks noChangeArrowheads="1"/>
+          </p:cNvSpPr>
+          <p:nvPr/>
+        </p:nvSpPr>
+        <p:spPr bwMode="auto">
+          <a:xfrm rot="21584148">
+            <a:off x="1979294" y="1242033"/>
+            <a:ext cx="1230630" cy="974725"/>
+          </a:xfrm>
+          <a:prstGeom prst="roundRect">
+            <a:avLst>
+              <a:gd name="adj" fmla="val 9375"/>
+            </a:avLst>
+          </a:prstGeom>
+          <a:solidFill>
+            <a:srgbClr val="EE534F"/>
+          </a:solidFill>
+          <a:ln>
+            <a:noFill/>
+          </a:ln>
+          <a:effectLst>
+            <a:outerShdw blurRad="152400" sx="103000" sy="103000" algn="ctr" rotWithShape="0">
+              <a:prstClr val="black">
+                <a:alpha val="30000"/>
+              </a:prstClr>
+            </a:outerShdw>
+          </a:effectLst>
+        </p:spPr>
+        <p:style>
+          <a:lnRef idx="2">
+            <a:schemeClr val="accent1">
+              <a:shade val="50000"/>
+            </a:schemeClr>
+          </a:lnRef>
+          <a:fillRef idx="1">
+            <a:schemeClr val="accent1"/>
+          </a:fillRef>
+          <a:effectRef idx="0">
+            <a:schemeClr val="accent1"/>
+          </a:effectRef>
+          <a:fontRef idx="minor">
+            <a:schemeClr val="lt1"/>
+          </a:fontRef>
+        </p:style>
+        <p:txBody>
+          <a:bodyPr rtlCol="0" anchor="ctr"/>
+          <a:lstStyle/>
+          <a:p>
+            <a:pPr algn="ctr"/>
+            <a:r>
+              <a:rPr lang="x-none" altLang="en-US" sz="2400" b="1" dirty="0" smtClean="0"/>
+              <a:t>Wh</a:t>
+            </a:r>
+            <a:r>
+              <a:rPr lang="en-US" altLang="zh-CN" sz="2400" b="1" dirty="0" smtClean="0"/>
+              <a:t>at</a:t>
+            </a:r>
+            <a:endParaRPr lang="x-none" altLang="en-US" sz="2400" b="1" dirty="0"/>
+          </a:p>
+        </p:txBody>
+      </p:sp>
+      <p:sp>
+        <p:nvSpPr>
+          <p:cNvPr id="43" name="Rectangle 89" descr="e7d195523061f1c0205959036996ad55c215b892a7aac5c0B9ADEF7896FB48F2EF97163A2DE1401E1875DEDC438B7864AD24CA23553DBBBD975DAF4CAD4A2592689FFB6CEE59FFA55B2702D0E5EE29CDFC0DD98BC7D6A39AC4E055256EE11BBEDCDB7C9722D66262996B68DE860BD3C77EBCAECB599909EC0E07B61811075331ABCDE6990254B8C8"/>
+          <p:cNvSpPr/>
+          <p:nvPr/>
+        </p:nvSpPr>
+        <p:spPr>
+          <a:xfrm>
+            <a:off x="3578605" y="1041652"/>
+            <a:ext cx="7766685" cy="1200329"/>
+          </a:xfrm>
+          <a:prstGeom prst="rect">
+            <a:avLst/>
+          </a:prstGeom>
+        </p:spPr>
+        <p:txBody>
+          <a:bodyPr wrap="square">
+            <a:spAutoFit/>
+          </a:bodyPr>
+          <a:lstStyle/>
+          <a:p>
+            <a:pPr fontAlgn="auto">
+              <a:lnSpc>
+                <a:spcPct val="150000"/>
+              </a:lnSpc>
+            </a:pPr>
+            <a:r>
+              <a:rPr lang="en-US" altLang="zh-CN" sz="2400" b="1" dirty="0" smtClean="0">
+                <a:solidFill>
+                  <a:schemeClr val="tx1">
+                    <a:lumMod val="65000"/>
+                    <a:lumOff val="35000"/>
+                  </a:schemeClr>
+                </a:solidFill>
+                <a:ea typeface="Open Sans" panose="020B0606030504020204" pitchFamily="34" charset="0"/>
+                <a:cs typeface="Open Sans" panose="020B0606030504020204" pitchFamily="34" charset="0"/>
+              </a:rPr>
+              <a:t>Web</a:t>
+            </a:r>
+            <a:r>
+              <a:rPr lang="zh-CN" altLang="en-US" sz="2400" b="1" dirty="0" smtClean="0">
+                <a:solidFill>
+                  <a:schemeClr val="tx1">
+                    <a:lumMod val="65000"/>
+                    <a:lumOff val="35000"/>
+                  </a:schemeClr>
+                </a:solidFill>
+                <a:ea typeface="Open Sans" panose="020B0606030504020204" pitchFamily="34" charset="0"/>
+                <a:cs typeface="Open Sans" panose="020B0606030504020204" pitchFamily="34" charset="0"/>
+              </a:rPr>
+              <a:t>端未与服务器搭建之前，为了在网页上显示数据，编写需要的</a:t>
+            </a:r>
+            <a:r>
+              <a:rPr lang="en-US" altLang="zh-CN" sz="2400" b="1" dirty="0" smtClean="0">
+                <a:solidFill>
+                  <a:schemeClr val="tx1">
+                    <a:lumMod val="65000"/>
+                    <a:lumOff val="35000"/>
+                  </a:schemeClr>
+                </a:solidFill>
+                <a:ea typeface="Open Sans" panose="020B0606030504020204" pitchFamily="34" charset="0"/>
+                <a:cs typeface="Open Sans" panose="020B0606030504020204" pitchFamily="34" charset="0"/>
+              </a:rPr>
+              <a:t>Jason</a:t>
+            </a:r>
+            <a:r>
+              <a:rPr lang="zh-CN" altLang="en-US" sz="2400" b="1" dirty="0" smtClean="0">
+                <a:solidFill>
+                  <a:schemeClr val="tx1">
+                    <a:lumMod val="65000"/>
+                    <a:lumOff val="35000"/>
+                  </a:schemeClr>
+                </a:solidFill>
+                <a:ea typeface="Open Sans" panose="020B0606030504020204" pitchFamily="34" charset="0"/>
+                <a:cs typeface="Open Sans" panose="020B0606030504020204" pitchFamily="34" charset="0"/>
+              </a:rPr>
+              <a:t>静态数据文件。</a:t>
+            </a:r>
+            <a:endParaRPr lang="en-US" altLang="zh-CN" sz="2400" b="1" dirty="0" smtClean="0">
+              <a:solidFill>
+                <a:schemeClr val="tx1">
+                  <a:lumMod val="65000"/>
+                  <a:lumOff val="35000"/>
+                </a:schemeClr>
+              </a:solidFill>
+              <a:ea typeface="Open Sans" panose="020B0606030504020204" pitchFamily="34" charset="0"/>
+              <a:cs typeface="Open Sans" panose="020B0606030504020204" pitchFamily="34" charset="0"/>
+            </a:endParaRPr>
+          </a:p>
+        </p:txBody>
+      </p:sp>
+      <p:sp>
+        <p:nvSpPr>
+          <p:cNvPr id="2" name="e7d195523061f1c0" descr="e7d195523061f1c0205959036996ad55c215b892a7aac5c0B9ADEF7896FB48F2EF97163A2DE1401E1875DEDC438B7864AD24CA23553DBBBD975DAF4CAD4A2592689FFB6CEE59FFA55B2702D0E5EE29CDFC0DD98BC7D6A39AC4E055256EE11BBEDCDB7C9722D66262996B68DE860BD3C77EBCAECB599909EC0E07B61811075331ABCDE6990254B8C8" hidden="1"/>
+          <p:cNvSpPr txBox="1"/>
+          <p:nvPr/>
+        </p:nvSpPr>
+        <p:spPr>
+          <a:xfrm>
+            <a:off x="-355600" y="1803400"/>
+            <a:ext cx="293927" cy="1016000"/>
+          </a:xfrm>
+          <a:prstGeom prst="rect">
+            <a:avLst/>
+          </a:prstGeom>
+          <a:noFill/>
+        </p:spPr>
+        <p:txBody>
+          <a:bodyPr vert="wordArtVert" rtlCol="0">
+            <a:spAutoFit/>
+          </a:bodyPr>
+          <a:lstStyle/>
+          <a:p>
+            <a:r>
+              <a:rPr lang="en-US" altLang="zh-CN" sz="100"/>
+              <a:t>e7d195523061f1c0205959036996ad55c215b892a7aac5c0B9ADEF7896FB48F2EF97163A2DE1401E1875DEDC438B7864AD24CA23553DBBBD975DAF4CAD4A2592689FFB6CEE59FFA55B2702D0E5EE29CDFC0DD98BC7D6A39AC4E055256EE11BBEDCDB7C9722D66262996B68DE860BD3C77EBCAECB599909EC0E07B61811075331ABCDE6990254B8C8</a:t>
+            </a:r>
+            <a:endParaRPr lang="zh-CN" altLang="en-US" sz="100"/>
+          </a:p>
+        </p:txBody>
+      </p:sp>
+      <p:sp>
+        <p:nvSpPr>
+          <p:cNvPr id="18" name="圆角矩形 17" descr="e7d195523061f1c0205959036996ad55c215b892a7aac5c0B9ADEF7896FB48F2EF97163A2DE1401E1875DEDC438B7864AD24CA23553DBBBD975DAF4CAD4A2592689FFB6CEE59FFA55B2702D0E5EE29CDFC0DD98BC7D6A39AC4E055256EE11BBEDCDB7C9722D66262996B68DE860BD3C77EBCAECB599909EC0E07B61811075331ABCDE6990254B8C8"/>
+          <p:cNvSpPr/>
+          <p:nvPr/>
+        </p:nvSpPr>
+        <p:spPr>
+          <a:xfrm>
+            <a:off x="559854" y="360913"/>
+            <a:ext cx="576816" cy="604892"/>
+          </a:xfrm>
+          <a:prstGeom prst="roundRect">
+            <a:avLst>
+              <a:gd name="adj" fmla="val 22417"/>
+            </a:avLst>
+          </a:prstGeom>
+          <a:solidFill>
+            <a:srgbClr val="EE534F"/>
+          </a:solidFill>
+          <a:ln>
+            <a:noFill/>
+          </a:ln>
+          <a:effectLst>
+            <a:outerShdw blurRad="152400" sx="103000" sy="103000" algn="ctr" rotWithShape="0">
+              <a:prstClr val="black">
+                <a:alpha val="30000"/>
+              </a:prstClr>
+            </a:outerShdw>
+          </a:effectLst>
+        </p:spPr>
+        <p:style>
+          <a:lnRef idx="2">
+            <a:schemeClr val="accent1">
+              <a:shade val="50000"/>
+            </a:schemeClr>
+          </a:lnRef>
+          <a:fillRef idx="1">
+            <a:schemeClr val="accent1"/>
+          </a:fillRef>
+          <a:effectRef idx="0">
+            <a:schemeClr val="accent1"/>
+          </a:effectRef>
+          <a:fontRef idx="minor">
+            <a:schemeClr val="lt1"/>
+          </a:fontRef>
+        </p:style>
+        <p:txBody>
+          <a:bodyPr rtlCol="0" anchor="ctr"/>
+          <a:lstStyle/>
+          <a:p>
+            <a:pPr algn="ctr"/>
+            <a:r>
+              <a:rPr lang="en-US" altLang="zh-CN" sz="2400" b="1" dirty="0"/>
+              <a:t>0</a:t>
+            </a:r>
+            <a:r>
+              <a:rPr lang="x-none" sz="2400" b="1" dirty="0"/>
+              <a:t>4</a:t>
+            </a:r>
+          </a:p>
+        </p:txBody>
+      </p:sp>
+      <p:sp>
+        <p:nvSpPr>
+          <p:cNvPr id="21" name="矩形 20"/>
+          <p:cNvSpPr/>
+          <p:nvPr/>
+        </p:nvSpPr>
+        <p:spPr>
+          <a:xfrm>
+            <a:off x="1303655" y="321945"/>
+            <a:ext cx="5391150" cy="640080"/>
+          </a:xfrm>
+          <a:prstGeom prst="rect">
+            <a:avLst/>
+          </a:prstGeom>
+          <a:noFill/>
+          <a:ln>
+            <a:noFill/>
+          </a:ln>
+        </p:spPr>
+        <p:style>
+          <a:lnRef idx="2">
+            <a:schemeClr val="accent1">
+              <a:shade val="50000"/>
+            </a:schemeClr>
+          </a:lnRef>
+          <a:fillRef idx="1">
+            <a:schemeClr val="accent1"/>
+          </a:fillRef>
+          <a:effectRef idx="0">
+            <a:schemeClr val="accent1"/>
+          </a:effectRef>
+          <a:fontRef idx="minor">
+            <a:schemeClr val="lt1"/>
+          </a:fontRef>
+        </p:style>
+        <p:txBody>
+          <a:bodyPr rtlCol="0" anchor="ctr"/>
+          <a:lstStyle/>
+          <a:p>
+            <a:r>
+              <a:rPr lang="en-US" altLang="zh-CN" sz="3200" dirty="0">
+                <a:solidFill>
+                  <a:srgbClr val="EE534F"/>
+                </a:solidFill>
+                <a:ea typeface="Microsoft YaHei UI" panose="020B0503020204020204" pitchFamily="34" charset="-122"/>
+              </a:rPr>
+              <a:t>Jason</a:t>
+            </a:r>
+            <a:endParaRPr lang="x-none" sz="3200" dirty="0">
+              <a:solidFill>
+                <a:schemeClr val="tx1">
+                  <a:lumMod val="75000"/>
+                  <a:lumOff val="25000"/>
+                </a:schemeClr>
+              </a:solidFill>
+              <a:ea typeface="Microsoft YaHei UI" panose="020B0503020204020204" pitchFamily="34" charset="-122"/>
+            </a:endParaRPr>
+          </a:p>
+        </p:txBody>
+      </p:sp>
+      <p:pic>
+        <p:nvPicPr>
+          <p:cNvPr id="3" name="图片 2" descr="屏幕剪辑"/>
+          <p:cNvPicPr>
+            <a:picLocks noChangeAspect="1"/>
+          </p:cNvPicPr>
+          <p:nvPr/>
+        </p:nvPicPr>
+        <p:blipFill>
+          <a:blip r:embed="rId2">
+            <a:extLst>
+              <a:ext uri="{28A0092B-C50C-407E-A947-70E740481C1C}">
+                <a14:useLocalDpi xmlns:a14="http://schemas.microsoft.com/office/drawing/2010/main" val="0"/>
+              </a:ext>
+            </a:extLst>
+          </a:blip>
+          <a:stretch>
+            <a:fillRect/>
+          </a:stretch>
+        </p:blipFill>
+        <p:spPr>
+          <a:xfrm>
+            <a:off x="3002046" y="2622208"/>
+            <a:ext cx="5792259" cy="4155479"/>
+          </a:xfrm>
+          <a:prstGeom prst="rect">
+            <a:avLst/>
+          </a:prstGeom>
+        </p:spPr>
+      </p:pic>
+    </p:spTree>
+    <p:extLst>
+      <p:ext uri="{BB962C8B-B14F-4D97-AF65-F5344CB8AC3E}">
+        <p14:creationId xmlns:p14="http://schemas.microsoft.com/office/powerpoint/2010/main" val="4188696619"/>
+      </p:ext>
+    </p:extLst>
+  </p:cSld>
+  <p:clrMapOvr>
+    <a:masterClrMapping/>
+  </p:clrMapOvr>
+  <mc:AlternateContent xmlns:mc="http://schemas.openxmlformats.org/markup-compatibility/2006" xmlns:p14="http://schemas.microsoft.com/office/powerpoint/2010/main">
+    <mc:Choice Requires="p14">
+      <p:transition spd="slow" p14:dur="1400" advClick="0" advTm="0">
+        <p14:doors dir="vert"/>
+      </p:transition>
+    </mc:Choice>
+    <mc:Fallback xmlns="">
+      <p:transition spd="slow" advClick="0" advTm="0">
+        <p:fade/>
+      </p:transition>
+    </mc:Fallback>
+  </mc:AlternateContent>
+  <p:timing>
+    <p:tnLst>
+      <p:par>
+        <p:cTn id="1" dur="indefinite" restart="never" nodeType="tmRoot">
+          <p:childTnLst>
+            <p:seq concurrent="1" nextAc="seek">
+              <p:cTn id="2" dur="indefinite" nodeType="mainSeq">
+                <p:childTnLst>
+                  <p:par>
+                    <p:cTn id="3" fill="hold">
+                      <p:stCondLst>
+                        <p:cond delay="indefinite"/>
+                        <p:cond evt="onBegin" delay="0">
+                          <p:tn val="2"/>
+                        </p:cond>
+                      </p:stCondLst>
+                      <p:childTnLst>
+                        <p:par>
+                          <p:cTn id="4" fill="hold">
+                            <p:stCondLst>
+                              <p:cond delay="0"/>
+                            </p:stCondLst>
+                            <p:childTnLst>
+                              <p:par>
+                                <p:cTn id="5" presetID="53" presetClass="entr" presetSubtype="16" fill="hold" grpId="0" nodeType="withEffect">
+                                  <p:stCondLst>
+                                    <p:cond delay="2500"/>
+                                  </p:stCondLst>
+                                  <p:childTnLst>
+                                    <p:set>
+                                      <p:cBhvr>
+                                        <p:cTn id="6" dur="1" fill="hold">
+                                          <p:stCondLst>
+                                            <p:cond delay="0"/>
+                                          </p:stCondLst>
+                                        </p:cTn>
+                                        <p:tgtEl>
+                                          <p:spTgt spid="11"/>
+                                        </p:tgtEl>
+                                        <p:attrNameLst>
+                                          <p:attrName>style.visibility</p:attrName>
+                                        </p:attrNameLst>
+                                      </p:cBhvr>
+                                      <p:to>
+                                        <p:strVal val="visible"/>
+                                      </p:to>
+                                    </p:set>
+                                    <p:anim calcmode="lin" valueType="num">
+                                      <p:cBhvr>
+                                        <p:cTn id="7" dur="1000" fill="hold"/>
+                                        <p:tgtEl>
+                                          <p:spTgt spid="11"/>
+                                        </p:tgtEl>
+                                        <p:attrNameLst>
+                                          <p:attrName>ppt_w</p:attrName>
+                                        </p:attrNameLst>
+                                      </p:cBhvr>
+                                      <p:tavLst>
+                                        <p:tav tm="0">
+                                          <p:val>
+                                            <p:fltVal val="0"/>
+                                          </p:val>
+                                        </p:tav>
+                                        <p:tav tm="100000">
+                                          <p:val>
+                                            <p:strVal val="#ppt_w"/>
+                                          </p:val>
+                                        </p:tav>
+                                      </p:tavLst>
+                                    </p:anim>
+                                    <p:anim calcmode="lin" valueType="num">
+                                      <p:cBhvr>
+                                        <p:cTn id="8" dur="1000" fill="hold"/>
+                                        <p:tgtEl>
+                                          <p:spTgt spid="11"/>
+                                        </p:tgtEl>
+                                        <p:attrNameLst>
+                                          <p:attrName>ppt_h</p:attrName>
+                                        </p:attrNameLst>
+                                      </p:cBhvr>
+                                      <p:tavLst>
+                                        <p:tav tm="0">
+                                          <p:val>
+                                            <p:fltVal val="0"/>
+                                          </p:val>
+                                        </p:tav>
+                                        <p:tav tm="100000">
+                                          <p:val>
+                                            <p:strVal val="#ppt_h"/>
+                                          </p:val>
+                                        </p:tav>
+                                      </p:tavLst>
+                                    </p:anim>
+                                    <p:animEffect transition="in" filter="fade">
+                                      <p:cBhvr>
+                                        <p:cTn id="9" dur="1000"/>
+                                        <p:tgtEl>
+                                          <p:spTgt spid="11"/>
+                                        </p:tgtEl>
+                                      </p:cBhvr>
+                                    </p:animEffect>
+                                  </p:childTnLst>
+                                </p:cTn>
+                              </p:par>
+                              <p:par>
+                                <p:cTn id="10" presetID="49" presetClass="entr" presetSubtype="0" decel="100000" fill="hold" grpId="1" nodeType="withEffect">
+                                  <p:stCondLst>
+                                    <p:cond delay="2500"/>
+                                  </p:stCondLst>
+                                  <p:childTnLst>
+                                    <p:set>
+                                      <p:cBhvr>
+                                        <p:cTn id="11" dur="1" fill="hold">
+                                          <p:stCondLst>
+                                            <p:cond delay="0"/>
+                                          </p:stCondLst>
+                                        </p:cTn>
+                                        <p:tgtEl>
+                                          <p:spTgt spid="11"/>
+                                        </p:tgtEl>
+                                        <p:attrNameLst>
+                                          <p:attrName>style.visibility</p:attrName>
+                                        </p:attrNameLst>
+                                      </p:cBhvr>
+                                      <p:to>
+                                        <p:strVal val="visible"/>
+                                      </p:to>
+                                    </p:set>
+                                    <p:anim calcmode="lin" valueType="num">
+                                      <p:cBhvr>
+                                        <p:cTn id="12" dur="1000" fill="hold"/>
+                                        <p:tgtEl>
+                                          <p:spTgt spid="11"/>
+                                        </p:tgtEl>
+                                        <p:attrNameLst>
+                                          <p:attrName>ppt_w</p:attrName>
+                                        </p:attrNameLst>
+                                      </p:cBhvr>
+                                      <p:tavLst>
+                                        <p:tav tm="0">
+                                          <p:val>
+                                            <p:fltVal val="0"/>
+                                          </p:val>
+                                        </p:tav>
+                                        <p:tav tm="100000">
+                                          <p:val>
+                                            <p:strVal val="#ppt_w"/>
+                                          </p:val>
+                                        </p:tav>
+                                      </p:tavLst>
+                                    </p:anim>
+                                    <p:anim calcmode="lin" valueType="num">
+                                      <p:cBhvr>
+                                        <p:cTn id="13" dur="1000" fill="hold"/>
+                                        <p:tgtEl>
+                                          <p:spTgt spid="11"/>
+                                        </p:tgtEl>
+                                        <p:attrNameLst>
+                                          <p:attrName>ppt_h</p:attrName>
+                                        </p:attrNameLst>
+                                      </p:cBhvr>
+                                      <p:tavLst>
+                                        <p:tav tm="0">
+                                          <p:val>
+                                            <p:fltVal val="0"/>
+                                          </p:val>
+                                        </p:tav>
+                                        <p:tav tm="100000">
+                                          <p:val>
+                                            <p:strVal val="#ppt_h"/>
+                                          </p:val>
+                                        </p:tav>
+                                      </p:tavLst>
+                                    </p:anim>
+                                    <p:anim calcmode="lin" valueType="num">
+                                      <p:cBhvr>
+                                        <p:cTn id="14" dur="1000" fill="hold"/>
+                                        <p:tgtEl>
+                                          <p:spTgt spid="11"/>
+                                        </p:tgtEl>
+                                        <p:attrNameLst>
+                                          <p:attrName>style.rotation</p:attrName>
+                                        </p:attrNameLst>
+                                      </p:cBhvr>
+                                      <p:tavLst>
+                                        <p:tav tm="0">
+                                          <p:val>
+                                            <p:fltVal val="360"/>
+                                          </p:val>
+                                        </p:tav>
+                                        <p:tav tm="100000">
+                                          <p:val>
+                                            <p:fltVal val="0"/>
+                                          </p:val>
+                                        </p:tav>
+                                      </p:tavLst>
+                                    </p:anim>
+                                    <p:animEffect transition="in" filter="fade">
+                                      <p:cBhvr>
+                                        <p:cTn id="15" dur="1000"/>
+                                        <p:tgtEl>
+                                          <p:spTgt spid="11"/>
+                                        </p:tgtEl>
+                                      </p:cBhvr>
+                                    </p:animEffect>
+                                  </p:childTnLst>
+                                </p:cTn>
+                              </p:par>
+                              <p:par>
+                                <p:cTn id="16" presetID="42" presetClass="path" presetSubtype="0" accel="50000" decel="50000" fill="hold" grpId="2" nodeType="withEffect">
+                                  <p:stCondLst>
+                                    <p:cond delay="2500"/>
+                                  </p:stCondLst>
+                                  <p:childTnLst>
+                                    <p:animMotion origin="layout" path="M 0.09492 0.03426 L 3.75E-6 -2.59259E-6 " pathEditMode="relative" rAng="0" ptsTypes="AA">
+                                      <p:cBhvr>
+                                        <p:cTn id="17" dur="1000" fill="hold"/>
+                                        <p:tgtEl>
+                                          <p:spTgt spid="11"/>
+                                        </p:tgtEl>
+                                        <p:attrNameLst>
+                                          <p:attrName>ppt_x</p:attrName>
+                                          <p:attrName>ppt_y</p:attrName>
+                                        </p:attrNameLst>
+                                      </p:cBhvr>
+                                      <p:rCtr x="-4753" y="-1713"/>
+                                    </p:animMotion>
+                                  </p:childTnLst>
+                                </p:cTn>
+                              </p:par>
+                              <p:par>
+                                <p:cTn id="18" presetID="22" presetClass="entr" presetSubtype="8" fill="hold" grpId="0" nodeType="withEffect">
+                                  <p:stCondLst>
+                                    <p:cond delay="3000"/>
+                                  </p:stCondLst>
+                                  <p:childTnLst>
+                                    <p:set>
+                                      <p:cBhvr>
+                                        <p:cTn id="19" dur="1" fill="hold">
+                                          <p:stCondLst>
+                                            <p:cond delay="0"/>
+                                          </p:stCondLst>
+                                        </p:cTn>
+                                        <p:tgtEl>
+                                          <p:spTgt spid="43"/>
+                                        </p:tgtEl>
+                                        <p:attrNameLst>
+                                          <p:attrName>style.visibility</p:attrName>
+                                        </p:attrNameLst>
+                                      </p:cBhvr>
+                                      <p:to>
+                                        <p:strVal val="visible"/>
+                                      </p:to>
+                                    </p:set>
+                                    <p:animEffect transition="in" filter="wipe(left)">
+                                      <p:cBhvr>
+                                        <p:cTn id="20" dur="500"/>
+                                        <p:tgtEl>
+                                          <p:spTgt spid="43"/>
+                                        </p:tgtEl>
+                                      </p:cBhvr>
+                                    </p:animEffect>
+                                  </p:childTnLst>
+                                </p:cTn>
+                              </p:par>
+                              <p:par>
+                                <p:cTn id="21" presetID="10" presetClass="entr" presetSubtype="0" fill="hold" grpId="0" nodeType="withEffect">
+                                  <p:stCondLst>
+                                    <p:cond delay="0"/>
+                                  </p:stCondLst>
+                                  <p:childTnLst>
+                                    <p:set>
+                                      <p:cBhvr>
+                                        <p:cTn id="22" dur="1" fill="hold">
+                                          <p:stCondLst>
+                                            <p:cond delay="0"/>
+                                          </p:stCondLst>
+                                        </p:cTn>
+                                        <p:tgtEl>
+                                          <p:spTgt spid="18"/>
+                                        </p:tgtEl>
+                                        <p:attrNameLst>
+                                          <p:attrName>style.visibility</p:attrName>
+                                        </p:attrNameLst>
+                                      </p:cBhvr>
+                                      <p:to>
+                                        <p:strVal val="visible"/>
+                                      </p:to>
+                                    </p:set>
+                                    <p:animEffect transition="in" filter="fade">
+                                      <p:cBhvr>
+                                        <p:cTn id="23" dur="1000"/>
+                                        <p:tgtEl>
+                                          <p:spTgt spid="18"/>
+                                        </p:tgtEl>
+                                      </p:cBhvr>
+                                    </p:animEffect>
+                                  </p:childTnLst>
+                                </p:cTn>
+                              </p:par>
+                              <p:par>
+                                <p:cTn id="24" presetID="42" presetClass="path" presetSubtype="0" accel="50000" decel="50000" autoRev="1" fill="hold" grpId="1" nodeType="withEffect">
+                                  <p:stCondLst>
+                                    <p:cond delay="0"/>
+                                  </p:stCondLst>
+                                  <p:childTnLst>
+                                    <p:animMotion origin="layout" path="M -1.25E-6 2.22222E-6 L 0.02409 2.22222E-6 " pathEditMode="relative" rAng="0" ptsTypes="AA">
+                                      <p:cBhvr>
+                                        <p:cTn id="25" dur="1000" fill="hold"/>
+                                        <p:tgtEl>
+                                          <p:spTgt spid="18"/>
+                                        </p:tgtEl>
+                                        <p:attrNameLst>
+                                          <p:attrName>ppt_x</p:attrName>
+                                          <p:attrName>ppt_y</p:attrName>
+                                        </p:attrNameLst>
+                                      </p:cBhvr>
+                                      <p:rCtr x="1198" y="0"/>
+                                    </p:animMotion>
+                                  </p:childTnLst>
+                                </p:cTn>
+                              </p:par>
+                            </p:childTnLst>
+                          </p:cTn>
+                        </p:par>
+                      </p:childTnLst>
+                    </p:cTn>
+                  </p:par>
+                </p:childTnLst>
+              </p:cTn>
+              <p:prevCondLst>
+                <p:cond evt="onPrev" delay="0">
+                  <p:tgtEl>
+                    <p:sldTgt/>
+                  </p:tgtEl>
+                </p:cond>
+              </p:prevCondLst>
+              <p:nextCondLst>
+                <p:cond evt="onNext" delay="0">
+                  <p:tgtEl>
+                    <p:sldTgt/>
+                  </p:tgtEl>
+                </p:cond>
+              </p:nextCondLst>
+            </p:seq>
+          </p:childTnLst>
+        </p:cTn>
+      </p:par>
+    </p:tnLst>
+    <p:bldLst>
+      <p:bldP spid="11" grpId="0" bldLvl="0" animBg="1"/>
+      <p:bldP spid="11" grpId="1" bldLvl="0" animBg="1"/>
+      <p:bldP spid="11" grpId="2" bldLvl="0" animBg="1"/>
+      <p:bldP spid="43" grpId="0"/>
+      <p:bldP spid="18" grpId="0" animBg="1"/>
+      <p:bldP spid="18" grpId="1" animBg="1"/>
+    </p:bldLst>
+  </p:timing>
+</p:sld>
+</file>
+
+<file path=ppt/slides/slide18.xml><?xml version="1.0" encoding="utf-8"?>
+<p:sld xmlns:a="http://schemas.openxmlformats.org/drawingml/2006/main" xmlns:r="http://schemas.openxmlformats.org/officeDocument/2006/relationships" xmlns:p="http://schemas.openxmlformats.org/presentationml/2006/main">
+  <p:cSld>
+    <p:spTree>
+      <p:nvGrpSpPr>
+        <p:cNvPr id="1" name=""/>
+        <p:cNvGrpSpPr/>
+        <p:nvPr/>
+      </p:nvGrpSpPr>
+      <p:grpSpPr>
+        <a:xfrm>
+          <a:off x="0" y="0"/>
+          <a:ext cx="0" cy="0"/>
+          <a:chOff x="0" y="0"/>
+          <a:chExt cx="0" cy="0"/>
+        </a:xfrm>
+      </p:grpSpPr>
+      <p:pic>
+        <p:nvPicPr>
+          <p:cNvPr id="9" name="图片 8" descr="e7d195523061f1c0205959036996ad55c215b892a7aac5c0B9ADEF7896FB48F2EF97163A2DE1401E1875DEDC438B7864AD24CA23553DBBBD975DAF4CAD4A2592689FFB6CEE59FFA55B2702D0E5EE29CDFC0DD98BC7D6A39AC4E055256EE11BBEDCDB7C9722D66262996B68DE860BD3C77EBCAECB599909EC0E07B61811075331ABCDE6990254B8C8"/>
+          <p:cNvPicPr>
+            <a:picLocks noChangeAspect="1"/>
+          </p:cNvPicPr>
+          <p:nvPr/>
+        </p:nvPicPr>
+        <p:blipFill rotWithShape="1">
+          <a:blip r:embed="rId2" cstate="print">
+            <a:extLst>
+              <a:ext uri="{28A0092B-C50C-407E-A947-70E740481C1C}">
+                <a14:useLocalDpi xmlns:a14="http://schemas.microsoft.com/office/drawing/2010/main" val="0"/>
+              </a:ext>
+            </a:extLst>
+          </a:blip>
+          <a:srcRect l="1" t="28217" r="-29" b="26945"/>
+          <a:stretch>
+            <a:fillRect/>
+          </a:stretch>
+        </p:blipFill>
+        <p:spPr>
+          <a:xfrm>
+            <a:off x="0" y="1935126"/>
+            <a:ext cx="12195544" cy="3075024"/>
+          </a:xfrm>
+          <a:prstGeom prst="rect">
+            <a:avLst/>
+          </a:prstGeom>
+        </p:spPr>
+      </p:pic>
+      <p:sp>
+        <p:nvSpPr>
+          <p:cNvPr id="10" name="圆角矩形 9" descr="e7d195523061f1c0205959036996ad55c215b892a7aac5c0B9ADEF7896FB48F2EF97163A2DE1401E1875DEDC438B7864AD24CA23553DBBBD975DAF4CAD4A2592689FFB6CEE59FFA55B2702D0E5EE29CDFC0DD98BC7D6A39AC4E055256EE11BBEDCDB7C9722D66262996B68DE860BD3C77EBCAECB599909EC0E07B61811075331ABCDE6990254B8C8"/>
+          <p:cNvSpPr/>
+          <p:nvPr/>
+        </p:nvSpPr>
+        <p:spPr>
+          <a:xfrm>
+            <a:off x="4668263" y="-1047043"/>
+            <a:ext cx="2988254" cy="3962381"/>
+          </a:xfrm>
+          <a:prstGeom prst="roundRect">
+            <a:avLst>
+              <a:gd name="adj" fmla="val 12431"/>
+            </a:avLst>
+          </a:prstGeom>
+          <a:solidFill>
+            <a:srgbClr val="EE534F"/>
+          </a:solidFill>
+          <a:ln>
+            <a:noFill/>
+          </a:ln>
+          <a:effectLst>
+            <a:outerShdw blurRad="152400" sx="103000" sy="103000" algn="ctr" rotWithShape="0">
+              <a:prstClr val="black">
+                <a:alpha val="30000"/>
+              </a:prstClr>
+            </a:outerShdw>
+          </a:effectLst>
+        </p:spPr>
+        <p:style>
+          <a:lnRef idx="2">
+            <a:schemeClr val="accent1">
+              <a:shade val="50000"/>
+            </a:schemeClr>
+          </a:lnRef>
+          <a:fillRef idx="1">
+            <a:schemeClr val="accent1"/>
+          </a:fillRef>
+          <a:effectRef idx="0">
+            <a:schemeClr val="accent1"/>
+          </a:effectRef>
+          <a:fontRef idx="minor">
+            <a:schemeClr val="lt1"/>
+          </a:fontRef>
+        </p:style>
+        <p:txBody>
+          <a:bodyPr rtlCol="0" anchor="ctr"/>
+          <a:lstStyle/>
+          <a:p>
+            <a:pPr algn="ctr"/>
+            <a:endParaRPr lang="en-US" altLang="zh-CN" sz="3600" dirty="0"/>
+          </a:p>
+          <a:p>
+            <a:pPr algn="ctr"/>
+            <a:endParaRPr lang="en-US" altLang="zh-CN" sz="3600" dirty="0"/>
+          </a:p>
+          <a:p>
+            <a:pPr algn="ctr"/>
+            <a:r>
+              <a:rPr lang="en-US" altLang="zh-CN" sz="5400" dirty="0"/>
+              <a:t>PART</a:t>
+            </a:r>
+            <a:r>
+              <a:rPr lang="en-US" altLang="zh-CN" sz="3600" dirty="0"/>
+              <a:t> </a:t>
+            </a:r>
+          </a:p>
+          <a:p>
+            <a:pPr algn="ctr"/>
+            <a:r>
+              <a:rPr lang="en-US" altLang="zh-CN" sz="11500" dirty="0" smtClean="0"/>
+              <a:t>05</a:t>
+            </a:r>
+            <a:endParaRPr lang="en-US" altLang="zh-CN" sz="11500" dirty="0"/>
+          </a:p>
+        </p:txBody>
+      </p:sp>
+      <p:sp>
+        <p:nvSpPr>
+          <p:cNvPr id="11" name="矩形 10" descr="e7d195523061f1c0205959036996ad55c215b892a7aac5c0B9ADEF7896FB48F2EF97163A2DE1401E1875DEDC438B7864AD24CA23553DBBBD975DAF4CAD4A2592689FFB6CEE59FFA55B2702D0E5EE29CDFC0DD98BC7D6A39AC4E055256EE11BBEDCDB7C9722D66262996B68DE860BD3C77EBCAECB599909EC0E07B61811075331ABCDE6990254B8C8"/>
+          <p:cNvSpPr/>
+          <p:nvPr/>
+        </p:nvSpPr>
+        <p:spPr>
+          <a:xfrm>
+            <a:off x="2067951" y="3478989"/>
+            <a:ext cx="8426547" cy="640080"/>
+          </a:xfrm>
+          <a:prstGeom prst="rect">
+            <a:avLst/>
+          </a:prstGeom>
+          <a:noFill/>
+          <a:ln>
+            <a:noFill/>
+          </a:ln>
+        </p:spPr>
+        <p:style>
+          <a:lnRef idx="2">
+            <a:schemeClr val="accent1">
+              <a:shade val="50000"/>
+            </a:schemeClr>
+          </a:lnRef>
+          <a:fillRef idx="1">
+            <a:schemeClr val="accent1"/>
+          </a:fillRef>
+          <a:effectRef idx="0">
+            <a:schemeClr val="accent1"/>
+          </a:effectRef>
+          <a:fontRef idx="minor">
+            <a:schemeClr val="lt1"/>
+          </a:fontRef>
+        </p:style>
+        <p:txBody>
+          <a:bodyPr rtlCol="0" anchor="ctr"/>
+          <a:lstStyle/>
+          <a:p>
+            <a:pPr algn="ctr"/>
+            <a:r>
               <a:rPr lang="zh-CN" altLang="en-US" sz="4800" dirty="0">
                 <a:solidFill>
                   <a:schemeClr val="bg1"/>
@@ -5421,7 +10039,7 @@
     <a:masterClrMapping/>
   </p:clrMapOvr>
   <mc:AlternateContent xmlns:mc="http://schemas.openxmlformats.org/markup-compatibility/2006">
-    <mc:Choice xmlns="" xmlns:p15="http://schemas.microsoft.com/office/powerpoint/2012/main" Requires="p15">
+    <mc:Choice xmlns:p15="http://schemas.microsoft.com/office/powerpoint/2012/main" xmlns="" Requires="p15">
       <p:transition xmlns:p14="http://schemas.microsoft.com/office/powerpoint/2010/main" spd="slow" Requires="p14" p14:dur="1250" advClick="0" advTm="0">
         <p15:prstTrans prst="airplane"/>
       </p:transition>
@@ -5814,7 +10432,7 @@
 </p:sld>
 </file>
 
-<file path=ppt/slides/slide12.xml><?xml version="1.0" encoding="utf-8"?>
+<file path=ppt/slides/slide19.xml><?xml version="1.0" encoding="utf-8"?>
 <p:sld xmlns:a="http://schemas.openxmlformats.org/drawingml/2006/main" xmlns:r="http://schemas.openxmlformats.org/officeDocument/2006/relationships" xmlns:p="http://schemas.openxmlformats.org/presentationml/2006/main">
   <p:cSld>
     <p:spTree>
@@ -6235,7 +10853,7 @@
         </p:blipFill>
         <p:spPr>
           <a:xfrm>
-            <a:off x="3271774" y="1583386"/>
+            <a:off x="3017646" y="1327354"/>
             <a:ext cx="5887775" cy="2665780"/>
           </a:xfrm>
           <a:prstGeom prst="rect">
@@ -7321,7 +11939,7 @@
     <a:masterClrMapping/>
   </p:clrMapOvr>
   <mc:AlternateContent xmlns:mc="http://schemas.openxmlformats.org/markup-compatibility/2006">
-    <mc:Choice xmlns="" xmlns:p15="http://schemas.microsoft.com/office/powerpoint/2012/main" Requires="p15">
+    <mc:Choice xmlns:p15="http://schemas.microsoft.com/office/powerpoint/2012/main" xmlns="" Requires="p15">
       <p:transition xmlns:p14="http://schemas.microsoft.com/office/powerpoint/2010/main" spd="slow" Requires="p14" p14:dur="2000" advClick="0" advTm="0">
         <p15:prstTrans prst="wind"/>
       </p:transition>
@@ -7892,6 +12510,3296 @@
       <p:bldP spid="59" grpId="1" bldLvl="0" animBg="1"/>
       <p:bldP spid="22" grpId="0" bldLvl="0" animBg="1"/>
       <p:bldP spid="22" grpId="1" bldLvl="0" animBg="1"/>
+    </p:bldLst>
+  </p:timing>
+</p:sld>
+</file>
+
+<file path=ppt/slides/slide20.xml><?xml version="1.0" encoding="utf-8"?>
+<p:sld xmlns:a="http://schemas.openxmlformats.org/drawingml/2006/main" xmlns:r="http://schemas.openxmlformats.org/officeDocument/2006/relationships" xmlns:p="http://schemas.openxmlformats.org/presentationml/2006/main">
+  <p:cSld>
+    <p:spTree>
+      <p:nvGrpSpPr>
+        <p:cNvPr id="1" name=""/>
+        <p:cNvGrpSpPr/>
+        <p:nvPr/>
+      </p:nvGrpSpPr>
+      <p:grpSpPr>
+        <a:xfrm>
+          <a:off x="0" y="0"/>
+          <a:ext cx="0" cy="0"/>
+          <a:chOff x="0" y="0"/>
+          <a:chExt cx="0" cy="0"/>
+        </a:xfrm>
+      </p:grpSpPr>
+      <p:pic>
+        <p:nvPicPr>
+          <p:cNvPr id="9" name="图片 8" descr="e7d195523061f1c0205959036996ad55c215b892a7aac5c0B9ADEF7896FB48F2EF97163A2DE1401E1875DEDC438B7864AD24CA23553DBBBD975DAF4CAD4A2592689FFB6CEE59FFA55B2702D0E5EE29CDFC0DD98BC7D6A39AC4E055256EE11BBEDCDB7C9722D66262996B68DE860BD3C77EBCAECB599909EC0E07B61811075331ABCDE6990254B8C8"/>
+          <p:cNvPicPr>
+            <a:picLocks noChangeAspect="1"/>
+          </p:cNvPicPr>
+          <p:nvPr/>
+        </p:nvPicPr>
+        <p:blipFill rotWithShape="1">
+          <a:blip r:embed="rId2" cstate="print">
+            <a:extLst>
+              <a:ext uri="{28A0092B-C50C-407E-A947-70E740481C1C}">
+                <a14:useLocalDpi xmlns:a14="http://schemas.microsoft.com/office/drawing/2010/main" val="0"/>
+              </a:ext>
+            </a:extLst>
+          </a:blip>
+          <a:srcRect l="1" t="28217" r="-29" b="26945"/>
+          <a:stretch/>
+        </p:blipFill>
+        <p:spPr>
+          <a:xfrm>
+            <a:off x="0" y="1935126"/>
+            <a:ext cx="12195544" cy="3075024"/>
+          </a:xfrm>
+          <a:prstGeom prst="rect">
+            <a:avLst/>
+          </a:prstGeom>
+        </p:spPr>
+      </p:pic>
+      <p:sp>
+        <p:nvSpPr>
+          <p:cNvPr id="10" name="圆角矩形 9" descr="e7d195523061f1c0205959036996ad55c215b892a7aac5c0B9ADEF7896FB48F2EF97163A2DE1401E1875DEDC438B7864AD24CA23553DBBBD975DAF4CAD4A2592689FFB6CEE59FFA55B2702D0E5EE29CDFC0DD98BC7D6A39AC4E055256EE11BBEDCDB7C9722D66262996B68DE860BD3C77EBCAECB599909EC0E07B61811075331ABCDE6990254B8C8"/>
+          <p:cNvSpPr/>
+          <p:nvPr/>
+        </p:nvSpPr>
+        <p:spPr>
+          <a:xfrm>
+            <a:off x="4668263" y="-1047043"/>
+            <a:ext cx="2988254" cy="3962381"/>
+          </a:xfrm>
+          <a:prstGeom prst="roundRect">
+            <a:avLst>
+              <a:gd name="adj" fmla="val 12431"/>
+            </a:avLst>
+          </a:prstGeom>
+          <a:solidFill>
+            <a:srgbClr val="EE534F"/>
+          </a:solidFill>
+          <a:ln>
+            <a:noFill/>
+          </a:ln>
+          <a:effectLst>
+            <a:outerShdw blurRad="152400" sx="103000" sy="103000" algn="ctr" rotWithShape="0">
+              <a:prstClr val="black">
+                <a:alpha val="30000"/>
+              </a:prstClr>
+            </a:outerShdw>
+          </a:effectLst>
+        </p:spPr>
+        <p:style>
+          <a:lnRef idx="2">
+            <a:schemeClr val="accent1">
+              <a:shade val="50000"/>
+            </a:schemeClr>
+          </a:lnRef>
+          <a:fillRef idx="1">
+            <a:schemeClr val="accent1"/>
+          </a:fillRef>
+          <a:effectRef idx="0">
+            <a:schemeClr val="accent1"/>
+          </a:effectRef>
+          <a:fontRef idx="minor">
+            <a:schemeClr val="lt1"/>
+          </a:fontRef>
+        </p:style>
+        <p:txBody>
+          <a:bodyPr rtlCol="0" anchor="ctr"/>
+          <a:lstStyle/>
+          <a:p>
+            <a:pPr algn="ctr"/>
+            <a:endParaRPr lang="en-US" altLang="zh-CN" sz="3600" dirty="0"/>
+          </a:p>
+          <a:p>
+            <a:pPr algn="ctr"/>
+            <a:endParaRPr lang="en-US" altLang="zh-CN" sz="3600" dirty="0"/>
+          </a:p>
+          <a:p>
+            <a:pPr algn="ctr"/>
+            <a:r>
+              <a:rPr lang="en-US" altLang="zh-CN" sz="5400" dirty="0"/>
+              <a:t>PART</a:t>
+            </a:r>
+            <a:r>
+              <a:rPr lang="en-US" altLang="zh-CN" sz="3600" dirty="0"/>
+              <a:t> </a:t>
+            </a:r>
+          </a:p>
+          <a:p>
+            <a:pPr algn="ctr"/>
+            <a:r>
+              <a:rPr lang="en-US" altLang="zh-CN" sz="11500" dirty="0" smtClean="0"/>
+              <a:t>06</a:t>
+            </a:r>
+            <a:endParaRPr lang="en-US" altLang="zh-CN" sz="11500" dirty="0"/>
+          </a:p>
+        </p:txBody>
+      </p:sp>
+      <p:sp>
+        <p:nvSpPr>
+          <p:cNvPr id="11" name="矩形 10" descr="e7d195523061f1c0205959036996ad55c215b892a7aac5c0B9ADEF7896FB48F2EF97163A2DE1401E1875DEDC438B7864AD24CA23553DBBBD975DAF4CAD4A2592689FFB6CEE59FFA55B2702D0E5EE29CDFC0DD98BC7D6A39AC4E055256EE11BBEDCDB7C9722D66262996B68DE860BD3C77EBCAECB599909EC0E07B61811075331ABCDE6990254B8C8"/>
+          <p:cNvSpPr/>
+          <p:nvPr/>
+        </p:nvSpPr>
+        <p:spPr>
+          <a:xfrm>
+            <a:off x="2067951" y="3478989"/>
+            <a:ext cx="8426547" cy="640080"/>
+          </a:xfrm>
+          <a:prstGeom prst="rect">
+            <a:avLst/>
+          </a:prstGeom>
+          <a:noFill/>
+          <a:ln>
+            <a:noFill/>
+          </a:ln>
+        </p:spPr>
+        <p:style>
+          <a:lnRef idx="2">
+            <a:schemeClr val="accent1">
+              <a:shade val="50000"/>
+            </a:schemeClr>
+          </a:lnRef>
+          <a:fillRef idx="1">
+            <a:schemeClr val="accent1"/>
+          </a:fillRef>
+          <a:effectRef idx="0">
+            <a:schemeClr val="accent1"/>
+          </a:effectRef>
+          <a:fontRef idx="minor">
+            <a:schemeClr val="lt1"/>
+          </a:fontRef>
+        </p:style>
+        <p:txBody>
+          <a:bodyPr rtlCol="0" anchor="ctr"/>
+          <a:lstStyle/>
+          <a:p>
+            <a:pPr algn="ctr"/>
+            <a:r>
+              <a:rPr lang="zh-CN" altLang="en-US" sz="4800" dirty="0">
+                <a:solidFill>
+                  <a:schemeClr val="bg1"/>
+                </a:solidFill>
+                <a:ea typeface="Microsoft YaHei UI" panose="020B0503020204020204" pitchFamily="34" charset="-122"/>
+              </a:rPr>
+              <a:t>管理活动参与及结果</a:t>
+            </a:r>
+          </a:p>
+        </p:txBody>
+      </p:sp>
+      <p:sp>
+        <p:nvSpPr>
+          <p:cNvPr id="2" name="e7d195523061f1c0" descr="e7d195523061f1c0205959036996ad55c215b892a7aac5c0B9ADEF7896FB48F2EF97163A2DE1401E1875DEDC438B7864AD24CA23553DBBBD975DAF4CAD4A2592689FFB6CEE59FFA55B2702D0E5EE29CDFC0DD98BC7D6A39AC4E055256EE11BBEDCDB7C9722D66262996B68DE860BD3C77EBCAECB599909EC0E07B61811075331ABCDE6990254B8C8" hidden="1"/>
+          <p:cNvSpPr txBox="1"/>
+          <p:nvPr/>
+        </p:nvSpPr>
+        <p:spPr>
+          <a:xfrm>
+            <a:off x="-355600" y="1803400"/>
+            <a:ext cx="293927" cy="1016000"/>
+          </a:xfrm>
+          <a:prstGeom prst="rect">
+            <a:avLst/>
+          </a:prstGeom>
+          <a:noFill/>
+        </p:spPr>
+        <p:txBody>
+          <a:bodyPr vert="wordArtVert" rtlCol="0">
+            <a:spAutoFit/>
+          </a:bodyPr>
+          <a:lstStyle/>
+          <a:p>
+            <a:r>
+              <a:rPr lang="en-US" altLang="zh-CN" sz="100"/>
+              <a:t>e7d195523061f1c0205959036996ad55c215b892a7aac5c0B9ADEF7896FB48F2EF97163A2DE1401E1875DEDC438B7864AD24CA23553DBBBD975DAF4CAD4A2592689FFB6CEE59FFA55B2702D0E5EE29CDFC0DD98BC7D6A39AC4E055256EE11BBEDCDB7C9722D66262996B68DE860BD3C77EBCAECB599909EC0E07B61811075331ABCDE6990254B8C8</a:t>
+            </a:r>
+            <a:endParaRPr lang="zh-CN" altLang="en-US" sz="100"/>
+          </a:p>
+        </p:txBody>
+      </p:sp>
+      <p:sp>
+        <p:nvSpPr>
+          <p:cNvPr id="6" name="TextBox 62" descr="e7d195523061f1c0205959036996ad55c215b892a7aac5c0B9ADEF7896FB48F2EF97163A2DE1401E1875DEDC438B7864AD24CA23553DBBBD975DAF4CAD4A2592689FFB6CEE59FFA55B2702D0E5EE29CDFC0DD98BC7D6A39AC4E055256EE11BBEDCDB7C9722D66262996B68DE860BD3C77EBCAECB599909EC0E07B61811075331ABCDE6990254B8C8"/>
+          <p:cNvSpPr txBox="1"/>
+          <p:nvPr/>
+        </p:nvSpPr>
+        <p:spPr>
+          <a:xfrm>
+            <a:off x="3237458" y="4228251"/>
+            <a:ext cx="5879245" cy="461665"/>
+          </a:xfrm>
+          <a:prstGeom prst="rect">
+            <a:avLst/>
+          </a:prstGeom>
+          <a:noFill/>
+          <a:effectLst/>
+        </p:spPr>
+        <p:txBody>
+          <a:bodyPr wrap="square" rtlCol="0">
+            <a:spAutoFit/>
+          </a:bodyPr>
+          <a:lstStyle/>
+          <a:p>
+            <a:pPr algn="ctr"/>
+            <a:r>
+              <a:rPr lang="en-US" altLang="zh-CN" sz="1200" dirty="0">
+                <a:solidFill>
+                  <a:schemeClr val="bg1"/>
+                </a:solidFill>
+                <a:ea typeface="Microsoft JhengHei Light" panose="020B0304030504040204" pitchFamily="34" charset="-120"/>
+                <a:cs typeface="Helvetica" panose="020B0604020202020204" pitchFamily="34" charset="0"/>
+              </a:rPr>
+              <a:t>dream what you want to dream; go where you want to go; be what you want to be, because you have only one life and one chance to.</a:t>
+            </a:r>
+          </a:p>
+        </p:txBody>
+      </p:sp>
+    </p:spTree>
+    <p:extLst>
+      <p:ext uri="{BB962C8B-B14F-4D97-AF65-F5344CB8AC3E}">
+        <p14:creationId xmlns:p14="http://schemas.microsoft.com/office/powerpoint/2010/main" val="2545233174"/>
+      </p:ext>
+    </p:extLst>
+  </p:cSld>
+  <p:clrMapOvr>
+    <a:masterClrMapping/>
+  </p:clrMapOvr>
+  <mc:AlternateContent xmlns:mc="http://schemas.openxmlformats.org/markup-compatibility/2006">
+    <mc:Choice xmlns:p15="http://schemas.microsoft.com/office/powerpoint/2012/main" xmlns="" Requires="p15">
+      <p:transition xmlns:p14="http://schemas.microsoft.com/office/powerpoint/2010/main" spd="slow" p14:dur="1250" advClick="0" advTm="0">
+        <p15:prstTrans prst="airplane"/>
+      </p:transition>
+    </mc:Choice>
+    <mc:Fallback>
+      <p:transition spd="slow" advClick="0" advTm="0">
+        <p:fade/>
+      </p:transition>
+    </mc:Fallback>
+  </mc:AlternateContent>
+  <p:timing>
+    <p:tnLst>
+      <p:par>
+        <p:cTn id="1" dur="indefinite" restart="never" nodeType="tmRoot">
+          <p:childTnLst>
+            <p:seq concurrent="1" nextAc="seek">
+              <p:cTn id="2" dur="indefinite" nodeType="mainSeq">
+                <p:childTnLst>
+                  <p:par>
+                    <p:cTn id="3" fill="hold">
+                      <p:stCondLst>
+                        <p:cond delay="indefinite"/>
+                        <p:cond evt="onBegin" delay="0">
+                          <p:tn val="2"/>
+                        </p:cond>
+                      </p:stCondLst>
+                      <p:childTnLst>
+                        <p:par>
+                          <p:cTn id="4" fill="hold">
+                            <p:stCondLst>
+                              <p:cond delay="0"/>
+                            </p:stCondLst>
+                            <p:childTnLst>
+                              <p:par>
+                                <p:cTn id="5" presetID="10" presetClass="entr" presetSubtype="0" fill="hold" nodeType="withEffect">
+                                  <p:stCondLst>
+                                    <p:cond delay="1000"/>
+                                  </p:stCondLst>
+                                  <p:childTnLst>
+                                    <p:set>
+                                      <p:cBhvr>
+                                        <p:cTn id="6" dur="1" fill="hold">
+                                          <p:stCondLst>
+                                            <p:cond delay="0"/>
+                                          </p:stCondLst>
+                                        </p:cTn>
+                                        <p:tgtEl>
+                                          <p:spTgt spid="9"/>
+                                        </p:tgtEl>
+                                        <p:attrNameLst>
+                                          <p:attrName>style.visibility</p:attrName>
+                                        </p:attrNameLst>
+                                      </p:cBhvr>
+                                      <p:to>
+                                        <p:strVal val="visible"/>
+                                      </p:to>
+                                    </p:set>
+                                    <p:animEffect transition="in" filter="fade">
+                                      <p:cBhvr>
+                                        <p:cTn id="7" dur="1000"/>
+                                        <p:tgtEl>
+                                          <p:spTgt spid="9"/>
+                                        </p:tgtEl>
+                                      </p:cBhvr>
+                                    </p:animEffect>
+                                  </p:childTnLst>
+                                </p:cTn>
+                              </p:par>
+                              <p:par>
+                                <p:cTn id="8" presetID="42" presetClass="path" presetSubtype="0" accel="50000" decel="50000" autoRev="1" fill="hold" nodeType="withEffect">
+                                  <p:stCondLst>
+                                    <p:cond delay="1000"/>
+                                  </p:stCondLst>
+                                  <p:childTnLst>
+                                    <p:animMotion origin="layout" path="M -2.08333E-6 1.85185E-6 L -2.08333E-6 -0.07292 " pathEditMode="relative" rAng="0" ptsTypes="AA">
+                                      <p:cBhvr>
+                                        <p:cTn id="9" dur="1000" fill="hold"/>
+                                        <p:tgtEl>
+                                          <p:spTgt spid="9"/>
+                                        </p:tgtEl>
+                                        <p:attrNameLst>
+                                          <p:attrName>ppt_x</p:attrName>
+                                          <p:attrName>ppt_y</p:attrName>
+                                        </p:attrNameLst>
+                                      </p:cBhvr>
+                                      <p:rCtr x="0" y="-3657"/>
+                                    </p:animMotion>
+                                  </p:childTnLst>
+                                </p:cTn>
+                              </p:par>
+                              <p:par>
+                                <p:cTn id="10" presetID="10" presetClass="entr" presetSubtype="0" fill="hold" grpId="0" nodeType="withEffect">
+                                  <p:stCondLst>
+                                    <p:cond delay="1000"/>
+                                  </p:stCondLst>
+                                  <p:childTnLst>
+                                    <p:set>
+                                      <p:cBhvr>
+                                        <p:cTn id="11" dur="1" fill="hold">
+                                          <p:stCondLst>
+                                            <p:cond delay="0"/>
+                                          </p:stCondLst>
+                                        </p:cTn>
+                                        <p:tgtEl>
+                                          <p:spTgt spid="10"/>
+                                        </p:tgtEl>
+                                        <p:attrNameLst>
+                                          <p:attrName>style.visibility</p:attrName>
+                                        </p:attrNameLst>
+                                      </p:cBhvr>
+                                      <p:to>
+                                        <p:strVal val="visible"/>
+                                      </p:to>
+                                    </p:set>
+                                    <p:animEffect transition="in" filter="fade">
+                                      <p:cBhvr>
+                                        <p:cTn id="12" dur="1000"/>
+                                        <p:tgtEl>
+                                          <p:spTgt spid="10"/>
+                                        </p:tgtEl>
+                                      </p:cBhvr>
+                                    </p:animEffect>
+                                  </p:childTnLst>
+                                </p:cTn>
+                              </p:par>
+                              <p:par>
+                                <p:cTn id="13" presetID="42" presetClass="path" presetSubtype="0" accel="50000" decel="50000" autoRev="1" fill="hold" grpId="1" nodeType="withEffect">
+                                  <p:stCondLst>
+                                    <p:cond delay="1000"/>
+                                  </p:stCondLst>
+                                  <p:childTnLst>
+                                    <p:animMotion origin="layout" path="M -3.95833E-6 4.07407E-6 L -3.95833E-6 0.07222 " pathEditMode="relative" rAng="0" ptsTypes="AA">
+                                      <p:cBhvr>
+                                        <p:cTn id="14" dur="1000" fill="hold"/>
+                                        <p:tgtEl>
+                                          <p:spTgt spid="10"/>
+                                        </p:tgtEl>
+                                        <p:attrNameLst>
+                                          <p:attrName>ppt_x</p:attrName>
+                                          <p:attrName>ppt_y</p:attrName>
+                                        </p:attrNameLst>
+                                      </p:cBhvr>
+                                      <p:rCtr x="0" y="3611"/>
+                                    </p:animMotion>
+                                  </p:childTnLst>
+                                </p:cTn>
+                              </p:par>
+                              <p:par>
+                                <p:cTn id="15" presetID="53" presetClass="entr" presetSubtype="16" fill="hold" grpId="0" nodeType="withEffect">
+                                  <p:stCondLst>
+                                    <p:cond delay="2500"/>
+                                  </p:stCondLst>
+                                  <p:childTnLst>
+                                    <p:set>
+                                      <p:cBhvr>
+                                        <p:cTn id="16" dur="1" fill="hold">
+                                          <p:stCondLst>
+                                            <p:cond delay="0"/>
+                                          </p:stCondLst>
+                                        </p:cTn>
+                                        <p:tgtEl>
+                                          <p:spTgt spid="11"/>
+                                        </p:tgtEl>
+                                        <p:attrNameLst>
+                                          <p:attrName>style.visibility</p:attrName>
+                                        </p:attrNameLst>
+                                      </p:cBhvr>
+                                      <p:to>
+                                        <p:strVal val="visible"/>
+                                      </p:to>
+                                    </p:set>
+                                    <p:anim calcmode="lin" valueType="num">
+                                      <p:cBhvr>
+                                        <p:cTn id="17" dur="500" fill="hold"/>
+                                        <p:tgtEl>
+                                          <p:spTgt spid="11"/>
+                                        </p:tgtEl>
+                                        <p:attrNameLst>
+                                          <p:attrName>ppt_w</p:attrName>
+                                        </p:attrNameLst>
+                                      </p:cBhvr>
+                                      <p:tavLst>
+                                        <p:tav tm="0">
+                                          <p:val>
+                                            <p:fltVal val="0"/>
+                                          </p:val>
+                                        </p:tav>
+                                        <p:tav tm="100000">
+                                          <p:val>
+                                            <p:strVal val="#ppt_w"/>
+                                          </p:val>
+                                        </p:tav>
+                                      </p:tavLst>
+                                    </p:anim>
+                                    <p:anim calcmode="lin" valueType="num">
+                                      <p:cBhvr>
+                                        <p:cTn id="18" dur="500" fill="hold"/>
+                                        <p:tgtEl>
+                                          <p:spTgt spid="11"/>
+                                        </p:tgtEl>
+                                        <p:attrNameLst>
+                                          <p:attrName>ppt_h</p:attrName>
+                                        </p:attrNameLst>
+                                      </p:cBhvr>
+                                      <p:tavLst>
+                                        <p:tav tm="0">
+                                          <p:val>
+                                            <p:fltVal val="0"/>
+                                          </p:val>
+                                        </p:tav>
+                                        <p:tav tm="100000">
+                                          <p:val>
+                                            <p:strVal val="#ppt_h"/>
+                                          </p:val>
+                                        </p:tav>
+                                      </p:tavLst>
+                                    </p:anim>
+                                    <p:animEffect transition="in" filter="fade">
+                                      <p:cBhvr>
+                                        <p:cTn id="19" dur="500"/>
+                                        <p:tgtEl>
+                                          <p:spTgt spid="11"/>
+                                        </p:tgtEl>
+                                      </p:cBhvr>
+                                    </p:animEffect>
+                                  </p:childTnLst>
+                                </p:cTn>
+                              </p:par>
+                              <p:par>
+                                <p:cTn id="20" presetID="64" presetClass="path" presetSubtype="0" accel="50000" decel="50000" fill="hold" grpId="1" nodeType="withEffect">
+                                  <p:stCondLst>
+                                    <p:cond delay="2500"/>
+                                  </p:stCondLst>
+                                  <p:childTnLst>
+                                    <p:animMotion origin="layout" path="M 1.25E-6 0.04675 L 1.25E-6 4.81481E-6 " pathEditMode="relative" rAng="0" ptsTypes="AA">
+                                      <p:cBhvr>
+                                        <p:cTn id="21" dur="2000" fill="hold"/>
+                                        <p:tgtEl>
+                                          <p:spTgt spid="11"/>
+                                        </p:tgtEl>
+                                        <p:attrNameLst>
+                                          <p:attrName>ppt_x</p:attrName>
+                                          <p:attrName>ppt_y</p:attrName>
+                                        </p:attrNameLst>
+                                      </p:cBhvr>
+                                      <p:rCtr x="0" y="-2338"/>
+                                    </p:animMotion>
+                                  </p:childTnLst>
+                                </p:cTn>
+                              </p:par>
+                              <p:par>
+                                <p:cTn id="22" presetID="53" presetClass="entr" presetSubtype="16" fill="hold" grpId="0" nodeType="withEffect">
+                                  <p:stCondLst>
+                                    <p:cond delay="2750"/>
+                                  </p:stCondLst>
+                                  <p:childTnLst>
+                                    <p:set>
+                                      <p:cBhvr>
+                                        <p:cTn id="23" dur="1" fill="hold">
+                                          <p:stCondLst>
+                                            <p:cond delay="0"/>
+                                          </p:stCondLst>
+                                        </p:cTn>
+                                        <p:tgtEl>
+                                          <p:spTgt spid="6"/>
+                                        </p:tgtEl>
+                                        <p:attrNameLst>
+                                          <p:attrName>style.visibility</p:attrName>
+                                        </p:attrNameLst>
+                                      </p:cBhvr>
+                                      <p:to>
+                                        <p:strVal val="visible"/>
+                                      </p:to>
+                                    </p:set>
+                                    <p:anim calcmode="lin" valueType="num">
+                                      <p:cBhvr>
+                                        <p:cTn id="24" dur="500" fill="hold"/>
+                                        <p:tgtEl>
+                                          <p:spTgt spid="6"/>
+                                        </p:tgtEl>
+                                        <p:attrNameLst>
+                                          <p:attrName>ppt_w</p:attrName>
+                                        </p:attrNameLst>
+                                      </p:cBhvr>
+                                      <p:tavLst>
+                                        <p:tav tm="0">
+                                          <p:val>
+                                            <p:fltVal val="0"/>
+                                          </p:val>
+                                        </p:tav>
+                                        <p:tav tm="100000">
+                                          <p:val>
+                                            <p:strVal val="#ppt_w"/>
+                                          </p:val>
+                                        </p:tav>
+                                      </p:tavLst>
+                                    </p:anim>
+                                    <p:anim calcmode="lin" valueType="num">
+                                      <p:cBhvr>
+                                        <p:cTn id="25" dur="500" fill="hold"/>
+                                        <p:tgtEl>
+                                          <p:spTgt spid="6"/>
+                                        </p:tgtEl>
+                                        <p:attrNameLst>
+                                          <p:attrName>ppt_h</p:attrName>
+                                        </p:attrNameLst>
+                                      </p:cBhvr>
+                                      <p:tavLst>
+                                        <p:tav tm="0">
+                                          <p:val>
+                                            <p:fltVal val="0"/>
+                                          </p:val>
+                                        </p:tav>
+                                        <p:tav tm="100000">
+                                          <p:val>
+                                            <p:strVal val="#ppt_h"/>
+                                          </p:val>
+                                        </p:tav>
+                                      </p:tavLst>
+                                    </p:anim>
+                                    <p:animEffect transition="in" filter="fade">
+                                      <p:cBhvr>
+                                        <p:cTn id="26" dur="500"/>
+                                        <p:tgtEl>
+                                          <p:spTgt spid="6"/>
+                                        </p:tgtEl>
+                                      </p:cBhvr>
+                                    </p:animEffect>
+                                  </p:childTnLst>
+                                </p:cTn>
+                              </p:par>
+                              <p:par>
+                                <p:cTn id="27" presetID="64" presetClass="path" presetSubtype="0" accel="50000" decel="50000" fill="hold" grpId="1" nodeType="withEffect">
+                                  <p:stCondLst>
+                                    <p:cond delay="2750"/>
+                                  </p:stCondLst>
+                                  <p:childTnLst>
+                                    <p:animMotion origin="layout" path="M -6.25E-7 0.04954 L -6.25E-7 1.11022E-16 " pathEditMode="relative" rAng="0" ptsTypes="AA">
+                                      <p:cBhvr>
+                                        <p:cTn id="28" dur="2000" fill="hold"/>
+                                        <p:tgtEl>
+                                          <p:spTgt spid="6"/>
+                                        </p:tgtEl>
+                                        <p:attrNameLst>
+                                          <p:attrName>ppt_x</p:attrName>
+                                          <p:attrName>ppt_y</p:attrName>
+                                        </p:attrNameLst>
+                                      </p:cBhvr>
+                                      <p:rCtr x="0" y="-2477"/>
+                                    </p:animMotion>
+                                  </p:childTnLst>
+                                </p:cTn>
+                              </p:par>
+                            </p:childTnLst>
+                          </p:cTn>
+                        </p:par>
+                      </p:childTnLst>
+                    </p:cTn>
+                  </p:par>
+                </p:childTnLst>
+              </p:cTn>
+              <p:prevCondLst>
+                <p:cond evt="onPrev" delay="0">
+                  <p:tgtEl>
+                    <p:sldTgt/>
+                  </p:tgtEl>
+                </p:cond>
+              </p:prevCondLst>
+              <p:nextCondLst>
+                <p:cond evt="onNext" delay="0">
+                  <p:tgtEl>
+                    <p:sldTgt/>
+                  </p:tgtEl>
+                </p:cond>
+              </p:nextCondLst>
+            </p:seq>
+          </p:childTnLst>
+        </p:cTn>
+      </p:par>
+    </p:tnLst>
+    <p:bldLst>
+      <p:bldP spid="10" grpId="0" animBg="1"/>
+      <p:bldP spid="10" grpId="1" animBg="1"/>
+      <p:bldP spid="11" grpId="0"/>
+      <p:bldP spid="11" grpId="1"/>
+      <p:bldP spid="6" grpId="0"/>
+      <p:bldP spid="6" grpId="1"/>
+    </p:bldLst>
+  </p:timing>
+</p:sld>
+</file>
+
+<file path=ppt/slides/slide21.xml><?xml version="1.0" encoding="utf-8"?>
+<p:sld xmlns:a="http://schemas.openxmlformats.org/drawingml/2006/main" xmlns:r="http://schemas.openxmlformats.org/officeDocument/2006/relationships" xmlns:p="http://schemas.openxmlformats.org/presentationml/2006/main">
+  <p:cSld>
+    <p:spTree>
+      <p:nvGrpSpPr>
+        <p:cNvPr id="1" name=""/>
+        <p:cNvGrpSpPr/>
+        <p:nvPr/>
+      </p:nvGrpSpPr>
+      <p:grpSpPr>
+        <a:xfrm>
+          <a:off x="0" y="0"/>
+          <a:ext cx="0" cy="0"/>
+          <a:chOff x="0" y="0"/>
+          <a:chExt cx="0" cy="0"/>
+        </a:xfrm>
+      </p:grpSpPr>
+      <p:sp>
+        <p:nvSpPr>
+          <p:cNvPr id="12" name="Rounded Rectangle 24" descr="e7d195523061f1c0205959036996ad55c215b892a7aac5c0B9ADEF7896FB48F2EF97163A2DE1401E1875DEDC438B7864AD24CA23553DBBBD975DAF4CAD4A2592689FFB6CEE59FFA55B2702D0E5EE29CDFC0DD98BC7D6A39AC4E055256EE11BBEDCDB7C9722D66262996B68DE860BD3C77EBCAECB599909EC0E07B61811075331ABCDE6990254B8C8"/>
+          <p:cNvSpPr/>
+          <p:nvPr/>
+        </p:nvSpPr>
+        <p:spPr>
+          <a:xfrm>
+            <a:off x="1864349" y="2039448"/>
+            <a:ext cx="9803395" cy="3275714"/>
+          </a:xfrm>
+          <a:prstGeom prst="roundRect">
+            <a:avLst>
+              <a:gd name="adj" fmla="val 4016"/>
+            </a:avLst>
+          </a:prstGeom>
+          <a:solidFill>
+            <a:schemeClr val="bg1"/>
+          </a:solidFill>
+          <a:ln w="3175">
+            <a:solidFill>
+              <a:schemeClr val="bg1">
+                <a:lumMod val="85000"/>
+              </a:schemeClr>
+            </a:solidFill>
+          </a:ln>
+          <a:effectLst>
+            <a:outerShdw blurRad="127000" sx="102000" sy="102000" algn="ctr" rotWithShape="0">
+              <a:prstClr val="black">
+                <a:alpha val="30000"/>
+              </a:prstClr>
+            </a:outerShdw>
+          </a:effectLst>
+        </p:spPr>
+        <p:style>
+          <a:lnRef idx="2">
+            <a:schemeClr val="accent1">
+              <a:shade val="50000"/>
+            </a:schemeClr>
+          </a:lnRef>
+          <a:fillRef idx="1">
+            <a:schemeClr val="accent1"/>
+          </a:fillRef>
+          <a:effectRef idx="0">
+            <a:schemeClr val="accent1"/>
+          </a:effectRef>
+          <a:fontRef idx="minor">
+            <a:schemeClr val="lt1"/>
+          </a:fontRef>
+        </p:style>
+        <p:txBody>
+          <a:bodyPr rtlCol="0" anchor="ctr"/>
+          <a:lstStyle/>
+          <a:p>
+            <a:pPr algn="ctr"/>
+            <a:endParaRPr lang="en-US"/>
+          </a:p>
+        </p:txBody>
+      </p:sp>
+      <p:sp>
+        <p:nvSpPr>
+          <p:cNvPr id="14" name="Freeform 46" descr="e7d195523061f1c0205959036996ad55c215b892a7aac5c0B9ADEF7896FB48F2EF97163A2DE1401E1875DEDC438B7864AD24CA23553DBBBD975DAF4CAD4A2592689FFB6CEE59FFA55B2702D0E5EE29CDFC0DD98BC7D6A39AC4E055256EE11BBEDCDB7C9722D66262996B68DE860BD3C77EBCAECB599909EC0E07B61811075331ABCDE6990254B8C8"/>
+          <p:cNvSpPr/>
+          <p:nvPr/>
+        </p:nvSpPr>
+        <p:spPr>
+          <a:xfrm>
+            <a:off x="2639426" y="2525624"/>
+            <a:ext cx="719010" cy="719010"/>
+          </a:xfrm>
+          <a:custGeom>
+            <a:avLst/>
+            <a:gdLst/>
+            <a:ahLst/>
+            <a:cxnLst/>
+            <a:rect l="l" t="t" r="r" b="b"/>
+            <a:pathLst>
+              <a:path w="203597" h="203597">
+                <a:moveTo>
+                  <a:pt x="30249" y="120104"/>
+                </a:moveTo>
+                <a:cubicBezTo>
+                  <a:pt x="30919" y="120402"/>
+                  <a:pt x="31402" y="121146"/>
+                  <a:pt x="31700" y="122336"/>
+                </a:cubicBezTo>
+                <a:cubicBezTo>
+                  <a:pt x="36165" y="136029"/>
+                  <a:pt x="44202" y="147339"/>
+                  <a:pt x="55810" y="156269"/>
+                </a:cubicBezTo>
+                <a:cubicBezTo>
+                  <a:pt x="57596" y="157460"/>
+                  <a:pt x="57894" y="158948"/>
+                  <a:pt x="56703" y="160734"/>
+                </a:cubicBezTo>
+                <a:cubicBezTo>
+                  <a:pt x="55810" y="161627"/>
+                  <a:pt x="54917" y="162073"/>
+                  <a:pt x="54024" y="162073"/>
+                </a:cubicBezTo>
+                <a:cubicBezTo>
+                  <a:pt x="53429" y="162073"/>
+                  <a:pt x="52834" y="161776"/>
+                  <a:pt x="52238" y="161180"/>
+                </a:cubicBezTo>
+                <a:cubicBezTo>
+                  <a:pt x="39141" y="151358"/>
+                  <a:pt x="30361" y="139005"/>
+                  <a:pt x="25896" y="124122"/>
+                </a:cubicBezTo>
+                <a:cubicBezTo>
+                  <a:pt x="24705" y="122336"/>
+                  <a:pt x="25300" y="121146"/>
+                  <a:pt x="27682" y="120550"/>
+                </a:cubicBezTo>
+                <a:cubicBezTo>
+                  <a:pt x="28724" y="119955"/>
+                  <a:pt x="29579" y="119806"/>
+                  <a:pt x="30249" y="120104"/>
+                </a:cubicBezTo>
+                <a:close/>
+                <a:moveTo>
+                  <a:pt x="25449" y="98673"/>
+                </a:moveTo>
+                <a:cubicBezTo>
+                  <a:pt x="27533" y="98673"/>
+                  <a:pt x="28575" y="99714"/>
+                  <a:pt x="28575" y="101798"/>
+                </a:cubicBezTo>
+                <a:cubicBezTo>
+                  <a:pt x="28575" y="104179"/>
+                  <a:pt x="28724" y="106114"/>
+                  <a:pt x="29021" y="107602"/>
+                </a:cubicBezTo>
+                <a:cubicBezTo>
+                  <a:pt x="29021" y="109686"/>
+                  <a:pt x="27979" y="110728"/>
+                  <a:pt x="25896" y="110728"/>
+                </a:cubicBezTo>
+                <a:lnTo>
+                  <a:pt x="25449" y="110728"/>
+                </a:lnTo>
+                <a:cubicBezTo>
+                  <a:pt x="23961" y="110728"/>
+                  <a:pt x="22919" y="109835"/>
+                  <a:pt x="22324" y="108049"/>
+                </a:cubicBezTo>
+                <a:lnTo>
+                  <a:pt x="22324" y="101798"/>
+                </a:lnTo>
+                <a:cubicBezTo>
+                  <a:pt x="22324" y="99714"/>
+                  <a:pt x="23366" y="98673"/>
+                  <a:pt x="25449" y="98673"/>
+                </a:cubicBezTo>
+                <a:close/>
+                <a:moveTo>
+                  <a:pt x="36611" y="41076"/>
+                </a:moveTo>
+                <a:cubicBezTo>
+                  <a:pt x="20538" y="58043"/>
+                  <a:pt x="12501" y="78283"/>
+                  <a:pt x="12501" y="101798"/>
+                </a:cubicBezTo>
+                <a:cubicBezTo>
+                  <a:pt x="12501" y="126206"/>
+                  <a:pt x="21282" y="147191"/>
+                  <a:pt x="38844" y="164752"/>
+                </a:cubicBezTo>
+                <a:cubicBezTo>
+                  <a:pt x="56406" y="182314"/>
+                  <a:pt x="77390" y="191095"/>
+                  <a:pt x="101798" y="191095"/>
+                </a:cubicBezTo>
+                <a:cubicBezTo>
+                  <a:pt x="125313" y="191095"/>
+                  <a:pt x="145628" y="183058"/>
+                  <a:pt x="162743" y="166985"/>
+                </a:cubicBezTo>
+                <a:cubicBezTo>
+                  <a:pt x="179858" y="150911"/>
+                  <a:pt x="189160" y="131117"/>
+                  <a:pt x="190649" y="107602"/>
+                </a:cubicBezTo>
+                <a:cubicBezTo>
+                  <a:pt x="190946" y="106709"/>
+                  <a:pt x="191095" y="104923"/>
+                  <a:pt x="191095" y="102245"/>
+                </a:cubicBezTo>
+                <a:lnTo>
+                  <a:pt x="101798" y="104923"/>
+                </a:lnTo>
+                <a:lnTo>
+                  <a:pt x="100459" y="104923"/>
+                </a:lnTo>
+                <a:lnTo>
+                  <a:pt x="100459" y="104477"/>
+                </a:lnTo>
+                <a:cubicBezTo>
+                  <a:pt x="100161" y="104477"/>
+                  <a:pt x="99863" y="104328"/>
+                  <a:pt x="99566" y="104030"/>
+                </a:cubicBezTo>
+                <a:close/>
+                <a:moveTo>
+                  <a:pt x="165199" y="39290"/>
+                </a:moveTo>
+                <a:lnTo>
+                  <a:pt x="109388" y="98226"/>
+                </a:lnTo>
+                <a:lnTo>
+                  <a:pt x="190649" y="95994"/>
+                </a:lnTo>
+                <a:cubicBezTo>
+                  <a:pt x="189160" y="73670"/>
+                  <a:pt x="180677" y="54768"/>
+                  <a:pt x="165199" y="39290"/>
+                </a:cubicBezTo>
+                <a:close/>
+                <a:moveTo>
+                  <a:pt x="101798" y="12501"/>
+                </a:moveTo>
+                <a:cubicBezTo>
+                  <a:pt x="78283" y="12501"/>
+                  <a:pt x="58043" y="20538"/>
+                  <a:pt x="41076" y="36611"/>
+                </a:cubicBezTo>
+                <a:lnTo>
+                  <a:pt x="101798" y="97333"/>
+                </a:lnTo>
+                <a:lnTo>
+                  <a:pt x="160734" y="34825"/>
+                </a:lnTo>
+                <a:cubicBezTo>
+                  <a:pt x="156567" y="31551"/>
+                  <a:pt x="153590" y="29319"/>
+                  <a:pt x="151804" y="28128"/>
+                </a:cubicBezTo>
+                <a:cubicBezTo>
+                  <a:pt x="136922" y="17710"/>
+                  <a:pt x="120253" y="12501"/>
+                  <a:pt x="101798" y="12501"/>
+                </a:cubicBezTo>
+                <a:close/>
+                <a:moveTo>
+                  <a:pt x="101798" y="0"/>
+                </a:moveTo>
+                <a:cubicBezTo>
+                  <a:pt x="122932" y="0"/>
+                  <a:pt x="141982" y="5804"/>
+                  <a:pt x="158948" y="17412"/>
+                </a:cubicBezTo>
+                <a:cubicBezTo>
+                  <a:pt x="172938" y="26937"/>
+                  <a:pt x="183877" y="39141"/>
+                  <a:pt x="191765" y="54024"/>
+                </a:cubicBezTo>
+                <a:cubicBezTo>
+                  <a:pt x="199653" y="68907"/>
+                  <a:pt x="203597" y="84832"/>
+                  <a:pt x="203597" y="101798"/>
+                </a:cubicBezTo>
+                <a:lnTo>
+                  <a:pt x="203597" y="108942"/>
+                </a:lnTo>
+                <a:cubicBezTo>
+                  <a:pt x="201811" y="135433"/>
+                  <a:pt x="191095" y="157832"/>
+                  <a:pt x="171450" y="176138"/>
+                </a:cubicBezTo>
+                <a:cubicBezTo>
+                  <a:pt x="151804" y="194444"/>
+                  <a:pt x="128587" y="203597"/>
+                  <a:pt x="101798" y="203597"/>
+                </a:cubicBezTo>
+                <a:cubicBezTo>
+                  <a:pt x="73818" y="203597"/>
+                  <a:pt x="49857" y="193625"/>
+                  <a:pt x="29914" y="173682"/>
+                </a:cubicBezTo>
+                <a:cubicBezTo>
+                  <a:pt x="9971" y="153739"/>
+                  <a:pt x="0" y="129778"/>
+                  <a:pt x="0" y="101798"/>
+                </a:cubicBezTo>
+                <a:cubicBezTo>
+                  <a:pt x="0" y="73818"/>
+                  <a:pt x="9971" y="49857"/>
+                  <a:pt x="29914" y="29914"/>
+                </a:cubicBezTo>
+                <a:cubicBezTo>
+                  <a:pt x="49857" y="9971"/>
+                  <a:pt x="73818" y="0"/>
+                  <a:pt x="101798" y="0"/>
+                </a:cubicBezTo>
+                <a:close/>
+              </a:path>
+            </a:pathLst>
+          </a:custGeom>
+          <a:solidFill>
+            <a:schemeClr val="tx1">
+              <a:lumMod val="75000"/>
+              <a:lumOff val="25000"/>
+            </a:schemeClr>
+          </a:solidFill>
+          <a:ln>
+            <a:noFill/>
+          </a:ln>
+          <a:effectLst/>
+        </p:spPr>
+        <p:txBody>
+          <a:bodyPr rot="0" spcFirstLastPara="0" vertOverflow="overflow" horzOverflow="overflow" vert="horz" wrap="square" lIns="91440" tIns="45720" rIns="91440" bIns="45720" numCol="1" spcCol="0" rtlCol="0" fromWordArt="0" anchor="t" anchorCtr="0" forceAA="0" compatLnSpc="1">
+            <a:prstTxWarp prst="textNoShape">
+              <a:avLst/>
+            </a:prstTxWarp>
+            <a:noAutofit/>
+          </a:bodyPr>
+          <a:lstStyle/>
+          <a:p>
+            <a:endParaRPr lang="en-US">
+              <a:latin typeface="Helvetica" panose="020B0604020202020204" pitchFamily="34" charset="0"/>
+              <a:cs typeface="Helvetica" panose="020B0604020202020204" pitchFamily="34" charset="0"/>
+            </a:endParaRPr>
+          </a:p>
+        </p:txBody>
+      </p:sp>
+      <p:sp>
+        <p:nvSpPr>
+          <p:cNvPr id="17" name="Freeform 48" descr="e7d195523061f1c0205959036996ad55c215b892a7aac5c0B9ADEF7896FB48F2EF97163A2DE1401E1875DEDC438B7864AD24CA23553DBBBD975DAF4CAD4A2592689FFB6CEE59FFA55B2702D0E5EE29CDFC0DD98BC7D6A39AC4E055256EE11BBEDCDB7C9722D66262996B68DE860BD3C77EBCAECB599909EC0E07B61811075331ABCDE6990254B8C8"/>
+          <p:cNvSpPr/>
+          <p:nvPr/>
+        </p:nvSpPr>
+        <p:spPr>
+          <a:xfrm>
+            <a:off x="5967262" y="2502560"/>
+            <a:ext cx="716300" cy="719010"/>
+          </a:xfrm>
+          <a:custGeom>
+            <a:avLst/>
+            <a:gdLst/>
+            <a:ahLst/>
+            <a:cxnLst/>
+            <a:rect l="l" t="t" r="r" b="b"/>
+            <a:pathLst>
+              <a:path w="204608" h="205382">
+                <a:moveTo>
+                  <a:pt x="46881" y="32147"/>
+                </a:moveTo>
+                <a:cubicBezTo>
+                  <a:pt x="48667" y="31254"/>
+                  <a:pt x="50155" y="31551"/>
+                  <a:pt x="51346" y="33039"/>
+                </a:cubicBezTo>
+                <a:cubicBezTo>
+                  <a:pt x="52536" y="34825"/>
+                  <a:pt x="52239" y="36314"/>
+                  <a:pt x="50453" y="37504"/>
+                </a:cubicBezTo>
+                <a:cubicBezTo>
+                  <a:pt x="37356" y="45541"/>
+                  <a:pt x="30807" y="57298"/>
+                  <a:pt x="30807" y="72777"/>
+                </a:cubicBezTo>
+                <a:cubicBezTo>
+                  <a:pt x="30807" y="74860"/>
+                  <a:pt x="29766" y="75902"/>
+                  <a:pt x="27682" y="75902"/>
+                </a:cubicBezTo>
+                <a:cubicBezTo>
+                  <a:pt x="25599" y="75902"/>
+                  <a:pt x="24557" y="74860"/>
+                  <a:pt x="24557" y="72777"/>
+                </a:cubicBezTo>
+                <a:cubicBezTo>
+                  <a:pt x="24557" y="54917"/>
+                  <a:pt x="31998" y="41374"/>
+                  <a:pt x="46881" y="32147"/>
+                </a:cubicBezTo>
+                <a:close/>
+                <a:moveTo>
+                  <a:pt x="61168" y="25896"/>
+                </a:moveTo>
+                <a:cubicBezTo>
+                  <a:pt x="63252" y="25300"/>
+                  <a:pt x="64591" y="26045"/>
+                  <a:pt x="65187" y="28128"/>
+                </a:cubicBezTo>
+                <a:cubicBezTo>
+                  <a:pt x="65782" y="30212"/>
+                  <a:pt x="65038" y="31551"/>
+                  <a:pt x="62954" y="32147"/>
+                </a:cubicBezTo>
+                <a:cubicBezTo>
+                  <a:pt x="62657" y="32147"/>
+                  <a:pt x="62136" y="32221"/>
+                  <a:pt x="61392" y="32370"/>
+                </a:cubicBezTo>
+                <a:cubicBezTo>
+                  <a:pt x="60648" y="32519"/>
+                  <a:pt x="60127" y="32742"/>
+                  <a:pt x="59829" y="33039"/>
+                </a:cubicBezTo>
+                <a:lnTo>
+                  <a:pt x="58936" y="33039"/>
+                </a:lnTo>
+                <a:cubicBezTo>
+                  <a:pt x="57448" y="33039"/>
+                  <a:pt x="56406" y="32295"/>
+                  <a:pt x="55811" y="30807"/>
+                </a:cubicBezTo>
+                <a:cubicBezTo>
+                  <a:pt x="55215" y="29319"/>
+                  <a:pt x="55811" y="27979"/>
+                  <a:pt x="57597" y="26789"/>
+                </a:cubicBezTo>
+                <a:cubicBezTo>
+                  <a:pt x="58787" y="26789"/>
+                  <a:pt x="59978" y="26491"/>
+                  <a:pt x="61168" y="25896"/>
+                </a:cubicBezTo>
+                <a:close/>
+                <a:moveTo>
+                  <a:pt x="72331" y="12948"/>
+                </a:moveTo>
+                <a:cubicBezTo>
+                  <a:pt x="55959" y="12948"/>
+                  <a:pt x="41895" y="18752"/>
+                  <a:pt x="30138" y="30361"/>
+                </a:cubicBezTo>
+                <a:cubicBezTo>
+                  <a:pt x="18380" y="41969"/>
+                  <a:pt x="12502" y="55959"/>
+                  <a:pt x="12502" y="72330"/>
+                </a:cubicBezTo>
+                <a:cubicBezTo>
+                  <a:pt x="12502" y="88999"/>
+                  <a:pt x="18380" y="103138"/>
+                  <a:pt x="30138" y="114746"/>
+                </a:cubicBezTo>
+                <a:cubicBezTo>
+                  <a:pt x="41895" y="126355"/>
+                  <a:pt x="55959" y="132159"/>
+                  <a:pt x="72331" y="132159"/>
+                </a:cubicBezTo>
+                <a:cubicBezTo>
+                  <a:pt x="82451" y="132159"/>
+                  <a:pt x="91678" y="129778"/>
+                  <a:pt x="100013" y="125015"/>
+                </a:cubicBezTo>
+                <a:cubicBezTo>
+                  <a:pt x="102691" y="123527"/>
+                  <a:pt x="105222" y="123973"/>
+                  <a:pt x="107603" y="126355"/>
+                </a:cubicBezTo>
+                <a:lnTo>
+                  <a:pt x="132606" y="151358"/>
+                </a:lnTo>
+                <a:lnTo>
+                  <a:pt x="134838" y="149572"/>
+                </a:lnTo>
+                <a:cubicBezTo>
+                  <a:pt x="137517" y="148084"/>
+                  <a:pt x="140047" y="148232"/>
+                  <a:pt x="142429" y="150018"/>
+                </a:cubicBezTo>
+                <a:lnTo>
+                  <a:pt x="150912" y="157162"/>
+                </a:lnTo>
+                <a:cubicBezTo>
+                  <a:pt x="153293" y="159543"/>
+                  <a:pt x="153740" y="161925"/>
+                  <a:pt x="152251" y="164306"/>
+                </a:cubicBezTo>
+                <a:lnTo>
+                  <a:pt x="150465" y="169217"/>
+                </a:lnTo>
+                <a:lnTo>
+                  <a:pt x="157609" y="176361"/>
+                </a:lnTo>
+                <a:lnTo>
+                  <a:pt x="167878" y="177254"/>
+                </a:lnTo>
+                <a:cubicBezTo>
+                  <a:pt x="170259" y="177254"/>
+                  <a:pt x="172045" y="178593"/>
+                  <a:pt x="173236" y="181272"/>
+                </a:cubicBezTo>
+                <a:lnTo>
+                  <a:pt x="176808" y="191541"/>
+                </a:lnTo>
+                <a:lnTo>
+                  <a:pt x="191542" y="187970"/>
+                </a:lnTo>
+                <a:lnTo>
+                  <a:pt x="189309" y="169217"/>
+                </a:lnTo>
+                <a:lnTo>
+                  <a:pt x="126802" y="106263"/>
+                </a:lnTo>
+                <a:cubicBezTo>
+                  <a:pt x="124420" y="103882"/>
+                  <a:pt x="123974" y="101500"/>
+                  <a:pt x="125462" y="99119"/>
+                </a:cubicBezTo>
+                <a:cubicBezTo>
+                  <a:pt x="129629" y="91082"/>
+                  <a:pt x="131713" y="82153"/>
+                  <a:pt x="131713" y="72330"/>
+                </a:cubicBezTo>
+                <a:cubicBezTo>
+                  <a:pt x="131713" y="55959"/>
+                  <a:pt x="125909" y="41969"/>
+                  <a:pt x="114300" y="30361"/>
+                </a:cubicBezTo>
+                <a:cubicBezTo>
+                  <a:pt x="102691" y="18752"/>
+                  <a:pt x="88702" y="12948"/>
+                  <a:pt x="72331" y="12948"/>
+                </a:cubicBezTo>
+                <a:close/>
+                <a:moveTo>
+                  <a:pt x="72331" y="0"/>
+                </a:moveTo>
+                <a:cubicBezTo>
+                  <a:pt x="92274" y="0"/>
+                  <a:pt x="109314" y="7069"/>
+                  <a:pt x="123453" y="21208"/>
+                </a:cubicBezTo>
+                <a:cubicBezTo>
+                  <a:pt x="137592" y="35346"/>
+                  <a:pt x="144661" y="52387"/>
+                  <a:pt x="144661" y="72330"/>
+                </a:cubicBezTo>
+                <a:cubicBezTo>
+                  <a:pt x="144661" y="81260"/>
+                  <a:pt x="142726" y="90636"/>
+                  <a:pt x="138857" y="100459"/>
+                </a:cubicBezTo>
+                <a:lnTo>
+                  <a:pt x="200025" y="161627"/>
+                </a:lnTo>
+                <a:cubicBezTo>
+                  <a:pt x="201216" y="162818"/>
+                  <a:pt x="201811" y="164157"/>
+                  <a:pt x="201811" y="165645"/>
+                </a:cubicBezTo>
+                <a:lnTo>
+                  <a:pt x="204490" y="192434"/>
+                </a:lnTo>
+                <a:cubicBezTo>
+                  <a:pt x="205085" y="196304"/>
+                  <a:pt x="203448" y="198536"/>
+                  <a:pt x="199579" y="199132"/>
+                </a:cubicBezTo>
+                <a:lnTo>
+                  <a:pt x="174129" y="204936"/>
+                </a:lnTo>
+                <a:cubicBezTo>
+                  <a:pt x="173831" y="205234"/>
+                  <a:pt x="173385" y="205382"/>
+                  <a:pt x="172790" y="205382"/>
+                </a:cubicBezTo>
+                <a:cubicBezTo>
+                  <a:pt x="169515" y="205382"/>
+                  <a:pt x="167432" y="203894"/>
+                  <a:pt x="166539" y="200918"/>
+                </a:cubicBezTo>
+                <a:lnTo>
+                  <a:pt x="162967" y="189309"/>
+                </a:lnTo>
+                <a:lnTo>
+                  <a:pt x="154484" y="188863"/>
+                </a:lnTo>
+                <a:cubicBezTo>
+                  <a:pt x="152698" y="188863"/>
+                  <a:pt x="151358" y="188267"/>
+                  <a:pt x="150465" y="187077"/>
+                </a:cubicBezTo>
+                <a:lnTo>
+                  <a:pt x="138410" y="175022"/>
+                </a:lnTo>
+                <a:cubicBezTo>
+                  <a:pt x="136624" y="173236"/>
+                  <a:pt x="136178" y="170854"/>
+                  <a:pt x="137071" y="167878"/>
+                </a:cubicBezTo>
+                <a:lnTo>
+                  <a:pt x="138857" y="163859"/>
+                </a:lnTo>
+                <a:lnTo>
+                  <a:pt x="137964" y="162966"/>
+                </a:lnTo>
+                <a:lnTo>
+                  <a:pt x="135731" y="164752"/>
+                </a:lnTo>
+                <a:cubicBezTo>
+                  <a:pt x="132755" y="166538"/>
+                  <a:pt x="129927" y="166390"/>
+                  <a:pt x="127248" y="164306"/>
+                </a:cubicBezTo>
+                <a:lnTo>
+                  <a:pt x="101799" y="138410"/>
+                </a:lnTo>
+                <a:cubicBezTo>
+                  <a:pt x="91976" y="142577"/>
+                  <a:pt x="82153" y="144661"/>
+                  <a:pt x="72331" y="144661"/>
+                </a:cubicBezTo>
+                <a:cubicBezTo>
+                  <a:pt x="52388" y="144661"/>
+                  <a:pt x="35347" y="137666"/>
+                  <a:pt x="21208" y="123676"/>
+                </a:cubicBezTo>
+                <a:cubicBezTo>
+                  <a:pt x="7069" y="109686"/>
+                  <a:pt x="0" y="92571"/>
+                  <a:pt x="0" y="72330"/>
+                </a:cubicBezTo>
+                <a:cubicBezTo>
+                  <a:pt x="0" y="52387"/>
+                  <a:pt x="7069" y="35346"/>
+                  <a:pt x="21208" y="21208"/>
+                </a:cubicBezTo>
+                <a:cubicBezTo>
+                  <a:pt x="35347" y="7069"/>
+                  <a:pt x="52388" y="0"/>
+                  <a:pt x="72331" y="0"/>
+                </a:cubicBezTo>
+                <a:close/>
+              </a:path>
+            </a:pathLst>
+          </a:custGeom>
+          <a:solidFill>
+            <a:srgbClr val="EE534F"/>
+          </a:solidFill>
+          <a:ln>
+            <a:noFill/>
+          </a:ln>
+          <a:effectLst/>
+        </p:spPr>
+        <p:txBody>
+          <a:bodyPr rot="0" spcFirstLastPara="0" vertOverflow="overflow" horzOverflow="overflow" vert="horz" wrap="square" lIns="91440" tIns="45720" rIns="91440" bIns="45720" numCol="1" spcCol="0" rtlCol="0" fromWordArt="0" anchor="t" anchorCtr="0" forceAA="0" compatLnSpc="1">
+            <a:prstTxWarp prst="textNoShape">
+              <a:avLst/>
+            </a:prstTxWarp>
+            <a:noAutofit/>
+          </a:bodyPr>
+          <a:lstStyle/>
+          <a:p>
+            <a:endParaRPr lang="en-US">
+              <a:latin typeface="Helvetica" panose="020B0604020202020204" pitchFamily="34" charset="0"/>
+              <a:cs typeface="Helvetica" panose="020B0604020202020204" pitchFamily="34" charset="0"/>
+            </a:endParaRPr>
+          </a:p>
+        </p:txBody>
+      </p:sp>
+      <p:sp>
+        <p:nvSpPr>
+          <p:cNvPr id="20" name="Freeform 50" descr="e7d195523061f1c0205959036996ad55c215b892a7aac5c0B9ADEF7896FB48F2EF97163A2DE1401E1875DEDC438B7864AD24CA23553DBBBD975DAF4CAD4A2592689FFB6CEE59FFA55B2702D0E5EE29CDFC0DD98BC7D6A39AC4E055256EE11BBEDCDB7C9722D66262996B68DE860BD3C77EBCAECB599909EC0E07B61811075331ABCDE6990254B8C8"/>
+          <p:cNvSpPr/>
+          <p:nvPr/>
+        </p:nvSpPr>
+        <p:spPr>
+          <a:xfrm>
+            <a:off x="9065263" y="2502559"/>
+            <a:ext cx="714360" cy="705079"/>
+          </a:xfrm>
+          <a:custGeom>
+            <a:avLst/>
+            <a:gdLst/>
+            <a:ahLst/>
+            <a:cxnLst/>
+            <a:rect l="l" t="t" r="r" b="b"/>
+            <a:pathLst>
+              <a:path w="206276" h="203596">
+                <a:moveTo>
+                  <a:pt x="95548" y="108049"/>
+                </a:moveTo>
+                <a:cubicBezTo>
+                  <a:pt x="93762" y="108049"/>
+                  <a:pt x="92199" y="108719"/>
+                  <a:pt x="90860" y="110058"/>
+                </a:cubicBezTo>
+                <a:cubicBezTo>
+                  <a:pt x="89520" y="111397"/>
+                  <a:pt x="88850" y="112960"/>
+                  <a:pt x="88850" y="114746"/>
+                </a:cubicBezTo>
+                <a:lnTo>
+                  <a:pt x="88850" y="129927"/>
+                </a:lnTo>
+                <a:cubicBezTo>
+                  <a:pt x="88850" y="134391"/>
+                  <a:pt x="91083" y="136624"/>
+                  <a:pt x="95548" y="136624"/>
+                </a:cubicBezTo>
+                <a:lnTo>
+                  <a:pt x="110728" y="136624"/>
+                </a:lnTo>
+                <a:cubicBezTo>
+                  <a:pt x="115193" y="136624"/>
+                  <a:pt x="117426" y="134391"/>
+                  <a:pt x="117426" y="129927"/>
+                </a:cubicBezTo>
+                <a:lnTo>
+                  <a:pt x="117426" y="114746"/>
+                </a:lnTo>
+                <a:cubicBezTo>
+                  <a:pt x="117426" y="112960"/>
+                  <a:pt x="116756" y="111397"/>
+                  <a:pt x="115416" y="110058"/>
+                </a:cubicBezTo>
+                <a:cubicBezTo>
+                  <a:pt x="114077" y="108719"/>
+                  <a:pt x="112514" y="108049"/>
+                  <a:pt x="110728" y="108049"/>
+                </a:cubicBezTo>
+                <a:close/>
+                <a:moveTo>
+                  <a:pt x="21878" y="54024"/>
+                </a:moveTo>
+                <a:cubicBezTo>
+                  <a:pt x="19497" y="54024"/>
+                  <a:pt x="17339" y="54992"/>
+                  <a:pt x="15404" y="56926"/>
+                </a:cubicBezTo>
+                <a:cubicBezTo>
+                  <a:pt x="13469" y="58861"/>
+                  <a:pt x="12502" y="61019"/>
+                  <a:pt x="12502" y="63400"/>
+                </a:cubicBezTo>
+                <a:lnTo>
+                  <a:pt x="12502" y="117871"/>
+                </a:lnTo>
+                <a:lnTo>
+                  <a:pt x="22771" y="117871"/>
+                </a:lnTo>
+                <a:cubicBezTo>
+                  <a:pt x="24854" y="117871"/>
+                  <a:pt x="25896" y="118913"/>
+                  <a:pt x="25896" y="120997"/>
+                </a:cubicBezTo>
+                <a:cubicBezTo>
+                  <a:pt x="25896" y="123080"/>
+                  <a:pt x="24854" y="124122"/>
+                  <a:pt x="22771" y="124122"/>
+                </a:cubicBezTo>
+                <a:lnTo>
+                  <a:pt x="12502" y="124122"/>
+                </a:lnTo>
+                <a:lnTo>
+                  <a:pt x="12502" y="181272"/>
+                </a:lnTo>
+                <a:cubicBezTo>
+                  <a:pt x="12502" y="183951"/>
+                  <a:pt x="13469" y="186184"/>
+                  <a:pt x="15404" y="187970"/>
+                </a:cubicBezTo>
+                <a:cubicBezTo>
+                  <a:pt x="17339" y="189755"/>
+                  <a:pt x="19497" y="190648"/>
+                  <a:pt x="21878" y="190648"/>
+                </a:cubicBezTo>
+                <a:lnTo>
+                  <a:pt x="184398" y="190648"/>
+                </a:lnTo>
+                <a:cubicBezTo>
+                  <a:pt x="186779" y="190648"/>
+                  <a:pt x="188937" y="189755"/>
+                  <a:pt x="190872" y="187970"/>
+                </a:cubicBezTo>
+                <a:cubicBezTo>
+                  <a:pt x="192807" y="186184"/>
+                  <a:pt x="193774" y="183951"/>
+                  <a:pt x="193774" y="181272"/>
+                </a:cubicBezTo>
+                <a:lnTo>
+                  <a:pt x="193774" y="124122"/>
+                </a:lnTo>
+                <a:lnTo>
+                  <a:pt x="123676" y="124122"/>
+                </a:lnTo>
+                <a:lnTo>
+                  <a:pt x="123676" y="130373"/>
+                </a:lnTo>
+                <a:cubicBezTo>
+                  <a:pt x="123676" y="133647"/>
+                  <a:pt x="122411" y="136549"/>
+                  <a:pt x="119881" y="139079"/>
+                </a:cubicBezTo>
+                <a:cubicBezTo>
+                  <a:pt x="117351" y="141610"/>
+                  <a:pt x="114300" y="142875"/>
+                  <a:pt x="110728" y="142875"/>
+                </a:cubicBezTo>
+                <a:lnTo>
+                  <a:pt x="95548" y="142875"/>
+                </a:lnTo>
+                <a:cubicBezTo>
+                  <a:pt x="91976" y="142875"/>
+                  <a:pt x="88925" y="141610"/>
+                  <a:pt x="86395" y="139079"/>
+                </a:cubicBezTo>
+                <a:cubicBezTo>
+                  <a:pt x="83865" y="136549"/>
+                  <a:pt x="82600" y="133647"/>
+                  <a:pt x="82600" y="130373"/>
+                </a:cubicBezTo>
+                <a:lnTo>
+                  <a:pt x="82600" y="124122"/>
+                </a:lnTo>
+                <a:lnTo>
+                  <a:pt x="41523" y="124122"/>
+                </a:lnTo>
+                <a:cubicBezTo>
+                  <a:pt x="39440" y="124122"/>
+                  <a:pt x="38398" y="123080"/>
+                  <a:pt x="38398" y="120997"/>
+                </a:cubicBezTo>
+                <a:cubicBezTo>
+                  <a:pt x="38398" y="118913"/>
+                  <a:pt x="39440" y="117871"/>
+                  <a:pt x="41523" y="117871"/>
+                </a:cubicBezTo>
+                <a:lnTo>
+                  <a:pt x="82600" y="117871"/>
+                </a:lnTo>
+                <a:lnTo>
+                  <a:pt x="82600" y="114746"/>
+                </a:lnTo>
+                <a:cubicBezTo>
+                  <a:pt x="82600" y="111174"/>
+                  <a:pt x="83865" y="108123"/>
+                  <a:pt x="86395" y="105593"/>
+                </a:cubicBezTo>
+                <a:cubicBezTo>
+                  <a:pt x="88925" y="103063"/>
+                  <a:pt x="91976" y="101798"/>
+                  <a:pt x="95548" y="101798"/>
+                </a:cubicBezTo>
+                <a:lnTo>
+                  <a:pt x="110728" y="101798"/>
+                </a:lnTo>
+                <a:cubicBezTo>
+                  <a:pt x="114300" y="101798"/>
+                  <a:pt x="117351" y="103063"/>
+                  <a:pt x="119881" y="105593"/>
+                </a:cubicBezTo>
+                <a:cubicBezTo>
+                  <a:pt x="122411" y="108123"/>
+                  <a:pt x="123676" y="111174"/>
+                  <a:pt x="123676" y="114746"/>
+                </a:cubicBezTo>
+                <a:lnTo>
+                  <a:pt x="123676" y="117871"/>
+                </a:lnTo>
+                <a:lnTo>
+                  <a:pt x="193774" y="117871"/>
+                </a:lnTo>
+                <a:lnTo>
+                  <a:pt x="193774" y="63400"/>
+                </a:lnTo>
+                <a:cubicBezTo>
+                  <a:pt x="193774" y="61019"/>
+                  <a:pt x="192807" y="58861"/>
+                  <a:pt x="190872" y="56926"/>
+                </a:cubicBezTo>
+                <a:cubicBezTo>
+                  <a:pt x="188937" y="54992"/>
+                  <a:pt x="186779" y="54024"/>
+                  <a:pt x="184398" y="54024"/>
+                </a:cubicBezTo>
+                <a:close/>
+                <a:moveTo>
+                  <a:pt x="89743" y="12948"/>
+                </a:moveTo>
+                <a:cubicBezTo>
+                  <a:pt x="84981" y="12948"/>
+                  <a:pt x="82600" y="15329"/>
+                  <a:pt x="82600" y="20091"/>
+                </a:cubicBezTo>
+                <a:lnTo>
+                  <a:pt x="82600" y="41523"/>
+                </a:lnTo>
+                <a:lnTo>
+                  <a:pt x="123676" y="41523"/>
+                </a:lnTo>
+                <a:lnTo>
+                  <a:pt x="123676" y="20091"/>
+                </a:lnTo>
+                <a:cubicBezTo>
+                  <a:pt x="123676" y="15329"/>
+                  <a:pt x="119807" y="12948"/>
+                  <a:pt x="112068" y="12948"/>
+                </a:cubicBezTo>
+                <a:close/>
+                <a:moveTo>
+                  <a:pt x="89743" y="0"/>
+                </a:moveTo>
+                <a:lnTo>
+                  <a:pt x="115193" y="0"/>
+                </a:lnTo>
+                <a:cubicBezTo>
+                  <a:pt x="121742" y="0"/>
+                  <a:pt x="126950" y="1860"/>
+                  <a:pt x="130820" y="5581"/>
+                </a:cubicBezTo>
+                <a:cubicBezTo>
+                  <a:pt x="134690" y="9301"/>
+                  <a:pt x="136624" y="14138"/>
+                  <a:pt x="136624" y="20091"/>
+                </a:cubicBezTo>
+                <a:lnTo>
+                  <a:pt x="136624" y="41523"/>
+                </a:lnTo>
+                <a:lnTo>
+                  <a:pt x="184398" y="41523"/>
+                </a:lnTo>
+                <a:cubicBezTo>
+                  <a:pt x="190351" y="41523"/>
+                  <a:pt x="195486" y="43681"/>
+                  <a:pt x="199802" y="47997"/>
+                </a:cubicBezTo>
+                <a:cubicBezTo>
+                  <a:pt x="204118" y="52313"/>
+                  <a:pt x="206276" y="57447"/>
+                  <a:pt x="206276" y="63400"/>
+                </a:cubicBezTo>
+                <a:lnTo>
+                  <a:pt x="206276" y="181272"/>
+                </a:lnTo>
+                <a:cubicBezTo>
+                  <a:pt x="206276" y="187225"/>
+                  <a:pt x="204118" y="192434"/>
+                  <a:pt x="199802" y="196899"/>
+                </a:cubicBezTo>
+                <a:cubicBezTo>
+                  <a:pt x="195486" y="201364"/>
+                  <a:pt x="190351" y="203596"/>
+                  <a:pt x="184398" y="203596"/>
+                </a:cubicBezTo>
+                <a:lnTo>
+                  <a:pt x="21878" y="203596"/>
+                </a:lnTo>
+                <a:cubicBezTo>
+                  <a:pt x="15925" y="203596"/>
+                  <a:pt x="10790" y="201364"/>
+                  <a:pt x="6474" y="196899"/>
+                </a:cubicBezTo>
+                <a:cubicBezTo>
+                  <a:pt x="2158" y="192434"/>
+                  <a:pt x="0" y="187225"/>
+                  <a:pt x="0" y="181272"/>
+                </a:cubicBezTo>
+                <a:lnTo>
+                  <a:pt x="0" y="63400"/>
+                </a:lnTo>
+                <a:cubicBezTo>
+                  <a:pt x="0" y="57447"/>
+                  <a:pt x="2158" y="52313"/>
+                  <a:pt x="6474" y="47997"/>
+                </a:cubicBezTo>
+                <a:cubicBezTo>
+                  <a:pt x="10790" y="43681"/>
+                  <a:pt x="15925" y="41523"/>
+                  <a:pt x="21878" y="41523"/>
+                </a:cubicBezTo>
+                <a:lnTo>
+                  <a:pt x="69652" y="41523"/>
+                </a:lnTo>
+                <a:lnTo>
+                  <a:pt x="69652" y="20091"/>
+                </a:lnTo>
+                <a:cubicBezTo>
+                  <a:pt x="69652" y="14138"/>
+                  <a:pt x="71363" y="9301"/>
+                  <a:pt x="74786" y="5581"/>
+                </a:cubicBezTo>
+                <a:cubicBezTo>
+                  <a:pt x="78209" y="1860"/>
+                  <a:pt x="83195" y="0"/>
+                  <a:pt x="89743" y="0"/>
+                </a:cubicBezTo>
+                <a:close/>
+              </a:path>
+            </a:pathLst>
+          </a:custGeom>
+          <a:solidFill>
+            <a:schemeClr val="tx1">
+              <a:lumMod val="75000"/>
+              <a:lumOff val="25000"/>
+            </a:schemeClr>
+          </a:solidFill>
+          <a:ln>
+            <a:noFill/>
+          </a:ln>
+          <a:effectLst/>
+        </p:spPr>
+        <p:txBody>
+          <a:bodyPr rot="0" spcFirstLastPara="0" vertOverflow="overflow" horzOverflow="overflow" vert="horz" wrap="square" lIns="91440" tIns="45720" rIns="91440" bIns="45720" numCol="1" spcCol="0" rtlCol="0" fromWordArt="0" anchor="t" anchorCtr="0" forceAA="0" compatLnSpc="1">
+            <a:prstTxWarp prst="textNoShape">
+              <a:avLst/>
+            </a:prstTxWarp>
+            <a:noAutofit/>
+          </a:bodyPr>
+          <a:lstStyle/>
+          <a:p>
+            <a:endParaRPr lang="en-US">
+              <a:latin typeface="Helvetica" panose="020B0604020202020204" pitchFamily="34" charset="0"/>
+              <a:cs typeface="Helvetica" panose="020B0604020202020204" pitchFamily="34" charset="0"/>
+            </a:endParaRPr>
+          </a:p>
+        </p:txBody>
+      </p:sp>
+      <p:sp>
+        <p:nvSpPr>
+          <p:cNvPr id="28" name="圆角矩形 27" descr="e7d195523061f1c0205959036996ad55c215b892a7aac5c0B9ADEF7896FB48F2EF97163A2DE1401E1875DEDC438B7864AD24CA23553DBBBD975DAF4CAD4A2592689FFB6CEE59FFA55B2702D0E5EE29CDFC0DD98BC7D6A39AC4E055256EE11BBEDCDB7C9722D66262996B68DE860BD3C77EBCAECB599909EC0E07B61811075331ABCDE6990254B8C8"/>
+          <p:cNvSpPr/>
+          <p:nvPr/>
+        </p:nvSpPr>
+        <p:spPr>
+          <a:xfrm>
+            <a:off x="559854" y="360913"/>
+            <a:ext cx="576816" cy="604892"/>
+          </a:xfrm>
+          <a:prstGeom prst="roundRect">
+            <a:avLst>
+              <a:gd name="adj" fmla="val 22417"/>
+            </a:avLst>
+          </a:prstGeom>
+          <a:solidFill>
+            <a:srgbClr val="EE534F"/>
+          </a:solidFill>
+          <a:ln>
+            <a:noFill/>
+          </a:ln>
+          <a:effectLst>
+            <a:outerShdw blurRad="152400" sx="103000" sy="103000" algn="ctr" rotWithShape="0">
+              <a:prstClr val="black">
+                <a:alpha val="30000"/>
+              </a:prstClr>
+            </a:outerShdw>
+          </a:effectLst>
+        </p:spPr>
+        <p:style>
+          <a:lnRef idx="2">
+            <a:schemeClr val="accent1">
+              <a:shade val="50000"/>
+            </a:schemeClr>
+          </a:lnRef>
+          <a:fillRef idx="1">
+            <a:schemeClr val="accent1"/>
+          </a:fillRef>
+          <a:effectRef idx="0">
+            <a:schemeClr val="accent1"/>
+          </a:effectRef>
+          <a:fontRef idx="minor">
+            <a:schemeClr val="lt1"/>
+          </a:fontRef>
+        </p:style>
+        <p:txBody>
+          <a:bodyPr rtlCol="0" anchor="ctr"/>
+          <a:lstStyle/>
+          <a:p>
+            <a:pPr algn="ctr"/>
+            <a:r>
+              <a:rPr lang="en-US" altLang="zh-CN" sz="2400" b="1" dirty="0"/>
+              <a:t>04</a:t>
+            </a:r>
+            <a:endParaRPr lang="zh-CN" altLang="en-US" sz="2400" b="1" dirty="0"/>
+          </a:p>
+        </p:txBody>
+      </p:sp>
+      <p:grpSp>
+        <p:nvGrpSpPr>
+          <p:cNvPr id="29" name="组合 28" descr="e7d195523061f1c0205959036996ad55c215b892a7aac5c0B9ADEF7896FB48F2EF97163A2DE1401E1875DEDC438B7864AD24CA23553DBBBD975DAF4CAD4A2592689FFB6CEE59FFA55B2702D0E5EE29CDFC0DD98BC7D6A39AC4E055256EE11BBEDCDB7C9722D66262996B68DE860BD3C77EBCAECB599909EC0E07B61811075331ABCDE6990254B8C8"/>
+          <p:cNvGrpSpPr/>
+          <p:nvPr/>
+        </p:nvGrpSpPr>
+        <p:grpSpPr>
+          <a:xfrm>
+            <a:off x="1269993" y="190792"/>
+            <a:ext cx="3684778" cy="772982"/>
+            <a:chOff x="1269993" y="190792"/>
+            <a:chExt cx="3684778" cy="772982"/>
+          </a:xfrm>
+        </p:grpSpPr>
+        <p:sp>
+          <p:nvSpPr>
+            <p:cNvPr id="30" name="矩形 29"/>
+            <p:cNvSpPr/>
+            <p:nvPr/>
+          </p:nvSpPr>
+          <p:spPr>
+            <a:xfrm>
+              <a:off x="1269993" y="190792"/>
+              <a:ext cx="3291374" cy="640080"/>
+            </a:xfrm>
+            <a:prstGeom prst="rect">
+              <a:avLst/>
+            </a:prstGeom>
+            <a:noFill/>
+            <a:ln>
+              <a:noFill/>
+            </a:ln>
+          </p:spPr>
+          <p:style>
+            <a:lnRef idx="2">
+              <a:schemeClr val="accent1">
+                <a:shade val="50000"/>
+              </a:schemeClr>
+            </a:lnRef>
+            <a:fillRef idx="1">
+              <a:schemeClr val="accent1"/>
+            </a:fillRef>
+            <a:effectRef idx="0">
+              <a:schemeClr val="accent1"/>
+            </a:effectRef>
+            <a:fontRef idx="minor">
+              <a:schemeClr val="lt1"/>
+            </a:fontRef>
+          </p:style>
+          <p:txBody>
+            <a:bodyPr rtlCol="0" anchor="ctr"/>
+            <a:lstStyle/>
+            <a:p>
+              <a:r>
+                <a:rPr lang="zh-CN" altLang="en-US" sz="2400" dirty="0">
+                  <a:solidFill>
+                    <a:srgbClr val="EE534F"/>
+                  </a:solidFill>
+                  <a:ea typeface="Microsoft YaHei UI" panose="020B0503020204020204" pitchFamily="34" charset="-122"/>
+                </a:rPr>
+                <a:t>管理活动</a:t>
+              </a:r>
+              <a:r>
+                <a:rPr lang="zh-CN" altLang="en-US" sz="2400" dirty="0">
+                  <a:solidFill>
+                    <a:schemeClr val="tx1"/>
+                  </a:solidFill>
+                  <a:ea typeface="Microsoft YaHei UI" panose="020B0503020204020204" pitchFamily="34" charset="-122"/>
+                </a:rPr>
+                <a:t>参与及结果</a:t>
+              </a:r>
+            </a:p>
+          </p:txBody>
+        </p:sp>
+        <p:sp>
+          <p:nvSpPr>
+            <p:cNvPr id="31" name="矩形 30"/>
+            <p:cNvSpPr/>
+            <p:nvPr/>
+          </p:nvSpPr>
+          <p:spPr>
+            <a:xfrm>
+              <a:off x="1299831" y="686775"/>
+              <a:ext cx="3654940" cy="276999"/>
+            </a:xfrm>
+            <a:prstGeom prst="rect">
+              <a:avLst/>
+            </a:prstGeom>
+          </p:spPr>
+          <p:txBody>
+            <a:bodyPr wrap="square">
+              <a:spAutoFit/>
+            </a:bodyPr>
+            <a:lstStyle/>
+            <a:p>
+              <a:pPr algn="just"/>
+              <a:r>
+                <a:rPr lang="en-US" altLang="zh-CN" sz="1200" dirty="0">
+                  <a:solidFill>
+                    <a:srgbClr val="262425"/>
+                  </a:solidFill>
+                  <a:ea typeface="Roboto" panose="02000000000000000000" pitchFamily="2" charset="0"/>
+                  <a:cs typeface="Open Sans" panose="020B0606030504020204" pitchFamily="34" charset="0"/>
+                </a:rPr>
+                <a:t>compellingly deliver prospective catalysts for change</a:t>
+              </a:r>
+            </a:p>
+          </p:txBody>
+        </p:sp>
+      </p:grpSp>
+      <p:sp>
+        <p:nvSpPr>
+          <p:cNvPr id="2" name="e7d195523061f1c0" descr="e7d195523061f1c0205959036996ad55c215b892a7aac5c0B9ADEF7896FB48F2EF97163A2DE1401E1875DEDC438B7864AD24CA23553DBBBD975DAF4CAD4A2592689FFB6CEE59FFA55B2702D0E5EE29CDFC0DD98BC7D6A39AC4E055256EE11BBEDCDB7C9722D66262996B68DE860BD3C77EBCAECB599909EC0E07B61811075331ABCDE6990254B8C8" hidden="1"/>
+          <p:cNvSpPr txBox="1"/>
+          <p:nvPr/>
+        </p:nvSpPr>
+        <p:spPr>
+          <a:xfrm>
+            <a:off x="-355600" y="1803400"/>
+            <a:ext cx="293927" cy="1016000"/>
+          </a:xfrm>
+          <a:prstGeom prst="rect">
+            <a:avLst/>
+          </a:prstGeom>
+          <a:noFill/>
+        </p:spPr>
+        <p:txBody>
+          <a:bodyPr vert="wordArtVert" rtlCol="0">
+            <a:spAutoFit/>
+          </a:bodyPr>
+          <a:lstStyle/>
+          <a:p>
+            <a:r>
+              <a:rPr lang="en-US" altLang="zh-CN" sz="100"/>
+              <a:t>e7d195523061f1c0205959036996ad55c215b892a7aac5c0B9ADEF7896FB48F2EF97163A2DE1401E1875DEDC438B7864AD24CA23553DBBBD975DAF4CAD4A2592689FFB6CEE59FFA55B2702D0E5EE29CDFC0DD98BC7D6A39AC4E055256EE11BBEDCDB7C9722D66262996B68DE860BD3C77EBCAECB599909EC0E07B61811075331ABCDE6990254B8C8</a:t>
+            </a:r>
+            <a:endParaRPr lang="zh-CN" altLang="en-US" sz="100"/>
+          </a:p>
+        </p:txBody>
+      </p:sp>
+      <p:sp>
+        <p:nvSpPr>
+          <p:cNvPr id="32" name="TextBox 7" descr="e7d195523061f1c0205959036996ad55c215b892a7aac5c0B9ADEF7896FB48F2EF97163A2DE1401E1875DEDC438B7864AD24CA23553DBBBD975DAF4CAD4A2592689FFB6CEE59FFA55B2702D0E5EE29CDFC0DD98BC7D6A39AC4E055256EE11BBEDCDB7C9722D66262996B68DE860BD3C77EBCAECB599909EC0E07B61811075331ABCDE6990254B8C8"/>
+          <p:cNvSpPr txBox="1"/>
+          <p:nvPr/>
+        </p:nvSpPr>
+        <p:spPr>
+          <a:xfrm>
+            <a:off x="2501786" y="4604241"/>
+            <a:ext cx="1210588" cy="400110"/>
+          </a:xfrm>
+          <a:prstGeom prst="rect">
+            <a:avLst/>
+          </a:prstGeom>
+          <a:noFill/>
+        </p:spPr>
+        <p:txBody>
+          <a:bodyPr wrap="none" rtlCol="0">
+            <a:spAutoFit/>
+          </a:bodyPr>
+          <a:lstStyle/>
+          <a:p>
+            <a:pPr algn="ctr"/>
+            <a:r>
+              <a:rPr lang="zh-CN" altLang="en-US" sz="2000" dirty="0" smtClean="0">
+                <a:solidFill>
+                  <a:schemeClr val="bg1"/>
+                </a:solidFill>
+                <a:latin typeface="Microsoft YaHei UI" panose="020B0503020204020204" pitchFamily="34" charset="-122"/>
+                <a:ea typeface="Microsoft YaHei UI" panose="020B0503020204020204" pitchFamily="34" charset="-122"/>
+                <a:cs typeface="Helvetica" panose="020B0604020202020204" pitchFamily="34" charset="0"/>
+              </a:rPr>
+              <a:t>过程</a:t>
+            </a:r>
+            <a:r>
+              <a:rPr lang="zh-CN" altLang="en-US" sz="2000" dirty="0">
+                <a:solidFill>
+                  <a:schemeClr val="bg1"/>
+                </a:solidFill>
+                <a:latin typeface="Microsoft YaHei UI" panose="020B0503020204020204" pitchFamily="34" charset="-122"/>
+                <a:ea typeface="Microsoft YaHei UI" panose="020B0503020204020204" pitchFamily="34" charset="-122"/>
+                <a:cs typeface="Helvetica" panose="020B0604020202020204" pitchFamily="34" charset="0"/>
+              </a:rPr>
+              <a:t>参与</a:t>
+            </a:r>
+            <a:endParaRPr lang="en-US" sz="2000" dirty="0">
+              <a:solidFill>
+                <a:schemeClr val="bg1"/>
+              </a:solidFill>
+              <a:latin typeface="Microsoft YaHei UI" panose="020B0503020204020204" pitchFamily="34" charset="-122"/>
+              <a:ea typeface="Microsoft YaHei UI" panose="020B0503020204020204" pitchFamily="34" charset="-122"/>
+              <a:cs typeface="Helvetica" panose="020B0604020202020204" pitchFamily="34" charset="0"/>
+            </a:endParaRPr>
+          </a:p>
+        </p:txBody>
+      </p:sp>
+      <p:sp>
+        <p:nvSpPr>
+          <p:cNvPr id="38" name="矩形 37" descr="e7d195523061f1c0205959036996ad55c215b892a7aac5c0B9ADEF7896FB48F2EF97163A2DE1401E1875DEDC438B7864AD24CA23553DBBBD975DAF4CAD4A2592689FFB6CEE59FFA55B2702D0E5EE29CDFC0DD98BC7D6A39AC4E055256EE11BBEDCDB7C9722D66262996B68DE860BD3C77EBCAECB599909EC0E07B61811075331ABCDE6990254B8C8"/>
+          <p:cNvSpPr/>
+          <p:nvPr/>
+        </p:nvSpPr>
+        <p:spPr>
+          <a:xfrm>
+            <a:off x="1972498" y="3447256"/>
+            <a:ext cx="2052865" cy="830997"/>
+          </a:xfrm>
+          <a:prstGeom prst="rect">
+            <a:avLst/>
+          </a:prstGeom>
+        </p:spPr>
+        <p:txBody>
+          <a:bodyPr wrap="square">
+            <a:spAutoFit/>
+          </a:bodyPr>
+          <a:lstStyle/>
+          <a:p>
+            <a:pPr algn="ctr"/>
+            <a:r>
+              <a:rPr lang="zh-CN" altLang="en-US" sz="1600" dirty="0" smtClean="0">
+                <a:solidFill>
+                  <a:schemeClr val="tx1">
+                    <a:lumMod val="75000"/>
+                    <a:lumOff val="25000"/>
+                  </a:schemeClr>
+                </a:solidFill>
+                <a:latin typeface="Microsoft YaHei UI" panose="020B0503020204020204" pitchFamily="34" charset="-122"/>
+                <a:ea typeface="Microsoft YaHei UI" panose="020B0503020204020204" pitchFamily="34" charset="-122"/>
+                <a:cs typeface="Helvetica" panose="020B0604020202020204" pitchFamily="34" charset="0"/>
+              </a:rPr>
+              <a:t>积极配合队友，共同制定项目的核心设计并全程参与实现</a:t>
+            </a:r>
+            <a:endParaRPr lang="zh-CN" altLang="en-US" sz="1600" dirty="0">
+              <a:solidFill>
+                <a:schemeClr val="tx1">
+                  <a:lumMod val="75000"/>
+                  <a:lumOff val="25000"/>
+                </a:schemeClr>
+              </a:solidFill>
+              <a:latin typeface="Microsoft YaHei UI" panose="020B0503020204020204" pitchFamily="34" charset="-122"/>
+              <a:ea typeface="Microsoft YaHei UI" panose="020B0503020204020204" pitchFamily="34" charset="-122"/>
+              <a:cs typeface="Helvetica" panose="020B0604020202020204" pitchFamily="34" charset="0"/>
+            </a:endParaRPr>
+          </a:p>
+        </p:txBody>
+      </p:sp>
+      <p:sp>
+        <p:nvSpPr>
+          <p:cNvPr id="39" name="矩形 38" descr="e7d195523061f1c0205959036996ad55c215b892a7aac5c0B9ADEF7896FB48F2EF97163A2DE1401E1875DEDC438B7864AD24CA23553DBBBD975DAF4CAD4A2592689FFB6CEE59FFA55B2702D0E5EE29CDFC0DD98BC7D6A39AC4E055256EE11BBEDCDB7C9722D66262996B68DE860BD3C77EBCAECB599909EC0E07B61811075331ABCDE6990254B8C8"/>
+          <p:cNvSpPr/>
+          <p:nvPr/>
+        </p:nvSpPr>
+        <p:spPr>
+          <a:xfrm>
+            <a:off x="8504161" y="3276940"/>
+            <a:ext cx="2052865" cy="1077218"/>
+          </a:xfrm>
+          <a:prstGeom prst="rect">
+            <a:avLst/>
+          </a:prstGeom>
+        </p:spPr>
+        <p:txBody>
+          <a:bodyPr wrap="square">
+            <a:spAutoFit/>
+          </a:bodyPr>
+          <a:lstStyle/>
+          <a:p>
+            <a:pPr algn="ctr"/>
+            <a:r>
+              <a:rPr lang="zh-CN" altLang="en-US" sz="1600" dirty="0" smtClean="0">
+                <a:solidFill>
+                  <a:schemeClr val="tx1">
+                    <a:lumMod val="75000"/>
+                    <a:lumOff val="25000"/>
+                  </a:schemeClr>
+                </a:solidFill>
+                <a:latin typeface="Microsoft YaHei UI" panose="020B0503020204020204" pitchFamily="34" charset="-122"/>
+                <a:ea typeface="Microsoft YaHei UI" panose="020B0503020204020204" pitchFamily="34" charset="-122"/>
+                <a:cs typeface="Helvetica" panose="020B0604020202020204" pitchFamily="34" charset="0"/>
+              </a:rPr>
+              <a:t>讨论设计实现上的缺漏之处，接受队友的意见改正完善自己的</a:t>
+            </a:r>
+            <a:r>
+              <a:rPr lang="zh-CN" altLang="en-US" sz="1600" dirty="0" smtClean="0">
+                <a:solidFill>
+                  <a:schemeClr val="tx1">
+                    <a:lumMod val="75000"/>
+                    <a:lumOff val="25000"/>
+                  </a:schemeClr>
+                </a:solidFill>
+                <a:latin typeface="Microsoft YaHei UI" panose="020B0503020204020204" pitchFamily="34" charset="-122"/>
+                <a:ea typeface="Microsoft YaHei UI" panose="020B0503020204020204" pitchFamily="34" charset="-122"/>
+                <a:cs typeface="Helvetica" panose="020B0604020202020204" pitchFamily="34" charset="0"/>
+              </a:rPr>
+              <a:t>不足。</a:t>
+            </a:r>
+            <a:endParaRPr lang="zh-CN" altLang="en-US" sz="1600" dirty="0">
+              <a:solidFill>
+                <a:schemeClr val="tx1">
+                  <a:lumMod val="75000"/>
+                  <a:lumOff val="25000"/>
+                </a:schemeClr>
+              </a:solidFill>
+              <a:latin typeface="Microsoft YaHei UI" panose="020B0503020204020204" pitchFamily="34" charset="-122"/>
+              <a:ea typeface="Microsoft YaHei UI" panose="020B0503020204020204" pitchFamily="34" charset="-122"/>
+              <a:cs typeface="Helvetica" panose="020B0604020202020204" pitchFamily="34" charset="0"/>
+            </a:endParaRPr>
+          </a:p>
+        </p:txBody>
+      </p:sp>
+      <p:sp>
+        <p:nvSpPr>
+          <p:cNvPr id="40" name="矩形 39" descr="e7d195523061f1c0205959036996ad55c215b892a7aac5c0B9ADEF7896FB48F2EF97163A2DE1401E1875DEDC438B7864AD24CA23553DBBBD975DAF4CAD4A2592689FFB6CEE59FFA55B2702D0E5EE29CDFC0DD98BC7D6A39AC4E055256EE11BBEDCDB7C9722D66262996B68DE860BD3C77EBCAECB599909EC0E07B61811075331ABCDE6990254B8C8"/>
+          <p:cNvSpPr/>
+          <p:nvPr/>
+        </p:nvSpPr>
+        <p:spPr>
+          <a:xfrm>
+            <a:off x="5131391" y="3570366"/>
+            <a:ext cx="2052865" cy="830997"/>
+          </a:xfrm>
+          <a:prstGeom prst="rect">
+            <a:avLst/>
+          </a:prstGeom>
+        </p:spPr>
+        <p:txBody>
+          <a:bodyPr wrap="square">
+            <a:spAutoFit/>
+          </a:bodyPr>
+          <a:lstStyle/>
+          <a:p>
+            <a:pPr algn="ctr"/>
+            <a:r>
+              <a:rPr lang="zh-CN" altLang="en-US" sz="1600" dirty="0" smtClean="0">
+                <a:solidFill>
+                  <a:schemeClr val="tx1">
+                    <a:lumMod val="75000"/>
+                    <a:lumOff val="25000"/>
+                  </a:schemeClr>
+                </a:solidFill>
+                <a:latin typeface="Microsoft YaHei UI" panose="020B0503020204020204" pitchFamily="34" charset="-122"/>
+                <a:ea typeface="Microsoft YaHei UI" panose="020B0503020204020204" pitchFamily="34" charset="-122"/>
+                <a:cs typeface="Helvetica" panose="020B0604020202020204" pitchFamily="34" charset="0"/>
+              </a:rPr>
+              <a:t>参与开发过程中</a:t>
+            </a:r>
+            <a:r>
+              <a:rPr lang="zh-CN" altLang="en-US" sz="1600" dirty="0" smtClean="0">
+                <a:solidFill>
+                  <a:schemeClr val="tx1">
+                    <a:lumMod val="75000"/>
+                    <a:lumOff val="25000"/>
+                  </a:schemeClr>
+                </a:solidFill>
+                <a:latin typeface="Microsoft YaHei UI" panose="020B0503020204020204" pitchFamily="34" charset="-122"/>
+                <a:ea typeface="Microsoft YaHei UI" panose="020B0503020204020204" pitchFamily="34" charset="-122"/>
+                <a:cs typeface="Helvetica" panose="020B0604020202020204" pitchFamily="34" charset="0"/>
+              </a:rPr>
+              <a:t>的</a:t>
+            </a:r>
+            <a:r>
+              <a:rPr lang="zh-CN" altLang="en-US" sz="1600" dirty="0" smtClean="0">
+                <a:solidFill>
+                  <a:schemeClr val="tx1">
+                    <a:lumMod val="75000"/>
+                    <a:lumOff val="25000"/>
+                  </a:schemeClr>
+                </a:solidFill>
+                <a:latin typeface="Microsoft YaHei UI" panose="020B0503020204020204" pitchFamily="34" charset="-122"/>
+                <a:ea typeface="Microsoft YaHei UI" panose="020B0503020204020204" pitchFamily="34" charset="-122"/>
+                <a:cs typeface="Helvetica" panose="020B0604020202020204" pitchFamily="34" charset="0"/>
+              </a:rPr>
+              <a:t>设计、开发</a:t>
+            </a:r>
+            <a:r>
+              <a:rPr lang="zh-CN" altLang="en-US" sz="1600" dirty="0">
+                <a:solidFill>
+                  <a:schemeClr val="tx1">
+                    <a:lumMod val="75000"/>
+                    <a:lumOff val="25000"/>
+                  </a:schemeClr>
+                </a:solidFill>
+                <a:latin typeface="Microsoft YaHei UI" panose="020B0503020204020204" pitchFamily="34" charset="-122"/>
+                <a:ea typeface="Microsoft YaHei UI" panose="020B0503020204020204" pitchFamily="34" charset="-122"/>
+                <a:cs typeface="Helvetica" panose="020B0604020202020204" pitchFamily="34" charset="0"/>
+              </a:rPr>
+              <a:t>、</a:t>
+            </a:r>
+            <a:r>
+              <a:rPr lang="zh-CN" altLang="en-US" sz="1600" dirty="0" smtClean="0">
+                <a:solidFill>
+                  <a:schemeClr val="tx1">
+                    <a:lumMod val="75000"/>
+                    <a:lumOff val="25000"/>
+                  </a:schemeClr>
+                </a:solidFill>
+                <a:latin typeface="Microsoft YaHei UI" panose="020B0503020204020204" pitchFamily="34" charset="-122"/>
+                <a:ea typeface="Microsoft YaHei UI" panose="020B0503020204020204" pitchFamily="34" charset="-122"/>
+                <a:cs typeface="Helvetica" panose="020B0604020202020204" pitchFamily="34" charset="0"/>
+              </a:rPr>
+              <a:t>测试</a:t>
+            </a:r>
+            <a:endParaRPr lang="en-US" altLang="zh-CN" sz="1600" dirty="0" smtClean="0">
+              <a:solidFill>
+                <a:schemeClr val="tx1">
+                  <a:lumMod val="75000"/>
+                  <a:lumOff val="25000"/>
+                </a:schemeClr>
+              </a:solidFill>
+              <a:latin typeface="Microsoft YaHei UI" panose="020B0503020204020204" pitchFamily="34" charset="-122"/>
+              <a:ea typeface="Microsoft YaHei UI" panose="020B0503020204020204" pitchFamily="34" charset="-122"/>
+              <a:cs typeface="Helvetica" panose="020B0604020202020204" pitchFamily="34" charset="0"/>
+            </a:endParaRPr>
+          </a:p>
+          <a:p>
+            <a:pPr algn="ctr"/>
+            <a:r>
+              <a:rPr lang="zh-CN" altLang="en-US" sz="1600" dirty="0" smtClean="0">
+                <a:solidFill>
+                  <a:schemeClr val="tx1">
+                    <a:lumMod val="75000"/>
+                    <a:lumOff val="25000"/>
+                  </a:schemeClr>
+                </a:solidFill>
+                <a:latin typeface="Microsoft YaHei UI" panose="020B0503020204020204" pitchFamily="34" charset="-122"/>
+                <a:ea typeface="Microsoft YaHei UI" panose="020B0503020204020204" pitchFamily="34" charset="-122"/>
+                <a:cs typeface="Helvetica" panose="020B0604020202020204" pitchFamily="34" charset="0"/>
+              </a:rPr>
+              <a:t>及演示等</a:t>
+            </a:r>
+            <a:endParaRPr lang="zh-CN" altLang="en-US" sz="1600" dirty="0">
+              <a:solidFill>
+                <a:schemeClr val="tx1">
+                  <a:lumMod val="75000"/>
+                  <a:lumOff val="25000"/>
+                </a:schemeClr>
+              </a:solidFill>
+              <a:latin typeface="Microsoft YaHei UI" panose="020B0503020204020204" pitchFamily="34" charset="-122"/>
+              <a:ea typeface="Microsoft YaHei UI" panose="020B0503020204020204" pitchFamily="34" charset="-122"/>
+              <a:cs typeface="Helvetica" panose="020B0604020202020204" pitchFamily="34" charset="0"/>
+            </a:endParaRPr>
+          </a:p>
+        </p:txBody>
+      </p:sp>
+      <p:sp>
+        <p:nvSpPr>
+          <p:cNvPr id="22" name="Rectangle 25" descr="e7d195523061f1c0205959036996ad55c215b892a7aac5c0B9ADEF7896FB48F2EF97163A2DE1401E1875DEDC438B7864AD24CA23553DBBBD975DAF4CAD4A2592689FFB6CEE59FFA55B2702D0E5EE29CDFC0DD98BC7D6A39AC4E055256EE11BBEDCDB7C9722D66262996B68DE860BD3C77EBCAECB599909EC0E07B61811075331ABCDE6990254B8C8"/>
+          <p:cNvSpPr/>
+          <p:nvPr/>
+        </p:nvSpPr>
+        <p:spPr>
+          <a:xfrm>
+            <a:off x="2016749" y="4569783"/>
+            <a:ext cx="8692677" cy="457200"/>
+          </a:xfrm>
+          <a:prstGeom prst="rect">
+            <a:avLst/>
+          </a:prstGeom>
+          <a:solidFill>
+            <a:schemeClr val="tx1">
+              <a:lumMod val="75000"/>
+              <a:lumOff val="25000"/>
+            </a:schemeClr>
+          </a:solidFill>
+          <a:ln>
+            <a:noFill/>
+          </a:ln>
+        </p:spPr>
+        <p:style>
+          <a:lnRef idx="2">
+            <a:schemeClr val="accent1">
+              <a:shade val="50000"/>
+            </a:schemeClr>
+          </a:lnRef>
+          <a:fillRef idx="1">
+            <a:schemeClr val="accent1"/>
+          </a:fillRef>
+          <a:effectRef idx="0">
+            <a:schemeClr val="accent1"/>
+          </a:effectRef>
+          <a:fontRef idx="minor">
+            <a:schemeClr val="lt1"/>
+          </a:fontRef>
+        </p:style>
+        <p:txBody>
+          <a:bodyPr rtlCol="0" anchor="ctr"/>
+          <a:lstStyle/>
+          <a:p>
+            <a:pPr algn="ctr"/>
+            <a:endParaRPr lang="en-US">
+              <a:latin typeface="Helvetica" panose="020B0604020202020204" pitchFamily="34" charset="0"/>
+              <a:cs typeface="Helvetica" panose="020B0604020202020204" pitchFamily="34" charset="0"/>
+            </a:endParaRPr>
+          </a:p>
+        </p:txBody>
+      </p:sp>
+      <p:sp>
+        <p:nvSpPr>
+          <p:cNvPr id="23" name="矩形 22" descr="e7d195523061f1c0205959036996ad55c215b892a7aac5c0B9ADEF7896FB48F2EF97163A2DE1401E1875DEDC438B7864AD24CA23553DBBBD975DAF4CAD4A2592689FFB6CEE59FFA55B2702D0E5EE29CDFC0DD98BC7D6A39AC4E055256EE11BBEDCDB7C9722D66262996B68DE860BD3C77EBCAECB599909EC0E07B61811075331ABCDE6990254B8C8"/>
+          <p:cNvSpPr/>
+          <p:nvPr/>
+        </p:nvSpPr>
+        <p:spPr>
+          <a:xfrm>
+            <a:off x="4112567" y="4648972"/>
+            <a:ext cx="4501039" cy="369332"/>
+          </a:xfrm>
+          <a:prstGeom prst="rect">
+            <a:avLst/>
+          </a:prstGeom>
+        </p:spPr>
+        <p:txBody>
+          <a:bodyPr wrap="square">
+            <a:spAutoFit/>
+          </a:bodyPr>
+          <a:lstStyle/>
+          <a:p>
+            <a:pPr algn="ctr"/>
+            <a:r>
+              <a:rPr lang="zh-CN" altLang="en-US" dirty="0" smtClean="0">
+                <a:solidFill>
+                  <a:schemeClr val="bg1"/>
+                </a:solidFill>
+                <a:latin typeface="Microsoft YaHei UI" panose="020B0503020204020204" pitchFamily="34" charset="-122"/>
+                <a:ea typeface="Microsoft YaHei UI" panose="020B0503020204020204" pitchFamily="34" charset="-122"/>
+                <a:cs typeface="Helvetica" panose="020B0604020202020204" pitchFamily="34" charset="0"/>
+              </a:rPr>
+              <a:t>过</a:t>
+            </a:r>
+            <a:r>
+              <a:rPr lang="en-US" altLang="zh-CN" dirty="0" smtClean="0">
+                <a:solidFill>
+                  <a:schemeClr val="bg1"/>
+                </a:solidFill>
+                <a:latin typeface="Microsoft YaHei UI" panose="020B0503020204020204" pitchFamily="34" charset="-122"/>
+                <a:ea typeface="Microsoft YaHei UI" panose="020B0503020204020204" pitchFamily="34" charset="-122"/>
+                <a:cs typeface="Helvetica" panose="020B0604020202020204" pitchFamily="34" charset="0"/>
+              </a:rPr>
+              <a:t>	</a:t>
+            </a:r>
+            <a:r>
+              <a:rPr lang="zh-CN" altLang="en-US" dirty="0" smtClean="0">
+                <a:solidFill>
+                  <a:schemeClr val="bg1"/>
+                </a:solidFill>
+                <a:latin typeface="Microsoft YaHei UI" panose="020B0503020204020204" pitchFamily="34" charset="-122"/>
+                <a:ea typeface="Microsoft YaHei UI" panose="020B0503020204020204" pitchFamily="34" charset="-122"/>
+                <a:cs typeface="Helvetica" panose="020B0604020202020204" pitchFamily="34" charset="0"/>
+              </a:rPr>
+              <a:t>程</a:t>
+            </a:r>
+            <a:r>
+              <a:rPr lang="en-US" altLang="zh-CN" dirty="0" smtClean="0">
+                <a:solidFill>
+                  <a:schemeClr val="bg1"/>
+                </a:solidFill>
+                <a:latin typeface="Microsoft YaHei UI" panose="020B0503020204020204" pitchFamily="34" charset="-122"/>
+                <a:ea typeface="Microsoft YaHei UI" panose="020B0503020204020204" pitchFamily="34" charset="-122"/>
+                <a:cs typeface="Helvetica" panose="020B0604020202020204" pitchFamily="34" charset="0"/>
+              </a:rPr>
+              <a:t>	</a:t>
+            </a:r>
+            <a:r>
+              <a:rPr lang="zh-CN" altLang="en-US" dirty="0" smtClean="0">
+                <a:solidFill>
+                  <a:schemeClr val="bg1"/>
+                </a:solidFill>
+                <a:latin typeface="Microsoft YaHei UI" panose="020B0503020204020204" pitchFamily="34" charset="-122"/>
+                <a:ea typeface="Microsoft YaHei UI" panose="020B0503020204020204" pitchFamily="34" charset="-122"/>
+                <a:cs typeface="Helvetica" panose="020B0604020202020204" pitchFamily="34" charset="0"/>
+              </a:rPr>
+              <a:t>参</a:t>
+            </a:r>
+            <a:r>
+              <a:rPr lang="en-US" altLang="zh-CN" dirty="0" smtClean="0">
+                <a:solidFill>
+                  <a:schemeClr val="bg1"/>
+                </a:solidFill>
+                <a:latin typeface="Microsoft YaHei UI" panose="020B0503020204020204" pitchFamily="34" charset="-122"/>
+                <a:ea typeface="Microsoft YaHei UI" panose="020B0503020204020204" pitchFamily="34" charset="-122"/>
+                <a:cs typeface="Helvetica" panose="020B0604020202020204" pitchFamily="34" charset="0"/>
+              </a:rPr>
+              <a:t>	</a:t>
+            </a:r>
+            <a:r>
+              <a:rPr lang="zh-CN" altLang="en-US" dirty="0" smtClean="0">
+                <a:solidFill>
+                  <a:schemeClr val="bg1"/>
+                </a:solidFill>
+                <a:latin typeface="Microsoft YaHei UI" panose="020B0503020204020204" pitchFamily="34" charset="-122"/>
+                <a:ea typeface="Microsoft YaHei UI" panose="020B0503020204020204" pitchFamily="34" charset="-122"/>
+                <a:cs typeface="Helvetica" panose="020B0604020202020204" pitchFamily="34" charset="0"/>
+              </a:rPr>
+              <a:t>与</a:t>
+            </a:r>
+            <a:endParaRPr lang="zh-CN" altLang="en-US" dirty="0">
+              <a:solidFill>
+                <a:schemeClr val="bg1"/>
+              </a:solidFill>
+              <a:latin typeface="Microsoft YaHei UI" panose="020B0503020204020204" pitchFamily="34" charset="-122"/>
+              <a:ea typeface="Microsoft YaHei UI" panose="020B0503020204020204" pitchFamily="34" charset="-122"/>
+              <a:cs typeface="Helvetica" panose="020B0604020202020204" pitchFamily="34" charset="0"/>
+            </a:endParaRPr>
+          </a:p>
+        </p:txBody>
+      </p:sp>
+    </p:spTree>
+    <p:extLst>
+      <p:ext uri="{BB962C8B-B14F-4D97-AF65-F5344CB8AC3E}">
+        <p14:creationId xmlns:p14="http://schemas.microsoft.com/office/powerpoint/2010/main" val="4005561270"/>
+      </p:ext>
+    </p:extLst>
+  </p:cSld>
+  <p:clrMapOvr>
+    <a:masterClrMapping/>
+  </p:clrMapOvr>
+  <mc:AlternateContent xmlns:mc="http://schemas.openxmlformats.org/markup-compatibility/2006" xmlns:p14="http://schemas.microsoft.com/office/powerpoint/2010/main">
+    <mc:Choice Requires="p14">
+      <p:transition spd="slow" p14:dur="1400" advClick="0" advTm="0">
+        <p14:doors dir="vert"/>
+      </p:transition>
+    </mc:Choice>
+    <mc:Fallback xmlns="">
+      <p:transition spd="slow" advClick="0" advTm="0">
+        <p:fade/>
+      </p:transition>
+    </mc:Fallback>
+  </mc:AlternateContent>
+  <p:timing>
+    <p:tnLst>
+      <p:par>
+        <p:cTn id="1" dur="indefinite" restart="never" nodeType="tmRoot">
+          <p:childTnLst>
+            <p:seq concurrent="1" nextAc="seek">
+              <p:cTn id="2" dur="indefinite" nodeType="mainSeq">
+                <p:childTnLst>
+                  <p:par>
+                    <p:cTn id="3" fill="hold">
+                      <p:stCondLst>
+                        <p:cond delay="indefinite"/>
+                        <p:cond evt="onBegin" delay="0">
+                          <p:tn val="2"/>
+                        </p:cond>
+                      </p:stCondLst>
+                      <p:childTnLst>
+                        <p:par>
+                          <p:cTn id="4" fill="hold">
+                            <p:stCondLst>
+                              <p:cond delay="0"/>
+                            </p:stCondLst>
+                            <p:childTnLst>
+                              <p:par>
+                                <p:cTn id="5" presetID="10" presetClass="entr" presetSubtype="0" fill="hold" grpId="0" nodeType="withEffect">
+                                  <p:stCondLst>
+                                    <p:cond delay="0"/>
+                                  </p:stCondLst>
+                                  <p:childTnLst>
+                                    <p:set>
+                                      <p:cBhvr>
+                                        <p:cTn id="6" dur="1" fill="hold">
+                                          <p:stCondLst>
+                                            <p:cond delay="0"/>
+                                          </p:stCondLst>
+                                        </p:cTn>
+                                        <p:tgtEl>
+                                          <p:spTgt spid="28"/>
+                                        </p:tgtEl>
+                                        <p:attrNameLst>
+                                          <p:attrName>style.visibility</p:attrName>
+                                        </p:attrNameLst>
+                                      </p:cBhvr>
+                                      <p:to>
+                                        <p:strVal val="visible"/>
+                                      </p:to>
+                                    </p:set>
+                                    <p:animEffect transition="in" filter="fade">
+                                      <p:cBhvr>
+                                        <p:cTn id="7" dur="1000"/>
+                                        <p:tgtEl>
+                                          <p:spTgt spid="28"/>
+                                        </p:tgtEl>
+                                      </p:cBhvr>
+                                    </p:animEffect>
+                                  </p:childTnLst>
+                                </p:cTn>
+                              </p:par>
+                              <p:par>
+                                <p:cTn id="8" presetID="42" presetClass="path" presetSubtype="0" accel="50000" decel="50000" autoRev="1" fill="hold" grpId="1" nodeType="withEffect">
+                                  <p:stCondLst>
+                                    <p:cond delay="0"/>
+                                  </p:stCondLst>
+                                  <p:childTnLst>
+                                    <p:animMotion origin="layout" path="M -1.25E-6 2.22222E-6 L 0.02409 2.22222E-6 " pathEditMode="relative" rAng="0" ptsTypes="AA">
+                                      <p:cBhvr>
+                                        <p:cTn id="9" dur="1000" fill="hold"/>
+                                        <p:tgtEl>
+                                          <p:spTgt spid="28"/>
+                                        </p:tgtEl>
+                                        <p:attrNameLst>
+                                          <p:attrName>ppt_x</p:attrName>
+                                          <p:attrName>ppt_y</p:attrName>
+                                        </p:attrNameLst>
+                                      </p:cBhvr>
+                                      <p:rCtr x="1198" y="0"/>
+                                    </p:animMotion>
+                                  </p:childTnLst>
+                                </p:cTn>
+                              </p:par>
+                              <p:par>
+                                <p:cTn id="10" presetID="22" presetClass="entr" presetSubtype="8" fill="hold" nodeType="withEffect">
+                                  <p:stCondLst>
+                                    <p:cond delay="1500"/>
+                                  </p:stCondLst>
+                                  <p:childTnLst>
+                                    <p:set>
+                                      <p:cBhvr>
+                                        <p:cTn id="11" dur="1" fill="hold">
+                                          <p:stCondLst>
+                                            <p:cond delay="0"/>
+                                          </p:stCondLst>
+                                        </p:cTn>
+                                        <p:tgtEl>
+                                          <p:spTgt spid="29"/>
+                                        </p:tgtEl>
+                                        <p:attrNameLst>
+                                          <p:attrName>style.visibility</p:attrName>
+                                        </p:attrNameLst>
+                                      </p:cBhvr>
+                                      <p:to>
+                                        <p:strVal val="visible"/>
+                                      </p:to>
+                                    </p:set>
+                                    <p:animEffect transition="in" filter="wipe(left)">
+                                      <p:cBhvr>
+                                        <p:cTn id="12" dur="1000"/>
+                                        <p:tgtEl>
+                                          <p:spTgt spid="29"/>
+                                        </p:tgtEl>
+                                      </p:cBhvr>
+                                    </p:animEffect>
+                                  </p:childTnLst>
+                                </p:cTn>
+                              </p:par>
+                              <p:par>
+                                <p:cTn id="13" presetID="10" presetClass="entr" presetSubtype="0" fill="hold" grpId="0" nodeType="withEffect">
+                                  <p:stCondLst>
+                                    <p:cond delay="1500"/>
+                                  </p:stCondLst>
+                                  <p:childTnLst>
+                                    <p:set>
+                                      <p:cBhvr>
+                                        <p:cTn id="14" dur="1" fill="hold">
+                                          <p:stCondLst>
+                                            <p:cond delay="0"/>
+                                          </p:stCondLst>
+                                        </p:cTn>
+                                        <p:tgtEl>
+                                          <p:spTgt spid="12"/>
+                                        </p:tgtEl>
+                                        <p:attrNameLst>
+                                          <p:attrName>style.visibility</p:attrName>
+                                        </p:attrNameLst>
+                                      </p:cBhvr>
+                                      <p:to>
+                                        <p:strVal val="visible"/>
+                                      </p:to>
+                                    </p:set>
+                                    <p:animEffect transition="in" filter="fade">
+                                      <p:cBhvr>
+                                        <p:cTn id="15" dur="1000"/>
+                                        <p:tgtEl>
+                                          <p:spTgt spid="12"/>
+                                        </p:tgtEl>
+                                      </p:cBhvr>
+                                    </p:animEffect>
+                                  </p:childTnLst>
+                                </p:cTn>
+                              </p:par>
+                              <p:par>
+                                <p:cTn id="16" presetID="42" presetClass="path" presetSubtype="0" accel="50000" decel="50000" autoRev="1" fill="hold" grpId="1" nodeType="withEffect">
+                                  <p:stCondLst>
+                                    <p:cond delay="1500"/>
+                                  </p:stCondLst>
+                                  <p:childTnLst>
+                                    <p:animMotion origin="layout" path="M -3.95833E-6 4.07407E-6 L -3.95833E-6 0.07222 " pathEditMode="relative" rAng="0" ptsTypes="AA">
+                                      <p:cBhvr>
+                                        <p:cTn id="17" dur="1000" fill="hold"/>
+                                        <p:tgtEl>
+                                          <p:spTgt spid="12"/>
+                                        </p:tgtEl>
+                                        <p:attrNameLst>
+                                          <p:attrName>ppt_x</p:attrName>
+                                          <p:attrName>ppt_y</p:attrName>
+                                        </p:attrNameLst>
+                                      </p:cBhvr>
+                                      <p:rCtr x="0" y="3611"/>
+                                    </p:animMotion>
+                                  </p:childTnLst>
+                                </p:cTn>
+                              </p:par>
+                              <p:par>
+                                <p:cTn id="18" presetID="53" presetClass="entr" presetSubtype="16" fill="hold" grpId="0" nodeType="withEffect">
+                                  <p:stCondLst>
+                                    <p:cond delay="3000"/>
+                                  </p:stCondLst>
+                                  <p:childTnLst>
+                                    <p:set>
+                                      <p:cBhvr>
+                                        <p:cTn id="19" dur="1" fill="hold">
+                                          <p:stCondLst>
+                                            <p:cond delay="0"/>
+                                          </p:stCondLst>
+                                        </p:cTn>
+                                        <p:tgtEl>
+                                          <p:spTgt spid="14"/>
+                                        </p:tgtEl>
+                                        <p:attrNameLst>
+                                          <p:attrName>style.visibility</p:attrName>
+                                        </p:attrNameLst>
+                                      </p:cBhvr>
+                                      <p:to>
+                                        <p:strVal val="visible"/>
+                                      </p:to>
+                                    </p:set>
+                                    <p:anim calcmode="lin" valueType="num">
+                                      <p:cBhvr>
+                                        <p:cTn id="20" dur="500" fill="hold"/>
+                                        <p:tgtEl>
+                                          <p:spTgt spid="14"/>
+                                        </p:tgtEl>
+                                        <p:attrNameLst>
+                                          <p:attrName>ppt_w</p:attrName>
+                                        </p:attrNameLst>
+                                      </p:cBhvr>
+                                      <p:tavLst>
+                                        <p:tav tm="0">
+                                          <p:val>
+                                            <p:fltVal val="0"/>
+                                          </p:val>
+                                        </p:tav>
+                                        <p:tav tm="100000">
+                                          <p:val>
+                                            <p:strVal val="#ppt_w"/>
+                                          </p:val>
+                                        </p:tav>
+                                      </p:tavLst>
+                                    </p:anim>
+                                    <p:anim calcmode="lin" valueType="num">
+                                      <p:cBhvr>
+                                        <p:cTn id="21" dur="500" fill="hold"/>
+                                        <p:tgtEl>
+                                          <p:spTgt spid="14"/>
+                                        </p:tgtEl>
+                                        <p:attrNameLst>
+                                          <p:attrName>ppt_h</p:attrName>
+                                        </p:attrNameLst>
+                                      </p:cBhvr>
+                                      <p:tavLst>
+                                        <p:tav tm="0">
+                                          <p:val>
+                                            <p:fltVal val="0"/>
+                                          </p:val>
+                                        </p:tav>
+                                        <p:tav tm="100000">
+                                          <p:val>
+                                            <p:strVal val="#ppt_h"/>
+                                          </p:val>
+                                        </p:tav>
+                                      </p:tavLst>
+                                    </p:anim>
+                                    <p:animEffect transition="in" filter="fade">
+                                      <p:cBhvr>
+                                        <p:cTn id="22" dur="500"/>
+                                        <p:tgtEl>
+                                          <p:spTgt spid="14"/>
+                                        </p:tgtEl>
+                                      </p:cBhvr>
+                                    </p:animEffect>
+                                  </p:childTnLst>
+                                </p:cTn>
+                              </p:par>
+                              <p:par>
+                                <p:cTn id="23" presetID="53" presetClass="entr" presetSubtype="16" fill="hold" grpId="0" nodeType="withEffect">
+                                  <p:stCondLst>
+                                    <p:cond delay="3000"/>
+                                  </p:stCondLst>
+                                  <p:childTnLst>
+                                    <p:set>
+                                      <p:cBhvr>
+                                        <p:cTn id="24" dur="1" fill="hold">
+                                          <p:stCondLst>
+                                            <p:cond delay="0"/>
+                                          </p:stCondLst>
+                                        </p:cTn>
+                                        <p:tgtEl>
+                                          <p:spTgt spid="17"/>
+                                        </p:tgtEl>
+                                        <p:attrNameLst>
+                                          <p:attrName>style.visibility</p:attrName>
+                                        </p:attrNameLst>
+                                      </p:cBhvr>
+                                      <p:to>
+                                        <p:strVal val="visible"/>
+                                      </p:to>
+                                    </p:set>
+                                    <p:anim calcmode="lin" valueType="num">
+                                      <p:cBhvr>
+                                        <p:cTn id="25" dur="500" fill="hold"/>
+                                        <p:tgtEl>
+                                          <p:spTgt spid="17"/>
+                                        </p:tgtEl>
+                                        <p:attrNameLst>
+                                          <p:attrName>ppt_w</p:attrName>
+                                        </p:attrNameLst>
+                                      </p:cBhvr>
+                                      <p:tavLst>
+                                        <p:tav tm="0">
+                                          <p:val>
+                                            <p:fltVal val="0"/>
+                                          </p:val>
+                                        </p:tav>
+                                        <p:tav tm="100000">
+                                          <p:val>
+                                            <p:strVal val="#ppt_w"/>
+                                          </p:val>
+                                        </p:tav>
+                                      </p:tavLst>
+                                    </p:anim>
+                                    <p:anim calcmode="lin" valueType="num">
+                                      <p:cBhvr>
+                                        <p:cTn id="26" dur="500" fill="hold"/>
+                                        <p:tgtEl>
+                                          <p:spTgt spid="17"/>
+                                        </p:tgtEl>
+                                        <p:attrNameLst>
+                                          <p:attrName>ppt_h</p:attrName>
+                                        </p:attrNameLst>
+                                      </p:cBhvr>
+                                      <p:tavLst>
+                                        <p:tav tm="0">
+                                          <p:val>
+                                            <p:fltVal val="0"/>
+                                          </p:val>
+                                        </p:tav>
+                                        <p:tav tm="100000">
+                                          <p:val>
+                                            <p:strVal val="#ppt_h"/>
+                                          </p:val>
+                                        </p:tav>
+                                      </p:tavLst>
+                                    </p:anim>
+                                    <p:animEffect transition="in" filter="fade">
+                                      <p:cBhvr>
+                                        <p:cTn id="27" dur="500"/>
+                                        <p:tgtEl>
+                                          <p:spTgt spid="17"/>
+                                        </p:tgtEl>
+                                      </p:cBhvr>
+                                    </p:animEffect>
+                                  </p:childTnLst>
+                                </p:cTn>
+                              </p:par>
+                              <p:par>
+                                <p:cTn id="28" presetID="53" presetClass="entr" presetSubtype="16" fill="hold" grpId="0" nodeType="withEffect">
+                                  <p:stCondLst>
+                                    <p:cond delay="3000"/>
+                                  </p:stCondLst>
+                                  <p:childTnLst>
+                                    <p:set>
+                                      <p:cBhvr>
+                                        <p:cTn id="29" dur="1" fill="hold">
+                                          <p:stCondLst>
+                                            <p:cond delay="0"/>
+                                          </p:stCondLst>
+                                        </p:cTn>
+                                        <p:tgtEl>
+                                          <p:spTgt spid="20"/>
+                                        </p:tgtEl>
+                                        <p:attrNameLst>
+                                          <p:attrName>style.visibility</p:attrName>
+                                        </p:attrNameLst>
+                                      </p:cBhvr>
+                                      <p:to>
+                                        <p:strVal val="visible"/>
+                                      </p:to>
+                                    </p:set>
+                                    <p:anim calcmode="lin" valueType="num">
+                                      <p:cBhvr>
+                                        <p:cTn id="30" dur="500" fill="hold"/>
+                                        <p:tgtEl>
+                                          <p:spTgt spid="20"/>
+                                        </p:tgtEl>
+                                        <p:attrNameLst>
+                                          <p:attrName>ppt_w</p:attrName>
+                                        </p:attrNameLst>
+                                      </p:cBhvr>
+                                      <p:tavLst>
+                                        <p:tav tm="0">
+                                          <p:val>
+                                            <p:fltVal val="0"/>
+                                          </p:val>
+                                        </p:tav>
+                                        <p:tav tm="100000">
+                                          <p:val>
+                                            <p:strVal val="#ppt_w"/>
+                                          </p:val>
+                                        </p:tav>
+                                      </p:tavLst>
+                                    </p:anim>
+                                    <p:anim calcmode="lin" valueType="num">
+                                      <p:cBhvr>
+                                        <p:cTn id="31" dur="500" fill="hold"/>
+                                        <p:tgtEl>
+                                          <p:spTgt spid="20"/>
+                                        </p:tgtEl>
+                                        <p:attrNameLst>
+                                          <p:attrName>ppt_h</p:attrName>
+                                        </p:attrNameLst>
+                                      </p:cBhvr>
+                                      <p:tavLst>
+                                        <p:tav tm="0">
+                                          <p:val>
+                                            <p:fltVal val="0"/>
+                                          </p:val>
+                                        </p:tav>
+                                        <p:tav tm="100000">
+                                          <p:val>
+                                            <p:strVal val="#ppt_h"/>
+                                          </p:val>
+                                        </p:tav>
+                                      </p:tavLst>
+                                    </p:anim>
+                                    <p:animEffect transition="in" filter="fade">
+                                      <p:cBhvr>
+                                        <p:cTn id="32" dur="500"/>
+                                        <p:tgtEl>
+                                          <p:spTgt spid="20"/>
+                                        </p:tgtEl>
+                                      </p:cBhvr>
+                                    </p:animEffect>
+                                  </p:childTnLst>
+                                </p:cTn>
+                              </p:par>
+                              <p:par>
+                                <p:cTn id="33" presetID="53" presetClass="entr" presetSubtype="16" fill="hold" grpId="0" nodeType="withEffect">
+                                  <p:stCondLst>
+                                    <p:cond delay="3000"/>
+                                  </p:stCondLst>
+                                  <p:childTnLst>
+                                    <p:set>
+                                      <p:cBhvr>
+                                        <p:cTn id="34" dur="1" fill="hold">
+                                          <p:stCondLst>
+                                            <p:cond delay="0"/>
+                                          </p:stCondLst>
+                                        </p:cTn>
+                                        <p:tgtEl>
+                                          <p:spTgt spid="32"/>
+                                        </p:tgtEl>
+                                        <p:attrNameLst>
+                                          <p:attrName>style.visibility</p:attrName>
+                                        </p:attrNameLst>
+                                      </p:cBhvr>
+                                      <p:to>
+                                        <p:strVal val="visible"/>
+                                      </p:to>
+                                    </p:set>
+                                    <p:anim calcmode="lin" valueType="num">
+                                      <p:cBhvr>
+                                        <p:cTn id="35" dur="500" fill="hold"/>
+                                        <p:tgtEl>
+                                          <p:spTgt spid="32"/>
+                                        </p:tgtEl>
+                                        <p:attrNameLst>
+                                          <p:attrName>ppt_w</p:attrName>
+                                        </p:attrNameLst>
+                                      </p:cBhvr>
+                                      <p:tavLst>
+                                        <p:tav tm="0">
+                                          <p:val>
+                                            <p:fltVal val="0"/>
+                                          </p:val>
+                                        </p:tav>
+                                        <p:tav tm="100000">
+                                          <p:val>
+                                            <p:strVal val="#ppt_w"/>
+                                          </p:val>
+                                        </p:tav>
+                                      </p:tavLst>
+                                    </p:anim>
+                                    <p:anim calcmode="lin" valueType="num">
+                                      <p:cBhvr>
+                                        <p:cTn id="36" dur="500" fill="hold"/>
+                                        <p:tgtEl>
+                                          <p:spTgt spid="32"/>
+                                        </p:tgtEl>
+                                        <p:attrNameLst>
+                                          <p:attrName>ppt_h</p:attrName>
+                                        </p:attrNameLst>
+                                      </p:cBhvr>
+                                      <p:tavLst>
+                                        <p:tav tm="0">
+                                          <p:val>
+                                            <p:fltVal val="0"/>
+                                          </p:val>
+                                        </p:tav>
+                                        <p:tav tm="100000">
+                                          <p:val>
+                                            <p:strVal val="#ppt_h"/>
+                                          </p:val>
+                                        </p:tav>
+                                      </p:tavLst>
+                                    </p:anim>
+                                    <p:animEffect transition="in" filter="fade">
+                                      <p:cBhvr>
+                                        <p:cTn id="37" dur="500"/>
+                                        <p:tgtEl>
+                                          <p:spTgt spid="32"/>
+                                        </p:tgtEl>
+                                      </p:cBhvr>
+                                    </p:animEffect>
+                                  </p:childTnLst>
+                                </p:cTn>
+                              </p:par>
+                              <p:par>
+                                <p:cTn id="38" presetID="53" presetClass="entr" presetSubtype="16" fill="hold" grpId="0" nodeType="withEffect">
+                                  <p:stCondLst>
+                                    <p:cond delay="3000"/>
+                                  </p:stCondLst>
+                                  <p:childTnLst>
+                                    <p:set>
+                                      <p:cBhvr>
+                                        <p:cTn id="39" dur="1" fill="hold">
+                                          <p:stCondLst>
+                                            <p:cond delay="0"/>
+                                          </p:stCondLst>
+                                        </p:cTn>
+                                        <p:tgtEl>
+                                          <p:spTgt spid="38"/>
+                                        </p:tgtEl>
+                                        <p:attrNameLst>
+                                          <p:attrName>style.visibility</p:attrName>
+                                        </p:attrNameLst>
+                                      </p:cBhvr>
+                                      <p:to>
+                                        <p:strVal val="visible"/>
+                                      </p:to>
+                                    </p:set>
+                                    <p:anim calcmode="lin" valueType="num">
+                                      <p:cBhvr>
+                                        <p:cTn id="40" dur="500" fill="hold"/>
+                                        <p:tgtEl>
+                                          <p:spTgt spid="38"/>
+                                        </p:tgtEl>
+                                        <p:attrNameLst>
+                                          <p:attrName>ppt_w</p:attrName>
+                                        </p:attrNameLst>
+                                      </p:cBhvr>
+                                      <p:tavLst>
+                                        <p:tav tm="0">
+                                          <p:val>
+                                            <p:fltVal val="0"/>
+                                          </p:val>
+                                        </p:tav>
+                                        <p:tav tm="100000">
+                                          <p:val>
+                                            <p:strVal val="#ppt_w"/>
+                                          </p:val>
+                                        </p:tav>
+                                      </p:tavLst>
+                                    </p:anim>
+                                    <p:anim calcmode="lin" valueType="num">
+                                      <p:cBhvr>
+                                        <p:cTn id="41" dur="500" fill="hold"/>
+                                        <p:tgtEl>
+                                          <p:spTgt spid="38"/>
+                                        </p:tgtEl>
+                                        <p:attrNameLst>
+                                          <p:attrName>ppt_h</p:attrName>
+                                        </p:attrNameLst>
+                                      </p:cBhvr>
+                                      <p:tavLst>
+                                        <p:tav tm="0">
+                                          <p:val>
+                                            <p:fltVal val="0"/>
+                                          </p:val>
+                                        </p:tav>
+                                        <p:tav tm="100000">
+                                          <p:val>
+                                            <p:strVal val="#ppt_h"/>
+                                          </p:val>
+                                        </p:tav>
+                                      </p:tavLst>
+                                    </p:anim>
+                                    <p:animEffect transition="in" filter="fade">
+                                      <p:cBhvr>
+                                        <p:cTn id="42" dur="500"/>
+                                        <p:tgtEl>
+                                          <p:spTgt spid="38"/>
+                                        </p:tgtEl>
+                                      </p:cBhvr>
+                                    </p:animEffect>
+                                  </p:childTnLst>
+                                </p:cTn>
+                              </p:par>
+                              <p:par>
+                                <p:cTn id="43" presetID="53" presetClass="entr" presetSubtype="16" fill="hold" grpId="0" nodeType="withEffect">
+                                  <p:stCondLst>
+                                    <p:cond delay="3000"/>
+                                  </p:stCondLst>
+                                  <p:childTnLst>
+                                    <p:set>
+                                      <p:cBhvr>
+                                        <p:cTn id="44" dur="1" fill="hold">
+                                          <p:stCondLst>
+                                            <p:cond delay="0"/>
+                                          </p:stCondLst>
+                                        </p:cTn>
+                                        <p:tgtEl>
+                                          <p:spTgt spid="39"/>
+                                        </p:tgtEl>
+                                        <p:attrNameLst>
+                                          <p:attrName>style.visibility</p:attrName>
+                                        </p:attrNameLst>
+                                      </p:cBhvr>
+                                      <p:to>
+                                        <p:strVal val="visible"/>
+                                      </p:to>
+                                    </p:set>
+                                    <p:anim calcmode="lin" valueType="num">
+                                      <p:cBhvr>
+                                        <p:cTn id="45" dur="500" fill="hold"/>
+                                        <p:tgtEl>
+                                          <p:spTgt spid="39"/>
+                                        </p:tgtEl>
+                                        <p:attrNameLst>
+                                          <p:attrName>ppt_w</p:attrName>
+                                        </p:attrNameLst>
+                                      </p:cBhvr>
+                                      <p:tavLst>
+                                        <p:tav tm="0">
+                                          <p:val>
+                                            <p:fltVal val="0"/>
+                                          </p:val>
+                                        </p:tav>
+                                        <p:tav tm="100000">
+                                          <p:val>
+                                            <p:strVal val="#ppt_w"/>
+                                          </p:val>
+                                        </p:tav>
+                                      </p:tavLst>
+                                    </p:anim>
+                                    <p:anim calcmode="lin" valueType="num">
+                                      <p:cBhvr>
+                                        <p:cTn id="46" dur="500" fill="hold"/>
+                                        <p:tgtEl>
+                                          <p:spTgt spid="39"/>
+                                        </p:tgtEl>
+                                        <p:attrNameLst>
+                                          <p:attrName>ppt_h</p:attrName>
+                                        </p:attrNameLst>
+                                      </p:cBhvr>
+                                      <p:tavLst>
+                                        <p:tav tm="0">
+                                          <p:val>
+                                            <p:fltVal val="0"/>
+                                          </p:val>
+                                        </p:tav>
+                                        <p:tav tm="100000">
+                                          <p:val>
+                                            <p:strVal val="#ppt_h"/>
+                                          </p:val>
+                                        </p:tav>
+                                      </p:tavLst>
+                                    </p:anim>
+                                    <p:animEffect transition="in" filter="fade">
+                                      <p:cBhvr>
+                                        <p:cTn id="47" dur="500"/>
+                                        <p:tgtEl>
+                                          <p:spTgt spid="39"/>
+                                        </p:tgtEl>
+                                      </p:cBhvr>
+                                    </p:animEffect>
+                                  </p:childTnLst>
+                                </p:cTn>
+                              </p:par>
+                              <p:par>
+                                <p:cTn id="48" presetID="53" presetClass="entr" presetSubtype="16" fill="hold" grpId="0" nodeType="withEffect">
+                                  <p:stCondLst>
+                                    <p:cond delay="3000"/>
+                                  </p:stCondLst>
+                                  <p:childTnLst>
+                                    <p:set>
+                                      <p:cBhvr>
+                                        <p:cTn id="49" dur="1" fill="hold">
+                                          <p:stCondLst>
+                                            <p:cond delay="0"/>
+                                          </p:stCondLst>
+                                        </p:cTn>
+                                        <p:tgtEl>
+                                          <p:spTgt spid="40"/>
+                                        </p:tgtEl>
+                                        <p:attrNameLst>
+                                          <p:attrName>style.visibility</p:attrName>
+                                        </p:attrNameLst>
+                                      </p:cBhvr>
+                                      <p:to>
+                                        <p:strVal val="visible"/>
+                                      </p:to>
+                                    </p:set>
+                                    <p:anim calcmode="lin" valueType="num">
+                                      <p:cBhvr>
+                                        <p:cTn id="50" dur="500" fill="hold"/>
+                                        <p:tgtEl>
+                                          <p:spTgt spid="40"/>
+                                        </p:tgtEl>
+                                        <p:attrNameLst>
+                                          <p:attrName>ppt_w</p:attrName>
+                                        </p:attrNameLst>
+                                      </p:cBhvr>
+                                      <p:tavLst>
+                                        <p:tav tm="0">
+                                          <p:val>
+                                            <p:fltVal val="0"/>
+                                          </p:val>
+                                        </p:tav>
+                                        <p:tav tm="100000">
+                                          <p:val>
+                                            <p:strVal val="#ppt_w"/>
+                                          </p:val>
+                                        </p:tav>
+                                      </p:tavLst>
+                                    </p:anim>
+                                    <p:anim calcmode="lin" valueType="num">
+                                      <p:cBhvr>
+                                        <p:cTn id="51" dur="500" fill="hold"/>
+                                        <p:tgtEl>
+                                          <p:spTgt spid="40"/>
+                                        </p:tgtEl>
+                                        <p:attrNameLst>
+                                          <p:attrName>ppt_h</p:attrName>
+                                        </p:attrNameLst>
+                                      </p:cBhvr>
+                                      <p:tavLst>
+                                        <p:tav tm="0">
+                                          <p:val>
+                                            <p:fltVal val="0"/>
+                                          </p:val>
+                                        </p:tav>
+                                        <p:tav tm="100000">
+                                          <p:val>
+                                            <p:strVal val="#ppt_h"/>
+                                          </p:val>
+                                        </p:tav>
+                                      </p:tavLst>
+                                    </p:anim>
+                                    <p:animEffect transition="in" filter="fade">
+                                      <p:cBhvr>
+                                        <p:cTn id="52" dur="500"/>
+                                        <p:tgtEl>
+                                          <p:spTgt spid="40"/>
+                                        </p:tgtEl>
+                                      </p:cBhvr>
+                                    </p:animEffect>
+                                  </p:childTnLst>
+                                </p:cTn>
+                              </p:par>
+                              <p:par>
+                                <p:cTn id="53" presetID="10" presetClass="entr" presetSubtype="0" fill="hold" grpId="0" nodeType="withEffect">
+                                  <p:stCondLst>
+                                    <p:cond delay="1500"/>
+                                  </p:stCondLst>
+                                  <p:childTnLst>
+                                    <p:set>
+                                      <p:cBhvr>
+                                        <p:cTn id="54" dur="1" fill="hold">
+                                          <p:stCondLst>
+                                            <p:cond delay="0"/>
+                                          </p:stCondLst>
+                                        </p:cTn>
+                                        <p:tgtEl>
+                                          <p:spTgt spid="22"/>
+                                        </p:tgtEl>
+                                        <p:attrNameLst>
+                                          <p:attrName>style.visibility</p:attrName>
+                                        </p:attrNameLst>
+                                      </p:cBhvr>
+                                      <p:to>
+                                        <p:strVal val="visible"/>
+                                      </p:to>
+                                    </p:set>
+                                    <p:animEffect transition="in" filter="fade">
+                                      <p:cBhvr>
+                                        <p:cTn id="55" dur="1000"/>
+                                        <p:tgtEl>
+                                          <p:spTgt spid="22"/>
+                                        </p:tgtEl>
+                                      </p:cBhvr>
+                                    </p:animEffect>
+                                  </p:childTnLst>
+                                </p:cTn>
+                              </p:par>
+                              <p:par>
+                                <p:cTn id="56" presetID="42" presetClass="path" presetSubtype="0" accel="50000" decel="50000" autoRev="1" fill="hold" grpId="1" nodeType="withEffect">
+                                  <p:stCondLst>
+                                    <p:cond delay="1500"/>
+                                  </p:stCondLst>
+                                  <p:childTnLst>
+                                    <p:animMotion origin="layout" path="M -2.08333E-6 1.85185E-6 L -2.08333E-6 -0.07292 " pathEditMode="relative" rAng="0" ptsTypes="AA">
+                                      <p:cBhvr>
+                                        <p:cTn id="57" dur="1000" fill="hold"/>
+                                        <p:tgtEl>
+                                          <p:spTgt spid="22"/>
+                                        </p:tgtEl>
+                                        <p:attrNameLst>
+                                          <p:attrName>ppt_x</p:attrName>
+                                          <p:attrName>ppt_y</p:attrName>
+                                        </p:attrNameLst>
+                                      </p:cBhvr>
+                                      <p:rCtr x="0" y="-3657"/>
+                                    </p:animMotion>
+                                  </p:childTnLst>
+                                </p:cTn>
+                              </p:par>
+                              <p:par>
+                                <p:cTn id="58" presetID="53" presetClass="entr" presetSubtype="16" fill="hold" grpId="0" nodeType="withEffect">
+                                  <p:stCondLst>
+                                    <p:cond delay="3000"/>
+                                  </p:stCondLst>
+                                  <p:childTnLst>
+                                    <p:set>
+                                      <p:cBhvr>
+                                        <p:cTn id="59" dur="1" fill="hold">
+                                          <p:stCondLst>
+                                            <p:cond delay="0"/>
+                                          </p:stCondLst>
+                                        </p:cTn>
+                                        <p:tgtEl>
+                                          <p:spTgt spid="23"/>
+                                        </p:tgtEl>
+                                        <p:attrNameLst>
+                                          <p:attrName>style.visibility</p:attrName>
+                                        </p:attrNameLst>
+                                      </p:cBhvr>
+                                      <p:to>
+                                        <p:strVal val="visible"/>
+                                      </p:to>
+                                    </p:set>
+                                    <p:anim calcmode="lin" valueType="num">
+                                      <p:cBhvr>
+                                        <p:cTn id="60" dur="500" fill="hold"/>
+                                        <p:tgtEl>
+                                          <p:spTgt spid="23"/>
+                                        </p:tgtEl>
+                                        <p:attrNameLst>
+                                          <p:attrName>ppt_w</p:attrName>
+                                        </p:attrNameLst>
+                                      </p:cBhvr>
+                                      <p:tavLst>
+                                        <p:tav tm="0">
+                                          <p:val>
+                                            <p:fltVal val="0"/>
+                                          </p:val>
+                                        </p:tav>
+                                        <p:tav tm="100000">
+                                          <p:val>
+                                            <p:strVal val="#ppt_w"/>
+                                          </p:val>
+                                        </p:tav>
+                                      </p:tavLst>
+                                    </p:anim>
+                                    <p:anim calcmode="lin" valueType="num">
+                                      <p:cBhvr>
+                                        <p:cTn id="61" dur="500" fill="hold"/>
+                                        <p:tgtEl>
+                                          <p:spTgt spid="23"/>
+                                        </p:tgtEl>
+                                        <p:attrNameLst>
+                                          <p:attrName>ppt_h</p:attrName>
+                                        </p:attrNameLst>
+                                      </p:cBhvr>
+                                      <p:tavLst>
+                                        <p:tav tm="0">
+                                          <p:val>
+                                            <p:fltVal val="0"/>
+                                          </p:val>
+                                        </p:tav>
+                                        <p:tav tm="100000">
+                                          <p:val>
+                                            <p:strVal val="#ppt_h"/>
+                                          </p:val>
+                                        </p:tav>
+                                      </p:tavLst>
+                                    </p:anim>
+                                    <p:animEffect transition="in" filter="fade">
+                                      <p:cBhvr>
+                                        <p:cTn id="62" dur="500"/>
+                                        <p:tgtEl>
+                                          <p:spTgt spid="23"/>
+                                        </p:tgtEl>
+                                      </p:cBhvr>
+                                    </p:animEffect>
+                                  </p:childTnLst>
+                                </p:cTn>
+                              </p:par>
+                            </p:childTnLst>
+                          </p:cTn>
+                        </p:par>
+                      </p:childTnLst>
+                    </p:cTn>
+                  </p:par>
+                </p:childTnLst>
+              </p:cTn>
+              <p:prevCondLst>
+                <p:cond evt="onPrev" delay="0">
+                  <p:tgtEl>
+                    <p:sldTgt/>
+                  </p:tgtEl>
+                </p:cond>
+              </p:prevCondLst>
+              <p:nextCondLst>
+                <p:cond evt="onNext" delay="0">
+                  <p:tgtEl>
+                    <p:sldTgt/>
+                  </p:tgtEl>
+                </p:cond>
+              </p:nextCondLst>
+            </p:seq>
+          </p:childTnLst>
+        </p:cTn>
+      </p:par>
+    </p:tnLst>
+    <p:bldLst>
+      <p:bldP spid="12" grpId="0" animBg="1"/>
+      <p:bldP spid="12" grpId="1" animBg="1"/>
+      <p:bldP spid="14" grpId="0" animBg="1"/>
+      <p:bldP spid="17" grpId="0" animBg="1"/>
+      <p:bldP spid="20" grpId="0" animBg="1"/>
+      <p:bldP spid="28" grpId="0" animBg="1"/>
+      <p:bldP spid="28" grpId="1" animBg="1"/>
+      <p:bldP spid="32" grpId="0"/>
+      <p:bldP spid="38" grpId="0"/>
+      <p:bldP spid="39" grpId="0"/>
+      <p:bldP spid="40" grpId="0"/>
+      <p:bldP spid="22" grpId="0" animBg="1"/>
+      <p:bldP spid="22" grpId="1" animBg="1"/>
+      <p:bldP spid="23" grpId="0"/>
     </p:bldLst>
   </p:timing>
 </p:sld>
@@ -8116,7 +16024,7 @@
     <a:masterClrMapping/>
   </p:clrMapOvr>
   <mc:AlternateContent xmlns:mc="http://schemas.openxmlformats.org/markup-compatibility/2006">
-    <mc:Choice xmlns="" xmlns:p15="http://schemas.microsoft.com/office/powerpoint/2012/main" Requires="p15">
+    <mc:Choice xmlns:p15="http://schemas.microsoft.com/office/powerpoint/2012/main" xmlns="" Requires="p15">
       <p:transition xmlns:p14="http://schemas.microsoft.com/office/powerpoint/2010/main" spd="slow" Requires="p14" p14:dur="1250" advClick="0" advTm="0">
         <p15:prstTrans prst="airplane"/>
       </p:transition>
@@ -8977,7 +16885,18 @@
                   <a:ea typeface="Microsoft YaHei UI" panose="020B0503020204020204" pitchFamily="34" charset="-122"/>
                   <a:cs typeface="Segoe UI Semilight" panose="020B0402040204020203" pitchFamily="34" charset="0"/>
                 </a:rPr>
-                <a:t>编写项目文档</a:t>
+                <a:t>编写</a:t>
+              </a:r>
+              <a:r>
+                <a:rPr lang="zh-CN" altLang="en-US" sz="3200" dirty="0" smtClean="0">
+                  <a:solidFill>
+                    <a:schemeClr val="bg1"/>
+                  </a:solidFill>
+                  <a:latin typeface="Microsoft YaHei UI" panose="020B0503020204020204" pitchFamily="34" charset="-122"/>
+                  <a:ea typeface="Microsoft YaHei UI" panose="020B0503020204020204" pitchFamily="34" charset="-122"/>
+                  <a:cs typeface="Segoe UI Semilight" panose="020B0402040204020203" pitchFamily="34" charset="0"/>
+                </a:rPr>
+                <a:t>项目相关文档</a:t>
               </a:r>
               <a:endParaRPr lang="x-none" altLang="zh-CN" sz="3200" dirty="0" smtClean="0">
                 <a:solidFill>
@@ -9810,7 +17729,7 @@
     <a:masterClrMapping/>
   </p:clrMapOvr>
   <mc:AlternateContent xmlns:mc="http://schemas.openxmlformats.org/markup-compatibility/2006">
-    <mc:Choice xmlns="" xmlns:p15="http://schemas.microsoft.com/office/powerpoint/2012/main" Requires="p15">
+    <mc:Choice xmlns:p15="http://schemas.microsoft.com/office/powerpoint/2012/main" xmlns="" Requires="p15">
       <p:transition xmlns:p14="http://schemas.microsoft.com/office/powerpoint/2010/main" spd="slow" Requires="p14" p14:dur="1250" advClick="0" advTm="0">
         <p15:prstTrans prst="airplane"/>
       </p:transition>
@@ -15808,7 +23727,7 @@
     <a:masterClrMapping/>
   </p:clrMapOvr>
   <mc:AlternateContent xmlns:mc="http://schemas.openxmlformats.org/markup-compatibility/2006">
-    <mc:Choice xmlns="" xmlns:p15="http://schemas.microsoft.com/office/powerpoint/2012/main" Requires="p15">
+    <mc:Choice xmlns:p15="http://schemas.microsoft.com/office/powerpoint/2012/main" xmlns="" Requires="p15">
       <p:transition xmlns:p14="http://schemas.microsoft.com/office/powerpoint/2010/main" spd="slow" Requires="p14" p14:dur="1250" advClick="0" advTm="0">
         <p15:prstTrans prst="airplane"/>
       </p:transition>
@@ -16121,7 +24040,7 @@
         </p:nvSpPr>
         <p:spPr>
           <a:xfrm>
-            <a:off x="7879973" y="1544320"/>
+            <a:off x="6965573" y="1735328"/>
             <a:ext cx="5751195" cy="2308324"/>
           </a:xfrm>
           <a:prstGeom prst="rect">
@@ -16150,10 +24069,10 @@
                 <a:ea typeface="Open Sans" panose="020B0606030504020204" pitchFamily="34" charset="0"/>
                 <a:cs typeface="Open Sans" panose="020B0606030504020204" pitchFamily="34" charset="0"/>
               </a:rPr>
-              <a:t>作为管理代码的工具</a:t>
-            </a:r>
-            <a:r>
-              <a:rPr lang="x-none" altLang="en-US" sz="2400" b="1" dirty="0">
+              <a:t>用来作为</a:t>
+            </a:r>
+            <a:r>
+              <a:rPr lang="en-US" altLang="zh-CN" sz="2400" b="1" dirty="0" smtClean="0">
                 <a:solidFill>
                   <a:schemeClr val="tx1">
                     <a:lumMod val="65000"/>
@@ -16163,9 +24082,48 @@
                 <a:ea typeface="Open Sans" panose="020B0606030504020204" pitchFamily="34" charset="0"/>
                 <a:cs typeface="Open Sans" panose="020B0606030504020204" pitchFamily="34" charset="0"/>
               </a:rPr>
-              <a:t>操作简单 </a:t>
-            </a:r>
-            <a:endParaRPr lang="x-none" altLang="en-US" sz="2400" b="1" dirty="0" smtClean="0">
+              <a:t>web</a:t>
+            </a:r>
+            <a:r>
+              <a:rPr lang="zh-CN" altLang="en-US" sz="2400" b="1" dirty="0" smtClean="0">
+                <a:solidFill>
+                  <a:schemeClr val="tx1">
+                    <a:lumMod val="65000"/>
+                    <a:lumOff val="35000"/>
+                  </a:schemeClr>
+                </a:solidFill>
+                <a:ea typeface="Open Sans" panose="020B0606030504020204" pitchFamily="34" charset="0"/>
+                <a:cs typeface="Open Sans" panose="020B0606030504020204" pitchFamily="34" charset="0"/>
+              </a:rPr>
+              <a:t>前端托管代码</a:t>
+            </a:r>
+            <a:r>
+              <a:rPr lang="zh-CN" altLang="en-US" sz="2400" b="1" dirty="0" smtClean="0">
+                <a:solidFill>
+                  <a:schemeClr val="tx1">
+                    <a:lumMod val="65000"/>
+                    <a:lumOff val="35000"/>
+                  </a:schemeClr>
+                </a:solidFill>
+                <a:ea typeface="Open Sans" panose="020B0606030504020204" pitchFamily="34" charset="0"/>
+                <a:cs typeface="Open Sans" panose="020B0606030504020204" pitchFamily="34" charset="0"/>
+              </a:rPr>
+              <a:t>的</a:t>
+            </a:r>
+            <a:r>
+              <a:rPr lang="zh-CN" altLang="en-US" sz="2400" b="1" dirty="0" smtClean="0">
+                <a:solidFill>
+                  <a:schemeClr val="tx1">
+                    <a:lumMod val="65000"/>
+                    <a:lumOff val="35000"/>
+                  </a:schemeClr>
+                </a:solidFill>
+                <a:ea typeface="Open Sans" panose="020B0606030504020204" pitchFamily="34" charset="0"/>
+                <a:cs typeface="Open Sans" panose="020B0606030504020204" pitchFamily="34" charset="0"/>
+              </a:rPr>
+              <a:t>工具。</a:t>
+            </a:r>
+            <a:endParaRPr lang="en-US" altLang="zh-CN" sz="2400" b="1" dirty="0" smtClean="0">
               <a:solidFill>
                 <a:schemeClr val="tx1">
                   <a:lumMod val="65000"/>
@@ -16182,6 +24140,19 @@
                 <a:spcPct val="200000"/>
               </a:lnSpc>
             </a:pPr>
+            <a:r>
+              <a:rPr lang="zh-CN" altLang="en-US" sz="2400" b="1" dirty="0" smtClean="0">
+                <a:solidFill>
+                  <a:schemeClr val="tx1">
+                    <a:lumMod val="65000"/>
+                    <a:lumOff val="35000"/>
+                  </a:schemeClr>
+                </a:solidFill>
+                <a:ea typeface="Open Sans" panose="020B0606030504020204" pitchFamily="34" charset="0"/>
+                <a:cs typeface="Open Sans" panose="020B0606030504020204" pitchFamily="34" charset="0"/>
+              </a:rPr>
+              <a:t>对于前端</a:t>
+            </a:r>
             <a:r>
               <a:rPr lang="x-none" altLang="en-US" sz="2400" b="1" dirty="0" smtClean="0">
                 <a:solidFill>
@@ -16193,7 +24164,7 @@
                 <a:ea typeface="Open Sans" panose="020B0606030504020204" pitchFamily="34" charset="0"/>
                 <a:cs typeface="Open Sans" panose="020B0606030504020204" pitchFamily="34" charset="0"/>
               </a:rPr>
-              <a:t>便于设计不同界面</a:t>
+              <a:t>设计不同界面</a:t>
             </a:r>
             <a:r>
               <a:rPr lang="zh-CN" altLang="en-US" sz="2400" b="1" dirty="0" smtClean="0">
@@ -16206,8 +24177,38 @@
                 <a:ea typeface="Open Sans" panose="020B0606030504020204" pitchFamily="34" charset="0"/>
                 <a:cs typeface="Open Sans" panose="020B0606030504020204" pitchFamily="34" charset="0"/>
               </a:rPr>
-              <a:t>对应的</a:t>
-            </a:r>
+              <a:t>对应</a:t>
+            </a:r>
+            <a:r>
+              <a:rPr lang="zh-CN" altLang="en-US" sz="2400" b="1" dirty="0" smtClean="0">
+                <a:solidFill>
+                  <a:schemeClr val="tx1">
+                    <a:lumMod val="65000"/>
+                    <a:lumOff val="35000"/>
+                  </a:schemeClr>
+                </a:solidFill>
+                <a:ea typeface="Open Sans" panose="020B0606030504020204" pitchFamily="34" charset="0"/>
+                <a:cs typeface="Open Sans" panose="020B0606030504020204" pitchFamily="34" charset="0"/>
+              </a:rPr>
+              <a:t>的</a:t>
+            </a:r>
+            <a:endParaRPr lang="en-US" altLang="zh-CN" sz="2400" b="1" dirty="0" smtClean="0">
+              <a:solidFill>
+                <a:schemeClr val="tx1">
+                  <a:lumMod val="65000"/>
+                  <a:lumOff val="35000"/>
+                </a:schemeClr>
+              </a:solidFill>
+              <a:ea typeface="Open Sans" panose="020B0606030504020204" pitchFamily="34" charset="0"/>
+              <a:cs typeface="Open Sans" panose="020B0606030504020204" pitchFamily="34" charset="0"/>
+            </a:endParaRPr>
+          </a:p>
+          <a:p>
+            <a:pPr>
+              <a:lnSpc>
+                <a:spcPct val="200000"/>
+              </a:lnSpc>
+            </a:pPr>
             <a:r>
               <a:rPr lang="en-US" altLang="zh-CN" sz="2400" b="1" dirty="0" smtClean="0">
                 <a:solidFill>
@@ -16221,13 +24222,6 @@
               </a:rPr>
               <a:t>HTML</a:t>
             </a:r>
-          </a:p>
-          <a:p>
-            <a:pPr>
-              <a:lnSpc>
-                <a:spcPct val="200000"/>
-              </a:lnSpc>
-            </a:pPr>
             <a:r>
               <a:rPr lang="zh-CN" altLang="en-US" sz="2400" b="1" dirty="0" smtClean="0">
                 <a:solidFill>
@@ -16265,7 +24259,7 @@
                 <a:ea typeface="Open Sans" panose="020B0606030504020204" pitchFamily="34" charset="0"/>
                 <a:cs typeface="Open Sans" panose="020B0606030504020204" pitchFamily="34" charset="0"/>
               </a:rPr>
-              <a:t>文件</a:t>
+              <a:t>代码很方便。</a:t>
             </a:r>
             <a:endParaRPr lang="x-none" altLang="en-US" sz="2400" b="1" dirty="0" smtClean="0">
               <a:solidFill>
@@ -16415,16 +24409,16 @@
                 </a:solidFill>
                 <a:ea typeface="Microsoft YaHei UI" panose="020B0503020204020204" pitchFamily="34" charset="-122"/>
               </a:rPr>
-              <a:t>webstorm</a:t>
-            </a:r>
-            <a:r>
-              <a:rPr lang="x-none" altLang="en-US" sz="3200" dirty="0" smtClean="0">
+              <a:t>W</a:t>
+            </a:r>
+            <a:r>
+              <a:rPr lang="en-US" altLang="zh-CN" sz="3200" dirty="0" err="1" smtClean="0">
                 <a:solidFill>
                   <a:srgbClr val="EE534F"/>
                 </a:solidFill>
                 <a:ea typeface="Microsoft YaHei UI" panose="020B0503020204020204" pitchFamily="34" charset="-122"/>
               </a:rPr>
-              <a:t>工具</a:t>
+              <a:t>ebStorm</a:t>
             </a:r>
             <a:endParaRPr lang="x-none" altLang="en-US" sz="3200" dirty="0">
               <a:solidFill>
@@ -16440,7 +24434,7 @@
       </p:sp>
       <p:pic>
         <p:nvPicPr>
-          <p:cNvPr id="3" name="图片 2" descr="屏幕剪辑"/>
+          <p:cNvPr id="4" name="图片 3" descr="屏幕剪辑"/>
           <p:cNvPicPr>
             <a:picLocks noChangeAspect="1"/>
           </p:cNvPicPr>
@@ -16460,8 +24454,38 @@
         </p:blipFill>
         <p:spPr>
           <a:xfrm>
-            <a:off x="215515" y="1348612"/>
-            <a:ext cx="7335274" cy="4563112"/>
+            <a:off x="559854" y="1544320"/>
+            <a:ext cx="6134956" cy="3820058"/>
+          </a:xfrm>
+          <a:prstGeom prst="rect">
+            <a:avLst/>
+          </a:prstGeom>
+        </p:spPr>
+      </p:pic>
+      <p:pic>
+        <p:nvPicPr>
+          <p:cNvPr id="5" name="图片 4" descr="屏幕剪辑"/>
+          <p:cNvPicPr>
+            <a:picLocks noChangeAspect="1"/>
+          </p:cNvPicPr>
+          <p:nvPr/>
+        </p:nvPicPr>
+        <p:blipFill>
+          <a:blip r:embed="rId3">
+            <a:extLst>
+              <a:ext uri="{28A0092B-C50C-407E-A947-70E740481C1C}">
+                <a14:useLocalDpi xmlns:a14="http://schemas.microsoft.com/office/drawing/2010/main" val="0"/>
+              </a:ext>
+            </a:extLst>
+          </a:blip>
+          <a:stretch>
+            <a:fillRect/>
+          </a:stretch>
+        </p:blipFill>
+        <p:spPr>
+          <a:xfrm>
+            <a:off x="3627332" y="305435"/>
+            <a:ext cx="638264" cy="933580"/>
           </a:xfrm>
           <a:prstGeom prst="rect">
             <a:avLst/>
@@ -16653,51 +24677,171 @@
           <a:chExt cx="0" cy="0"/>
         </a:xfrm>
       </p:grpSpPr>
-      <p:pic>
-        <p:nvPicPr>
-          <p:cNvPr id="9" name="图片 8" descr="e7d195523061f1c0205959036996ad55c215b892a7aac5c0B9ADEF7896FB48F2EF97163A2DE1401E1875DEDC438B7864AD24CA23553DBBBD975DAF4CAD4A2592689FFB6CEE59FFA55B2702D0E5EE29CDFC0DD98BC7D6A39AC4E055256EE11BBEDCDB7C9722D66262996B68DE860BD3C77EBCAECB599909EC0E07B61811075331ABCDE6990254B8C8"/>
-          <p:cNvPicPr>
-            <a:picLocks noChangeAspect="1"/>
-          </p:cNvPicPr>
+      <p:sp>
+        <p:nvSpPr>
+          <p:cNvPr id="43" name="Rectangle 89" descr="e7d195523061f1c0205959036996ad55c215b892a7aac5c0B9ADEF7896FB48F2EF97163A2DE1401E1875DEDC438B7864AD24CA23553DBBBD975DAF4CAD4A2592689FFB6CEE59FFA55B2702D0E5EE29CDFC0DD98BC7D6A39AC4E055256EE11BBEDCDB7C9722D66262996B68DE860BD3C77EBCAECB599909EC0E07B61811075331ABCDE6990254B8C8"/>
+          <p:cNvSpPr/>
           <p:nvPr/>
-        </p:nvPicPr>
-        <p:blipFill rotWithShape="1">
-          <a:blip r:embed="rId2" cstate="print">
-            <a:extLst>
-              <a:ext uri="{28A0092B-C50C-407E-A947-70E740481C1C}">
-                <a14:useLocalDpi xmlns:a14="http://schemas.microsoft.com/office/drawing/2010/main" val="0"/>
-              </a:ext>
-            </a:extLst>
-          </a:blip>
-          <a:srcRect l="1" t="28217" r="-29" b="26945"/>
-          <a:stretch>
-            <a:fillRect/>
-          </a:stretch>
-        </p:blipFill>
+        </p:nvSpPr>
         <p:spPr>
           <a:xfrm>
-            <a:off x="0" y="1935126"/>
-            <a:ext cx="12195544" cy="3075024"/>
+            <a:off x="6803137" y="1246254"/>
+            <a:ext cx="5751195" cy="1569660"/>
           </a:xfrm>
           <a:prstGeom prst="rect">
             <a:avLst/>
           </a:prstGeom>
         </p:spPr>
-      </p:pic>
+        <p:txBody>
+          <a:bodyPr wrap="square">
+            <a:spAutoFit/>
+          </a:bodyPr>
+          <a:lstStyle/>
+          <a:p>
+            <a:pPr>
+              <a:lnSpc>
+                <a:spcPct val="200000"/>
+              </a:lnSpc>
+            </a:pPr>
+            <a:r>
+              <a:rPr lang="zh-CN" altLang="en-US" sz="2400" b="1" dirty="0" smtClean="0">
+                <a:solidFill>
+                  <a:schemeClr val="tx1">
+                    <a:lumMod val="65000"/>
+                    <a:lumOff val="35000"/>
+                  </a:schemeClr>
+                </a:solidFill>
+                <a:ea typeface="Open Sans" panose="020B0606030504020204" pitchFamily="34" charset="0"/>
+                <a:cs typeface="Open Sans" panose="020B0606030504020204" pitchFamily="34" charset="0"/>
+              </a:rPr>
+              <a:t>优点：</a:t>
+            </a:r>
+            <a:r>
+              <a:rPr lang="x-none" altLang="en-US" sz="2400" b="1" dirty="0" smtClean="0">
+                <a:solidFill>
+                  <a:schemeClr val="tx1">
+                    <a:lumMod val="65000"/>
+                    <a:lumOff val="35000"/>
+                  </a:schemeClr>
+                </a:solidFill>
+                <a:ea typeface="Open Sans" panose="020B0606030504020204" pitchFamily="34" charset="0"/>
+                <a:cs typeface="Open Sans" panose="020B0606030504020204" pitchFamily="34" charset="0"/>
+              </a:rPr>
+              <a:t>操作简单 </a:t>
+            </a:r>
+            <a:r>
+              <a:rPr lang="zh-CN" altLang="en-US" sz="2400" b="1" dirty="0" smtClean="0">
+                <a:solidFill>
+                  <a:schemeClr val="tx1">
+                    <a:lumMod val="65000"/>
+                    <a:lumOff val="35000"/>
+                  </a:schemeClr>
+                </a:solidFill>
+                <a:ea typeface="Open Sans" panose="020B0606030504020204" pitchFamily="34" charset="0"/>
+                <a:cs typeface="Open Sans" panose="020B0606030504020204" pitchFamily="34" charset="0"/>
+              </a:rPr>
+              <a:t>编辑</a:t>
+            </a:r>
+            <a:endParaRPr lang="en-US" altLang="en-US" sz="2400" b="1" dirty="0" smtClean="0">
+              <a:solidFill>
+                <a:schemeClr val="tx1">
+                  <a:lumMod val="65000"/>
+                  <a:lumOff val="35000"/>
+                </a:schemeClr>
+              </a:solidFill>
+              <a:ea typeface="Open Sans" panose="020B0606030504020204" pitchFamily="34" charset="0"/>
+              <a:cs typeface="Open Sans" panose="020B0606030504020204" pitchFamily="34" charset="0"/>
+            </a:endParaRPr>
+          </a:p>
+          <a:p>
+            <a:pPr>
+              <a:lnSpc>
+                <a:spcPct val="200000"/>
+              </a:lnSpc>
+            </a:pPr>
+            <a:r>
+              <a:rPr lang="en-US" altLang="en-US" sz="2400" b="1" dirty="0">
+                <a:solidFill>
+                  <a:schemeClr val="tx1">
+                    <a:lumMod val="65000"/>
+                    <a:lumOff val="35000"/>
+                  </a:schemeClr>
+                </a:solidFill>
+                <a:ea typeface="Open Sans" panose="020B0606030504020204" pitchFamily="34" charset="0"/>
+                <a:cs typeface="Open Sans" panose="020B0606030504020204" pitchFamily="34" charset="0"/>
+              </a:rPr>
+              <a:t>	</a:t>
+            </a:r>
+            <a:r>
+              <a:rPr lang="zh-CN" altLang="en-US" sz="2400" b="1" dirty="0" smtClean="0">
+                <a:solidFill>
+                  <a:schemeClr val="tx1">
+                    <a:lumMod val="65000"/>
+                    <a:lumOff val="35000"/>
+                  </a:schemeClr>
+                </a:solidFill>
+                <a:ea typeface="Open Sans" panose="020B0606030504020204" pitchFamily="34" charset="0"/>
+                <a:cs typeface="Open Sans" panose="020B0606030504020204" pitchFamily="34" charset="0"/>
+              </a:rPr>
+              <a:t>文件结构明确</a:t>
+            </a:r>
+            <a:endParaRPr lang="x-none" altLang="en-US" sz="2400" b="1" dirty="0" smtClean="0">
+              <a:solidFill>
+                <a:schemeClr val="tx1">
+                  <a:lumMod val="65000"/>
+                  <a:lumOff val="35000"/>
+                </a:schemeClr>
+              </a:solidFill>
+              <a:ea typeface="Open Sans" panose="020B0606030504020204" pitchFamily="34" charset="0"/>
+              <a:cs typeface="Open Sans" panose="020B0606030504020204" pitchFamily="34" charset="0"/>
+            </a:endParaRPr>
+          </a:p>
+        </p:txBody>
+      </p:sp>
       <p:sp>
         <p:nvSpPr>
-          <p:cNvPr id="10" name="圆角矩形 9" descr="e7d195523061f1c0205959036996ad55c215b892a7aac5c0B9ADEF7896FB48F2EF97163A2DE1401E1875DEDC438B7864AD24CA23553DBBBD975DAF4CAD4A2592689FFB6CEE59FFA55B2702D0E5EE29CDFC0DD98BC7D6A39AC4E055256EE11BBEDCDB7C9722D66262996B68DE860BD3C77EBCAECB599909EC0E07B61811075331ABCDE6990254B8C8"/>
+          <p:cNvPr id="2" name="e7d195523061f1c0" descr="e7d195523061f1c0205959036996ad55c215b892a7aac5c0B9ADEF7896FB48F2EF97163A2DE1401E1875DEDC438B7864AD24CA23553DBBBD975DAF4CAD4A2592689FFB6CEE59FFA55B2702D0E5EE29CDFC0DD98BC7D6A39AC4E055256EE11BBEDCDB7C9722D66262996B68DE860BD3C77EBCAECB599909EC0E07B61811075331ABCDE6990254B8C8" hidden="1"/>
+          <p:cNvSpPr txBox="1"/>
+          <p:nvPr/>
+        </p:nvSpPr>
+        <p:spPr>
+          <a:xfrm>
+            <a:off x="-355600" y="1803400"/>
+            <a:ext cx="293927" cy="1016000"/>
+          </a:xfrm>
+          <a:prstGeom prst="rect">
+            <a:avLst/>
+          </a:prstGeom>
+          <a:noFill/>
+        </p:spPr>
+        <p:txBody>
+          <a:bodyPr vert="wordArtVert" rtlCol="0">
+            <a:spAutoFit/>
+          </a:bodyPr>
+          <a:lstStyle/>
+          <a:p>
+            <a:r>
+              <a:rPr lang="en-US" altLang="zh-CN" sz="100"/>
+              <a:t>e7d195523061f1c0205959036996ad55c215b892a7aac5c0B9ADEF7896FB48F2EF97163A2DE1401E1875DEDC438B7864AD24CA23553DBBBD975DAF4CAD4A2592689FFB6CEE59FFA55B2702D0E5EE29CDFC0DD98BC7D6A39AC4E055256EE11BBEDCDB7C9722D66262996B68DE860BD3C77EBCAECB599909EC0E07B61811075331ABCDE6990254B8C8</a:t>
+            </a:r>
+            <a:endParaRPr lang="zh-CN" altLang="en-US" sz="100"/>
+          </a:p>
+        </p:txBody>
+      </p:sp>
+      <p:sp>
+        <p:nvSpPr>
+          <p:cNvPr id="18" name="圆角矩形 17" descr="e7d195523061f1c0205959036996ad55c215b892a7aac5c0B9ADEF7896FB48F2EF97163A2DE1401E1875DEDC438B7864AD24CA23553DBBBD975DAF4CAD4A2592689FFB6CEE59FFA55B2702D0E5EE29CDFC0DD98BC7D6A39AC4E055256EE11BBEDCDB7C9722D66262996B68DE860BD3C77EBCAECB599909EC0E07B61811075331ABCDE6990254B8C8"/>
           <p:cNvSpPr/>
           <p:nvPr/>
         </p:nvSpPr>
         <p:spPr>
           <a:xfrm>
-            <a:off x="4668263" y="-1047043"/>
-            <a:ext cx="2988254" cy="3962381"/>
+            <a:off x="559854" y="360913"/>
+            <a:ext cx="576816" cy="604892"/>
           </a:xfrm>
           <a:prstGeom prst="roundRect">
             <a:avLst>
-              <a:gd name="adj" fmla="val 12431"/>
+              <a:gd name="adj" fmla="val 22417"/>
             </a:avLst>
           </a:prstGeom>
           <a:solidFill>
@@ -16735,43 +24879,24 @@
           <a:lstStyle/>
           <a:p>
             <a:pPr algn="ctr"/>
-            <a:endParaRPr lang="en-US" altLang="zh-CN" sz="3600" dirty="0"/>
-          </a:p>
-          <a:p>
-            <a:pPr algn="ctr"/>
-            <a:endParaRPr lang="en-US" altLang="zh-CN" sz="3600" dirty="0"/>
-          </a:p>
-          <a:p>
-            <a:pPr algn="ctr"/>
-            <a:r>
-              <a:rPr lang="en-US" altLang="zh-CN" sz="5400" dirty="0"/>
-              <a:t>PART</a:t>
-            </a:r>
-            <a:r>
-              <a:rPr lang="en-US" altLang="zh-CN" sz="3600" dirty="0"/>
-              <a:t> </a:t>
-            </a:r>
-          </a:p>
-          <a:p>
-            <a:pPr algn="ctr"/>
-            <a:r>
-              <a:rPr lang="en-US" altLang="zh-CN" sz="11500" dirty="0" smtClean="0"/>
-              <a:t>04</a:t>
-            </a:r>
-            <a:endParaRPr lang="en-US" altLang="zh-CN" sz="11500" dirty="0"/>
+            <a:r>
+              <a:rPr lang="en-US" altLang="zh-CN" sz="2400" b="1" dirty="0" smtClean="0"/>
+              <a:t>01</a:t>
+            </a:r>
+            <a:endParaRPr lang="zh-CN" altLang="en-US" sz="2400" b="1" dirty="0"/>
           </a:p>
         </p:txBody>
       </p:sp>
       <p:sp>
         <p:nvSpPr>
-          <p:cNvPr id="11" name="矩形 10" descr="e7d195523061f1c0205959036996ad55c215b892a7aac5c0B9ADEF7896FB48F2EF97163A2DE1401E1875DEDC438B7864AD24CA23553DBBBD975DAF4CAD4A2592689FFB6CEE59FFA55B2702D0E5EE29CDFC0DD98BC7D6A39AC4E055256EE11BBEDCDB7C9722D66262996B68DE860BD3C77EBCAECB599909EC0E07B61811075331ABCDE6990254B8C8"/>
+          <p:cNvPr id="21" name="矩形 20"/>
           <p:cNvSpPr/>
           <p:nvPr/>
         </p:nvSpPr>
         <p:spPr>
           <a:xfrm>
-            <a:off x="2067951" y="3478989"/>
-            <a:ext cx="8426547" cy="640080"/>
+            <a:off x="1270635" y="305435"/>
+            <a:ext cx="3717925" cy="640080"/>
           </a:xfrm>
           <a:prstGeom prst="rect">
             <a:avLst/>
@@ -16801,61 +24926,113 @@
           <a:bodyPr rtlCol="0" anchor="ctr"/>
           <a:lstStyle/>
           <a:p>
-            <a:pPr algn="ctr"/>
-            <a:r>
-              <a:rPr lang="x-none" altLang="zh-CN" sz="4800" dirty="0">
+            <a:r>
+              <a:rPr lang="en-US" altLang="zh-CN" sz="3200" dirty="0" err="1" smtClean="0">
                 <a:solidFill>
-                  <a:schemeClr val="bg1"/>
+                  <a:srgbClr val="EE534F"/>
                 </a:solidFill>
                 <a:ea typeface="Microsoft YaHei UI" panose="020B0503020204020204" pitchFamily="34" charset="-122"/>
               </a:rPr>
-              <a:t>项目运用到的技术</a:t>
-            </a:r>
+              <a:t>W</a:t>
+            </a:r>
+            <a:r>
+              <a:rPr lang="en-US" altLang="zh-CN" sz="3200" dirty="0" err="1" smtClean="0">
+                <a:solidFill>
+                  <a:srgbClr val="EE534F"/>
+                </a:solidFill>
+                <a:ea typeface="Microsoft YaHei UI" panose="020B0503020204020204" pitchFamily="34" charset="-122"/>
+              </a:rPr>
+              <a:t>ebStorm</a:t>
+            </a:r>
+            <a:endParaRPr lang="x-none" altLang="en-US" sz="3200" dirty="0">
+              <a:solidFill>
+                <a:schemeClr val="tx1">
+                  <a:lumMod val="75000"/>
+                  <a:lumOff val="25000"/>
+                </a:schemeClr>
+              </a:solidFill>
+              <a:ea typeface="Microsoft YaHei UI" panose="020B0503020204020204" pitchFamily="34" charset="-122"/>
+            </a:endParaRPr>
           </a:p>
         </p:txBody>
       </p:sp>
-      <p:sp>
-        <p:nvSpPr>
-          <p:cNvPr id="2" name="e7d195523061f1c0" descr="e7d195523061f1c0205959036996ad55c215b892a7aac5c0B9ADEF7896FB48F2EF97163A2DE1401E1875DEDC438B7864AD24CA23553DBBBD975DAF4CAD4A2592689FFB6CEE59FFA55B2702D0E5EE29CDFC0DD98BC7D6A39AC4E055256EE11BBEDCDB7C9722D66262996B68DE860BD3C77EBCAECB599909EC0E07B61811075331ABCDE6990254B8C8" hidden="1"/>
-          <p:cNvSpPr txBox="1"/>
+      <p:pic>
+        <p:nvPicPr>
+          <p:cNvPr id="3" name="图片 2" descr="屏幕剪辑"/>
+          <p:cNvPicPr>
+            <a:picLocks noChangeAspect="1"/>
+          </p:cNvPicPr>
           <p:nvPr/>
-        </p:nvSpPr>
+        </p:nvPicPr>
+        <p:blipFill>
+          <a:blip r:embed="rId2">
+            <a:extLst>
+              <a:ext uri="{28A0092B-C50C-407E-A947-70E740481C1C}">
+                <a14:useLocalDpi xmlns:a14="http://schemas.microsoft.com/office/drawing/2010/main" val="0"/>
+              </a:ext>
+            </a:extLst>
+          </a:blip>
+          <a:stretch>
+            <a:fillRect/>
+          </a:stretch>
+        </p:blipFill>
         <p:spPr>
           <a:xfrm>
-            <a:off x="-355600" y="1803400"/>
-            <a:ext cx="293927" cy="1016000"/>
+            <a:off x="361819" y="1246254"/>
+            <a:ext cx="6004798" cy="3735452"/>
           </a:xfrm>
           <a:prstGeom prst="rect">
             <a:avLst/>
           </a:prstGeom>
-          <a:noFill/>
         </p:spPr>
-        <p:txBody>
-          <a:bodyPr vert="wordArtVert" rtlCol="0">
-            <a:spAutoFit/>
-          </a:bodyPr>
-          <a:lstStyle/>
-          <a:p>
-            <a:r>
-              <a:rPr lang="en-US" altLang="zh-CN" sz="100"/>
-              <a:t>e7d195523061f1c0205959036996ad55c215b892a7aac5c0B9ADEF7896FB48F2EF97163A2DE1401E1875DEDC438B7864AD24CA23553DBBBD975DAF4CAD4A2592689FFB6CEE59FFA55B2702D0E5EE29CDFC0DD98BC7D6A39AC4E055256EE11BBEDCDB7C9722D66262996B68DE860BD3C77EBCAECB599909EC0E07B61811075331ABCDE6990254B8C8</a:t>
-            </a:r>
-            <a:endParaRPr lang="zh-CN" altLang="en-US" sz="100"/>
-          </a:p>
-        </p:txBody>
-      </p:sp>
+      </p:pic>
+      <p:pic>
+        <p:nvPicPr>
+          <p:cNvPr id="5" name="图片 4" descr="屏幕剪辑"/>
+          <p:cNvPicPr>
+            <a:picLocks noChangeAspect="1"/>
+          </p:cNvPicPr>
+          <p:nvPr/>
+        </p:nvPicPr>
+        <p:blipFill>
+          <a:blip r:embed="rId3">
+            <a:extLst>
+              <a:ext uri="{28A0092B-C50C-407E-A947-70E740481C1C}">
+                <a14:useLocalDpi xmlns:a14="http://schemas.microsoft.com/office/drawing/2010/main" val="0"/>
+              </a:ext>
+            </a:extLst>
+          </a:blip>
+          <a:stretch>
+            <a:fillRect/>
+          </a:stretch>
+        </p:blipFill>
+        <p:spPr>
+          <a:xfrm>
+            <a:off x="6803137" y="3106021"/>
+            <a:ext cx="4860616" cy="3751370"/>
+          </a:xfrm>
+          <a:prstGeom prst="rect">
+            <a:avLst/>
+          </a:prstGeom>
+        </p:spPr>
+      </p:pic>
     </p:spTree>
+    <p:extLst>
+      <p:ext uri="{BB962C8B-B14F-4D97-AF65-F5344CB8AC3E}">
+        <p14:creationId xmlns:p14="http://schemas.microsoft.com/office/powerpoint/2010/main" val="485054779"/>
+      </p:ext>
+    </p:extLst>
   </p:cSld>
   <p:clrMapOvr>
     <a:masterClrMapping/>
   </p:clrMapOvr>
-  <mc:AlternateContent xmlns:mc="http://schemas.openxmlformats.org/markup-compatibility/2006">
-    <mc:Choice xmlns="" xmlns:p15="http://schemas.microsoft.com/office/powerpoint/2012/main" Requires="p15">
-      <p:transition xmlns:p14="http://schemas.microsoft.com/office/powerpoint/2010/main" spd="slow" Requires="p14" p14:dur="1250" advClick="0" advTm="0">
-        <p15:prstTrans prst="airplane"/>
+  <mc:AlternateContent xmlns:mc="http://schemas.openxmlformats.org/markup-compatibility/2006" xmlns:p14="http://schemas.microsoft.com/office/powerpoint/2010/main">
+    <mc:Choice Requires="p14">
+      <p:transition spd="slow" p14:dur="1400" advClick="0" advTm="0">
+        <p14:doors dir="vert"/>
       </p:transition>
     </mc:Choice>
-    <mc:Fallback>
+    <mc:Fallback xmlns="">
       <p:transition spd="slow" advClick="0" advTm="0">
         <p:fade/>
       </p:transition>
@@ -16885,9 +25062,9 @@
                             </p:stCondLst>
                             <p:childTnLst>
                               <p:par>
-                                <p:cTn id="5" presetID="10" presetClass="entr" presetSubtype="0" fill="hold" nodeType="withEffect">
+                                <p:cTn id="5" presetID="22" presetClass="entr" presetSubtype="8" fill="hold" grpId="0" nodeType="withEffect">
                                   <p:stCondLst>
-                                    <p:cond delay="1000"/>
+                                    <p:cond delay="3000"/>
                                   </p:stCondLst>
                                   <p:childTnLst>
                                     <p:set>
@@ -16898,7 +25075,42 @@
                                           </p:stCondLst>
                                         </p:cTn>
                                         <p:tgtEl>
-                                          <p:spTgt spid="9"/>
+                                          <p:spTgt spid="43"/>
+                                        </p:tgtEl>
+                                        <p:attrNameLst>
+                                          <p:attrName>style.visibility</p:attrName>
+                                        </p:attrNameLst>
+                                      </p:cBhvr>
+                                      <p:to>
+                                        <p:strVal val="visible"/>
+                                      </p:to>
+                                    </p:set>
+                                    <p:animEffect transition="in" filter="wipe(left)">
+                                      <p:cBhvr>
+                                        <p:cTn id="7" dur="500"/>
+                                        <p:tgtEl>
+                                          <p:spTgt spid="43"/>
+                                        </p:tgtEl>
+                                      </p:cBhvr>
+                                    </p:animEffect>
+                                  </p:childTnLst>
+                                </p:cTn>
+                              </p:par>
+                              <p:par>
+                                <p:cTn id="8" presetID="10" presetClass="entr" presetSubtype="0" fill="hold" grpId="0" nodeType="withEffect">
+                                  <p:stCondLst>
+                                    <p:cond delay="0"/>
+                                  </p:stCondLst>
+                                  <p:childTnLst>
+                                    <p:set>
+                                      <p:cBhvr>
+                                        <p:cTn id="9" dur="1" fill="hold">
+                                          <p:stCondLst>
+                                            <p:cond delay="0"/>
+                                          </p:stCondLst>
+                                        </p:cTn>
+                                        <p:tgtEl>
+                                          <p:spTgt spid="18"/>
                                         </p:tgtEl>
                                         <p:attrNameLst>
                                           <p:attrName>style.visibility</p:attrName>
@@ -16910,9 +25122,9 @@
                                     </p:set>
                                     <p:animEffect transition="in" filter="fade">
                                       <p:cBhvr>
-                                        <p:cTn id="7" dur="1000"/>
-                                        <p:tgtEl>
-                                          <p:spTgt spid="9"/>
+                                        <p:cTn id="10" dur="1000"/>
+                                        <p:tgtEl>
+                                          <p:spTgt spid="18"/>
                                         </p:tgtEl>
                                       </p:cBhvr>
                                     </p:animEffect>
@@ -16920,183 +25132,23 @@
                                 </p:cTn>
                               </p:par>
                               <p:par>
-                                <p:cTn id="8" presetID="42" presetClass="path" presetSubtype="0" accel="50000" decel="50000" autoRev="1" fill="hold" nodeType="withEffect">
+                                <p:cTn id="11" presetID="42" presetClass="path" presetSubtype="0" accel="50000" decel="50000" autoRev="1" fill="hold" grpId="1" nodeType="withEffect">
                                   <p:stCondLst>
-                                    <p:cond delay="1000"/>
+                                    <p:cond delay="0"/>
                                   </p:stCondLst>
                                   <p:childTnLst>
-                                    <p:animMotion origin="layout" path="M -2.08333E-6 1.85185E-6 L -2.08333E-6 -0.07292 " pathEditMode="relative" rAng="0" ptsTypes="AA">
-                                      <p:cBhvr>
-                                        <p:cTn id="9" dur="1000" fill="hold"/>
-                                        <p:tgtEl>
-                                          <p:spTgt spid="9"/>
+                                    <p:animMotion origin="layout" path="M -1.25E-6 2.22222E-6 L 0.02409 2.22222E-6 " pathEditMode="relative" rAng="0" ptsTypes="AA">
+                                      <p:cBhvr>
+                                        <p:cTn id="12" dur="1000" fill="hold"/>
+                                        <p:tgtEl>
+                                          <p:spTgt spid="18"/>
                                         </p:tgtEl>
                                         <p:attrNameLst>
                                           <p:attrName>ppt_x</p:attrName>
                                           <p:attrName>ppt_y</p:attrName>
                                         </p:attrNameLst>
                                       </p:cBhvr>
-                                      <p:rCtr x="0" y="-3657"/>
-                                    </p:animMotion>
-                                  </p:childTnLst>
-                                </p:cTn>
-                              </p:par>
-                              <p:par>
-                                <p:cTn id="10" presetID="10" presetClass="entr" presetSubtype="0" fill="hold" grpId="0" nodeType="withEffect">
-                                  <p:stCondLst>
-                                    <p:cond delay="1000"/>
-                                  </p:stCondLst>
-                                  <p:childTnLst>
-                                    <p:set>
-                                      <p:cBhvr>
-                                        <p:cTn id="11" dur="1" fill="hold">
-                                          <p:stCondLst>
-                                            <p:cond delay="0"/>
-                                          </p:stCondLst>
-                                        </p:cTn>
-                                        <p:tgtEl>
-                                          <p:spTgt spid="10"/>
-                                        </p:tgtEl>
-                                        <p:attrNameLst>
-                                          <p:attrName>style.visibility</p:attrName>
-                                        </p:attrNameLst>
-                                      </p:cBhvr>
-                                      <p:to>
-                                        <p:strVal val="visible"/>
-                                      </p:to>
-                                    </p:set>
-                                    <p:animEffect transition="in" filter="fade">
-                                      <p:cBhvr>
-                                        <p:cTn id="12" dur="1000"/>
-                                        <p:tgtEl>
-                                          <p:spTgt spid="10"/>
-                                        </p:tgtEl>
-                                      </p:cBhvr>
-                                    </p:animEffect>
-                                  </p:childTnLst>
-                                </p:cTn>
-                              </p:par>
-                              <p:par>
-                                <p:cTn id="13" presetID="42" presetClass="path" presetSubtype="0" accel="50000" decel="50000" autoRev="1" fill="hold" grpId="1" nodeType="withEffect">
-                                  <p:stCondLst>
-                                    <p:cond delay="1000"/>
-                                  </p:stCondLst>
-                                  <p:childTnLst>
-                                    <p:animMotion origin="layout" path="M -3.95833E-6 4.07407E-6 L -3.95833E-6 0.07222 " pathEditMode="relative" rAng="0" ptsTypes="AA">
-                                      <p:cBhvr>
-                                        <p:cTn id="14" dur="1000" fill="hold"/>
-                                        <p:tgtEl>
-                                          <p:spTgt spid="10"/>
-                                        </p:tgtEl>
-                                        <p:attrNameLst>
-                                          <p:attrName>ppt_x</p:attrName>
-                                          <p:attrName>ppt_y</p:attrName>
-                                        </p:attrNameLst>
-                                      </p:cBhvr>
-                                      <p:rCtr x="0" y="3611"/>
-                                    </p:animMotion>
-                                  </p:childTnLst>
-                                </p:cTn>
-                              </p:par>
-                              <p:par>
-                                <p:cTn id="15" presetID="53" presetClass="entr" presetSubtype="16" fill="hold" grpId="0" nodeType="withEffect">
-                                  <p:stCondLst>
-                                    <p:cond delay="2500"/>
-                                  </p:stCondLst>
-                                  <p:childTnLst>
-                                    <p:set>
-                                      <p:cBhvr>
-                                        <p:cTn id="16" dur="1" fill="hold">
-                                          <p:stCondLst>
-                                            <p:cond delay="0"/>
-                                          </p:stCondLst>
-                                        </p:cTn>
-                                        <p:tgtEl>
-                                          <p:spTgt spid="11"/>
-                                        </p:tgtEl>
-                                        <p:attrNameLst>
-                                          <p:attrName>style.visibility</p:attrName>
-                                        </p:attrNameLst>
-                                      </p:cBhvr>
-                                      <p:to>
-                                        <p:strVal val="visible"/>
-                                      </p:to>
-                                    </p:set>
-                                    <p:anim calcmode="lin" valueType="num">
-                                      <p:cBhvr>
-                                        <p:cTn id="17" dur="500" fill="hold"/>
-                                        <p:tgtEl>
-                                          <p:spTgt spid="11"/>
-                                        </p:tgtEl>
-                                        <p:attrNameLst>
-                                          <p:attrName>ppt_w</p:attrName>
-                                        </p:attrNameLst>
-                                      </p:cBhvr>
-                                      <p:tavLst>
-                                        <p:tav tm="0">
-                                          <p:val>
-                                            <p:fltVal val="0"/>
-                                          </p:val>
-                                        </p:tav>
-                                        <p:tav tm="100000">
-                                          <p:val>
-                                            <p:strVal val="#ppt_w"/>
-                                          </p:val>
-                                        </p:tav>
-                                      </p:tavLst>
-                                    </p:anim>
-                                    <p:anim calcmode="lin" valueType="num">
-                                      <p:cBhvr>
-                                        <p:cTn id="18" dur="500" fill="hold"/>
-                                        <p:tgtEl>
-                                          <p:spTgt spid="11"/>
-                                        </p:tgtEl>
-                                        <p:attrNameLst>
-                                          <p:attrName>ppt_h</p:attrName>
-                                        </p:attrNameLst>
-                                      </p:cBhvr>
-                                      <p:tavLst>
-                                        <p:tav tm="0">
-                                          <p:val>
-                                            <p:fltVal val="0"/>
-                                          </p:val>
-                                        </p:tav>
-                                        <p:tav tm="100000">
-                                          <p:val>
-                                            <p:strVal val="#ppt_h"/>
-                                          </p:val>
-                                        </p:tav>
-                                      </p:tavLst>
-                                    </p:anim>
-                                    <p:animEffect transition="in" filter="fade">
-                                      <p:cBhvr>
-                                        <p:cTn id="19" dur="500"/>
-                                        <p:tgtEl>
-                                          <p:spTgt spid="11"/>
-                                        </p:tgtEl>
-                                      </p:cBhvr>
-                                    </p:animEffect>
-                                  </p:childTnLst>
-                                </p:cTn>
-                              </p:par>
-                              <p:par>
-                                <p:cTn id="20" presetID="64" presetClass="path" presetSubtype="0" accel="50000" decel="50000" fill="hold" grpId="1" nodeType="withEffect">
-                                  <p:stCondLst>
-                                    <p:cond delay="2500"/>
-                                  </p:stCondLst>
-                                  <p:childTnLst>
-                                    <p:animMotion origin="layout" path="M 1.25E-6 0.04675 L 1.25E-6 4.81481E-6 " pathEditMode="relative" rAng="0" ptsTypes="AA">
-                                      <p:cBhvr>
-                                        <p:cTn id="21" dur="2000" fill="hold"/>
-                                        <p:tgtEl>
-                                          <p:spTgt spid="11"/>
-                                        </p:tgtEl>
-                                        <p:attrNameLst>
-                                          <p:attrName>ppt_x</p:attrName>
-                                          <p:attrName>ppt_y</p:attrName>
-                                        </p:attrNameLst>
-                                      </p:cBhvr>
-                                      <p:rCtr x="0" y="-2338"/>
+                                      <p:rCtr x="1198" y="0"/>
                                     </p:animMotion>
                                   </p:childTnLst>
                                 </p:cTn>
@@ -17129,10 +25181,9 @@
       </p:par>
     </p:tnLst>
     <p:bldLst>
-      <p:bldP spid="10" grpId="0" animBg="1"/>
-      <p:bldP spid="10" grpId="1" animBg="1"/>
-      <p:bldP spid="11" grpId="0"/>
-      <p:bldP spid="11" grpId="1"/>
+      <p:bldP spid="43" grpId="0"/>
+      <p:bldP spid="18" grpId="0" animBg="1"/>
+      <p:bldP spid="18" grpId="1" animBg="1"/>
     </p:bldLst>
   </p:timing>
 </p:sld>
@@ -17393,7 +25444,7 @@
   <a:extraClrSchemeLst/>
   <a:extLst>
     <a:ext uri="{05A4C25C-085E-4340-85A3-A5531E510DB2}">
-      <thm15:themeFamily xmlns="" xmlns:thm15="http://schemas.microsoft.com/office/thememl/2012/main" name="Office Theme" id="{62F939B6-93AF-4DB8-9C6B-D6C7DFDC589F}" vid="{4A3C46E8-61CC-4603-A589-7422A47A8E4A}"/>
+      <thm15:themeFamily xmlns:thm15="http://schemas.microsoft.com/office/thememl/2012/main" xmlns="" name="Office Theme" id="{62F939B6-93AF-4DB8-9C6B-D6C7DFDC589F}" vid="{4A3C46E8-61CC-4603-A589-7422A47A8E4A}"/>
     </a:ext>
   </a:extLst>
 </a:theme>
@@ -17654,7 +25705,7 @@
   <a:extraClrSchemeLst/>
   <a:extLst>
     <a:ext uri="{05A4C25C-085E-4340-85A3-A5531E510DB2}">
-      <thm15:themeFamily xmlns="" xmlns:thm15="http://schemas.microsoft.com/office/thememl/2012/main" name="Office Theme" id="{62F939B6-93AF-4DB8-9C6B-D6C7DFDC589F}" vid="{4A3C46E8-61CC-4603-A589-7422A47A8E4A}"/>
+      <thm15:themeFamily xmlns:thm15="http://schemas.microsoft.com/office/thememl/2012/main" xmlns="" name="Office Theme" id="{62F939B6-93AF-4DB8-9C6B-D6C7DFDC589F}" vid="{4A3C46E8-61CC-4603-A589-7422A47A8E4A}"/>
     </a:ext>
   </a:extLst>
 </a:theme>
